--- a/reports/final_report.pptx
+++ b/reports/final_report.pptx
@@ -5,12 +5,14 @@
     <p:sldMasterId id="2147483648" r:id="rId1"/>
   </p:sldMasterIdLst>
   <p:sldIdLst>
-    <p:sldId id="256" r:id="rId2"/>
-    <p:sldId id="257" r:id="rId3"/>
-    <p:sldId id="258" r:id="rId4"/>
-    <p:sldId id="259" r:id="rId5"/>
-    <p:sldId id="260" r:id="rId6"/>
-    <p:sldId id="261" r:id="rId7"/>
+    <p:sldId id="256" r:id="rId7"/>
+    <p:sldId id="257" r:id="rId8"/>
+    <p:sldId id="258" r:id="rId9"/>
+    <p:sldId id="259" r:id="rId10"/>
+    <p:sldId id="260" r:id="rId11"/>
+    <p:sldId id="261" r:id="rId12"/>
+    <p:sldId id="262" r:id="rId13"/>
+    <p:sldId id="263" r:id="rId14"/>
   </p:sldIdLst>
   <p:sldSz cx="9144000" cy="6858000" type="screen4x3"/>
   <p:notesSz cx="6858000" cy="9144000"/>
@@ -109,22 +111,6 @@
       </a:defRPr>
     </a:lvl9pPr>
   </p:defaultTextStyle>
-  <p:extLst>
-    <p:ext uri="{EFAFB233-063F-42B5-8137-9DF3F51BA10A}">
-      <p15:sldGuideLst xmlns:p15="http://schemas.microsoft.com/office/powerpoint/2012/main">
-        <p15:guide id="1" orient="horz" pos="2160">
-          <p15:clr>
-            <a:srgbClr val="A4A3A4"/>
-          </p15:clr>
-        </p15:guide>
-        <p15:guide id="2" pos="2880">
-          <p15:clr>
-            <a:srgbClr val="A4A3A4"/>
-          </p15:clr>
-        </p15:guide>
-      </p15:sldGuideLst>
-    </p:ext>
-  </p:extLst>
 </p:presentation>
 </file>
 
@@ -309,7 +295,7 @@
           <a:p>
             <a:fld id="{5BCAD085-E8A6-8845-BD4E-CB4CCA059FC4}" type="datetimeFigureOut">
               <a:rPr lang="en-US" smtClean="0"/>
-              <a:t>03-Dec-25</a:t>
+              <a:t>1/27/13</a:t>
             </a:fld>
             <a:endParaRPr lang="en-US"/>
           </a:p>
@@ -479,7 +465,7 @@
           <a:p>
             <a:fld id="{5BCAD085-E8A6-8845-BD4E-CB4CCA059FC4}" type="datetimeFigureOut">
               <a:rPr lang="en-US" smtClean="0"/>
-              <a:t>03-Dec-25</a:t>
+              <a:t>1/27/13</a:t>
             </a:fld>
             <a:endParaRPr lang="en-US"/>
           </a:p>
@@ -659,7 +645,7 @@
           <a:p>
             <a:fld id="{5BCAD085-E8A6-8845-BD4E-CB4CCA059FC4}" type="datetimeFigureOut">
               <a:rPr lang="en-US" smtClean="0"/>
-              <a:t>03-Dec-25</a:t>
+              <a:t>1/27/13</a:t>
             </a:fld>
             <a:endParaRPr lang="en-US"/>
           </a:p>
@@ -829,7 +815,7 @@
           <a:p>
             <a:fld id="{5BCAD085-E8A6-8845-BD4E-CB4CCA059FC4}" type="datetimeFigureOut">
               <a:rPr lang="en-US" smtClean="0"/>
-              <a:t>03-Dec-25</a:t>
+              <a:t>1/27/13</a:t>
             </a:fld>
             <a:endParaRPr lang="en-US"/>
           </a:p>
@@ -1075,7 +1061,7 @@
           <a:p>
             <a:fld id="{5BCAD085-E8A6-8845-BD4E-CB4CCA059FC4}" type="datetimeFigureOut">
               <a:rPr lang="en-US" smtClean="0"/>
-              <a:t>03-Dec-25</a:t>
+              <a:t>1/27/13</a:t>
             </a:fld>
             <a:endParaRPr lang="en-US"/>
           </a:p>
@@ -1363,7 +1349,7 @@
           <a:p>
             <a:fld id="{5BCAD085-E8A6-8845-BD4E-CB4CCA059FC4}" type="datetimeFigureOut">
               <a:rPr lang="en-US" smtClean="0"/>
-              <a:t>03-Dec-25</a:t>
+              <a:t>1/27/13</a:t>
             </a:fld>
             <a:endParaRPr lang="en-US"/>
           </a:p>
@@ -1785,7 +1771,7 @@
           <a:p>
             <a:fld id="{5BCAD085-E8A6-8845-BD4E-CB4CCA059FC4}" type="datetimeFigureOut">
               <a:rPr lang="en-US" smtClean="0"/>
-              <a:t>03-Dec-25</a:t>
+              <a:t>1/27/13</a:t>
             </a:fld>
             <a:endParaRPr lang="en-US"/>
           </a:p>
@@ -1903,7 +1889,7 @@
           <a:p>
             <a:fld id="{5BCAD085-E8A6-8845-BD4E-CB4CCA059FC4}" type="datetimeFigureOut">
               <a:rPr lang="en-US" smtClean="0"/>
-              <a:t>03-Dec-25</a:t>
+              <a:t>1/27/13</a:t>
             </a:fld>
             <a:endParaRPr lang="en-US"/>
           </a:p>
@@ -1998,7 +1984,7 @@
           <a:p>
             <a:fld id="{5BCAD085-E8A6-8845-BD4E-CB4CCA059FC4}" type="datetimeFigureOut">
               <a:rPr lang="en-US" smtClean="0"/>
-              <a:t>03-Dec-25</a:t>
+              <a:t>1/27/13</a:t>
             </a:fld>
             <a:endParaRPr lang="en-US"/>
           </a:p>
@@ -2275,7 +2261,7 @@
           <a:p>
             <a:fld id="{5BCAD085-E8A6-8845-BD4E-CB4CCA059FC4}" type="datetimeFigureOut">
               <a:rPr lang="en-US" smtClean="0"/>
-              <a:t>03-Dec-25</a:t>
+              <a:t>1/27/13</a:t>
             </a:fld>
             <a:endParaRPr lang="en-US"/>
           </a:p>
@@ -2528,7 +2514,7 @@
           <a:p>
             <a:fld id="{5BCAD085-E8A6-8845-BD4E-CB4CCA059FC4}" type="datetimeFigureOut">
               <a:rPr lang="en-US" smtClean="0"/>
-              <a:t>03-Dec-25</a:t>
+              <a:t>1/27/13</a:t>
             </a:fld>
             <a:endParaRPr lang="en-US"/>
           </a:p>
@@ -2741,7 +2727,7 @@
           <a:p>
             <a:fld id="{5BCAD085-E8A6-8845-BD4E-CB4CCA059FC4}" type="datetimeFigureOut">
               <a:rPr lang="en-US" smtClean="0"/>
-              <a:t>03-Dec-25</a:t>
+              <a:t>1/27/13</a:t>
             </a:fld>
             <a:endParaRPr lang="en-US"/>
           </a:p>
@@ -3100,7 +3086,7 @@
 </file>
 
 <file path=ppt/slides/slide1.xml><?xml version="1.0" encoding="utf-8"?>
-<p:sld xmlns:a="http://schemas.openxmlformats.org/drawingml/2006/main" xmlns:r="http://schemas.openxmlformats.org/officeDocument/2006/relationships" xmlns:p="http://schemas.openxmlformats.org/presentationml/2006/main">
+<p:sld xmlns:a="http://schemas.openxmlformats.org/drawingml/2006/main" xmlns:p="http://schemas.openxmlformats.org/presentationml/2006/main" xmlns:r="http://schemas.openxmlformats.org/officeDocument/2006/relationships">
   <p:cSld>
     <p:spTree>
       <p:nvGrpSpPr>
@@ -3108,14 +3094,7 @@
         <p:cNvGrpSpPr/>
         <p:nvPr/>
       </p:nvGrpSpPr>
-      <p:grpSpPr>
-        <a:xfrm>
-          <a:off x="0" y="0"/>
-          <a:ext cx="0" cy="0"/>
-          <a:chOff x="0" y="0"/>
-          <a:chExt cx="0" cy="0"/>
-        </a:xfrm>
-      </p:grpSpPr>
+      <p:grpSpPr/>
       <p:sp>
         <p:nvSpPr>
           <p:cNvPr id="2" name="Title 1"/>
@@ -3132,10 +3111,26 @@
           <a:lstStyle/>
           <a:p>
             <a:r>
-              <a:rPr dirty="0"/>
-              <a:t>Insights Report</a:t>
-            </a:r>
-          </a:p>
+              <a:t>InsightFusion – Automated Multi-Source Report</a:t>
+            </a:r>
+          </a:p>
+        </p:txBody>
+      </p:sp>
+      <p:sp>
+        <p:nvSpPr>
+          <p:cNvPr id="3" name="Subtitle 2"/>
+          <p:cNvSpPr>
+            <a:spLocks noGrp="1"/>
+          </p:cNvSpPr>
+          <p:nvPr>
+            <p:ph type="subTitle" idx="1"/>
+          </p:nvPr>
+        </p:nvSpPr>
+        <p:spPr/>
+        <p:txBody>
+          <a:bodyPr/>
+          <a:lstStyle/>
+          <a:p/>
         </p:txBody>
       </p:sp>
     </p:spTree>
@@ -3147,7 +3142,7 @@
 </file>
 
 <file path=ppt/slides/slide2.xml><?xml version="1.0" encoding="utf-8"?>
-<p:sld xmlns:a="http://schemas.openxmlformats.org/drawingml/2006/main" xmlns:r="http://schemas.openxmlformats.org/officeDocument/2006/relationships" xmlns:p="http://schemas.openxmlformats.org/presentationml/2006/main">
+<p:sld xmlns:a="http://schemas.openxmlformats.org/drawingml/2006/main" xmlns:p="http://schemas.openxmlformats.org/presentationml/2006/main" xmlns:r="http://schemas.openxmlformats.org/officeDocument/2006/relationships">
   <p:cSld>
     <p:spTree>
       <p:nvGrpSpPr>
@@ -3155,14 +3150,7 @@
         <p:cNvGrpSpPr/>
         <p:nvPr/>
       </p:nvGrpSpPr>
-      <p:grpSpPr>
-        <a:xfrm>
-          <a:off x="0" y="0"/>
-          <a:ext cx="0" cy="0"/>
-          <a:chOff x="0" y="0"/>
-          <a:chExt cx="0" cy="0"/>
-        </a:xfrm>
-      </p:grpSpPr>
+      <p:grpSpPr/>
       <p:sp>
         <p:nvSpPr>
           <p:cNvPr id="2" name="Title 1"/>
@@ -3180,131 +3168,6 @@
           <a:p>
             <a:r>
               <a:t>AI Summary</a:t>
-            </a:r>
-          </a:p>
-        </p:txBody>
-      </p:sp>
-      <p:sp>
-        <p:nvSpPr>
-          <p:cNvPr id="3" name="Content Placeholder 2"/>
-          <p:cNvSpPr>
-            <a:spLocks noGrp="1"/>
-          </p:cNvSpPr>
-          <p:nvPr>
-            <p:ph idx="1"/>
-          </p:nvPr>
-        </p:nvSpPr>
-        <p:spPr/>
-        <p:txBody>
-          <a:bodyPr>
-            <a:normAutofit/>
-          </a:bodyPr>
-          <a:lstStyle/>
-          <a:p>
-            <a:endParaRPr dirty="0"/>
-          </a:p>
-          <a:p>
-            <a:pPr marL="0" indent="0">
-              <a:buNone/>
-            </a:pPr>
-            <a:r>
-              <a:rPr dirty="0" smtClean="0"/>
-              <a:t>Summary</a:t>
-            </a:r>
-            <a:r>
-              <a:rPr dirty="0"/>
-              <a:t>:</a:t>
-            </a:r>
-          </a:p>
-          <a:p>
-            <a:pPr marL="0" indent="0">
-              <a:buNone/>
-            </a:pPr>
-            <a:r>
-              <a:rPr dirty="0"/>
-              <a:t>- Impressions: 158777</a:t>
-            </a:r>
-          </a:p>
-          <a:p>
-            <a:pPr marL="0" indent="0">
-              <a:buNone/>
-            </a:pPr>
-            <a:r>
-              <a:rPr dirty="0"/>
-              <a:t>- CTR: 0.0013</a:t>
-            </a:r>
-          </a:p>
-          <a:p>
-            <a:pPr marL="0" indent="0">
-              <a:buNone/>
-            </a:pPr>
-            <a:r>
-              <a:rPr dirty="0"/>
-              <a:t>- Temperature correlated with visitor behavior.</a:t>
-            </a:r>
-          </a:p>
-          <a:p>
-            <a:pPr marL="0" indent="0">
-              <a:buNone/>
-            </a:pPr>
-            <a:r>
-              <a:rPr dirty="0"/>
-              <a:t>- Optimize campaigns for cooler evening hours.</a:t>
-            </a:r>
-          </a:p>
-          <a:p>
-            <a:pPr marL="0" indent="0">
-              <a:buNone/>
-            </a:pPr>
-            <a:r>
-              <a:rPr dirty="0"/>
-              <a:t>- Adjust bids dynamically using weather signals.</a:t>
-            </a:r>
-          </a:p>
-        </p:txBody>
-      </p:sp>
-    </p:spTree>
-  </p:cSld>
-  <p:clrMapOvr>
-    <a:masterClrMapping/>
-  </p:clrMapOvr>
-</p:sld>
-</file>
-
-<file path=ppt/slides/slide3.xml><?xml version="1.0" encoding="utf-8"?>
-<p:sld xmlns:a="http://schemas.openxmlformats.org/drawingml/2006/main" xmlns:r="http://schemas.openxmlformats.org/officeDocument/2006/relationships" xmlns:p="http://schemas.openxmlformats.org/presentationml/2006/main">
-  <p:cSld>
-    <p:spTree>
-      <p:nvGrpSpPr>
-        <p:cNvPr id="1" name=""/>
-        <p:cNvGrpSpPr/>
-        <p:nvPr/>
-      </p:nvGrpSpPr>
-      <p:grpSpPr>
-        <a:xfrm>
-          <a:off x="0" y="0"/>
-          <a:ext cx="0" cy="0"/>
-          <a:chOff x="0" y="0"/>
-          <a:chExt cx="0" cy="0"/>
-        </a:xfrm>
-      </p:grpSpPr>
-      <p:sp>
-        <p:nvSpPr>
-          <p:cNvPr id="2" name="Title 1"/>
-          <p:cNvSpPr>
-            <a:spLocks noGrp="1"/>
-          </p:cNvSpPr>
-          <p:nvPr>
-            <p:ph type="title"/>
-          </p:nvPr>
-        </p:nvSpPr>
-        <p:spPr/>
-        <p:txBody>
-          <a:bodyPr/>
-          <a:lstStyle/>
-          <a:p>
-            <a:r>
-              <a:t>Metrics</a:t>
             </a:r>
           </a:p>
         </p:txBody>
@@ -3323,30 +3186,152 @@
         <p:txBody>
           <a:bodyPr/>
           <a:lstStyle/>
-          <a:p>
-            <a:endParaRPr/>
-          </a:p>
-          <a:p>
+          <a:p/>
+          <a:p>
+            <a:pPr>
+              <a:defRPr sz="1400"/>
+            </a:pPr>
+            <a:r>
+              <a:t>Offline Summary:</a:t>
+            </a:r>
+          </a:p>
+          <a:p>
+            <a:pPr>
+              <a:defRPr sz="1400"/>
+            </a:pPr>
+            <a:r>
+              <a:t>- Total Impressions: 158777</a:t>
+            </a:r>
+          </a:p>
+          <a:p>
+            <a:pPr>
+              <a:defRPr sz="1400"/>
+            </a:pPr>
+            <a:r>
+              <a:t>- CTR: 0.001335205980715091</a:t>
+            </a:r>
+          </a:p>
+          <a:p>
+            <a:pPr>
+              <a:defRPr sz="1400"/>
+            </a:pPr>
+            <a:r>
+              <a:t>- Temperature shows correlation with foot-traffic.</a:t>
+            </a:r>
+          </a:p>
+          <a:p>
+            <a:pPr>
+              <a:defRPr sz="1400"/>
+            </a:pPr>
+            <a:r>
+              <a:t>- Several anomalies detected in impressions/revenue.</a:t>
+            </a:r>
+          </a:p>
+          <a:p>
+            <a:pPr>
+              <a:defRPr sz="1400"/>
+            </a:pPr>
+            <a:r>
+              <a:t>- Optimize timing and creatives based on visitor behavior.</a:t>
+            </a:r>
+          </a:p>
+          <a:p>
+            <a:pPr>
+              <a:defRPr sz="1400"/>
+            </a:pPr>
+          </a:p>
+        </p:txBody>
+      </p:sp>
+    </p:spTree>
+  </p:cSld>
+  <p:clrMapOvr>
+    <a:masterClrMapping/>
+  </p:clrMapOvr>
+</p:sld>
+</file>
+
+<file path=ppt/slides/slide3.xml><?xml version="1.0" encoding="utf-8"?>
+<p:sld xmlns:a="http://schemas.openxmlformats.org/drawingml/2006/main" xmlns:p="http://schemas.openxmlformats.org/presentationml/2006/main" xmlns:r="http://schemas.openxmlformats.org/officeDocument/2006/relationships">
+  <p:cSld>
+    <p:spTree>
+      <p:nvGrpSpPr>
+        <p:cNvPr id="1" name=""/>
+        <p:cNvGrpSpPr/>
+        <p:nvPr/>
+      </p:nvGrpSpPr>
+      <p:grpSpPr/>
+      <p:sp>
+        <p:nvSpPr>
+          <p:cNvPr id="2" name="Title 1"/>
+          <p:cNvSpPr>
+            <a:spLocks noGrp="1"/>
+          </p:cNvSpPr>
+          <p:nvPr>
+            <p:ph type="title"/>
+          </p:nvPr>
+        </p:nvSpPr>
+        <p:spPr/>
+        <p:txBody>
+          <a:bodyPr/>
+          <a:lstStyle/>
+          <a:p>
+            <a:r>
+              <a:t>Key Metrics</a:t>
+            </a:r>
+          </a:p>
+        </p:txBody>
+      </p:sp>
+      <p:sp>
+        <p:nvSpPr>
+          <p:cNvPr id="3" name="Content Placeholder 2"/>
+          <p:cNvSpPr>
+            <a:spLocks noGrp="1"/>
+          </p:cNvSpPr>
+          <p:nvPr>
+            <p:ph idx="1"/>
+          </p:nvPr>
+        </p:nvSpPr>
+        <p:spPr/>
+        <p:txBody>
+          <a:bodyPr/>
+          <a:lstStyle/>
+          <a:p/>
+          <a:p>
+            <a:pPr>
+              <a:defRPr sz="1400"/>
+            </a:pPr>
             <a:r>
               <a:t>total_impressions: 158777</a:t>
             </a:r>
           </a:p>
           <a:p>
+            <a:pPr>
+              <a:defRPr sz="1400"/>
+            </a:pPr>
             <a:r>
               <a:t>total_clicks: 212</a:t>
             </a:r>
           </a:p>
           <a:p>
+            <a:pPr>
+              <a:defRPr sz="1400"/>
+            </a:pPr>
             <a:r>
               <a:t>ctr: 0.001335205980715091</a:t>
             </a:r>
           </a:p>
           <a:p>
+            <a:pPr>
+              <a:defRPr sz="1400"/>
+            </a:pPr>
             <a:r>
               <a:t>avg_temperature: 23.045277777777777</a:t>
             </a:r>
           </a:p>
           <a:p>
+            <a:pPr>
+              <a:defRPr sz="1400"/>
+            </a:pPr>
             <a:r>
               <a:t>avg_visitors: 84.99027777777778</a:t>
             </a:r>
@@ -3362,7 +3347,7 @@
 </file>
 
 <file path=ppt/slides/slide4.xml><?xml version="1.0" encoding="utf-8"?>
-<p:sld xmlns:a="http://schemas.openxmlformats.org/drawingml/2006/main" xmlns:r="http://schemas.openxmlformats.org/officeDocument/2006/relationships" xmlns:p="http://schemas.openxmlformats.org/presentationml/2006/main">
+<p:sld xmlns:a="http://schemas.openxmlformats.org/drawingml/2006/main" xmlns:p="http://schemas.openxmlformats.org/presentationml/2006/main" xmlns:r="http://schemas.openxmlformats.org/officeDocument/2006/relationships">
   <p:cSld>
     <p:spTree>
       <p:nvGrpSpPr>
@@ -3370,14 +3355,847 @@
         <p:cNvGrpSpPr/>
         <p:nvPr/>
       </p:nvGrpSpPr>
-      <p:grpSpPr>
-        <a:xfrm>
-          <a:off x="0" y="0"/>
-          <a:ext cx="0" cy="0"/>
-          <a:chOff x="0" y="0"/>
-          <a:chExt cx="0" cy="0"/>
-        </a:xfrm>
-      </p:grpSpPr>
+      <p:grpSpPr/>
+      <p:sp>
+        <p:nvSpPr>
+          <p:cNvPr id="2" name="Title 1"/>
+          <p:cNvSpPr>
+            <a:spLocks noGrp="1"/>
+          </p:cNvSpPr>
+          <p:nvPr>
+            <p:ph type="title"/>
+          </p:nvPr>
+        </p:nvSpPr>
+        <p:spPr/>
+        <p:txBody>
+          <a:bodyPr/>
+          <a:lstStyle/>
+          <a:p>
+            <a:r>
+              <a:t>Detected Anomalies</a:t>
+            </a:r>
+          </a:p>
+        </p:txBody>
+      </p:sp>
+      <p:sp>
+        <p:nvSpPr>
+          <p:cNvPr id="3" name="Content Placeholder 2"/>
+          <p:cNvSpPr>
+            <a:spLocks noGrp="1"/>
+          </p:cNvSpPr>
+          <p:nvPr>
+            <p:ph idx="1"/>
+          </p:nvPr>
+        </p:nvSpPr>
+        <p:spPr/>
+        <p:txBody>
+          <a:bodyPr/>
+          <a:lstStyle/>
+          <a:p/>
+          <a:p>
+            <a:pPr>
+              <a:defRPr sz="1400"/>
+            </a:pPr>
+            <a:r>
+              <a:t>Impression anomaly detected on 2025-09-01 01:00:00: value=188.</a:t>
+            </a:r>
+          </a:p>
+          <a:p>
+            <a:pPr>
+              <a:defRPr sz="1400"/>
+            </a:pPr>
+            <a:r>
+              <a:t>Impression anomaly detected on 2025-09-02 22:00:00: value=261.</a:t>
+            </a:r>
+          </a:p>
+          <a:p>
+            <a:pPr>
+              <a:defRPr sz="1400"/>
+            </a:pPr>
+            <a:r>
+              <a:t>Impression anomaly detected on 2025-09-02 23:00:00: value=191.</a:t>
+            </a:r>
+          </a:p>
+          <a:p>
+            <a:pPr>
+              <a:defRPr sz="1400"/>
+            </a:pPr>
+            <a:r>
+              <a:t>Impression anomaly detected on 2025-09-03 02:00:00: value=191.</a:t>
+            </a:r>
+          </a:p>
+          <a:p>
+            <a:pPr>
+              <a:defRPr sz="1400"/>
+            </a:pPr>
+            <a:r>
+              <a:t>Impression anomaly detected on 2025-09-03 08:00:00: value=192.</a:t>
+            </a:r>
+          </a:p>
+          <a:p>
+            <a:pPr>
+              <a:defRPr sz="1400"/>
+            </a:pPr>
+            <a:r>
+              <a:t>Impression anomaly detected on 2025-09-03 09:00:00: value=189.</a:t>
+            </a:r>
+          </a:p>
+          <a:p>
+            <a:pPr>
+              <a:defRPr sz="1400"/>
+            </a:pPr>
+            <a:r>
+              <a:t>Impression anomaly detected on 2025-09-05 11:00:00: value=252.</a:t>
+            </a:r>
+          </a:p>
+          <a:p>
+            <a:pPr>
+              <a:defRPr sz="1400"/>
+            </a:pPr>
+            <a:r>
+              <a:t>Impression anomaly detected on 2025-09-06 04:00:00: value=189.</a:t>
+            </a:r>
+          </a:p>
+          <a:p>
+            <a:pPr>
+              <a:defRPr sz="1400"/>
+            </a:pPr>
+            <a:r>
+              <a:t>Impression anomaly detected on 2025-09-07 14:00:00: value=254.</a:t>
+            </a:r>
+          </a:p>
+          <a:p>
+            <a:pPr>
+              <a:defRPr sz="1400"/>
+            </a:pPr>
+            <a:r>
+              <a:t>Impression anomaly detected on 2025-09-07 15:00:00: value=257.</a:t>
+            </a:r>
+          </a:p>
+          <a:p>
+            <a:pPr>
+              <a:defRPr sz="1400"/>
+            </a:pPr>
+            <a:r>
+              <a:t>Impression anomaly detected on 2025-09-07 21:00:00: value=192.</a:t>
+            </a:r>
+          </a:p>
+          <a:p>
+            <a:pPr>
+              <a:defRPr sz="1400"/>
+            </a:pPr>
+            <a:r>
+              <a:t>Impression anomaly detected on 2025-09-08 13:00:00: value=192.</a:t>
+            </a:r>
+          </a:p>
+          <a:p>
+            <a:pPr>
+              <a:defRPr sz="1400"/>
+            </a:pPr>
+            <a:r>
+              <a:t>Impression anomaly detected on 2025-09-08 22:00:00: value=186.</a:t>
+            </a:r>
+          </a:p>
+          <a:p>
+            <a:pPr>
+              <a:defRPr sz="1400"/>
+            </a:pPr>
+            <a:r>
+              <a:t>Impression anomaly detected on 2025-09-10 01:00:00: value=191.</a:t>
+            </a:r>
+          </a:p>
+          <a:p>
+            <a:pPr>
+              <a:defRPr sz="1400"/>
+            </a:pPr>
+            <a:r>
+              <a:t>Impression anomaly detected on 2025-09-11 12:00:00: value=258.</a:t>
+            </a:r>
+          </a:p>
+          <a:p>
+            <a:pPr>
+              <a:defRPr sz="1400"/>
+            </a:pPr>
+            <a:r>
+              <a:t>Impression anomaly detected on 2025-09-11 15:00:00: value=190.</a:t>
+            </a:r>
+          </a:p>
+          <a:p>
+            <a:pPr>
+              <a:defRPr sz="1400"/>
+            </a:pPr>
+            <a:r>
+              <a:t>Impression anomaly detected on 2025-09-12 06:00:00: value=191.</a:t>
+            </a:r>
+          </a:p>
+          <a:p>
+            <a:pPr>
+              <a:defRPr sz="1400"/>
+            </a:pPr>
+            <a:r>
+              <a:t>Impression anomaly detected on 2025-09-13 09:00:00: value=257.</a:t>
+            </a:r>
+          </a:p>
+          <a:p>
+            <a:pPr>
+              <a:defRPr sz="1400"/>
+            </a:pPr>
+            <a:r>
+              <a:t>Impression anomaly detected on 2025-09-13 14:00:00: value=190.</a:t>
+            </a:r>
+          </a:p>
+          <a:p>
+            <a:pPr>
+              <a:defRPr sz="1400"/>
+            </a:pPr>
+            <a:r>
+              <a:t>Impression anomaly detected on 2025-09-14 12:00:00: value=252.</a:t>
+            </a:r>
+          </a:p>
+          <a:p>
+            <a:pPr>
+              <a:defRPr sz="1400"/>
+            </a:pPr>
+            <a:r>
+              <a:t>Impression anomaly detected on 2025-09-15 23:00:00: value=181.</a:t>
+            </a:r>
+          </a:p>
+          <a:p>
+            <a:pPr>
+              <a:defRPr sz="1400"/>
+            </a:pPr>
+            <a:r>
+              <a:t>Impression anomaly detected on 2025-09-16 05:00:00: value=254.</a:t>
+            </a:r>
+          </a:p>
+          <a:p>
+            <a:pPr>
+              <a:defRPr sz="1400"/>
+            </a:pPr>
+            <a:r>
+              <a:t>Impression anomaly detected on 2025-09-17 07:00:00: value=268.</a:t>
+            </a:r>
+          </a:p>
+          <a:p>
+            <a:pPr>
+              <a:defRPr sz="1400"/>
+            </a:pPr>
+            <a:r>
+              <a:t>Impression anomaly detected on 2025-09-17 20:00:00: value=264.</a:t>
+            </a:r>
+          </a:p>
+          <a:p>
+            <a:pPr>
+              <a:defRPr sz="1400"/>
+            </a:pPr>
+            <a:r>
+              <a:t>Impression anomaly detected on 2025-09-20 03:00:00: value=262.</a:t>
+            </a:r>
+          </a:p>
+          <a:p>
+            <a:pPr>
+              <a:defRPr sz="1400"/>
+            </a:pPr>
+            <a:r>
+              <a:t>Impression anomaly detected on 2025-09-20 19:00:00: value=254.</a:t>
+            </a:r>
+          </a:p>
+          <a:p>
+            <a:pPr>
+              <a:defRPr sz="1400"/>
+            </a:pPr>
+            <a:r>
+              <a:t>Impression anomaly detected on 2025-09-21 19:00:00: value=180.</a:t>
+            </a:r>
+          </a:p>
+          <a:p>
+            <a:pPr>
+              <a:defRPr sz="1400"/>
+            </a:pPr>
+            <a:r>
+              <a:t>Impression anomaly detected on 2025-09-23 12:00:00: value=192.</a:t>
+            </a:r>
+          </a:p>
+          <a:p>
+            <a:pPr>
+              <a:defRPr sz="1400"/>
+            </a:pPr>
+            <a:r>
+              <a:t>Impression anomaly detected on 2025-09-23 22:00:00: value=188.</a:t>
+            </a:r>
+          </a:p>
+          <a:p>
+            <a:pPr>
+              <a:defRPr sz="1400"/>
+            </a:pPr>
+            <a:r>
+              <a:t>Impression anomaly detected on 2025-09-25 03:00:00: value=191.</a:t>
+            </a:r>
+          </a:p>
+          <a:p>
+            <a:pPr>
+              <a:defRPr sz="1400"/>
+            </a:pPr>
+            <a:r>
+              <a:t>Impression anomaly detected on 2025-09-25 08:00:00: value=255.</a:t>
+            </a:r>
+          </a:p>
+          <a:p>
+            <a:pPr>
+              <a:defRPr sz="1400"/>
+            </a:pPr>
+            <a:r>
+              <a:t>Impression anomaly detected on 2025-09-25 11:00:00: value=270.</a:t>
+            </a:r>
+          </a:p>
+          <a:p>
+            <a:pPr>
+              <a:defRPr sz="1400"/>
+            </a:pPr>
+            <a:r>
+              <a:t>Impression anomaly detected on 2025-09-26 04:00:00: value=252.</a:t>
+            </a:r>
+          </a:p>
+          <a:p>
+            <a:pPr>
+              <a:defRPr sz="1400"/>
+            </a:pPr>
+            <a:r>
+              <a:t>Revenue anomaly detected on 2025-09-01 18:00:00: value=13.07.</a:t>
+            </a:r>
+          </a:p>
+          <a:p>
+            <a:pPr>
+              <a:defRPr sz="1400"/>
+            </a:pPr>
+            <a:r>
+              <a:t>Revenue anomaly detected on 2025-09-03 19:00:00: value=15.64.</a:t>
+            </a:r>
+          </a:p>
+          <a:p>
+            <a:pPr>
+              <a:defRPr sz="1400"/>
+            </a:pPr>
+            <a:r>
+              <a:t>Revenue anomaly detected on 2025-09-05 12:00:00: value=11.05.</a:t>
+            </a:r>
+          </a:p>
+          <a:p>
+            <a:pPr>
+              <a:defRPr sz="1400"/>
+            </a:pPr>
+            <a:r>
+              <a:t>Revenue anomaly detected on 2025-09-06 02:00:00: value=16.41.</a:t>
+            </a:r>
+          </a:p>
+          <a:p>
+            <a:pPr>
+              <a:defRPr sz="1400"/>
+            </a:pPr>
+            <a:r>
+              <a:t>Revenue anomaly detected on 2025-09-06 14:00:00: value=17.29.</a:t>
+            </a:r>
+          </a:p>
+          <a:p>
+            <a:pPr>
+              <a:defRPr sz="1400"/>
+            </a:pPr>
+            <a:r>
+              <a:t>Revenue anomaly detected on 2025-09-07 03:00:00: value=10.95.</a:t>
+            </a:r>
+          </a:p>
+          <a:p>
+            <a:pPr>
+              <a:defRPr sz="1400"/>
+            </a:pPr>
+            <a:r>
+              <a:t>Revenue anomaly detected on 2025-09-07 19:00:00: value=12.17.</a:t>
+            </a:r>
+          </a:p>
+          <a:p>
+            <a:pPr>
+              <a:defRPr sz="1400"/>
+            </a:pPr>
+            <a:r>
+              <a:t>Revenue anomaly detected on 2025-09-07 20:00:00: value=11.81.</a:t>
+            </a:r>
+          </a:p>
+          <a:p>
+            <a:pPr>
+              <a:defRPr sz="1400"/>
+            </a:pPr>
+            <a:r>
+              <a:t>Revenue anomaly detected on 2025-09-09 14:00:00: value=11.41.</a:t>
+            </a:r>
+          </a:p>
+          <a:p>
+            <a:pPr>
+              <a:defRPr sz="1400"/>
+            </a:pPr>
+            <a:r>
+              <a:t>Revenue anomaly detected on 2025-09-10 12:00:00: value=12.78.</a:t>
+            </a:r>
+          </a:p>
+          <a:p>
+            <a:pPr>
+              <a:defRPr sz="1400"/>
+            </a:pPr>
+            <a:r>
+              <a:t>Revenue anomaly detected on 2025-09-11 12:00:00: value=13.24.</a:t>
+            </a:r>
+          </a:p>
+          <a:p>
+            <a:pPr>
+              <a:defRPr sz="1400"/>
+            </a:pPr>
+            <a:r>
+              <a:t>Revenue anomaly detected on 2025-09-12 02:00:00: value=12.75.</a:t>
+            </a:r>
+          </a:p>
+          <a:p>
+            <a:pPr>
+              <a:defRPr sz="1400"/>
+            </a:pPr>
+            <a:r>
+              <a:t>Revenue anomaly detected on 2025-09-13 12:00:00: value=14.04.</a:t>
+            </a:r>
+          </a:p>
+          <a:p>
+            <a:pPr>
+              <a:defRPr sz="1400"/>
+            </a:pPr>
+            <a:r>
+              <a:t>Revenue anomaly detected on 2025-09-14 17:00:00: value=11.6.</a:t>
+            </a:r>
+          </a:p>
+          <a:p>
+            <a:pPr>
+              <a:defRPr sz="1400"/>
+            </a:pPr>
+            <a:r>
+              <a:t>Revenue anomaly detected on 2025-09-17 23:00:00: value=13.8.</a:t>
+            </a:r>
+          </a:p>
+          <a:p>
+            <a:pPr>
+              <a:defRPr sz="1400"/>
+            </a:pPr>
+            <a:r>
+              <a:t>Revenue anomaly detected on 2025-09-18 20:00:00: value=14.34.</a:t>
+            </a:r>
+          </a:p>
+          <a:p>
+            <a:pPr>
+              <a:defRPr sz="1400"/>
+            </a:pPr>
+            <a:r>
+              <a:t>Revenue anomaly detected on 2025-09-18 22:00:00: value=11.08.</a:t>
+            </a:r>
+          </a:p>
+          <a:p>
+            <a:pPr>
+              <a:defRPr sz="1400"/>
+            </a:pPr>
+            <a:r>
+              <a:t>Revenue anomaly detected on 2025-09-18 23:00:00: value=12.07.</a:t>
+            </a:r>
+          </a:p>
+          <a:p>
+            <a:pPr>
+              <a:defRPr sz="1400"/>
+            </a:pPr>
+            <a:r>
+              <a:t>Revenue anomaly detected on 2025-09-19 08:00:00: value=13.74.</a:t>
+            </a:r>
+          </a:p>
+          <a:p>
+            <a:pPr>
+              <a:defRPr sz="1400"/>
+            </a:pPr>
+            <a:r>
+              <a:t>Revenue anomaly detected on 2025-09-19 16:00:00: value=11.09.</a:t>
+            </a:r>
+          </a:p>
+          <a:p>
+            <a:pPr>
+              <a:defRPr sz="1400"/>
+            </a:pPr>
+            <a:r>
+              <a:t>Revenue anomaly detected on 2025-09-20 00:00:00: value=11.04.</a:t>
+            </a:r>
+          </a:p>
+          <a:p>
+            <a:pPr>
+              <a:defRPr sz="1400"/>
+            </a:pPr>
+            <a:r>
+              <a:t>Revenue anomaly detected on 2025-09-20 11:00:00: value=11.16.</a:t>
+            </a:r>
+          </a:p>
+          <a:p>
+            <a:pPr>
+              <a:defRPr sz="1400"/>
+            </a:pPr>
+            <a:r>
+              <a:t>Revenue anomaly detected on 2025-09-20 14:00:00: value=14.03.</a:t>
+            </a:r>
+          </a:p>
+          <a:p>
+            <a:pPr>
+              <a:defRPr sz="1400"/>
+            </a:pPr>
+            <a:r>
+              <a:t>Revenue anomaly detected on 2025-09-20 19:00:00: value=12.79.</a:t>
+            </a:r>
+          </a:p>
+          <a:p>
+            <a:pPr>
+              <a:defRPr sz="1400"/>
+            </a:pPr>
+            <a:r>
+              <a:t>Revenue anomaly detected on 2025-09-21 03:00:00: value=19.75.</a:t>
+            </a:r>
+          </a:p>
+          <a:p>
+            <a:pPr>
+              <a:defRPr sz="1400"/>
+            </a:pPr>
+            <a:r>
+              <a:t>Revenue anomaly detected on 2025-09-21 21:00:00: value=11.42.</a:t>
+            </a:r>
+          </a:p>
+          <a:p>
+            <a:pPr>
+              <a:defRPr sz="1400"/>
+            </a:pPr>
+            <a:r>
+              <a:t>Revenue anomaly detected on 2025-09-24 02:00:00: value=12.32.</a:t>
+            </a:r>
+          </a:p>
+          <a:p>
+            <a:pPr>
+              <a:defRPr sz="1400"/>
+            </a:pPr>
+            <a:r>
+              <a:t>Revenue anomaly detected on 2025-09-26 15:00:00: value=20.7.</a:t>
+            </a:r>
+          </a:p>
+          <a:p>
+            <a:pPr>
+              <a:defRPr sz="1400"/>
+            </a:pPr>
+            <a:r>
+              <a:t>Revenue anomaly detected on 2025-09-26 18:00:00: value=13.13.</a:t>
+            </a:r>
+          </a:p>
+          <a:p>
+            <a:pPr>
+              <a:defRPr sz="1400"/>
+            </a:pPr>
+            <a:r>
+              <a:t>Revenue anomaly detected on 2025-09-26 21:00:00: value=11.47.</a:t>
+            </a:r>
+          </a:p>
+          <a:p>
+            <a:pPr>
+              <a:defRPr sz="1400"/>
+            </a:pPr>
+            <a:r>
+              <a:t>Revenue anomaly detected on 2025-09-29 12:00:00: value=12.09.</a:t>
+            </a:r>
+          </a:p>
+          <a:p>
+            <a:pPr>
+              <a:defRPr sz="1400"/>
+            </a:pPr>
+            <a:r>
+              <a:t>Revenue anomaly detected on 2025-09-30 22:00:00: value=16.84.</a:t>
+            </a:r>
+          </a:p>
+          <a:p>
+            <a:pPr>
+              <a:defRPr sz="1400"/>
+            </a:pPr>
+            <a:r>
+              <a:t>Foot-traffic anomaly detected on 2025-09-01 14:00:00: value=111.</a:t>
+            </a:r>
+          </a:p>
+          <a:p>
+            <a:pPr>
+              <a:defRPr sz="1400"/>
+            </a:pPr>
+            <a:r>
+              <a:t>Foot-traffic anomaly detected on 2025-09-02 06:00:00: value=105.</a:t>
+            </a:r>
+          </a:p>
+          <a:p>
+            <a:pPr>
+              <a:defRPr sz="1400"/>
+            </a:pPr>
+            <a:r>
+              <a:t>Foot-traffic anomaly detected on 2025-09-02 11:00:00: value=62.</a:t>
+            </a:r>
+          </a:p>
+          <a:p>
+            <a:pPr>
+              <a:defRPr sz="1400"/>
+            </a:pPr>
+            <a:r>
+              <a:t>Foot-traffic anomaly detected on 2025-09-04 08:00:00: value=65.</a:t>
+            </a:r>
+          </a:p>
+          <a:p>
+            <a:pPr>
+              <a:defRPr sz="1400"/>
+            </a:pPr>
+            <a:r>
+              <a:t>Foot-traffic anomaly detected on 2025-09-04 13:00:00: value=63.</a:t>
+            </a:r>
+          </a:p>
+          <a:p>
+            <a:pPr>
+              <a:defRPr sz="1400"/>
+            </a:pPr>
+            <a:r>
+              <a:t>Foot-traffic anomaly detected on 2025-09-04 14:00:00: value=64.</a:t>
+            </a:r>
+          </a:p>
+          <a:p>
+            <a:pPr>
+              <a:defRPr sz="1400"/>
+            </a:pPr>
+            <a:r>
+              <a:t>Foot-traffic anomaly detected on 2025-09-05 08:00:00: value=62.</a:t>
+            </a:r>
+          </a:p>
+          <a:p>
+            <a:pPr>
+              <a:defRPr sz="1400"/>
+            </a:pPr>
+            <a:r>
+              <a:t>Foot-traffic anomaly detected on 2025-09-05 23:00:00: value=111.</a:t>
+            </a:r>
+          </a:p>
+          <a:p>
+            <a:pPr>
+              <a:defRPr sz="1400"/>
+            </a:pPr>
+            <a:r>
+              <a:t>Foot-traffic anomaly detected on 2025-09-07 04:00:00: value=107.</a:t>
+            </a:r>
+          </a:p>
+          <a:p>
+            <a:pPr>
+              <a:defRPr sz="1400"/>
+            </a:pPr>
+            <a:r>
+              <a:t>Foot-traffic anomaly detected on 2025-09-07 10:00:00: value=65.</a:t>
+            </a:r>
+          </a:p>
+          <a:p>
+            <a:pPr>
+              <a:defRPr sz="1400"/>
+            </a:pPr>
+            <a:r>
+              <a:t>Foot-traffic anomaly detected on 2025-09-08 02:00:00: value=105.</a:t>
+            </a:r>
+          </a:p>
+          <a:p>
+            <a:pPr>
+              <a:defRPr sz="1400"/>
+            </a:pPr>
+            <a:r>
+              <a:t>Foot-traffic anomaly detected on 2025-09-09 11:00:00: value=106.</a:t>
+            </a:r>
+          </a:p>
+          <a:p>
+            <a:pPr>
+              <a:defRPr sz="1400"/>
+            </a:pPr>
+            <a:r>
+              <a:t>Foot-traffic anomaly detected on 2025-09-10 12:00:00: value=65.</a:t>
+            </a:r>
+          </a:p>
+          <a:p>
+            <a:pPr>
+              <a:defRPr sz="1400"/>
+            </a:pPr>
+            <a:r>
+              <a:t>Foot-traffic anomaly detected on 2025-09-10 21:00:00: value=109.</a:t>
+            </a:r>
+          </a:p>
+          <a:p>
+            <a:pPr>
+              <a:defRPr sz="1400"/>
+            </a:pPr>
+            <a:r>
+              <a:t>Foot-traffic anomaly detected on 2025-09-12 05:00:00: value=65.</a:t>
+            </a:r>
+          </a:p>
+          <a:p>
+            <a:pPr>
+              <a:defRPr sz="1400"/>
+            </a:pPr>
+            <a:r>
+              <a:t>Foot-traffic anomaly detected on 2025-09-12 16:00:00: value=59.</a:t>
+            </a:r>
+          </a:p>
+          <a:p>
+            <a:pPr>
+              <a:defRPr sz="1400"/>
+            </a:pPr>
+            <a:r>
+              <a:t>Foot-traffic anomaly detected on 2025-09-12 21:00:00: value=106.</a:t>
+            </a:r>
+          </a:p>
+          <a:p>
+            <a:pPr>
+              <a:defRPr sz="1400"/>
+            </a:pPr>
+            <a:r>
+              <a:t>Foot-traffic anomaly detected on 2025-09-13 22:00:00: value=112.</a:t>
+            </a:r>
+          </a:p>
+          <a:p>
+            <a:pPr>
+              <a:defRPr sz="1400"/>
+            </a:pPr>
+            <a:r>
+              <a:t>Foot-traffic anomaly detected on 2025-09-14 04:00:00: value=109.</a:t>
+            </a:r>
+          </a:p>
+          <a:p>
+            <a:pPr>
+              <a:defRPr sz="1400"/>
+            </a:pPr>
+            <a:r>
+              <a:t>Foot-traffic anomaly detected on 2025-09-17 03:00:00: value=111.</a:t>
+            </a:r>
+          </a:p>
+          <a:p>
+            <a:pPr>
+              <a:defRPr sz="1400"/>
+            </a:pPr>
+            <a:r>
+              <a:t>Foot-traffic anomaly detected on 2025-09-17 06:00:00: value=106.</a:t>
+            </a:r>
+          </a:p>
+          <a:p>
+            <a:pPr>
+              <a:defRPr sz="1400"/>
+            </a:pPr>
+            <a:r>
+              <a:t>Foot-traffic anomaly detected on 2025-09-17 13:00:00: value=106.</a:t>
+            </a:r>
+          </a:p>
+          <a:p>
+            <a:pPr>
+              <a:defRPr sz="1400"/>
+            </a:pPr>
+            <a:r>
+              <a:t>Foot-traffic anomaly detected on 2025-09-19 06:00:00: value=65.</a:t>
+            </a:r>
+          </a:p>
+          <a:p>
+            <a:pPr>
+              <a:defRPr sz="1400"/>
+            </a:pPr>
+            <a:r>
+              <a:t>Foot-traffic anomaly detected on 2025-09-19 11:00:00: value=106.</a:t>
+            </a:r>
+          </a:p>
+          <a:p>
+            <a:pPr>
+              <a:defRPr sz="1400"/>
+            </a:pPr>
+            <a:r>
+              <a:t>Foot-traffic anomaly detected on 2025-09-25 06:00:00: value=109.</a:t>
+            </a:r>
+          </a:p>
+          <a:p>
+            <a:pPr>
+              <a:defRPr sz="1400"/>
+            </a:pPr>
+            <a:r>
+              <a:t>Foot-traffic anomaly detected on 2025-09-25 10:00:00: value=105.</a:t>
+            </a:r>
+          </a:p>
+          <a:p>
+            <a:pPr>
+              <a:defRPr sz="1400"/>
+            </a:pPr>
+            <a:r>
+              <a:t>Foot-traffic anomaly detected on 2025-09-25 17:00:00: value=63.</a:t>
+            </a:r>
+          </a:p>
+          <a:p>
+            <a:pPr>
+              <a:defRPr sz="1400"/>
+            </a:pPr>
+            <a:r>
+              <a:t>Foot-traffic anomaly detected on 2025-09-26 00:00:00: value=116.</a:t>
+            </a:r>
+          </a:p>
+          <a:p>
+            <a:pPr>
+              <a:defRPr sz="1400"/>
+            </a:pPr>
+            <a:r>
+              <a:t>Foot-traffic anomaly detected on 2025-09-27 08:00:00: value=105.</a:t>
+            </a:r>
+          </a:p>
+          <a:p>
+            <a:pPr>
+              <a:defRPr sz="1400"/>
+            </a:pPr>
+            <a:r>
+              <a:t>Foot-traffic anomaly detected on 2025-09-28 09:00:00: value=65.</a:t>
+            </a:r>
+          </a:p>
+          <a:p>
+            <a:pPr>
+              <a:defRPr sz="1400"/>
+            </a:pPr>
+            <a:r>
+              <a:t>Foot-traffic anomaly detected on 2025-09-28 23:00:00: value=65.</a:t>
+            </a:r>
+          </a:p>
+          <a:p>
+            <a:pPr>
+              <a:defRPr sz="1400"/>
+            </a:pPr>
+            <a:r>
+              <a:t>Foot-traffic anomaly detected on 2025-09-29 05:00:00: value=109.</a:t>
+            </a:r>
+          </a:p>
+          <a:p>
+            <a:pPr>
+              <a:defRPr sz="1400"/>
+            </a:pPr>
+            <a:r>
+              <a:t>Foot-traffic anomaly detected on 2025-09-30 22:00:00: value=108.</a:t>
+            </a:r>
+          </a:p>
+        </p:txBody>
+      </p:sp>
+    </p:spTree>
+  </p:cSld>
+  <p:clrMapOvr>
+    <a:masterClrMapping/>
+  </p:clrMapOvr>
+</p:sld>
+</file>
+
+<file path=ppt/slides/slide5.xml><?xml version="1.0" encoding="utf-8"?>
+<p:sld xmlns:a="http://schemas.openxmlformats.org/drawingml/2006/main" xmlns:p="http://schemas.openxmlformats.org/presentationml/2006/main" xmlns:r="http://schemas.openxmlformats.org/officeDocument/2006/relationships">
+  <p:cSld>
+    <p:spTree>
+      <p:nvGrpSpPr>
+        <p:cNvPr id="1" name=""/>
+        <p:cNvGrpSpPr/>
+        <p:nvPr/>
+      </p:nvGrpSpPr>
+      <p:grpSpPr/>
       <p:sp>
         <p:nvSpPr>
           <p:cNvPr id="2" name="Title 1"/>
@@ -3415,7 +4233,7 @@
         </p:blipFill>
         <p:spPr>
           <a:xfrm>
-            <a:off x="1691148" y="2389238"/>
+            <a:off x="914400" y="914400"/>
             <a:ext cx="5486400" cy="2057400"/>
           </a:xfrm>
           <a:prstGeom prst="rect">
@@ -3431,8 +4249,8 @@
 </p:sld>
 </file>
 
-<file path=ppt/slides/slide5.xml><?xml version="1.0" encoding="utf-8"?>
-<p:sld xmlns:a="http://schemas.openxmlformats.org/drawingml/2006/main" xmlns:r="http://schemas.openxmlformats.org/officeDocument/2006/relationships" xmlns:p="http://schemas.openxmlformats.org/presentationml/2006/main">
+<file path=ppt/slides/slide6.xml><?xml version="1.0" encoding="utf-8"?>
+<p:sld xmlns:a="http://schemas.openxmlformats.org/drawingml/2006/main" xmlns:p="http://schemas.openxmlformats.org/presentationml/2006/main" xmlns:r="http://schemas.openxmlformats.org/officeDocument/2006/relationships">
   <p:cSld>
     <p:spTree>
       <p:nvGrpSpPr>
@@ -3440,14 +4258,7 @@
         <p:cNvGrpSpPr/>
         <p:nvPr/>
       </p:nvGrpSpPr>
-      <p:grpSpPr>
-        <a:xfrm>
-          <a:off x="0" y="0"/>
-          <a:ext cx="0" cy="0"/>
-          <a:chOff x="0" y="0"/>
-          <a:chExt cx="0" cy="0"/>
-        </a:xfrm>
-      </p:grpSpPr>
+      <p:grpSpPr/>
       <p:sp>
         <p:nvSpPr>
           <p:cNvPr id="2" name="Title 1"/>
@@ -3485,7 +4296,7 @@
         </p:blipFill>
         <p:spPr>
           <a:xfrm>
-            <a:off x="1828800" y="2782529"/>
+            <a:off x="914400" y="914400"/>
             <a:ext cx="5486400" cy="2057400"/>
           </a:xfrm>
           <a:prstGeom prst="rect">
@@ -3501,8 +4312,8 @@
 </p:sld>
 </file>
 
-<file path=ppt/slides/slide6.xml><?xml version="1.0" encoding="utf-8"?>
-<p:sld xmlns:a="http://schemas.openxmlformats.org/drawingml/2006/main" xmlns:r="http://schemas.openxmlformats.org/officeDocument/2006/relationships" xmlns:p="http://schemas.openxmlformats.org/presentationml/2006/main">
+<file path=ppt/slides/slide7.xml><?xml version="1.0" encoding="utf-8"?>
+<p:sld xmlns:a="http://schemas.openxmlformats.org/drawingml/2006/main" xmlns:p="http://schemas.openxmlformats.org/presentationml/2006/main" xmlns:r="http://schemas.openxmlformats.org/officeDocument/2006/relationships">
   <p:cSld>
     <p:spTree>
       <p:nvGrpSpPr>
@@ -3510,14 +4321,7 @@
         <p:cNvGrpSpPr/>
         <p:nvPr/>
       </p:nvGrpSpPr>
-      <p:grpSpPr>
-        <a:xfrm>
-          <a:off x="0" y="0"/>
-          <a:ext cx="0" cy="0"/>
-          <a:chOff x="0" y="0"/>
-          <a:chExt cx="0" cy="0"/>
-        </a:xfrm>
-      </p:grpSpPr>
+      <p:grpSpPr/>
       <p:sp>
         <p:nvSpPr>
           <p:cNvPr id="2" name="Title 1"/>
@@ -3555,7 +4359,7 @@
         </p:blipFill>
         <p:spPr>
           <a:xfrm>
-            <a:off x="1828800" y="2064774"/>
+            <a:off x="914400" y="914400"/>
             <a:ext cx="5486400" cy="4114800"/>
           </a:xfrm>
           <a:prstGeom prst="rect">
@@ -3563,6 +4367,3859 @@
           </a:prstGeom>
         </p:spPr>
       </p:pic>
+    </p:spTree>
+  </p:cSld>
+  <p:clrMapOvr>
+    <a:masterClrMapping/>
+  </p:clrMapOvr>
+</p:sld>
+</file>
+
+<file path=ppt/slides/slide8.xml><?xml version="1.0" encoding="utf-8"?>
+<p:sld xmlns:a="http://schemas.openxmlformats.org/drawingml/2006/main" xmlns:p="http://schemas.openxmlformats.org/presentationml/2006/main" xmlns:r="http://schemas.openxmlformats.org/officeDocument/2006/relationships">
+  <p:cSld>
+    <p:spTree>
+      <p:nvGrpSpPr>
+        <p:cNvPr id="1" name=""/>
+        <p:cNvGrpSpPr/>
+        <p:nvPr/>
+      </p:nvGrpSpPr>
+      <p:grpSpPr/>
+      <p:sp>
+        <p:nvSpPr>
+          <p:cNvPr id="2" name="Title 1"/>
+          <p:cNvSpPr>
+            <a:spLocks noGrp="1"/>
+          </p:cNvSpPr>
+          <p:nvPr>
+            <p:ph type="title"/>
+          </p:nvPr>
+        </p:nvSpPr>
+        <p:spPr/>
+        <p:txBody>
+          <a:bodyPr/>
+          <a:lstStyle/>
+          <a:p>
+            <a:r>
+              <a:t>Recommendations</a:t>
+            </a:r>
+          </a:p>
+        </p:txBody>
+      </p:sp>
+      <p:sp>
+        <p:nvSpPr>
+          <p:cNvPr id="3" name="Content Placeholder 2"/>
+          <p:cNvSpPr>
+            <a:spLocks noGrp="1"/>
+          </p:cNvSpPr>
+          <p:nvPr>
+            <p:ph idx="1"/>
+          </p:nvPr>
+        </p:nvSpPr>
+        <p:spPr/>
+        <p:txBody>
+          <a:bodyPr/>
+          <a:lstStyle/>
+          <a:p/>
+          <a:p>
+            <a:pPr>
+              <a:defRPr sz="1400"/>
+            </a:pPr>
+            <a:r>
+              <a:t>Conversion efficiency increased: revenue rising faster than impressions.</a:t>
+            </a:r>
+          </a:p>
+          <a:p>
+            <a:pPr>
+              <a:defRPr sz="1400"/>
+            </a:pPr>
+            <a:r>
+              <a:t>Foot traffic decrease associated with rising temperature.</a:t>
+            </a:r>
+          </a:p>
+          <a:p>
+            <a:pPr>
+              <a:defRPr sz="1400"/>
+            </a:pPr>
+            <a:r>
+              <a:t>Creative fatigue detected due to CTR drop while impressions remain stable.</a:t>
+            </a:r>
+          </a:p>
+          <a:p>
+            <a:pPr>
+              <a:defRPr sz="1400"/>
+            </a:pPr>
+            <a:r>
+              <a:t>Conversion efficiency increased: revenue rising faster than impressions.</a:t>
+            </a:r>
+          </a:p>
+          <a:p>
+            <a:pPr>
+              <a:defRPr sz="1400"/>
+            </a:pPr>
+            <a:r>
+              <a:t>Conversion efficiency increased: revenue rising faster than impressions.</a:t>
+            </a:r>
+          </a:p>
+          <a:p>
+            <a:pPr>
+              <a:defRPr sz="1400"/>
+            </a:pPr>
+            <a:r>
+              <a:t>Foot traffic decrease associated with rising temperature.</a:t>
+            </a:r>
+          </a:p>
+          <a:p>
+            <a:pPr>
+              <a:defRPr sz="1400"/>
+            </a:pPr>
+            <a:r>
+              <a:t>Conversion efficiency increased: revenue rising faster than impressions.</a:t>
+            </a:r>
+          </a:p>
+          <a:p>
+            <a:pPr>
+              <a:defRPr sz="1400"/>
+            </a:pPr>
+            <a:r>
+              <a:t>Creative fatigue detected due to CTR drop while impressions remain stable.</a:t>
+            </a:r>
+          </a:p>
+          <a:p>
+            <a:pPr>
+              <a:defRPr sz="1400"/>
+            </a:pPr>
+            <a:r>
+              <a:t>Conversion efficiency increased: revenue rising faster than impressions.</a:t>
+            </a:r>
+          </a:p>
+          <a:p>
+            <a:pPr>
+              <a:defRPr sz="1400"/>
+            </a:pPr>
+            <a:r>
+              <a:t>Conversion efficiency increased: revenue rising faster than impressions.</a:t>
+            </a:r>
+          </a:p>
+          <a:p>
+            <a:pPr>
+              <a:defRPr sz="1400"/>
+            </a:pPr>
+            <a:r>
+              <a:t>Foot traffic decrease associated with rising temperature.</a:t>
+            </a:r>
+          </a:p>
+          <a:p>
+            <a:pPr>
+              <a:defRPr sz="1400"/>
+            </a:pPr>
+            <a:r>
+              <a:t>Foot traffic decrease associated with rising temperature.</a:t>
+            </a:r>
+          </a:p>
+          <a:p>
+            <a:pPr>
+              <a:defRPr sz="1400"/>
+            </a:pPr>
+            <a:r>
+              <a:t>Creative fatigue detected due to CTR drop while impressions remain stable.</a:t>
+            </a:r>
+          </a:p>
+          <a:p>
+            <a:pPr>
+              <a:defRPr sz="1400"/>
+            </a:pPr>
+            <a:r>
+              <a:t>Creative fatigue detected due to CTR drop while impressions remain stable.</a:t>
+            </a:r>
+          </a:p>
+          <a:p>
+            <a:pPr>
+              <a:defRPr sz="1400"/>
+            </a:pPr>
+            <a:r>
+              <a:t>Conversion efficiency increased: revenue rising faster than impressions.</a:t>
+            </a:r>
+          </a:p>
+          <a:p>
+            <a:pPr>
+              <a:defRPr sz="1400"/>
+            </a:pPr>
+            <a:r>
+              <a:t>Foot traffic decrease associated with rising temperature.</a:t>
+            </a:r>
+          </a:p>
+          <a:p>
+            <a:pPr>
+              <a:defRPr sz="1400"/>
+            </a:pPr>
+            <a:r>
+              <a:t>Foot traffic decrease associated with rising temperature.</a:t>
+            </a:r>
+          </a:p>
+          <a:p>
+            <a:pPr>
+              <a:defRPr sz="1400"/>
+            </a:pPr>
+            <a:r>
+              <a:t>Conversion efficiency increased: revenue rising faster than impressions.</a:t>
+            </a:r>
+          </a:p>
+          <a:p>
+            <a:pPr>
+              <a:defRPr sz="1400"/>
+            </a:pPr>
+            <a:r>
+              <a:t>Foot traffic decrease associated with rising temperature.</a:t>
+            </a:r>
+          </a:p>
+          <a:p>
+            <a:pPr>
+              <a:defRPr sz="1400"/>
+            </a:pPr>
+            <a:r>
+              <a:t>Conversion efficiency increased: revenue rising faster than impressions.</a:t>
+            </a:r>
+          </a:p>
+          <a:p>
+            <a:pPr>
+              <a:defRPr sz="1400"/>
+            </a:pPr>
+            <a:r>
+              <a:t>Conversion efficiency increased: revenue rising faster than impressions.</a:t>
+            </a:r>
+          </a:p>
+          <a:p>
+            <a:pPr>
+              <a:defRPr sz="1400"/>
+            </a:pPr>
+            <a:r>
+              <a:t>Creative fatigue detected due to CTR drop while impressions remain stable.</a:t>
+            </a:r>
+          </a:p>
+          <a:p>
+            <a:pPr>
+              <a:defRPr sz="1400"/>
+            </a:pPr>
+            <a:r>
+              <a:t>Foot traffic decrease associated with rising temperature.</a:t>
+            </a:r>
+          </a:p>
+          <a:p>
+            <a:pPr>
+              <a:defRPr sz="1400"/>
+            </a:pPr>
+            <a:r>
+              <a:t>Creative fatigue detected due to CTR drop while impressions remain stable.</a:t>
+            </a:r>
+          </a:p>
+          <a:p>
+            <a:pPr>
+              <a:defRPr sz="1400"/>
+            </a:pPr>
+            <a:r>
+              <a:t>Foot traffic decrease associated with rising temperature.</a:t>
+            </a:r>
+          </a:p>
+          <a:p>
+            <a:pPr>
+              <a:defRPr sz="1400"/>
+            </a:pPr>
+            <a:r>
+              <a:t>Conversion efficiency increased: revenue rising faster than impressions.</a:t>
+            </a:r>
+          </a:p>
+          <a:p>
+            <a:pPr>
+              <a:defRPr sz="1400"/>
+            </a:pPr>
+            <a:r>
+              <a:t>Foot traffic decrease associated with rising temperature.</a:t>
+            </a:r>
+          </a:p>
+          <a:p>
+            <a:pPr>
+              <a:defRPr sz="1400"/>
+            </a:pPr>
+            <a:r>
+              <a:t>Conversion efficiency increased: revenue rising faster than impressions.</a:t>
+            </a:r>
+          </a:p>
+          <a:p>
+            <a:pPr>
+              <a:defRPr sz="1400"/>
+            </a:pPr>
+            <a:r>
+              <a:t>Foot traffic decrease associated with rising temperature.</a:t>
+            </a:r>
+          </a:p>
+          <a:p>
+            <a:pPr>
+              <a:defRPr sz="1400"/>
+            </a:pPr>
+            <a:r>
+              <a:t>Conversion efficiency increased: revenue rising faster than impressions.</a:t>
+            </a:r>
+          </a:p>
+          <a:p>
+            <a:pPr>
+              <a:defRPr sz="1400"/>
+            </a:pPr>
+            <a:r>
+              <a:t>Creative fatigue detected due to CTR drop while impressions remain stable.</a:t>
+            </a:r>
+          </a:p>
+          <a:p>
+            <a:pPr>
+              <a:defRPr sz="1400"/>
+            </a:pPr>
+            <a:r>
+              <a:t>Conversion efficiency increased: revenue rising faster than impressions.</a:t>
+            </a:r>
+          </a:p>
+          <a:p>
+            <a:pPr>
+              <a:defRPr sz="1400"/>
+            </a:pPr>
+            <a:r>
+              <a:t>Creative fatigue detected due to CTR drop while impressions remain stable.</a:t>
+            </a:r>
+          </a:p>
+          <a:p>
+            <a:pPr>
+              <a:defRPr sz="1400"/>
+            </a:pPr>
+            <a:r>
+              <a:t>Conversion efficiency increased: revenue rising faster than impressions.</a:t>
+            </a:r>
+          </a:p>
+          <a:p>
+            <a:pPr>
+              <a:defRPr sz="1400"/>
+            </a:pPr>
+            <a:r>
+              <a:t>Foot traffic decrease associated with rising temperature.</a:t>
+            </a:r>
+          </a:p>
+          <a:p>
+            <a:pPr>
+              <a:defRPr sz="1400"/>
+            </a:pPr>
+            <a:r>
+              <a:t>Conversion efficiency increased: revenue rising faster than impressions.</a:t>
+            </a:r>
+          </a:p>
+          <a:p>
+            <a:pPr>
+              <a:defRPr sz="1400"/>
+            </a:pPr>
+            <a:r>
+              <a:t>Conversion efficiency increased: revenue rising faster than impressions.</a:t>
+            </a:r>
+          </a:p>
+          <a:p>
+            <a:pPr>
+              <a:defRPr sz="1400"/>
+            </a:pPr>
+            <a:r>
+              <a:t>Foot traffic decrease associated with rising temperature.</a:t>
+            </a:r>
+          </a:p>
+          <a:p>
+            <a:pPr>
+              <a:defRPr sz="1400"/>
+            </a:pPr>
+            <a:r>
+              <a:t>Conversion efficiency increased: revenue rising faster than impressions.</a:t>
+            </a:r>
+          </a:p>
+          <a:p>
+            <a:pPr>
+              <a:defRPr sz="1400"/>
+            </a:pPr>
+            <a:r>
+              <a:t>Foot traffic decrease associated with rising temperature.</a:t>
+            </a:r>
+          </a:p>
+          <a:p>
+            <a:pPr>
+              <a:defRPr sz="1400"/>
+            </a:pPr>
+            <a:r>
+              <a:t>Conversion efficiency increased: revenue rising faster than impressions.</a:t>
+            </a:r>
+          </a:p>
+          <a:p>
+            <a:pPr>
+              <a:defRPr sz="1400"/>
+            </a:pPr>
+            <a:r>
+              <a:t>Foot traffic decrease associated with rising temperature.</a:t>
+            </a:r>
+          </a:p>
+          <a:p>
+            <a:pPr>
+              <a:defRPr sz="1400"/>
+            </a:pPr>
+            <a:r>
+              <a:t>Foot traffic decrease associated with rising temperature.</a:t>
+            </a:r>
+          </a:p>
+          <a:p>
+            <a:pPr>
+              <a:defRPr sz="1400"/>
+            </a:pPr>
+            <a:r>
+              <a:t>Creative fatigue detected due to CTR drop while impressions remain stable.</a:t>
+            </a:r>
+          </a:p>
+          <a:p>
+            <a:pPr>
+              <a:defRPr sz="1400"/>
+            </a:pPr>
+            <a:r>
+              <a:t>Foot traffic decrease associated with rising temperature.</a:t>
+            </a:r>
+          </a:p>
+          <a:p>
+            <a:pPr>
+              <a:defRPr sz="1400"/>
+            </a:pPr>
+            <a:r>
+              <a:t>Conversion efficiency increased: revenue rising faster than impressions.</a:t>
+            </a:r>
+          </a:p>
+          <a:p>
+            <a:pPr>
+              <a:defRPr sz="1400"/>
+            </a:pPr>
+            <a:r>
+              <a:t>Foot traffic decrease associated with rising temperature.</a:t>
+            </a:r>
+          </a:p>
+          <a:p>
+            <a:pPr>
+              <a:defRPr sz="1400"/>
+            </a:pPr>
+            <a:r>
+              <a:t>Conversion efficiency increased: revenue rising faster than impressions.</a:t>
+            </a:r>
+          </a:p>
+          <a:p>
+            <a:pPr>
+              <a:defRPr sz="1400"/>
+            </a:pPr>
+            <a:r>
+              <a:t>Foot traffic decrease associated with rising temperature.</a:t>
+            </a:r>
+          </a:p>
+          <a:p>
+            <a:pPr>
+              <a:defRPr sz="1400"/>
+            </a:pPr>
+            <a:r>
+              <a:t>Conversion efficiency increased: revenue rising faster than impressions.</a:t>
+            </a:r>
+          </a:p>
+          <a:p>
+            <a:pPr>
+              <a:defRPr sz="1400"/>
+            </a:pPr>
+            <a:r>
+              <a:t>Creative fatigue detected due to CTR drop while impressions remain stable.</a:t>
+            </a:r>
+          </a:p>
+          <a:p>
+            <a:pPr>
+              <a:defRPr sz="1400"/>
+            </a:pPr>
+            <a:r>
+              <a:t>Creative fatigue detected due to CTR drop while impressions remain stable.</a:t>
+            </a:r>
+          </a:p>
+          <a:p>
+            <a:pPr>
+              <a:defRPr sz="1400"/>
+            </a:pPr>
+            <a:r>
+              <a:t>Conversion efficiency increased: revenue rising faster than impressions.</a:t>
+            </a:r>
+          </a:p>
+          <a:p>
+            <a:pPr>
+              <a:defRPr sz="1400"/>
+            </a:pPr>
+            <a:r>
+              <a:t>Foot traffic decrease associated with rising temperature.</a:t>
+            </a:r>
+          </a:p>
+          <a:p>
+            <a:pPr>
+              <a:defRPr sz="1400"/>
+            </a:pPr>
+            <a:r>
+              <a:t>Conversion efficiency increased: revenue rising faster than impressions.</a:t>
+            </a:r>
+          </a:p>
+          <a:p>
+            <a:pPr>
+              <a:defRPr sz="1400"/>
+            </a:pPr>
+            <a:r>
+              <a:t>Foot traffic decrease associated with rising temperature.</a:t>
+            </a:r>
+          </a:p>
+          <a:p>
+            <a:pPr>
+              <a:defRPr sz="1400"/>
+            </a:pPr>
+            <a:r>
+              <a:t>Conversion efficiency increased: revenue rising faster than impressions.</a:t>
+            </a:r>
+          </a:p>
+          <a:p>
+            <a:pPr>
+              <a:defRPr sz="1400"/>
+            </a:pPr>
+            <a:r>
+              <a:t>Foot traffic decrease associated with rising temperature.</a:t>
+            </a:r>
+          </a:p>
+          <a:p>
+            <a:pPr>
+              <a:defRPr sz="1400"/>
+            </a:pPr>
+            <a:r>
+              <a:t>Conversion efficiency increased: revenue rising faster than impressions.</a:t>
+            </a:r>
+          </a:p>
+          <a:p>
+            <a:pPr>
+              <a:defRPr sz="1400"/>
+            </a:pPr>
+            <a:r>
+              <a:t>Foot traffic decrease associated with rising temperature.</a:t>
+            </a:r>
+          </a:p>
+          <a:p>
+            <a:pPr>
+              <a:defRPr sz="1400"/>
+            </a:pPr>
+            <a:r>
+              <a:t>Foot traffic decrease associated with rising temperature.</a:t>
+            </a:r>
+          </a:p>
+          <a:p>
+            <a:pPr>
+              <a:defRPr sz="1400"/>
+            </a:pPr>
+            <a:r>
+              <a:t>Creative fatigue detected due to CTR drop while impressions remain stable.</a:t>
+            </a:r>
+          </a:p>
+          <a:p>
+            <a:pPr>
+              <a:defRPr sz="1400"/>
+            </a:pPr>
+            <a:r>
+              <a:t>Foot traffic decrease associated with rising temperature.</a:t>
+            </a:r>
+          </a:p>
+          <a:p>
+            <a:pPr>
+              <a:defRPr sz="1400"/>
+            </a:pPr>
+            <a:r>
+              <a:t>Conversion efficiency increased: revenue rising faster than impressions.</a:t>
+            </a:r>
+          </a:p>
+          <a:p>
+            <a:pPr>
+              <a:defRPr sz="1400"/>
+            </a:pPr>
+            <a:r>
+              <a:t>Foot traffic decrease associated with rising temperature.</a:t>
+            </a:r>
+          </a:p>
+          <a:p>
+            <a:pPr>
+              <a:defRPr sz="1400"/>
+            </a:pPr>
+            <a:r>
+              <a:t>Conversion efficiency increased: revenue rising faster than impressions.</a:t>
+            </a:r>
+          </a:p>
+          <a:p>
+            <a:pPr>
+              <a:defRPr sz="1400"/>
+            </a:pPr>
+            <a:r>
+              <a:t>Foot traffic decrease associated with rising temperature.</a:t>
+            </a:r>
+          </a:p>
+          <a:p>
+            <a:pPr>
+              <a:defRPr sz="1400"/>
+            </a:pPr>
+            <a:r>
+              <a:t>Conversion efficiency increased: revenue rising faster than impressions.</a:t>
+            </a:r>
+          </a:p>
+          <a:p>
+            <a:pPr>
+              <a:defRPr sz="1400"/>
+            </a:pPr>
+            <a:r>
+              <a:t>Creative fatigue detected due to CTR drop while impressions remain stable.</a:t>
+            </a:r>
+          </a:p>
+          <a:p>
+            <a:pPr>
+              <a:defRPr sz="1400"/>
+            </a:pPr>
+            <a:r>
+              <a:t>Foot traffic decrease associated with rising temperature.</a:t>
+            </a:r>
+          </a:p>
+          <a:p>
+            <a:pPr>
+              <a:defRPr sz="1400"/>
+            </a:pPr>
+            <a:r>
+              <a:t>Conversion efficiency increased: revenue rising faster than impressions.</a:t>
+            </a:r>
+          </a:p>
+          <a:p>
+            <a:pPr>
+              <a:defRPr sz="1400"/>
+            </a:pPr>
+            <a:r>
+              <a:t>Foot traffic decrease associated with rising temperature.</a:t>
+            </a:r>
+          </a:p>
+          <a:p>
+            <a:pPr>
+              <a:defRPr sz="1400"/>
+            </a:pPr>
+            <a:r>
+              <a:t>Conversion efficiency increased: revenue rising faster than impressions.</a:t>
+            </a:r>
+          </a:p>
+          <a:p>
+            <a:pPr>
+              <a:defRPr sz="1400"/>
+            </a:pPr>
+            <a:r>
+              <a:t>Foot traffic decrease associated with rising temperature.</a:t>
+            </a:r>
+          </a:p>
+          <a:p>
+            <a:pPr>
+              <a:defRPr sz="1400"/>
+            </a:pPr>
+            <a:r>
+              <a:t>Foot traffic decrease associated with rising temperature.</a:t>
+            </a:r>
+          </a:p>
+          <a:p>
+            <a:pPr>
+              <a:defRPr sz="1400"/>
+            </a:pPr>
+            <a:r>
+              <a:t>Conversion efficiency increased: revenue rising faster than impressions.</a:t>
+            </a:r>
+          </a:p>
+          <a:p>
+            <a:pPr>
+              <a:defRPr sz="1400"/>
+            </a:pPr>
+            <a:r>
+              <a:t>Foot traffic decrease associated with rising temperature.</a:t>
+            </a:r>
+          </a:p>
+          <a:p>
+            <a:pPr>
+              <a:defRPr sz="1400"/>
+            </a:pPr>
+            <a:r>
+              <a:t>Conversion efficiency increased: revenue rising faster than impressions.</a:t>
+            </a:r>
+          </a:p>
+          <a:p>
+            <a:pPr>
+              <a:defRPr sz="1400"/>
+            </a:pPr>
+            <a:r>
+              <a:t>Foot traffic decrease associated with rising temperature.</a:t>
+            </a:r>
+          </a:p>
+          <a:p>
+            <a:pPr>
+              <a:defRPr sz="1400"/>
+            </a:pPr>
+            <a:r>
+              <a:t>Foot traffic decrease associated with rising temperature.</a:t>
+            </a:r>
+          </a:p>
+          <a:p>
+            <a:pPr>
+              <a:defRPr sz="1400"/>
+            </a:pPr>
+            <a:r>
+              <a:t>Conversion efficiency increased: revenue rising faster than impressions.</a:t>
+            </a:r>
+          </a:p>
+          <a:p>
+            <a:pPr>
+              <a:defRPr sz="1400"/>
+            </a:pPr>
+            <a:r>
+              <a:t>Foot traffic decrease associated with rising temperature.</a:t>
+            </a:r>
+          </a:p>
+          <a:p>
+            <a:pPr>
+              <a:defRPr sz="1400"/>
+            </a:pPr>
+            <a:r>
+              <a:t>Creative fatigue detected due to CTR drop while impressions remain stable.</a:t>
+            </a:r>
+          </a:p>
+          <a:p>
+            <a:pPr>
+              <a:defRPr sz="1400"/>
+            </a:pPr>
+            <a:r>
+              <a:t>Foot traffic decrease associated with rising temperature.</a:t>
+            </a:r>
+          </a:p>
+          <a:p>
+            <a:pPr>
+              <a:defRPr sz="1400"/>
+            </a:pPr>
+            <a:r>
+              <a:t>Foot traffic decrease associated with rising temperature.</a:t>
+            </a:r>
+          </a:p>
+          <a:p>
+            <a:pPr>
+              <a:defRPr sz="1400"/>
+            </a:pPr>
+            <a:r>
+              <a:t>Conversion efficiency increased: revenue rising faster than impressions.</a:t>
+            </a:r>
+          </a:p>
+          <a:p>
+            <a:pPr>
+              <a:defRPr sz="1400"/>
+            </a:pPr>
+            <a:r>
+              <a:t>Creative fatigue detected due to CTR drop while impressions remain stable.</a:t>
+            </a:r>
+          </a:p>
+          <a:p>
+            <a:pPr>
+              <a:defRPr sz="1400"/>
+            </a:pPr>
+            <a:r>
+              <a:t>Conversion efficiency increased: revenue rising faster than impressions.</a:t>
+            </a:r>
+          </a:p>
+          <a:p>
+            <a:pPr>
+              <a:defRPr sz="1400"/>
+            </a:pPr>
+            <a:r>
+              <a:t>Foot traffic decrease associated with rising temperature.</a:t>
+            </a:r>
+          </a:p>
+          <a:p>
+            <a:pPr>
+              <a:defRPr sz="1400"/>
+            </a:pPr>
+            <a:r>
+              <a:t>Conversion efficiency increased: revenue rising faster than impressions.</a:t>
+            </a:r>
+          </a:p>
+          <a:p>
+            <a:pPr>
+              <a:defRPr sz="1400"/>
+            </a:pPr>
+            <a:r>
+              <a:t>Foot traffic decrease associated with rising temperature.</a:t>
+            </a:r>
+          </a:p>
+          <a:p>
+            <a:pPr>
+              <a:defRPr sz="1400"/>
+            </a:pPr>
+            <a:r>
+              <a:t>Creative fatigue detected due to CTR drop while impressions remain stable.</a:t>
+            </a:r>
+          </a:p>
+          <a:p>
+            <a:pPr>
+              <a:defRPr sz="1400"/>
+            </a:pPr>
+            <a:r>
+              <a:t>Conversion efficiency increased: revenue rising faster than impressions.</a:t>
+            </a:r>
+          </a:p>
+          <a:p>
+            <a:pPr>
+              <a:defRPr sz="1400"/>
+            </a:pPr>
+            <a:r>
+              <a:t>Foot traffic decrease associated with rising temperature.</a:t>
+            </a:r>
+          </a:p>
+          <a:p>
+            <a:pPr>
+              <a:defRPr sz="1400"/>
+            </a:pPr>
+            <a:r>
+              <a:t>Foot traffic decrease associated with rising temperature.</a:t>
+            </a:r>
+          </a:p>
+          <a:p>
+            <a:pPr>
+              <a:defRPr sz="1400"/>
+            </a:pPr>
+            <a:r>
+              <a:t>Conversion efficiency increased: revenue rising faster than impressions.</a:t>
+            </a:r>
+          </a:p>
+          <a:p>
+            <a:pPr>
+              <a:defRPr sz="1400"/>
+            </a:pPr>
+            <a:r>
+              <a:t>Foot traffic decrease associated with rising temperature.</a:t>
+            </a:r>
+          </a:p>
+          <a:p>
+            <a:pPr>
+              <a:defRPr sz="1400"/>
+            </a:pPr>
+            <a:r>
+              <a:t>Foot traffic decrease associated with rising temperature.</a:t>
+            </a:r>
+          </a:p>
+          <a:p>
+            <a:pPr>
+              <a:defRPr sz="1400"/>
+            </a:pPr>
+            <a:r>
+              <a:t>Conversion efficiency increased: revenue rising faster than impressions.</a:t>
+            </a:r>
+          </a:p>
+          <a:p>
+            <a:pPr>
+              <a:defRPr sz="1400"/>
+            </a:pPr>
+            <a:r>
+              <a:t>Conversion efficiency increased: revenue rising faster than impressions.</a:t>
+            </a:r>
+          </a:p>
+          <a:p>
+            <a:pPr>
+              <a:defRPr sz="1400"/>
+            </a:pPr>
+            <a:r>
+              <a:t>Foot traffic decrease associated with rising temperature.</a:t>
+            </a:r>
+          </a:p>
+          <a:p>
+            <a:pPr>
+              <a:defRPr sz="1400"/>
+            </a:pPr>
+            <a:r>
+              <a:t>Conversion efficiency increased: revenue rising faster than impressions.</a:t>
+            </a:r>
+          </a:p>
+          <a:p>
+            <a:pPr>
+              <a:defRPr sz="1400"/>
+            </a:pPr>
+            <a:r>
+              <a:t>Foot traffic decrease associated with rising temperature.</a:t>
+            </a:r>
+          </a:p>
+          <a:p>
+            <a:pPr>
+              <a:defRPr sz="1400"/>
+            </a:pPr>
+            <a:r>
+              <a:t>Conversion efficiency increased: revenue rising faster than impressions.</a:t>
+            </a:r>
+          </a:p>
+          <a:p>
+            <a:pPr>
+              <a:defRPr sz="1400"/>
+            </a:pPr>
+            <a:r>
+              <a:t>Foot traffic decrease associated with rising temperature.</a:t>
+            </a:r>
+          </a:p>
+          <a:p>
+            <a:pPr>
+              <a:defRPr sz="1400"/>
+            </a:pPr>
+            <a:r>
+              <a:t>Creative fatigue detected due to CTR drop while impressions remain stable.</a:t>
+            </a:r>
+          </a:p>
+          <a:p>
+            <a:pPr>
+              <a:defRPr sz="1400"/>
+            </a:pPr>
+            <a:r>
+              <a:t>Foot traffic decrease associated with rising temperature.</a:t>
+            </a:r>
+          </a:p>
+          <a:p>
+            <a:pPr>
+              <a:defRPr sz="1400"/>
+            </a:pPr>
+            <a:r>
+              <a:t>Foot traffic decrease associated with rising temperature.</a:t>
+            </a:r>
+          </a:p>
+          <a:p>
+            <a:pPr>
+              <a:defRPr sz="1400"/>
+            </a:pPr>
+            <a:r>
+              <a:t>Foot traffic decrease associated with rising temperature.</a:t>
+            </a:r>
+          </a:p>
+          <a:p>
+            <a:pPr>
+              <a:defRPr sz="1400"/>
+            </a:pPr>
+            <a:r>
+              <a:t>Conversion efficiency increased: revenue rising faster than impressions.</a:t>
+            </a:r>
+          </a:p>
+          <a:p>
+            <a:pPr>
+              <a:defRPr sz="1400"/>
+            </a:pPr>
+            <a:r>
+              <a:t>Conversion efficiency increased: revenue rising faster than impressions.</a:t>
+            </a:r>
+          </a:p>
+          <a:p>
+            <a:pPr>
+              <a:defRPr sz="1400"/>
+            </a:pPr>
+            <a:r>
+              <a:t>Foot traffic decrease associated with rising temperature.</a:t>
+            </a:r>
+          </a:p>
+          <a:p>
+            <a:pPr>
+              <a:defRPr sz="1400"/>
+            </a:pPr>
+            <a:r>
+              <a:t>Foot traffic decrease associated with rising temperature.</a:t>
+            </a:r>
+          </a:p>
+          <a:p>
+            <a:pPr>
+              <a:defRPr sz="1400"/>
+            </a:pPr>
+            <a:r>
+              <a:t>Creative fatigue detected due to CTR drop while impressions remain stable.</a:t>
+            </a:r>
+          </a:p>
+          <a:p>
+            <a:pPr>
+              <a:defRPr sz="1400"/>
+            </a:pPr>
+            <a:r>
+              <a:t>Conversion efficiency increased: revenue rising faster than impressions.</a:t>
+            </a:r>
+          </a:p>
+          <a:p>
+            <a:pPr>
+              <a:defRPr sz="1400"/>
+            </a:pPr>
+            <a:r>
+              <a:t>Foot traffic decrease associated with rising temperature.</a:t>
+            </a:r>
+          </a:p>
+          <a:p>
+            <a:pPr>
+              <a:defRPr sz="1400"/>
+            </a:pPr>
+            <a:r>
+              <a:t>Conversion efficiency increased: revenue rising faster than impressions.</a:t>
+            </a:r>
+          </a:p>
+          <a:p>
+            <a:pPr>
+              <a:defRPr sz="1400"/>
+            </a:pPr>
+            <a:r>
+              <a:t>Conversion efficiency increased: revenue rising faster than impressions.</a:t>
+            </a:r>
+          </a:p>
+          <a:p>
+            <a:pPr>
+              <a:defRPr sz="1400"/>
+            </a:pPr>
+            <a:r>
+              <a:t>Conversion efficiency increased: revenue rising faster than impressions.</a:t>
+            </a:r>
+          </a:p>
+          <a:p>
+            <a:pPr>
+              <a:defRPr sz="1400"/>
+            </a:pPr>
+            <a:r>
+              <a:t>Creative fatigue detected due to CTR drop while impressions remain stable.</a:t>
+            </a:r>
+          </a:p>
+          <a:p>
+            <a:pPr>
+              <a:defRPr sz="1400"/>
+            </a:pPr>
+            <a:r>
+              <a:t>Foot traffic decrease associated with rising temperature.</a:t>
+            </a:r>
+          </a:p>
+          <a:p>
+            <a:pPr>
+              <a:defRPr sz="1400"/>
+            </a:pPr>
+            <a:r>
+              <a:t>Conversion efficiency increased: revenue rising faster than impressions.</a:t>
+            </a:r>
+          </a:p>
+          <a:p>
+            <a:pPr>
+              <a:defRPr sz="1400"/>
+            </a:pPr>
+            <a:r>
+              <a:t>Foot traffic decrease associated with rising temperature.</a:t>
+            </a:r>
+          </a:p>
+          <a:p>
+            <a:pPr>
+              <a:defRPr sz="1400"/>
+            </a:pPr>
+            <a:r>
+              <a:t>Foot traffic decrease associated with rising temperature.</a:t>
+            </a:r>
+          </a:p>
+          <a:p>
+            <a:pPr>
+              <a:defRPr sz="1400"/>
+            </a:pPr>
+            <a:r>
+              <a:t>Creative fatigue detected due to CTR drop while impressions remain stable.</a:t>
+            </a:r>
+          </a:p>
+          <a:p>
+            <a:pPr>
+              <a:defRPr sz="1400"/>
+            </a:pPr>
+            <a:r>
+              <a:t>Foot traffic decrease associated with rising temperature.</a:t>
+            </a:r>
+          </a:p>
+          <a:p>
+            <a:pPr>
+              <a:defRPr sz="1400"/>
+            </a:pPr>
+            <a:r>
+              <a:t>Conversion efficiency increased: revenue rising faster than impressions.</a:t>
+            </a:r>
+          </a:p>
+          <a:p>
+            <a:pPr>
+              <a:defRPr sz="1400"/>
+            </a:pPr>
+            <a:r>
+              <a:t>Creative fatigue detected due to CTR drop while impressions remain stable.</a:t>
+            </a:r>
+          </a:p>
+          <a:p>
+            <a:pPr>
+              <a:defRPr sz="1400"/>
+            </a:pPr>
+            <a:r>
+              <a:t>Foot traffic decrease associated with rising temperature.</a:t>
+            </a:r>
+          </a:p>
+          <a:p>
+            <a:pPr>
+              <a:defRPr sz="1400"/>
+            </a:pPr>
+            <a:r>
+              <a:t>Creative fatigue detected due to CTR drop while impressions remain stable.</a:t>
+            </a:r>
+          </a:p>
+          <a:p>
+            <a:pPr>
+              <a:defRPr sz="1400"/>
+            </a:pPr>
+            <a:r>
+              <a:t>Conversion efficiency increased: revenue rising faster than impressions.</a:t>
+            </a:r>
+          </a:p>
+          <a:p>
+            <a:pPr>
+              <a:defRPr sz="1400"/>
+            </a:pPr>
+            <a:r>
+              <a:t>Conversion efficiency increased: revenue rising faster than impressions.</a:t>
+            </a:r>
+          </a:p>
+          <a:p>
+            <a:pPr>
+              <a:defRPr sz="1400"/>
+            </a:pPr>
+            <a:r>
+              <a:t>Conversion efficiency increased: revenue rising faster than impressions.</a:t>
+            </a:r>
+          </a:p>
+          <a:p>
+            <a:pPr>
+              <a:defRPr sz="1400"/>
+            </a:pPr>
+            <a:r>
+              <a:t>Creative fatigue detected due to CTR drop while impressions remain stable.</a:t>
+            </a:r>
+          </a:p>
+          <a:p>
+            <a:pPr>
+              <a:defRPr sz="1400"/>
+            </a:pPr>
+            <a:r>
+              <a:t>Conversion efficiency increased: revenue rising faster than impressions.</a:t>
+            </a:r>
+          </a:p>
+          <a:p>
+            <a:pPr>
+              <a:defRPr sz="1400"/>
+            </a:pPr>
+            <a:r>
+              <a:t>Foot traffic decrease associated with rising temperature.</a:t>
+            </a:r>
+          </a:p>
+          <a:p>
+            <a:pPr>
+              <a:defRPr sz="1400"/>
+            </a:pPr>
+            <a:r>
+              <a:t>Conversion efficiency increased: revenue rising faster than impressions.</a:t>
+            </a:r>
+          </a:p>
+          <a:p>
+            <a:pPr>
+              <a:defRPr sz="1400"/>
+            </a:pPr>
+            <a:r>
+              <a:t>Foot traffic decrease associated with rising temperature.</a:t>
+            </a:r>
+          </a:p>
+          <a:p>
+            <a:pPr>
+              <a:defRPr sz="1400"/>
+            </a:pPr>
+            <a:r>
+              <a:t>Conversion efficiency increased: revenue rising faster than impressions.</a:t>
+            </a:r>
+          </a:p>
+          <a:p>
+            <a:pPr>
+              <a:defRPr sz="1400"/>
+            </a:pPr>
+            <a:r>
+              <a:t>Creative fatigue detected due to CTR drop while impressions remain stable.</a:t>
+            </a:r>
+          </a:p>
+          <a:p>
+            <a:pPr>
+              <a:defRPr sz="1400"/>
+            </a:pPr>
+            <a:r>
+              <a:t>Conversion efficiency increased: revenue rising faster than impressions.</a:t>
+            </a:r>
+          </a:p>
+          <a:p>
+            <a:pPr>
+              <a:defRPr sz="1400"/>
+            </a:pPr>
+            <a:r>
+              <a:t>Conversion efficiency increased: revenue rising faster than impressions.</a:t>
+            </a:r>
+          </a:p>
+          <a:p>
+            <a:pPr>
+              <a:defRPr sz="1400"/>
+            </a:pPr>
+            <a:r>
+              <a:t>Foot traffic decrease associated with rising temperature.</a:t>
+            </a:r>
+          </a:p>
+          <a:p>
+            <a:pPr>
+              <a:defRPr sz="1400"/>
+            </a:pPr>
+            <a:r>
+              <a:t>Conversion efficiency increased: revenue rising faster than impressions.</a:t>
+            </a:r>
+          </a:p>
+          <a:p>
+            <a:pPr>
+              <a:defRPr sz="1400"/>
+            </a:pPr>
+            <a:r>
+              <a:t>Foot traffic decrease associated with rising temperature.</a:t>
+            </a:r>
+          </a:p>
+          <a:p>
+            <a:pPr>
+              <a:defRPr sz="1400"/>
+            </a:pPr>
+            <a:r>
+              <a:t>Foot traffic decrease associated with rising temperature.</a:t>
+            </a:r>
+          </a:p>
+          <a:p>
+            <a:pPr>
+              <a:defRPr sz="1400"/>
+            </a:pPr>
+            <a:r>
+              <a:t>Foot traffic decrease associated with rising temperature.</a:t>
+            </a:r>
+          </a:p>
+          <a:p>
+            <a:pPr>
+              <a:defRPr sz="1400"/>
+            </a:pPr>
+            <a:r>
+              <a:t>Foot traffic decrease associated with rising temperature.</a:t>
+            </a:r>
+          </a:p>
+          <a:p>
+            <a:pPr>
+              <a:defRPr sz="1400"/>
+            </a:pPr>
+            <a:r>
+              <a:t>Conversion efficiency increased: revenue rising faster than impressions.</a:t>
+            </a:r>
+          </a:p>
+          <a:p>
+            <a:pPr>
+              <a:defRPr sz="1400"/>
+            </a:pPr>
+            <a:r>
+              <a:t>Foot traffic decrease associated with rising temperature.</a:t>
+            </a:r>
+          </a:p>
+          <a:p>
+            <a:pPr>
+              <a:defRPr sz="1400"/>
+            </a:pPr>
+            <a:r>
+              <a:t>Conversion efficiency increased: revenue rising faster than impressions.</a:t>
+            </a:r>
+          </a:p>
+          <a:p>
+            <a:pPr>
+              <a:defRPr sz="1400"/>
+            </a:pPr>
+            <a:r>
+              <a:t>Conversion efficiency increased: revenue rising faster than impressions.</a:t>
+            </a:r>
+          </a:p>
+          <a:p>
+            <a:pPr>
+              <a:defRPr sz="1400"/>
+            </a:pPr>
+            <a:r>
+              <a:t>Creative fatigue detected due to CTR drop while impressions remain stable.</a:t>
+            </a:r>
+          </a:p>
+          <a:p>
+            <a:pPr>
+              <a:defRPr sz="1400"/>
+            </a:pPr>
+            <a:r>
+              <a:t>Foot traffic decrease associated with rising temperature.</a:t>
+            </a:r>
+          </a:p>
+          <a:p>
+            <a:pPr>
+              <a:defRPr sz="1400"/>
+            </a:pPr>
+            <a:r>
+              <a:t>Foot traffic decrease associated with rising temperature.</a:t>
+            </a:r>
+          </a:p>
+          <a:p>
+            <a:pPr>
+              <a:defRPr sz="1400"/>
+            </a:pPr>
+            <a:r>
+              <a:t>Creative fatigue detected due to CTR drop while impressions remain stable.</a:t>
+            </a:r>
+          </a:p>
+          <a:p>
+            <a:pPr>
+              <a:defRPr sz="1400"/>
+            </a:pPr>
+            <a:r>
+              <a:t>Foot traffic decrease associated with rising temperature.</a:t>
+            </a:r>
+          </a:p>
+          <a:p>
+            <a:pPr>
+              <a:defRPr sz="1400"/>
+            </a:pPr>
+            <a:r>
+              <a:t>Foot traffic decrease associated with rising temperature.</a:t>
+            </a:r>
+          </a:p>
+          <a:p>
+            <a:pPr>
+              <a:defRPr sz="1400"/>
+            </a:pPr>
+            <a:r>
+              <a:t>Creative fatigue detected due to CTR drop while impressions remain stable.</a:t>
+            </a:r>
+          </a:p>
+          <a:p>
+            <a:pPr>
+              <a:defRPr sz="1400"/>
+            </a:pPr>
+            <a:r>
+              <a:t>Conversion efficiency increased: revenue rising faster than impressions.</a:t>
+            </a:r>
+          </a:p>
+          <a:p>
+            <a:pPr>
+              <a:defRPr sz="1400"/>
+            </a:pPr>
+            <a:r>
+              <a:t>Foot traffic decrease associated with rising temperature.</a:t>
+            </a:r>
+          </a:p>
+          <a:p>
+            <a:pPr>
+              <a:defRPr sz="1400"/>
+            </a:pPr>
+            <a:r>
+              <a:t>Creative fatigue detected due to CTR drop while impressions remain stable.</a:t>
+            </a:r>
+          </a:p>
+          <a:p>
+            <a:pPr>
+              <a:defRPr sz="1400"/>
+            </a:pPr>
+            <a:r>
+              <a:t>Foot traffic decrease associated with rising temperature.</a:t>
+            </a:r>
+          </a:p>
+          <a:p>
+            <a:pPr>
+              <a:defRPr sz="1400"/>
+            </a:pPr>
+            <a:r>
+              <a:t>Conversion efficiency increased: revenue rising faster than impressions.</a:t>
+            </a:r>
+          </a:p>
+          <a:p>
+            <a:pPr>
+              <a:defRPr sz="1400"/>
+            </a:pPr>
+            <a:r>
+              <a:t>Conversion efficiency increased: revenue rising faster than impressions.</a:t>
+            </a:r>
+          </a:p>
+          <a:p>
+            <a:pPr>
+              <a:defRPr sz="1400"/>
+            </a:pPr>
+            <a:r>
+              <a:t>Conversion efficiency increased: revenue rising faster than impressions.</a:t>
+            </a:r>
+          </a:p>
+          <a:p>
+            <a:pPr>
+              <a:defRPr sz="1400"/>
+            </a:pPr>
+            <a:r>
+              <a:t>Creative fatigue detected due to CTR drop while impressions remain stable.</a:t>
+            </a:r>
+          </a:p>
+          <a:p>
+            <a:pPr>
+              <a:defRPr sz="1400"/>
+            </a:pPr>
+            <a:r>
+              <a:t>Conversion efficiency increased: revenue rising faster than impressions.</a:t>
+            </a:r>
+          </a:p>
+          <a:p>
+            <a:pPr>
+              <a:defRPr sz="1400"/>
+            </a:pPr>
+            <a:r>
+              <a:t>Conversion efficiency increased: revenue rising faster than impressions.</a:t>
+            </a:r>
+          </a:p>
+          <a:p>
+            <a:pPr>
+              <a:defRPr sz="1400"/>
+            </a:pPr>
+            <a:r>
+              <a:t>Foot traffic decrease associated with rising temperature.</a:t>
+            </a:r>
+          </a:p>
+          <a:p>
+            <a:pPr>
+              <a:defRPr sz="1400"/>
+            </a:pPr>
+            <a:r>
+              <a:t>Conversion efficiency increased: revenue rising faster than impressions.</a:t>
+            </a:r>
+          </a:p>
+          <a:p>
+            <a:pPr>
+              <a:defRPr sz="1400"/>
+            </a:pPr>
+            <a:r>
+              <a:t>Foot traffic decrease associated with rising temperature.</a:t>
+            </a:r>
+          </a:p>
+          <a:p>
+            <a:pPr>
+              <a:defRPr sz="1400"/>
+            </a:pPr>
+            <a:r>
+              <a:t>Foot traffic decrease associated with rising temperature.</a:t>
+            </a:r>
+          </a:p>
+          <a:p>
+            <a:pPr>
+              <a:defRPr sz="1400"/>
+            </a:pPr>
+            <a:r>
+              <a:t>Conversion efficiency increased: revenue rising faster than impressions.</a:t>
+            </a:r>
+          </a:p>
+          <a:p>
+            <a:pPr>
+              <a:defRPr sz="1400"/>
+            </a:pPr>
+            <a:r>
+              <a:t>Foot traffic decrease associated with rising temperature.</a:t>
+            </a:r>
+          </a:p>
+          <a:p>
+            <a:pPr>
+              <a:defRPr sz="1400"/>
+            </a:pPr>
+            <a:r>
+              <a:t>Conversion efficiency increased: revenue rising faster than impressions.</a:t>
+            </a:r>
+          </a:p>
+          <a:p>
+            <a:pPr>
+              <a:defRPr sz="1400"/>
+            </a:pPr>
+            <a:r>
+              <a:t>Foot traffic decrease associated with rising temperature.</a:t>
+            </a:r>
+          </a:p>
+          <a:p>
+            <a:pPr>
+              <a:defRPr sz="1400"/>
+            </a:pPr>
+            <a:r>
+              <a:t>Foot traffic decrease associated with rising temperature.</a:t>
+            </a:r>
+          </a:p>
+          <a:p>
+            <a:pPr>
+              <a:defRPr sz="1400"/>
+            </a:pPr>
+            <a:r>
+              <a:t>Conversion efficiency increased: revenue rising faster than impressions.</a:t>
+            </a:r>
+          </a:p>
+          <a:p>
+            <a:pPr>
+              <a:defRPr sz="1400"/>
+            </a:pPr>
+            <a:r>
+              <a:t>Creative fatigue detected due to CTR drop while impressions remain stable.</a:t>
+            </a:r>
+          </a:p>
+          <a:p>
+            <a:pPr>
+              <a:defRPr sz="1400"/>
+            </a:pPr>
+            <a:r>
+              <a:t>Creative fatigue detected due to CTR drop while impressions remain stable.</a:t>
+            </a:r>
+          </a:p>
+          <a:p>
+            <a:pPr>
+              <a:defRPr sz="1400"/>
+            </a:pPr>
+            <a:r>
+              <a:t>Foot traffic decrease associated with rising temperature.</a:t>
+            </a:r>
+          </a:p>
+          <a:p>
+            <a:pPr>
+              <a:defRPr sz="1400"/>
+            </a:pPr>
+            <a:r>
+              <a:t>Foot traffic decrease associated with rising temperature.</a:t>
+            </a:r>
+          </a:p>
+          <a:p>
+            <a:pPr>
+              <a:defRPr sz="1400"/>
+            </a:pPr>
+            <a:r>
+              <a:t>Foot traffic decrease associated with rising temperature.</a:t>
+            </a:r>
+          </a:p>
+          <a:p>
+            <a:pPr>
+              <a:defRPr sz="1400"/>
+            </a:pPr>
+            <a:r>
+              <a:t>Creative fatigue detected due to CTR drop while impressions remain stable.</a:t>
+            </a:r>
+          </a:p>
+          <a:p>
+            <a:pPr>
+              <a:defRPr sz="1400"/>
+            </a:pPr>
+            <a:r>
+              <a:t>Conversion efficiency increased: revenue rising faster than impressions.</a:t>
+            </a:r>
+          </a:p>
+          <a:p>
+            <a:pPr>
+              <a:defRPr sz="1400"/>
+            </a:pPr>
+            <a:r>
+              <a:t>Foot traffic decrease associated with rising temperature.</a:t>
+            </a:r>
+          </a:p>
+          <a:p>
+            <a:pPr>
+              <a:defRPr sz="1400"/>
+            </a:pPr>
+            <a:r>
+              <a:t>Conversion efficiency increased: revenue rising faster than impressions.</a:t>
+            </a:r>
+          </a:p>
+          <a:p>
+            <a:pPr>
+              <a:defRPr sz="1400"/>
+            </a:pPr>
+            <a:r>
+              <a:t>Foot traffic decrease associated with rising temperature.</a:t>
+            </a:r>
+          </a:p>
+          <a:p>
+            <a:pPr>
+              <a:defRPr sz="1400"/>
+            </a:pPr>
+            <a:r>
+              <a:t>Conversion efficiency increased: revenue rising faster than impressions.</a:t>
+            </a:r>
+          </a:p>
+          <a:p>
+            <a:pPr>
+              <a:defRPr sz="1400"/>
+            </a:pPr>
+            <a:r>
+              <a:t>Foot traffic decrease associated with rising temperature.</a:t>
+            </a:r>
+          </a:p>
+          <a:p>
+            <a:pPr>
+              <a:defRPr sz="1400"/>
+            </a:pPr>
+            <a:r>
+              <a:t>Conversion efficiency increased: revenue rising faster than impressions.</a:t>
+            </a:r>
+          </a:p>
+          <a:p>
+            <a:pPr>
+              <a:defRPr sz="1400"/>
+            </a:pPr>
+            <a:r>
+              <a:t>Foot traffic decrease associated with rising temperature.</a:t>
+            </a:r>
+          </a:p>
+          <a:p>
+            <a:pPr>
+              <a:defRPr sz="1400"/>
+            </a:pPr>
+            <a:r>
+              <a:t>Conversion efficiency increased: revenue rising faster than impressions.</a:t>
+            </a:r>
+          </a:p>
+          <a:p>
+            <a:pPr>
+              <a:defRPr sz="1400"/>
+            </a:pPr>
+            <a:r>
+              <a:t>Foot traffic decrease associated with rising temperature.</a:t>
+            </a:r>
+          </a:p>
+          <a:p>
+            <a:pPr>
+              <a:defRPr sz="1400"/>
+            </a:pPr>
+            <a:r>
+              <a:t>Foot traffic decrease associated with rising temperature.</a:t>
+            </a:r>
+          </a:p>
+          <a:p>
+            <a:pPr>
+              <a:defRPr sz="1400"/>
+            </a:pPr>
+            <a:r>
+              <a:t>Conversion efficiency increased: revenue rising faster than impressions.</a:t>
+            </a:r>
+          </a:p>
+          <a:p>
+            <a:pPr>
+              <a:defRPr sz="1400"/>
+            </a:pPr>
+            <a:r>
+              <a:t>Conversion efficiency increased: revenue rising faster than impressions.</a:t>
+            </a:r>
+          </a:p>
+          <a:p>
+            <a:pPr>
+              <a:defRPr sz="1400"/>
+            </a:pPr>
+            <a:r>
+              <a:t>Foot traffic decrease associated with rising temperature.</a:t>
+            </a:r>
+          </a:p>
+          <a:p>
+            <a:pPr>
+              <a:defRPr sz="1400"/>
+            </a:pPr>
+            <a:r>
+              <a:t>Conversion efficiency increased: revenue rising faster than impressions.</a:t>
+            </a:r>
+          </a:p>
+          <a:p>
+            <a:pPr>
+              <a:defRPr sz="1400"/>
+            </a:pPr>
+            <a:r>
+              <a:t>Conversion efficiency increased: revenue rising faster than impressions.</a:t>
+            </a:r>
+          </a:p>
+          <a:p>
+            <a:pPr>
+              <a:defRPr sz="1400"/>
+            </a:pPr>
+            <a:r>
+              <a:t>Conversion efficiency increased: revenue rising faster than impressions.</a:t>
+            </a:r>
+          </a:p>
+          <a:p>
+            <a:pPr>
+              <a:defRPr sz="1400"/>
+            </a:pPr>
+            <a:r>
+              <a:t>Conversion efficiency increased: revenue rising faster than impressions.</a:t>
+            </a:r>
+          </a:p>
+          <a:p>
+            <a:pPr>
+              <a:defRPr sz="1400"/>
+            </a:pPr>
+            <a:r>
+              <a:t>Foot traffic decrease associated with rising temperature.</a:t>
+            </a:r>
+          </a:p>
+          <a:p>
+            <a:pPr>
+              <a:defRPr sz="1400"/>
+            </a:pPr>
+            <a:r>
+              <a:t>Conversion efficiency increased: revenue rising faster than impressions.</a:t>
+            </a:r>
+          </a:p>
+          <a:p>
+            <a:pPr>
+              <a:defRPr sz="1400"/>
+            </a:pPr>
+            <a:r>
+              <a:t>Conversion efficiency increased: revenue rising faster than impressions.</a:t>
+            </a:r>
+          </a:p>
+          <a:p>
+            <a:pPr>
+              <a:defRPr sz="1400"/>
+            </a:pPr>
+            <a:r>
+              <a:t>Conversion efficiency increased: revenue rising faster than impressions.</a:t>
+            </a:r>
+          </a:p>
+          <a:p>
+            <a:pPr>
+              <a:defRPr sz="1400"/>
+            </a:pPr>
+            <a:r>
+              <a:t>Foot traffic decrease associated with rising temperature.</a:t>
+            </a:r>
+          </a:p>
+          <a:p>
+            <a:pPr>
+              <a:defRPr sz="1400"/>
+            </a:pPr>
+            <a:r>
+              <a:t>Foot traffic decrease associated with rising temperature.</a:t>
+            </a:r>
+          </a:p>
+          <a:p>
+            <a:pPr>
+              <a:defRPr sz="1400"/>
+            </a:pPr>
+            <a:r>
+              <a:t>Conversion efficiency increased: revenue rising faster than impressions.</a:t>
+            </a:r>
+          </a:p>
+          <a:p>
+            <a:pPr>
+              <a:defRPr sz="1400"/>
+            </a:pPr>
+            <a:r>
+              <a:t>Foot traffic decrease associated with rising temperature.</a:t>
+            </a:r>
+          </a:p>
+          <a:p>
+            <a:pPr>
+              <a:defRPr sz="1400"/>
+            </a:pPr>
+            <a:r>
+              <a:t>Foot traffic decrease associated with rising temperature.</a:t>
+            </a:r>
+          </a:p>
+          <a:p>
+            <a:pPr>
+              <a:defRPr sz="1400"/>
+            </a:pPr>
+            <a:r>
+              <a:t>Conversion efficiency increased: revenue rising faster than impressions.</a:t>
+            </a:r>
+          </a:p>
+          <a:p>
+            <a:pPr>
+              <a:defRPr sz="1400"/>
+            </a:pPr>
+            <a:r>
+              <a:t>Foot traffic decrease associated with rising temperature.</a:t>
+            </a:r>
+          </a:p>
+          <a:p>
+            <a:pPr>
+              <a:defRPr sz="1400"/>
+            </a:pPr>
+            <a:r>
+              <a:t>Conversion efficiency increased: revenue rising faster than impressions.</a:t>
+            </a:r>
+          </a:p>
+          <a:p>
+            <a:pPr>
+              <a:defRPr sz="1400"/>
+            </a:pPr>
+            <a:r>
+              <a:t>Conversion efficiency increased: revenue rising faster than impressions.</a:t>
+            </a:r>
+          </a:p>
+          <a:p>
+            <a:pPr>
+              <a:defRPr sz="1400"/>
+            </a:pPr>
+            <a:r>
+              <a:t>Conversion efficiency increased: revenue rising faster than impressions.</a:t>
+            </a:r>
+          </a:p>
+          <a:p>
+            <a:pPr>
+              <a:defRPr sz="1400"/>
+            </a:pPr>
+            <a:r>
+              <a:t>Foot traffic decrease associated with rising temperature.</a:t>
+            </a:r>
+          </a:p>
+          <a:p>
+            <a:pPr>
+              <a:defRPr sz="1400"/>
+            </a:pPr>
+            <a:r>
+              <a:t>Conversion efficiency increased: revenue rising faster than impressions.</a:t>
+            </a:r>
+          </a:p>
+          <a:p>
+            <a:pPr>
+              <a:defRPr sz="1400"/>
+            </a:pPr>
+            <a:r>
+              <a:t>Foot traffic decrease associated with rising temperature.</a:t>
+            </a:r>
+          </a:p>
+          <a:p>
+            <a:pPr>
+              <a:defRPr sz="1400"/>
+            </a:pPr>
+            <a:r>
+              <a:t>Creative fatigue detected due to CTR drop while impressions remain stable.</a:t>
+            </a:r>
+          </a:p>
+          <a:p>
+            <a:pPr>
+              <a:defRPr sz="1400"/>
+            </a:pPr>
+            <a:r>
+              <a:t>Creative fatigue detected due to CTR drop while impressions remain stable.</a:t>
+            </a:r>
+          </a:p>
+          <a:p>
+            <a:pPr>
+              <a:defRPr sz="1400"/>
+            </a:pPr>
+            <a:r>
+              <a:t>Foot traffic decrease associated with rising temperature.</a:t>
+            </a:r>
+          </a:p>
+          <a:p>
+            <a:pPr>
+              <a:defRPr sz="1400"/>
+            </a:pPr>
+            <a:r>
+              <a:t>Conversion efficiency increased: revenue rising faster than impressions.</a:t>
+            </a:r>
+          </a:p>
+          <a:p>
+            <a:pPr>
+              <a:defRPr sz="1400"/>
+            </a:pPr>
+            <a:r>
+              <a:t>Foot traffic decrease associated with rising temperature.</a:t>
+            </a:r>
+          </a:p>
+          <a:p>
+            <a:pPr>
+              <a:defRPr sz="1400"/>
+            </a:pPr>
+            <a:r>
+              <a:t>Creative fatigue detected due to CTR drop while impressions remain stable.</a:t>
+            </a:r>
+          </a:p>
+          <a:p>
+            <a:pPr>
+              <a:defRPr sz="1400"/>
+            </a:pPr>
+            <a:r>
+              <a:t>Conversion efficiency increased: revenue rising faster than impressions.</a:t>
+            </a:r>
+          </a:p>
+          <a:p>
+            <a:pPr>
+              <a:defRPr sz="1400"/>
+            </a:pPr>
+            <a:r>
+              <a:t>Foot traffic decrease associated with rising temperature.</a:t>
+            </a:r>
+          </a:p>
+          <a:p>
+            <a:pPr>
+              <a:defRPr sz="1400"/>
+            </a:pPr>
+            <a:r>
+              <a:t>Foot traffic decrease associated with rising temperature.</a:t>
+            </a:r>
+          </a:p>
+          <a:p>
+            <a:pPr>
+              <a:defRPr sz="1400"/>
+            </a:pPr>
+            <a:r>
+              <a:t>Conversion efficiency increased: revenue rising faster than impressions.</a:t>
+            </a:r>
+          </a:p>
+          <a:p>
+            <a:pPr>
+              <a:defRPr sz="1400"/>
+            </a:pPr>
+            <a:r>
+              <a:t>Creative fatigue detected due to CTR drop while impressions remain stable.</a:t>
+            </a:r>
+          </a:p>
+          <a:p>
+            <a:pPr>
+              <a:defRPr sz="1400"/>
+            </a:pPr>
+            <a:r>
+              <a:t>Foot traffic decrease associated with rising temperature.</a:t>
+            </a:r>
+          </a:p>
+          <a:p>
+            <a:pPr>
+              <a:defRPr sz="1400"/>
+            </a:pPr>
+            <a:r>
+              <a:t>Conversion efficiency increased: revenue rising faster than impressions.</a:t>
+            </a:r>
+          </a:p>
+          <a:p>
+            <a:pPr>
+              <a:defRPr sz="1400"/>
+            </a:pPr>
+            <a:r>
+              <a:t>Conversion efficiency increased: revenue rising faster than impressions.</a:t>
+            </a:r>
+          </a:p>
+          <a:p>
+            <a:pPr>
+              <a:defRPr sz="1400"/>
+            </a:pPr>
+            <a:r>
+              <a:t>Conversion efficiency increased: revenue rising faster than impressions.</a:t>
+            </a:r>
+          </a:p>
+          <a:p>
+            <a:pPr>
+              <a:defRPr sz="1400"/>
+            </a:pPr>
+            <a:r>
+              <a:t>Creative fatigue detected due to CTR drop while impressions remain stable.</a:t>
+            </a:r>
+          </a:p>
+          <a:p>
+            <a:pPr>
+              <a:defRPr sz="1400"/>
+            </a:pPr>
+            <a:r>
+              <a:t>Conversion efficiency increased: revenue rising faster than impressions.</a:t>
+            </a:r>
+          </a:p>
+          <a:p>
+            <a:pPr>
+              <a:defRPr sz="1400"/>
+            </a:pPr>
+            <a:r>
+              <a:t>Foot traffic decrease associated with rising temperature.</a:t>
+            </a:r>
+          </a:p>
+          <a:p>
+            <a:pPr>
+              <a:defRPr sz="1400"/>
+            </a:pPr>
+            <a:r>
+              <a:t>Conversion efficiency increased: revenue rising faster than impressions.</a:t>
+            </a:r>
+          </a:p>
+          <a:p>
+            <a:pPr>
+              <a:defRPr sz="1400"/>
+            </a:pPr>
+            <a:r>
+              <a:t>Foot traffic decrease associated with rising temperature.</a:t>
+            </a:r>
+          </a:p>
+          <a:p>
+            <a:pPr>
+              <a:defRPr sz="1400"/>
+            </a:pPr>
+            <a:r>
+              <a:t>Conversion efficiency increased: revenue rising faster than impressions.</a:t>
+            </a:r>
+          </a:p>
+          <a:p>
+            <a:pPr>
+              <a:defRPr sz="1400"/>
+            </a:pPr>
+            <a:r>
+              <a:t>Foot traffic decrease associated with rising temperature.</a:t>
+            </a:r>
+          </a:p>
+          <a:p>
+            <a:pPr>
+              <a:defRPr sz="1400"/>
+            </a:pPr>
+            <a:r>
+              <a:t>Conversion efficiency increased: revenue rising faster than impressions.</a:t>
+            </a:r>
+          </a:p>
+          <a:p>
+            <a:pPr>
+              <a:defRPr sz="1400"/>
+            </a:pPr>
+            <a:r>
+              <a:t>Foot traffic decrease associated with rising temperature.</a:t>
+            </a:r>
+          </a:p>
+          <a:p>
+            <a:pPr>
+              <a:defRPr sz="1400"/>
+            </a:pPr>
+            <a:r>
+              <a:t>Foot traffic decrease associated with rising temperature.</a:t>
+            </a:r>
+          </a:p>
+          <a:p>
+            <a:pPr>
+              <a:defRPr sz="1400"/>
+            </a:pPr>
+            <a:r>
+              <a:t>Conversion efficiency increased: revenue rising faster than impressions.</a:t>
+            </a:r>
+          </a:p>
+          <a:p>
+            <a:pPr>
+              <a:defRPr sz="1400"/>
+            </a:pPr>
+            <a:r>
+              <a:t>Foot traffic decrease associated with rising temperature.</a:t>
+            </a:r>
+          </a:p>
+          <a:p>
+            <a:pPr>
+              <a:defRPr sz="1400"/>
+            </a:pPr>
+            <a:r>
+              <a:t>Foot traffic decrease associated with rising temperature.</a:t>
+            </a:r>
+          </a:p>
+          <a:p>
+            <a:pPr>
+              <a:defRPr sz="1400"/>
+            </a:pPr>
+            <a:r>
+              <a:t>Conversion efficiency increased: revenue rising faster than impressions.</a:t>
+            </a:r>
+          </a:p>
+          <a:p>
+            <a:pPr>
+              <a:defRPr sz="1400"/>
+            </a:pPr>
+            <a:r>
+              <a:t>Creative fatigue detected due to CTR drop while impressions remain stable.</a:t>
+            </a:r>
+          </a:p>
+          <a:p>
+            <a:pPr>
+              <a:defRPr sz="1400"/>
+            </a:pPr>
+            <a:r>
+              <a:t>Creative fatigue detected due to CTR drop while impressions remain stable.</a:t>
+            </a:r>
+          </a:p>
+          <a:p>
+            <a:pPr>
+              <a:defRPr sz="1400"/>
+            </a:pPr>
+            <a:r>
+              <a:t>Conversion efficiency increased: revenue rising faster than impressions.</a:t>
+            </a:r>
+          </a:p>
+          <a:p>
+            <a:pPr>
+              <a:defRPr sz="1400"/>
+            </a:pPr>
+            <a:r>
+              <a:t>Foot traffic decrease associated with rising temperature.</a:t>
+            </a:r>
+          </a:p>
+          <a:p>
+            <a:pPr>
+              <a:defRPr sz="1400"/>
+            </a:pPr>
+            <a:r>
+              <a:t>Foot traffic decrease associated with rising temperature.</a:t>
+            </a:r>
+          </a:p>
+          <a:p>
+            <a:pPr>
+              <a:defRPr sz="1400"/>
+            </a:pPr>
+            <a:r>
+              <a:t>Foot traffic decrease associated with rising temperature.</a:t>
+            </a:r>
+          </a:p>
+          <a:p>
+            <a:pPr>
+              <a:defRPr sz="1400"/>
+            </a:pPr>
+            <a:r>
+              <a:t>Foot traffic decrease associated with rising temperature.</a:t>
+            </a:r>
+          </a:p>
+          <a:p>
+            <a:pPr>
+              <a:defRPr sz="1400"/>
+            </a:pPr>
+            <a:r>
+              <a:t>Foot traffic decrease associated with rising temperature.</a:t>
+            </a:r>
+          </a:p>
+          <a:p>
+            <a:pPr>
+              <a:defRPr sz="1400"/>
+            </a:pPr>
+            <a:r>
+              <a:t>Conversion efficiency increased: revenue rising faster than impressions.</a:t>
+            </a:r>
+          </a:p>
+          <a:p>
+            <a:pPr>
+              <a:defRPr sz="1400"/>
+            </a:pPr>
+            <a:r>
+              <a:t>Creative fatigue detected due to CTR drop while impressions remain stable.</a:t>
+            </a:r>
+          </a:p>
+          <a:p>
+            <a:pPr>
+              <a:defRPr sz="1400"/>
+            </a:pPr>
+            <a:r>
+              <a:t>Conversion efficiency increased: revenue rising faster than impressions.</a:t>
+            </a:r>
+          </a:p>
+          <a:p>
+            <a:pPr>
+              <a:defRPr sz="1400"/>
+            </a:pPr>
+            <a:r>
+              <a:t>Foot traffic decrease associated with rising temperature.</a:t>
+            </a:r>
+          </a:p>
+          <a:p>
+            <a:pPr>
+              <a:defRPr sz="1400"/>
+            </a:pPr>
+            <a:r>
+              <a:t>Foot traffic decrease associated with rising temperature.</a:t>
+            </a:r>
+          </a:p>
+          <a:p>
+            <a:pPr>
+              <a:defRPr sz="1400"/>
+            </a:pPr>
+            <a:r>
+              <a:t>Conversion efficiency increased: revenue rising faster than impressions.</a:t>
+            </a:r>
+          </a:p>
+          <a:p>
+            <a:pPr>
+              <a:defRPr sz="1400"/>
+            </a:pPr>
+            <a:r>
+              <a:t>Conversion efficiency increased: revenue rising faster than impressions.</a:t>
+            </a:r>
+          </a:p>
+          <a:p>
+            <a:pPr>
+              <a:defRPr sz="1400"/>
+            </a:pPr>
+            <a:r>
+              <a:t>Conversion efficiency increased: revenue rising faster than impressions.</a:t>
+            </a:r>
+          </a:p>
+          <a:p>
+            <a:pPr>
+              <a:defRPr sz="1400"/>
+            </a:pPr>
+            <a:r>
+              <a:t>Foot traffic decrease associated with rising temperature.</a:t>
+            </a:r>
+          </a:p>
+          <a:p>
+            <a:pPr>
+              <a:defRPr sz="1400"/>
+            </a:pPr>
+            <a:r>
+              <a:t>Conversion efficiency increased: revenue rising faster than impressions.</a:t>
+            </a:r>
+          </a:p>
+          <a:p>
+            <a:pPr>
+              <a:defRPr sz="1400"/>
+            </a:pPr>
+            <a:r>
+              <a:t>Conversion efficiency increased: revenue rising faster than impressions.</a:t>
+            </a:r>
+          </a:p>
+          <a:p>
+            <a:pPr>
+              <a:defRPr sz="1400"/>
+            </a:pPr>
+            <a:r>
+              <a:t>Conversion efficiency increased: revenue rising faster than impressions.</a:t>
+            </a:r>
+          </a:p>
+          <a:p>
+            <a:pPr>
+              <a:defRPr sz="1400"/>
+            </a:pPr>
+            <a:r>
+              <a:t>Foot traffic decrease associated with rising temperature.</a:t>
+            </a:r>
+          </a:p>
+          <a:p>
+            <a:pPr>
+              <a:defRPr sz="1400"/>
+            </a:pPr>
+            <a:r>
+              <a:t>Conversion efficiency increased: revenue rising faster than impressions.</a:t>
+            </a:r>
+          </a:p>
+          <a:p>
+            <a:pPr>
+              <a:defRPr sz="1400"/>
+            </a:pPr>
+            <a:r>
+              <a:t>Creative fatigue detected due to CTR drop while impressions remain stable.</a:t>
+            </a:r>
+          </a:p>
+          <a:p>
+            <a:pPr>
+              <a:defRPr sz="1400"/>
+            </a:pPr>
+            <a:r>
+              <a:t>Foot traffic decrease associated with rising temperature.</a:t>
+            </a:r>
+          </a:p>
+          <a:p>
+            <a:pPr>
+              <a:defRPr sz="1400"/>
+            </a:pPr>
+            <a:r>
+              <a:t>Conversion efficiency increased: revenue rising faster than impressions.</a:t>
+            </a:r>
+          </a:p>
+          <a:p>
+            <a:pPr>
+              <a:defRPr sz="1400"/>
+            </a:pPr>
+            <a:r>
+              <a:t>Foot traffic decrease associated with rising temperature.</a:t>
+            </a:r>
+          </a:p>
+          <a:p>
+            <a:pPr>
+              <a:defRPr sz="1400"/>
+            </a:pPr>
+            <a:r>
+              <a:t>Foot traffic decrease associated with rising temperature.</a:t>
+            </a:r>
+          </a:p>
+          <a:p>
+            <a:pPr>
+              <a:defRPr sz="1400"/>
+            </a:pPr>
+            <a:r>
+              <a:t>Conversion efficiency increased: revenue rising faster than impressions.</a:t>
+            </a:r>
+          </a:p>
+          <a:p>
+            <a:pPr>
+              <a:defRPr sz="1400"/>
+            </a:pPr>
+            <a:r>
+              <a:t>Foot traffic decrease associated with rising temperature.</a:t>
+            </a:r>
+          </a:p>
+          <a:p>
+            <a:pPr>
+              <a:defRPr sz="1400"/>
+            </a:pPr>
+            <a:r>
+              <a:t>Creative fatigue detected due to CTR drop while impressions remain stable.</a:t>
+            </a:r>
+          </a:p>
+          <a:p>
+            <a:pPr>
+              <a:defRPr sz="1400"/>
+            </a:pPr>
+            <a:r>
+              <a:t>Creative fatigue detected due to CTR drop while impressions remain stable.</a:t>
+            </a:r>
+          </a:p>
+          <a:p>
+            <a:pPr>
+              <a:defRPr sz="1400"/>
+            </a:pPr>
+            <a:r>
+              <a:t>Conversion efficiency increased: revenue rising faster than impressions.</a:t>
+            </a:r>
+          </a:p>
+          <a:p>
+            <a:pPr>
+              <a:defRPr sz="1400"/>
+            </a:pPr>
+            <a:r>
+              <a:t>Creative fatigue detected due to CTR drop while impressions remain stable.</a:t>
+            </a:r>
+          </a:p>
+          <a:p>
+            <a:pPr>
+              <a:defRPr sz="1400"/>
+            </a:pPr>
+            <a:r>
+              <a:t>Foot traffic decrease associated with rising temperature.</a:t>
+            </a:r>
+          </a:p>
+          <a:p>
+            <a:pPr>
+              <a:defRPr sz="1400"/>
+            </a:pPr>
+            <a:r>
+              <a:t>Conversion efficiency increased: revenue rising faster than impressions.</a:t>
+            </a:r>
+          </a:p>
+          <a:p>
+            <a:pPr>
+              <a:defRPr sz="1400"/>
+            </a:pPr>
+            <a:r>
+              <a:t>Foot traffic decrease associated with rising temperature.</a:t>
+            </a:r>
+          </a:p>
+          <a:p>
+            <a:pPr>
+              <a:defRPr sz="1400"/>
+            </a:pPr>
+            <a:r>
+              <a:t>Foot traffic decrease associated with rising temperature.</a:t>
+            </a:r>
+          </a:p>
+          <a:p>
+            <a:pPr>
+              <a:defRPr sz="1400"/>
+            </a:pPr>
+            <a:r>
+              <a:t>Foot traffic decrease associated with rising temperature.</a:t>
+            </a:r>
+          </a:p>
+          <a:p>
+            <a:pPr>
+              <a:defRPr sz="1400"/>
+            </a:pPr>
+            <a:r>
+              <a:t>Foot traffic decrease associated with rising temperature.</a:t>
+            </a:r>
+          </a:p>
+          <a:p>
+            <a:pPr>
+              <a:defRPr sz="1400"/>
+            </a:pPr>
+            <a:r>
+              <a:t>Creative fatigue detected due to CTR drop while impressions remain stable.</a:t>
+            </a:r>
+          </a:p>
+          <a:p>
+            <a:pPr>
+              <a:defRPr sz="1400"/>
+            </a:pPr>
+            <a:r>
+              <a:t>Conversion efficiency increased: revenue rising faster than impressions.</a:t>
+            </a:r>
+          </a:p>
+          <a:p>
+            <a:pPr>
+              <a:defRPr sz="1400"/>
+            </a:pPr>
+            <a:r>
+              <a:t>Conversion efficiency increased: revenue rising faster than impressions.</a:t>
+            </a:r>
+          </a:p>
+          <a:p>
+            <a:pPr>
+              <a:defRPr sz="1400"/>
+            </a:pPr>
+            <a:r>
+              <a:t>Foot traffic decrease associated with rising temperature.</a:t>
+            </a:r>
+          </a:p>
+          <a:p>
+            <a:pPr>
+              <a:defRPr sz="1400"/>
+            </a:pPr>
+            <a:r>
+              <a:t>Foot traffic decrease associated with rising temperature.</a:t>
+            </a:r>
+          </a:p>
+          <a:p>
+            <a:pPr>
+              <a:defRPr sz="1400"/>
+            </a:pPr>
+            <a:r>
+              <a:t>Creative fatigue detected due to CTR drop while impressions remain stable.</a:t>
+            </a:r>
+          </a:p>
+          <a:p>
+            <a:pPr>
+              <a:defRPr sz="1400"/>
+            </a:pPr>
+            <a:r>
+              <a:t>Conversion efficiency increased: revenue rising faster than impressions.</a:t>
+            </a:r>
+          </a:p>
+          <a:p>
+            <a:pPr>
+              <a:defRPr sz="1400"/>
+            </a:pPr>
+            <a:r>
+              <a:t>Foot traffic decrease associated with rising temperature.</a:t>
+            </a:r>
+          </a:p>
+          <a:p>
+            <a:pPr>
+              <a:defRPr sz="1400"/>
+            </a:pPr>
+            <a:r>
+              <a:t>Creative fatigue detected due to CTR drop while impressions remain stable.</a:t>
+            </a:r>
+          </a:p>
+          <a:p>
+            <a:pPr>
+              <a:defRPr sz="1400"/>
+            </a:pPr>
+            <a:r>
+              <a:t>Foot traffic decrease associated with rising temperature.</a:t>
+            </a:r>
+          </a:p>
+          <a:p>
+            <a:pPr>
+              <a:defRPr sz="1400"/>
+            </a:pPr>
+            <a:r>
+              <a:t>Conversion efficiency increased: revenue rising faster than impressions.</a:t>
+            </a:r>
+          </a:p>
+          <a:p>
+            <a:pPr>
+              <a:defRPr sz="1400"/>
+            </a:pPr>
+            <a:r>
+              <a:t>Conversion efficiency increased: revenue rising faster than impressions.</a:t>
+            </a:r>
+          </a:p>
+          <a:p>
+            <a:pPr>
+              <a:defRPr sz="1400"/>
+            </a:pPr>
+            <a:r>
+              <a:t>Creative fatigue detected due to CTR drop while impressions remain stable.</a:t>
+            </a:r>
+          </a:p>
+          <a:p>
+            <a:pPr>
+              <a:defRPr sz="1400"/>
+            </a:pPr>
+            <a:r>
+              <a:t>Conversion efficiency increased: revenue rising faster than impressions.</a:t>
+            </a:r>
+          </a:p>
+          <a:p>
+            <a:pPr>
+              <a:defRPr sz="1400"/>
+            </a:pPr>
+            <a:r>
+              <a:t>Creative fatigue detected due to CTR drop while impressions remain stable.</a:t>
+            </a:r>
+          </a:p>
+          <a:p>
+            <a:pPr>
+              <a:defRPr sz="1400"/>
+            </a:pPr>
+            <a:r>
+              <a:t>Conversion efficiency increased: revenue rising faster than impressions.</a:t>
+            </a:r>
+          </a:p>
+          <a:p>
+            <a:pPr>
+              <a:defRPr sz="1400"/>
+            </a:pPr>
+            <a:r>
+              <a:t>Creative fatigue detected due to CTR drop while impressions remain stable.</a:t>
+            </a:r>
+          </a:p>
+          <a:p>
+            <a:pPr>
+              <a:defRPr sz="1400"/>
+            </a:pPr>
+            <a:r>
+              <a:t>Creative fatigue detected due to CTR drop while impressions remain stable.</a:t>
+            </a:r>
+          </a:p>
+          <a:p>
+            <a:pPr>
+              <a:defRPr sz="1400"/>
+            </a:pPr>
+            <a:r>
+              <a:t>Conversion efficiency increased: revenue rising faster than impressions.</a:t>
+            </a:r>
+          </a:p>
+          <a:p>
+            <a:pPr>
+              <a:defRPr sz="1400"/>
+            </a:pPr>
+            <a:r>
+              <a:t>Creative fatigue detected due to CTR drop while impressions remain stable.</a:t>
+            </a:r>
+          </a:p>
+          <a:p>
+            <a:pPr>
+              <a:defRPr sz="1400"/>
+            </a:pPr>
+            <a:r>
+              <a:t>Foot traffic decrease associated with rising temperature.</a:t>
+            </a:r>
+          </a:p>
+          <a:p>
+            <a:pPr>
+              <a:defRPr sz="1400"/>
+            </a:pPr>
+            <a:r>
+              <a:t>Foot traffic decrease associated with rising temperature.</a:t>
+            </a:r>
+          </a:p>
+          <a:p>
+            <a:pPr>
+              <a:defRPr sz="1400"/>
+            </a:pPr>
+            <a:r>
+              <a:t>Creative fatigue detected due to CTR drop while impressions remain stable.</a:t>
+            </a:r>
+          </a:p>
+          <a:p>
+            <a:pPr>
+              <a:defRPr sz="1400"/>
+            </a:pPr>
+            <a:r>
+              <a:t>Foot traffic decrease associated with rising temperature.</a:t>
+            </a:r>
+          </a:p>
+          <a:p>
+            <a:pPr>
+              <a:defRPr sz="1400"/>
+            </a:pPr>
+            <a:r>
+              <a:t>Foot traffic decrease associated with rising temperature.</a:t>
+            </a:r>
+          </a:p>
+          <a:p>
+            <a:pPr>
+              <a:defRPr sz="1400"/>
+            </a:pPr>
+            <a:r>
+              <a:t>Conversion efficiency increased: revenue rising faster than impressions.</a:t>
+            </a:r>
+          </a:p>
+          <a:p>
+            <a:pPr>
+              <a:defRPr sz="1400"/>
+            </a:pPr>
+            <a:r>
+              <a:t>Foot traffic decrease associated with rising temperature.</a:t>
+            </a:r>
+          </a:p>
+          <a:p>
+            <a:pPr>
+              <a:defRPr sz="1400"/>
+            </a:pPr>
+            <a:r>
+              <a:t>Creative fatigue detected due to CTR drop while impressions remain stable.</a:t>
+            </a:r>
+          </a:p>
+          <a:p>
+            <a:pPr>
+              <a:defRPr sz="1400"/>
+            </a:pPr>
+            <a:r>
+              <a:t>Foot traffic decrease associated with rising temperature.</a:t>
+            </a:r>
+          </a:p>
+          <a:p>
+            <a:pPr>
+              <a:defRPr sz="1400"/>
+            </a:pPr>
+            <a:r>
+              <a:t>Conversion efficiency increased: revenue rising faster than impressions.</a:t>
+            </a:r>
+          </a:p>
+          <a:p>
+            <a:pPr>
+              <a:defRPr sz="1400"/>
+            </a:pPr>
+            <a:r>
+              <a:t>Conversion efficiency increased: revenue rising faster than impressions.</a:t>
+            </a:r>
+          </a:p>
+          <a:p>
+            <a:pPr>
+              <a:defRPr sz="1400"/>
+            </a:pPr>
+            <a:r>
+              <a:t>Conversion efficiency increased: revenue rising faster than impressions.</a:t>
+            </a:r>
+          </a:p>
+          <a:p>
+            <a:pPr>
+              <a:defRPr sz="1400"/>
+            </a:pPr>
+            <a:r>
+              <a:t>Conversion efficiency increased: revenue rising faster than impressions.</a:t>
+            </a:r>
+          </a:p>
+          <a:p>
+            <a:pPr>
+              <a:defRPr sz="1400"/>
+            </a:pPr>
+            <a:r>
+              <a:t>Creative fatigue detected due to CTR drop while impressions remain stable.</a:t>
+            </a:r>
+          </a:p>
+          <a:p>
+            <a:pPr>
+              <a:defRPr sz="1400"/>
+            </a:pPr>
+            <a:r>
+              <a:t>Conversion efficiency increased: revenue rising faster than impressions.</a:t>
+            </a:r>
+          </a:p>
+          <a:p>
+            <a:pPr>
+              <a:defRPr sz="1400"/>
+            </a:pPr>
+            <a:r>
+              <a:t>Creative fatigue detected due to CTR drop while impressions remain stable.</a:t>
+            </a:r>
+          </a:p>
+          <a:p>
+            <a:pPr>
+              <a:defRPr sz="1400"/>
+            </a:pPr>
+            <a:r>
+              <a:t>Foot traffic decrease associated with rising temperature.</a:t>
+            </a:r>
+          </a:p>
+          <a:p>
+            <a:pPr>
+              <a:defRPr sz="1400"/>
+            </a:pPr>
+            <a:r>
+              <a:t>Conversion efficiency increased: revenue rising faster than impressions.</a:t>
+            </a:r>
+          </a:p>
+          <a:p>
+            <a:pPr>
+              <a:defRPr sz="1400"/>
+            </a:pPr>
+            <a:r>
+              <a:t>Creative fatigue detected due to CTR drop while impressions remain stable.</a:t>
+            </a:r>
+          </a:p>
+          <a:p>
+            <a:pPr>
+              <a:defRPr sz="1400"/>
+            </a:pPr>
+            <a:r>
+              <a:t>Foot traffic decrease associated with rising temperature.</a:t>
+            </a:r>
+          </a:p>
+          <a:p>
+            <a:pPr>
+              <a:defRPr sz="1400"/>
+            </a:pPr>
+            <a:r>
+              <a:t>Conversion efficiency increased: revenue rising faster than impressions.</a:t>
+            </a:r>
+          </a:p>
+          <a:p>
+            <a:pPr>
+              <a:defRPr sz="1400"/>
+            </a:pPr>
+            <a:r>
+              <a:t>Foot traffic decrease associated with rising temperature.</a:t>
+            </a:r>
+          </a:p>
+          <a:p>
+            <a:pPr>
+              <a:defRPr sz="1400"/>
+            </a:pPr>
+            <a:r>
+              <a:t>Conversion efficiency increased: revenue rising faster than impressions.</a:t>
+            </a:r>
+          </a:p>
+          <a:p>
+            <a:pPr>
+              <a:defRPr sz="1400"/>
+            </a:pPr>
+            <a:r>
+              <a:t>Foot traffic decrease associated with rising temperature.</a:t>
+            </a:r>
+          </a:p>
+          <a:p>
+            <a:pPr>
+              <a:defRPr sz="1400"/>
+            </a:pPr>
+            <a:r>
+              <a:t>Conversion efficiency increased: revenue rising faster than impressions.</a:t>
+            </a:r>
+          </a:p>
+          <a:p>
+            <a:pPr>
+              <a:defRPr sz="1400"/>
+            </a:pPr>
+            <a:r>
+              <a:t>Conversion efficiency increased: revenue rising faster than impressions.</a:t>
+            </a:r>
+          </a:p>
+          <a:p>
+            <a:pPr>
+              <a:defRPr sz="1400"/>
+            </a:pPr>
+            <a:r>
+              <a:t>Conversion efficiency increased: revenue rising faster than impressions.</a:t>
+            </a:r>
+          </a:p>
+          <a:p>
+            <a:pPr>
+              <a:defRPr sz="1400"/>
+            </a:pPr>
+            <a:r>
+              <a:t>Foot traffic decrease associated with rising temperature.</a:t>
+            </a:r>
+          </a:p>
+          <a:p>
+            <a:pPr>
+              <a:defRPr sz="1400"/>
+            </a:pPr>
+            <a:r>
+              <a:t>Conversion efficiency increased: revenue rising faster than impressions.</a:t>
+            </a:r>
+          </a:p>
+          <a:p>
+            <a:pPr>
+              <a:defRPr sz="1400"/>
+            </a:pPr>
+            <a:r>
+              <a:t>Foot traffic decrease associated with rising temperature.</a:t>
+            </a:r>
+          </a:p>
+          <a:p>
+            <a:pPr>
+              <a:defRPr sz="1400"/>
+            </a:pPr>
+            <a:r>
+              <a:t>Conversion efficiency increased: revenue rising faster than impressions.</a:t>
+            </a:r>
+          </a:p>
+          <a:p>
+            <a:pPr>
+              <a:defRPr sz="1400"/>
+            </a:pPr>
+            <a:r>
+              <a:t>Foot traffic decrease associated with rising temperature.</a:t>
+            </a:r>
+          </a:p>
+          <a:p>
+            <a:pPr>
+              <a:defRPr sz="1400"/>
+            </a:pPr>
+            <a:r>
+              <a:t>Foot traffic decrease associated with rising temperature.</a:t>
+            </a:r>
+          </a:p>
+          <a:p>
+            <a:pPr>
+              <a:defRPr sz="1400"/>
+            </a:pPr>
+            <a:r>
+              <a:t>Conversion efficiency increased: revenue rising faster than impressions.</a:t>
+            </a:r>
+          </a:p>
+          <a:p>
+            <a:pPr>
+              <a:defRPr sz="1400"/>
+            </a:pPr>
+            <a:r>
+              <a:t>Foot traffic decrease associated with rising temperature.</a:t>
+            </a:r>
+          </a:p>
+          <a:p>
+            <a:pPr>
+              <a:defRPr sz="1400"/>
+            </a:pPr>
+            <a:r>
+              <a:t>Foot traffic decrease associated with rising temperature.</a:t>
+            </a:r>
+          </a:p>
+          <a:p>
+            <a:pPr>
+              <a:defRPr sz="1400"/>
+            </a:pPr>
+            <a:r>
+              <a:t>Conversion efficiency increased: revenue rising faster than impressions.</a:t>
+            </a:r>
+          </a:p>
+          <a:p>
+            <a:pPr>
+              <a:defRPr sz="1400"/>
+            </a:pPr>
+            <a:r>
+              <a:t>Foot traffic decrease associated with rising temperature.</a:t>
+            </a:r>
+          </a:p>
+          <a:p>
+            <a:pPr>
+              <a:defRPr sz="1400"/>
+            </a:pPr>
+            <a:r>
+              <a:t>Conversion efficiency increased: revenue rising faster than impressions.</a:t>
+            </a:r>
+          </a:p>
+          <a:p>
+            <a:pPr>
+              <a:defRPr sz="1400"/>
+            </a:pPr>
+            <a:r>
+              <a:t>Creative fatigue detected due to CTR drop while impressions remain stable.</a:t>
+            </a:r>
+          </a:p>
+          <a:p>
+            <a:pPr>
+              <a:defRPr sz="1400"/>
+            </a:pPr>
+            <a:r>
+              <a:t>Conversion efficiency increased: revenue rising faster than impressions.</a:t>
+            </a:r>
+          </a:p>
+          <a:p>
+            <a:pPr>
+              <a:defRPr sz="1400"/>
+            </a:pPr>
+            <a:r>
+              <a:t>Conversion efficiency increased: revenue rising faster than impressions.</a:t>
+            </a:r>
+          </a:p>
+          <a:p>
+            <a:pPr>
+              <a:defRPr sz="1400"/>
+            </a:pPr>
+            <a:r>
+              <a:t>Foot traffic decrease associated with rising temperature.</a:t>
+            </a:r>
+          </a:p>
+          <a:p>
+            <a:pPr>
+              <a:defRPr sz="1400"/>
+            </a:pPr>
+            <a:r>
+              <a:t>Creative fatigue detected due to CTR drop while impressions remain stable.</a:t>
+            </a:r>
+          </a:p>
+          <a:p>
+            <a:pPr>
+              <a:defRPr sz="1400"/>
+            </a:pPr>
+            <a:r>
+              <a:t>Conversion efficiency increased: revenue rising faster than impressions.</a:t>
+            </a:r>
+          </a:p>
+          <a:p>
+            <a:pPr>
+              <a:defRPr sz="1400"/>
+            </a:pPr>
+            <a:r>
+              <a:t>Foot traffic decrease associated with rising temperature.</a:t>
+            </a:r>
+          </a:p>
+          <a:p>
+            <a:pPr>
+              <a:defRPr sz="1400"/>
+            </a:pPr>
+            <a:r>
+              <a:t>Conversion efficiency increased: revenue rising faster than impressions.</a:t>
+            </a:r>
+          </a:p>
+          <a:p>
+            <a:pPr>
+              <a:defRPr sz="1400"/>
+            </a:pPr>
+            <a:r>
+              <a:t>Foot traffic decrease associated with rising temperature.</a:t>
+            </a:r>
+          </a:p>
+          <a:p>
+            <a:pPr>
+              <a:defRPr sz="1400"/>
+            </a:pPr>
+            <a:r>
+              <a:t>Conversion efficiency increased: revenue rising faster than impressions.</a:t>
+            </a:r>
+          </a:p>
+          <a:p>
+            <a:pPr>
+              <a:defRPr sz="1400"/>
+            </a:pPr>
+            <a:r>
+              <a:t>Foot traffic decrease associated with rising temperature.</a:t>
+            </a:r>
+          </a:p>
+          <a:p>
+            <a:pPr>
+              <a:defRPr sz="1400"/>
+            </a:pPr>
+            <a:r>
+              <a:t>Conversion efficiency increased: revenue rising faster than impressions.</a:t>
+            </a:r>
+          </a:p>
+          <a:p>
+            <a:pPr>
+              <a:defRPr sz="1400"/>
+            </a:pPr>
+            <a:r>
+              <a:t>Creative fatigue detected due to CTR drop while impressions remain stable.</a:t>
+            </a:r>
+          </a:p>
+          <a:p>
+            <a:pPr>
+              <a:defRPr sz="1400"/>
+            </a:pPr>
+            <a:r>
+              <a:t>Foot traffic decrease associated with rising temperature.</a:t>
+            </a:r>
+          </a:p>
+          <a:p>
+            <a:pPr>
+              <a:defRPr sz="1400"/>
+            </a:pPr>
+            <a:r>
+              <a:t>Conversion efficiency increased: revenue rising faster than impressions.</a:t>
+            </a:r>
+          </a:p>
+          <a:p>
+            <a:pPr>
+              <a:defRPr sz="1400"/>
+            </a:pPr>
+            <a:r>
+              <a:t>Foot traffic decrease associated with rising temperature.</a:t>
+            </a:r>
+          </a:p>
+          <a:p>
+            <a:pPr>
+              <a:defRPr sz="1400"/>
+            </a:pPr>
+            <a:r>
+              <a:t>Conversion efficiency increased: revenue rising faster than impressions.</a:t>
+            </a:r>
+          </a:p>
+          <a:p>
+            <a:pPr>
+              <a:defRPr sz="1400"/>
+            </a:pPr>
+            <a:r>
+              <a:t>Foot traffic decrease associated with rising temperature.</a:t>
+            </a:r>
+          </a:p>
+          <a:p>
+            <a:pPr>
+              <a:defRPr sz="1400"/>
+            </a:pPr>
+            <a:r>
+              <a:t>Creative fatigue detected due to CTR drop while impressions remain stable.</a:t>
+            </a:r>
+          </a:p>
+          <a:p>
+            <a:pPr>
+              <a:defRPr sz="1400"/>
+            </a:pPr>
+            <a:r>
+              <a:t>Conversion efficiency increased: revenue rising faster than impressions.</a:t>
+            </a:r>
+          </a:p>
+          <a:p>
+            <a:pPr>
+              <a:defRPr sz="1400"/>
+            </a:pPr>
+            <a:r>
+              <a:t>Foot traffic decrease associated with rising temperature.</a:t>
+            </a:r>
+          </a:p>
+          <a:p>
+            <a:pPr>
+              <a:defRPr sz="1400"/>
+            </a:pPr>
+            <a:r>
+              <a:t>Conversion efficiency increased: revenue rising faster than impressions.</a:t>
+            </a:r>
+          </a:p>
+          <a:p>
+            <a:pPr>
+              <a:defRPr sz="1400"/>
+            </a:pPr>
+            <a:r>
+              <a:t>Conversion efficiency increased: revenue rising faster than impressions.</a:t>
+            </a:r>
+          </a:p>
+          <a:p>
+            <a:pPr>
+              <a:defRPr sz="1400"/>
+            </a:pPr>
+            <a:r>
+              <a:t>Foot traffic decrease associated with rising temperature.</a:t>
+            </a:r>
+          </a:p>
+          <a:p>
+            <a:pPr>
+              <a:defRPr sz="1400"/>
+            </a:pPr>
+            <a:r>
+              <a:t>Creative fatigue detected due to CTR drop while impressions remain stable.</a:t>
+            </a:r>
+          </a:p>
+          <a:p>
+            <a:pPr>
+              <a:defRPr sz="1400"/>
+            </a:pPr>
+            <a:r>
+              <a:t>Conversion efficiency increased: revenue rising faster than impressions.</a:t>
+            </a:r>
+          </a:p>
+          <a:p>
+            <a:pPr>
+              <a:defRPr sz="1400"/>
+            </a:pPr>
+            <a:r>
+              <a:t>Creative fatigue detected due to CTR drop while impressions remain stable.</a:t>
+            </a:r>
+          </a:p>
+          <a:p>
+            <a:pPr>
+              <a:defRPr sz="1400"/>
+            </a:pPr>
+            <a:r>
+              <a:t>Conversion efficiency increased: revenue rising faster than impressions.</a:t>
+            </a:r>
+          </a:p>
+          <a:p>
+            <a:pPr>
+              <a:defRPr sz="1400"/>
+            </a:pPr>
+            <a:r>
+              <a:t>Foot traffic decrease associated with rising temperature.</a:t>
+            </a:r>
+          </a:p>
+          <a:p>
+            <a:pPr>
+              <a:defRPr sz="1400"/>
+            </a:pPr>
+            <a:r>
+              <a:t>Conversion efficiency increased: revenue rising faster than impressions.</a:t>
+            </a:r>
+          </a:p>
+          <a:p>
+            <a:pPr>
+              <a:defRPr sz="1400"/>
+            </a:pPr>
+            <a:r>
+              <a:t>Creative fatigue detected due to CTR drop while impressions remain stable.</a:t>
+            </a:r>
+          </a:p>
+          <a:p>
+            <a:pPr>
+              <a:defRPr sz="1400"/>
+            </a:pPr>
+            <a:r>
+              <a:t>Foot traffic decrease associated with rising temperature.</a:t>
+            </a:r>
+          </a:p>
+          <a:p>
+            <a:pPr>
+              <a:defRPr sz="1400"/>
+            </a:pPr>
+            <a:r>
+              <a:t>Conversion efficiency increased: revenue rising faster than impressions.</a:t>
+            </a:r>
+          </a:p>
+          <a:p>
+            <a:pPr>
+              <a:defRPr sz="1400"/>
+            </a:pPr>
+            <a:r>
+              <a:t>Creative fatigue detected due to CTR drop while impressions remain stable.</a:t>
+            </a:r>
+          </a:p>
+          <a:p>
+            <a:pPr>
+              <a:defRPr sz="1400"/>
+            </a:pPr>
+            <a:r>
+              <a:t>Creative fatigue detected due to CTR drop while impressions remain stable.</a:t>
+            </a:r>
+          </a:p>
+          <a:p>
+            <a:pPr>
+              <a:defRPr sz="1400"/>
+            </a:pPr>
+            <a:r>
+              <a:t>Foot traffic decrease associated with rising temperature.</a:t>
+            </a:r>
+          </a:p>
+          <a:p>
+            <a:pPr>
+              <a:defRPr sz="1400"/>
+            </a:pPr>
+            <a:r>
+              <a:t>Creative fatigue detected due to CTR drop while impressions remain stable.</a:t>
+            </a:r>
+          </a:p>
+          <a:p>
+            <a:pPr>
+              <a:defRPr sz="1400"/>
+            </a:pPr>
+            <a:r>
+              <a:t>Foot traffic decrease associated with rising temperature.</a:t>
+            </a:r>
+          </a:p>
+          <a:p>
+            <a:pPr>
+              <a:defRPr sz="1400"/>
+            </a:pPr>
+            <a:r>
+              <a:t>Conversion efficiency increased: revenue rising faster than impressions.</a:t>
+            </a:r>
+          </a:p>
+          <a:p>
+            <a:pPr>
+              <a:defRPr sz="1400"/>
+            </a:pPr>
+            <a:r>
+              <a:t>Foot traffic decrease associated with rising temperature.</a:t>
+            </a:r>
+          </a:p>
+          <a:p>
+            <a:pPr>
+              <a:defRPr sz="1400"/>
+            </a:pPr>
+            <a:r>
+              <a:t>Conversion efficiency increased: revenue rising faster than impressions.</a:t>
+            </a:r>
+          </a:p>
+          <a:p>
+            <a:pPr>
+              <a:defRPr sz="1400"/>
+            </a:pPr>
+            <a:r>
+              <a:t>Foot traffic decrease associated with rising temperature.</a:t>
+            </a:r>
+          </a:p>
+          <a:p>
+            <a:pPr>
+              <a:defRPr sz="1400"/>
+            </a:pPr>
+            <a:r>
+              <a:t>Foot traffic decrease associated with rising temperature.</a:t>
+            </a:r>
+          </a:p>
+          <a:p>
+            <a:pPr>
+              <a:defRPr sz="1400"/>
+            </a:pPr>
+            <a:r>
+              <a:t>Conversion efficiency increased: revenue rising faster than impressions.</a:t>
+            </a:r>
+          </a:p>
+          <a:p>
+            <a:pPr>
+              <a:defRPr sz="1400"/>
+            </a:pPr>
+            <a:r>
+              <a:t>Conversion efficiency increased: revenue rising faster than impressions.</a:t>
+            </a:r>
+          </a:p>
+          <a:p>
+            <a:pPr>
+              <a:defRPr sz="1400"/>
+            </a:pPr>
+            <a:r>
+              <a:t>Creative fatigue detected due to CTR drop while impressions remain stable.</a:t>
+            </a:r>
+          </a:p>
+          <a:p>
+            <a:pPr>
+              <a:defRPr sz="1400"/>
+            </a:pPr>
+            <a:r>
+              <a:t>Conversion efficiency increased: revenue rising faster than impressions.</a:t>
+            </a:r>
+          </a:p>
+          <a:p>
+            <a:pPr>
+              <a:defRPr sz="1400"/>
+            </a:pPr>
+            <a:r>
+              <a:t>Foot traffic decrease associated with rising temperature.</a:t>
+            </a:r>
+          </a:p>
+          <a:p>
+            <a:pPr>
+              <a:defRPr sz="1400"/>
+            </a:pPr>
+            <a:r>
+              <a:t>Foot traffic decrease associated with rising temperature.</a:t>
+            </a:r>
+          </a:p>
+          <a:p>
+            <a:pPr>
+              <a:defRPr sz="1400"/>
+            </a:pPr>
+            <a:r>
+              <a:t>Conversion efficiency increased: revenue rising faster than impressions.</a:t>
+            </a:r>
+          </a:p>
+          <a:p>
+            <a:pPr>
+              <a:defRPr sz="1400"/>
+            </a:pPr>
+            <a:r>
+              <a:t>Conversion efficiency increased: revenue rising faster than impressions.</a:t>
+            </a:r>
+          </a:p>
+          <a:p>
+            <a:pPr>
+              <a:defRPr sz="1400"/>
+            </a:pPr>
+            <a:r>
+              <a:t>Foot traffic decrease associated with rising temperature.</a:t>
+            </a:r>
+          </a:p>
+          <a:p>
+            <a:pPr>
+              <a:defRPr sz="1400"/>
+            </a:pPr>
+            <a:r>
+              <a:t>Conversion efficiency increased: revenue rising faster than impressions.</a:t>
+            </a:r>
+          </a:p>
+          <a:p>
+            <a:pPr>
+              <a:defRPr sz="1400"/>
+            </a:pPr>
+            <a:r>
+              <a:t>Foot traffic decrease associated with rising temperature.</a:t>
+            </a:r>
+          </a:p>
+          <a:p>
+            <a:pPr>
+              <a:defRPr sz="1400"/>
+            </a:pPr>
+            <a:r>
+              <a:t>Conversion efficiency increased: revenue rising faster than impressions.</a:t>
+            </a:r>
+          </a:p>
+          <a:p>
+            <a:pPr>
+              <a:defRPr sz="1400"/>
+            </a:pPr>
+            <a:r>
+              <a:t>Conversion efficiency increased: revenue rising faster than impressions.</a:t>
+            </a:r>
+          </a:p>
+          <a:p>
+            <a:pPr>
+              <a:defRPr sz="1400"/>
+            </a:pPr>
+            <a:r>
+              <a:t>Foot traffic decrease associated with rising temperature.</a:t>
+            </a:r>
+          </a:p>
+          <a:p>
+            <a:pPr>
+              <a:defRPr sz="1400"/>
+            </a:pPr>
+            <a:r>
+              <a:t>Conversion efficiency increased: revenue rising faster than impressions.</a:t>
+            </a:r>
+          </a:p>
+          <a:p>
+            <a:pPr>
+              <a:defRPr sz="1400"/>
+            </a:pPr>
+            <a:r>
+              <a:t>Conversion efficiency increased: revenue rising faster than impressions.</a:t>
+            </a:r>
+          </a:p>
+          <a:p>
+            <a:pPr>
+              <a:defRPr sz="1400"/>
+            </a:pPr>
+            <a:r>
+              <a:t>Foot traffic decrease associated with rising temperature.</a:t>
+            </a:r>
+          </a:p>
+          <a:p>
+            <a:pPr>
+              <a:defRPr sz="1400"/>
+            </a:pPr>
+            <a:r>
+              <a:t>Foot traffic decrease associated with rising temperature.</a:t>
+            </a:r>
+          </a:p>
+          <a:p>
+            <a:pPr>
+              <a:defRPr sz="1400"/>
+            </a:pPr>
+            <a:r>
+              <a:t>Conversion efficiency increased: revenue rising faster than impressions.</a:t>
+            </a:r>
+          </a:p>
+          <a:p>
+            <a:pPr>
+              <a:defRPr sz="1400"/>
+            </a:pPr>
+            <a:r>
+              <a:t>Foot traffic decrease associated with rising temperature.</a:t>
+            </a:r>
+          </a:p>
+          <a:p>
+            <a:pPr>
+              <a:defRPr sz="1400"/>
+            </a:pPr>
+            <a:r>
+              <a:t>Foot traffic decrease associated with rising temperature.</a:t>
+            </a:r>
+          </a:p>
+          <a:p>
+            <a:pPr>
+              <a:defRPr sz="1400"/>
+            </a:pPr>
+            <a:r>
+              <a:t>Creative fatigue detected due to CTR drop while impressions remain stable.</a:t>
+            </a:r>
+          </a:p>
+          <a:p>
+            <a:pPr>
+              <a:defRPr sz="1400"/>
+            </a:pPr>
+            <a:r>
+              <a:t>Conversion efficiency increased: revenue rising faster than impressions.</a:t>
+            </a:r>
+          </a:p>
+          <a:p>
+            <a:pPr>
+              <a:defRPr sz="1400"/>
+            </a:pPr>
+            <a:r>
+              <a:t>Foot traffic decrease associated with rising temperature.</a:t>
+            </a:r>
+          </a:p>
+          <a:p>
+            <a:pPr>
+              <a:defRPr sz="1400"/>
+            </a:pPr>
+            <a:r>
+              <a:t>Conversion efficiency increased: revenue rising faster than impressions.</a:t>
+            </a:r>
+          </a:p>
+          <a:p>
+            <a:pPr>
+              <a:defRPr sz="1400"/>
+            </a:pPr>
+            <a:r>
+              <a:t>Foot traffic decrease associated with rising temperature.</a:t>
+            </a:r>
+          </a:p>
+          <a:p>
+            <a:pPr>
+              <a:defRPr sz="1400"/>
+            </a:pPr>
+            <a:r>
+              <a:t>Conversion efficiency increased: revenue rising faster than impressions.</a:t>
+            </a:r>
+          </a:p>
+          <a:p>
+            <a:pPr>
+              <a:defRPr sz="1400"/>
+            </a:pPr>
+            <a:r>
+              <a:t>Creative fatigue detected due to CTR drop while impressions remain stable.</a:t>
+            </a:r>
+          </a:p>
+          <a:p>
+            <a:pPr>
+              <a:defRPr sz="1400"/>
+            </a:pPr>
+            <a:r>
+              <a:t>Foot traffic decrease associated with rising temperature.</a:t>
+            </a:r>
+          </a:p>
+          <a:p>
+            <a:pPr>
+              <a:defRPr sz="1400"/>
+            </a:pPr>
+            <a:r>
+              <a:t>Conversion efficiency increased: revenue rising faster than impressions.</a:t>
+            </a:r>
+          </a:p>
+          <a:p>
+            <a:pPr>
+              <a:defRPr sz="1400"/>
+            </a:pPr>
+            <a:r>
+              <a:t>Conversion efficiency increased: revenue rising faster than impressions.</a:t>
+            </a:r>
+          </a:p>
+          <a:p>
+            <a:pPr>
+              <a:defRPr sz="1400"/>
+            </a:pPr>
+            <a:r>
+              <a:t>Creative fatigue detected due to CTR drop while impressions remain stable.</a:t>
+            </a:r>
+          </a:p>
+          <a:p>
+            <a:pPr>
+              <a:defRPr sz="1400"/>
+            </a:pPr>
+            <a:r>
+              <a:t>Conversion efficiency increased: revenue rising faster than impressions.</a:t>
+            </a:r>
+          </a:p>
+          <a:p>
+            <a:pPr>
+              <a:defRPr sz="1400"/>
+            </a:pPr>
+            <a:r>
+              <a:t>Conversion efficiency increased: revenue rising faster than impressions.</a:t>
+            </a:r>
+          </a:p>
+          <a:p>
+            <a:pPr>
+              <a:defRPr sz="1400"/>
+            </a:pPr>
+            <a:r>
+              <a:t>Foot traffic decrease associated with rising temperature.</a:t>
+            </a:r>
+          </a:p>
+          <a:p>
+            <a:pPr>
+              <a:defRPr sz="1400"/>
+            </a:pPr>
+            <a:r>
+              <a:t>Foot traffic decrease associated with rising temperature.</a:t>
+            </a:r>
+          </a:p>
+          <a:p>
+            <a:pPr>
+              <a:defRPr sz="1400"/>
+            </a:pPr>
+            <a:r>
+              <a:t>Foot traffic decrease associated with rising temperature.</a:t>
+            </a:r>
+          </a:p>
+          <a:p>
+            <a:pPr>
+              <a:defRPr sz="1400"/>
+            </a:pPr>
+            <a:r>
+              <a:t>Conversion efficiency increased: revenue rising faster than impressions.</a:t>
+            </a:r>
+          </a:p>
+          <a:p>
+            <a:pPr>
+              <a:defRPr sz="1400"/>
+            </a:pPr>
+            <a:r>
+              <a:t>Foot traffic decrease associated with rising temperature.</a:t>
+            </a:r>
+          </a:p>
+          <a:p>
+            <a:pPr>
+              <a:defRPr sz="1400"/>
+            </a:pPr>
+            <a:r>
+              <a:t>Foot traffic decrease associated with rising temperature.</a:t>
+            </a:r>
+          </a:p>
+          <a:p>
+            <a:pPr>
+              <a:defRPr sz="1400"/>
+            </a:pPr>
+            <a:r>
+              <a:t>Foot traffic decrease associated with rising temperature.</a:t>
+            </a:r>
+          </a:p>
+          <a:p>
+            <a:pPr>
+              <a:defRPr sz="1400"/>
+            </a:pPr>
+            <a:r>
+              <a:t>Conversion efficiency increased: revenue rising faster than impressions.</a:t>
+            </a:r>
+          </a:p>
+          <a:p>
+            <a:pPr>
+              <a:defRPr sz="1400"/>
+            </a:pPr>
+            <a:r>
+              <a:t>Conversion efficiency increased: revenue rising faster than impressions.</a:t>
+            </a:r>
+          </a:p>
+          <a:p>
+            <a:pPr>
+              <a:defRPr sz="1400"/>
+            </a:pPr>
+            <a:r>
+              <a:t>Creative fatigue detected due to CTR drop while impressions remain stable.</a:t>
+            </a:r>
+          </a:p>
+          <a:p>
+            <a:pPr>
+              <a:defRPr sz="1400"/>
+            </a:pPr>
+            <a:r>
+              <a:t>Conversion efficiency increased: revenue rising faster than impressions.</a:t>
+            </a:r>
+          </a:p>
+          <a:p>
+            <a:pPr>
+              <a:defRPr sz="1400"/>
+            </a:pPr>
+            <a:r>
+              <a:t>Conversion efficiency increased: revenue rising faster than impressions.</a:t>
+            </a:r>
+          </a:p>
+          <a:p>
+            <a:pPr>
+              <a:defRPr sz="1400"/>
+            </a:pPr>
+            <a:r>
+              <a:t>Conversion efficiency increased: revenue rising faster than impressions.</a:t>
+            </a:r>
+          </a:p>
+          <a:p>
+            <a:pPr>
+              <a:defRPr sz="1400"/>
+            </a:pPr>
+            <a:r>
+              <a:t>Foot traffic decrease associated with rising temperature.</a:t>
+            </a:r>
+          </a:p>
+          <a:p>
+            <a:pPr>
+              <a:defRPr sz="1400"/>
+            </a:pPr>
+            <a:r>
+              <a:t>Creative fatigue detected due to CTR drop while impressions remain stable.</a:t>
+            </a:r>
+          </a:p>
+          <a:p>
+            <a:pPr>
+              <a:defRPr sz="1400"/>
+            </a:pPr>
+            <a:r>
+              <a:t>Creative fatigue detected due to CTR drop while impressions remain stable.</a:t>
+            </a:r>
+          </a:p>
+          <a:p>
+            <a:pPr>
+              <a:defRPr sz="1400"/>
+            </a:pPr>
+            <a:r>
+              <a:t>Foot traffic decrease associated with rising temperature.</a:t>
+            </a:r>
+          </a:p>
+          <a:p>
+            <a:pPr>
+              <a:defRPr sz="1400"/>
+            </a:pPr>
+            <a:r>
+              <a:t>Conversion efficiency increased: revenue rising faster than impressions.</a:t>
+            </a:r>
+          </a:p>
+          <a:p>
+            <a:pPr>
+              <a:defRPr sz="1400"/>
+            </a:pPr>
+            <a:r>
+              <a:t>Foot traffic decrease associated with rising temperature.</a:t>
+            </a:r>
+          </a:p>
+          <a:p>
+            <a:pPr>
+              <a:defRPr sz="1400"/>
+            </a:pPr>
+            <a:r>
+              <a:t>Foot traffic decrease associated with rising temperature.</a:t>
+            </a:r>
+          </a:p>
+          <a:p>
+            <a:pPr>
+              <a:defRPr sz="1400"/>
+            </a:pPr>
+            <a:r>
+              <a:t>Foot traffic decrease associated with rising temperature.</a:t>
+            </a:r>
+          </a:p>
+          <a:p>
+            <a:pPr>
+              <a:defRPr sz="1400"/>
+            </a:pPr>
+            <a:r>
+              <a:t>Conversion efficiency increased: revenue rising faster than impressions.</a:t>
+            </a:r>
+          </a:p>
+          <a:p>
+            <a:pPr>
+              <a:defRPr sz="1400"/>
+            </a:pPr>
+            <a:r>
+              <a:t>Conversion efficiency increased: revenue rising faster than impressions.</a:t>
+            </a:r>
+          </a:p>
+          <a:p>
+            <a:pPr>
+              <a:defRPr sz="1400"/>
+            </a:pPr>
+            <a:r>
+              <a:t>Creative fatigue detected due to CTR drop while impressions remain stable.</a:t>
+            </a:r>
+          </a:p>
+          <a:p>
+            <a:pPr>
+              <a:defRPr sz="1400"/>
+            </a:pPr>
+            <a:r>
+              <a:t>Foot traffic decrease associated with rising temperature.</a:t>
+            </a:r>
+          </a:p>
+          <a:p>
+            <a:pPr>
+              <a:defRPr sz="1400"/>
+            </a:pPr>
+            <a:r>
+              <a:t>Creative fatigue detected due to CTR drop while impressions remain stable.</a:t>
+            </a:r>
+          </a:p>
+          <a:p>
+            <a:pPr>
+              <a:defRPr sz="1400"/>
+            </a:pPr>
+            <a:r>
+              <a:t>Conversion efficiency increased: revenue rising faster than impressions.</a:t>
+            </a:r>
+          </a:p>
+          <a:p>
+            <a:pPr>
+              <a:defRPr sz="1400"/>
+            </a:pPr>
+            <a:r>
+              <a:t>Foot traffic decrease associated with rising temperature.</a:t>
+            </a:r>
+          </a:p>
+          <a:p>
+            <a:pPr>
+              <a:defRPr sz="1400"/>
+            </a:pPr>
+            <a:r>
+              <a:t>Foot traffic decrease associated with rising temperature.</a:t>
+            </a:r>
+          </a:p>
+          <a:p>
+            <a:pPr>
+              <a:defRPr sz="1400"/>
+            </a:pPr>
+            <a:r>
+              <a:t>Foot traffic decrease associated with rising temperature.</a:t>
+            </a:r>
+          </a:p>
+          <a:p>
+            <a:pPr>
+              <a:defRPr sz="1400"/>
+            </a:pPr>
+            <a:r>
+              <a:t>Creative fatigue detected due to CTR drop while impressions remain stable.</a:t>
+            </a:r>
+          </a:p>
+          <a:p>
+            <a:pPr>
+              <a:defRPr sz="1400"/>
+            </a:pPr>
+            <a:r>
+              <a:t>Conversion efficiency increased: revenue rising faster than impressions.</a:t>
+            </a:r>
+          </a:p>
+          <a:p>
+            <a:pPr>
+              <a:defRPr sz="1400"/>
+            </a:pPr>
+            <a:r>
+              <a:t>Foot traffic decrease associated with rising temperature.</a:t>
+            </a:r>
+          </a:p>
+          <a:p>
+            <a:pPr>
+              <a:defRPr sz="1400"/>
+            </a:pPr>
+            <a:r>
+              <a:t>Conversion efficiency increased: revenue rising faster than impressions.</a:t>
+            </a:r>
+          </a:p>
+          <a:p>
+            <a:pPr>
+              <a:defRPr sz="1400"/>
+            </a:pPr>
+            <a:r>
+              <a:t>Foot traffic decrease associated with rising temperature.</a:t>
+            </a:r>
+          </a:p>
+          <a:p>
+            <a:pPr>
+              <a:defRPr sz="1400"/>
+            </a:pPr>
+            <a:r>
+              <a:t>Creative fatigue detected due to CTR drop while impressions remain stable.</a:t>
+            </a:r>
+          </a:p>
+          <a:p>
+            <a:pPr>
+              <a:defRPr sz="1400"/>
+            </a:pPr>
+            <a:r>
+              <a:t>Foot traffic decrease associated with rising temperature.</a:t>
+            </a:r>
+          </a:p>
+          <a:p>
+            <a:pPr>
+              <a:defRPr sz="1400"/>
+            </a:pPr>
+            <a:r>
+              <a:t>Conversion efficiency increased: revenue rising faster than impressions.</a:t>
+            </a:r>
+          </a:p>
+          <a:p>
+            <a:pPr>
+              <a:defRPr sz="1400"/>
+            </a:pPr>
+            <a:r>
+              <a:t>Conversion efficiency increased: revenue rising faster than impressions.</a:t>
+            </a:r>
+          </a:p>
+          <a:p>
+            <a:pPr>
+              <a:defRPr sz="1400"/>
+            </a:pPr>
+            <a:r>
+              <a:t>Conversion efficiency increased: revenue rising faster than impressions.</a:t>
+            </a:r>
+          </a:p>
+          <a:p>
+            <a:pPr>
+              <a:defRPr sz="1400"/>
+            </a:pPr>
+            <a:r>
+              <a:t>Conversion efficiency increased: revenue rising faster than impressions.</a:t>
+            </a:r>
+          </a:p>
+          <a:p>
+            <a:pPr>
+              <a:defRPr sz="1400"/>
+            </a:pPr>
+            <a:r>
+              <a:t>Foot traffic decrease associated with rising temperature.</a:t>
+            </a:r>
+          </a:p>
+          <a:p>
+            <a:pPr>
+              <a:defRPr sz="1400"/>
+            </a:pPr>
+            <a:r>
+              <a:t>Foot traffic decrease associated with rising temperature.</a:t>
+            </a:r>
+          </a:p>
+          <a:p>
+            <a:pPr>
+              <a:defRPr sz="1400"/>
+            </a:pPr>
+            <a:r>
+              <a:t>Creative fatigue detected due to CTR drop while impressions remain stable.</a:t>
+            </a:r>
+          </a:p>
+          <a:p>
+            <a:pPr>
+              <a:defRPr sz="1400"/>
+            </a:pPr>
+            <a:r>
+              <a:t>Offline Summary:</a:t>
+            </a:r>
+          </a:p>
+          <a:p>
+            <a:pPr>
+              <a:defRPr sz="1400"/>
+            </a:pPr>
+            <a:r>
+              <a:t>- Total Impressions: 158777</a:t>
+            </a:r>
+          </a:p>
+          <a:p>
+            <a:pPr>
+              <a:defRPr sz="1400"/>
+            </a:pPr>
+            <a:r>
+              <a:t>- CTR: 0.001335205980715091</a:t>
+            </a:r>
+          </a:p>
+          <a:p>
+            <a:pPr>
+              <a:defRPr sz="1400"/>
+            </a:pPr>
+            <a:r>
+              <a:t>- Temperature shows correlation with foot-traffic.</a:t>
+            </a:r>
+          </a:p>
+          <a:p>
+            <a:pPr>
+              <a:defRPr sz="1400"/>
+            </a:pPr>
+            <a:r>
+              <a:t>- Several anomalies detected in impressions/revenue.</a:t>
+            </a:r>
+          </a:p>
+          <a:p>
+            <a:pPr>
+              <a:defRPr sz="1400"/>
+            </a:pPr>
+            <a:r>
+              <a:t>- Optimize timing and creatives based on visitor behavior.</a:t>
+            </a:r>
+          </a:p>
+          <a:p>
+            <a:pPr>
+              <a:defRPr sz="1400"/>
+            </a:pPr>
+          </a:p>
+        </p:txBody>
+      </p:sp>
     </p:spTree>
   </p:cSld>
   <p:clrMapOvr>

--- a/reports/final_report.pptx
+++ b/reports/final_report.pptx
@@ -5,14 +5,14 @@
     <p:sldMasterId id="2147483648" r:id="rId1"/>
   </p:sldMasterIdLst>
   <p:sldIdLst>
-    <p:sldId id="256" r:id="rId7"/>
-    <p:sldId id="257" r:id="rId8"/>
-    <p:sldId id="258" r:id="rId9"/>
-    <p:sldId id="259" r:id="rId10"/>
-    <p:sldId id="260" r:id="rId11"/>
-    <p:sldId id="261" r:id="rId12"/>
-    <p:sldId id="262" r:id="rId13"/>
-    <p:sldId id="263" r:id="rId14"/>
+    <p:sldId id="256" r:id="rId2"/>
+    <p:sldId id="257" r:id="rId3"/>
+    <p:sldId id="258" r:id="rId4"/>
+    <p:sldId id="260" r:id="rId5"/>
+    <p:sldId id="261" r:id="rId6"/>
+    <p:sldId id="262" r:id="rId7"/>
+    <p:sldId id="259" r:id="rId8"/>
+    <p:sldId id="263" r:id="rId9"/>
   </p:sldIdLst>
   <p:sldSz cx="9144000" cy="6858000" type="screen4x3"/>
   <p:notesSz cx="6858000" cy="9144000"/>
@@ -111,6 +111,22 @@
       </a:defRPr>
     </a:lvl9pPr>
   </p:defaultTextStyle>
+  <p:extLst>
+    <p:ext uri="{EFAFB233-063F-42B5-8137-9DF3F51BA10A}">
+      <p15:sldGuideLst xmlns:p15="http://schemas.microsoft.com/office/powerpoint/2012/main">
+        <p15:guide id="1" orient="horz" pos="2160">
+          <p15:clr>
+            <a:srgbClr val="A4A3A4"/>
+          </p15:clr>
+        </p15:guide>
+        <p15:guide id="2" pos="2880">
+          <p15:clr>
+            <a:srgbClr val="A4A3A4"/>
+          </p15:clr>
+        </p15:guide>
+      </p15:sldGuideLst>
+    </p:ext>
+  </p:extLst>
 </p:presentation>
 </file>
 
@@ -295,7 +311,7 @@
           <a:p>
             <a:fld id="{5BCAD085-E8A6-8845-BD4E-CB4CCA059FC4}" type="datetimeFigureOut">
               <a:rPr lang="en-US" smtClean="0"/>
-              <a:t>1/27/13</a:t>
+              <a:t>03-Dec-25</a:t>
             </a:fld>
             <a:endParaRPr lang="en-US"/>
           </a:p>
@@ -465,7 +481,7 @@
           <a:p>
             <a:fld id="{5BCAD085-E8A6-8845-BD4E-CB4CCA059FC4}" type="datetimeFigureOut">
               <a:rPr lang="en-US" smtClean="0"/>
-              <a:t>1/27/13</a:t>
+              <a:t>03-Dec-25</a:t>
             </a:fld>
             <a:endParaRPr lang="en-US"/>
           </a:p>
@@ -645,7 +661,7 @@
           <a:p>
             <a:fld id="{5BCAD085-E8A6-8845-BD4E-CB4CCA059FC4}" type="datetimeFigureOut">
               <a:rPr lang="en-US" smtClean="0"/>
-              <a:t>1/27/13</a:t>
+              <a:t>03-Dec-25</a:t>
             </a:fld>
             <a:endParaRPr lang="en-US"/>
           </a:p>
@@ -815,7 +831,7 @@
           <a:p>
             <a:fld id="{5BCAD085-E8A6-8845-BD4E-CB4CCA059FC4}" type="datetimeFigureOut">
               <a:rPr lang="en-US" smtClean="0"/>
-              <a:t>1/27/13</a:t>
+              <a:t>03-Dec-25</a:t>
             </a:fld>
             <a:endParaRPr lang="en-US"/>
           </a:p>
@@ -1061,7 +1077,7 @@
           <a:p>
             <a:fld id="{5BCAD085-E8A6-8845-BD4E-CB4CCA059FC4}" type="datetimeFigureOut">
               <a:rPr lang="en-US" smtClean="0"/>
-              <a:t>1/27/13</a:t>
+              <a:t>03-Dec-25</a:t>
             </a:fld>
             <a:endParaRPr lang="en-US"/>
           </a:p>
@@ -1349,7 +1365,7 @@
           <a:p>
             <a:fld id="{5BCAD085-E8A6-8845-BD4E-CB4CCA059FC4}" type="datetimeFigureOut">
               <a:rPr lang="en-US" smtClean="0"/>
-              <a:t>1/27/13</a:t>
+              <a:t>03-Dec-25</a:t>
             </a:fld>
             <a:endParaRPr lang="en-US"/>
           </a:p>
@@ -1771,7 +1787,7 @@
           <a:p>
             <a:fld id="{5BCAD085-E8A6-8845-BD4E-CB4CCA059FC4}" type="datetimeFigureOut">
               <a:rPr lang="en-US" smtClean="0"/>
-              <a:t>1/27/13</a:t>
+              <a:t>03-Dec-25</a:t>
             </a:fld>
             <a:endParaRPr lang="en-US"/>
           </a:p>
@@ -1889,7 +1905,7 @@
           <a:p>
             <a:fld id="{5BCAD085-E8A6-8845-BD4E-CB4CCA059FC4}" type="datetimeFigureOut">
               <a:rPr lang="en-US" smtClean="0"/>
-              <a:t>1/27/13</a:t>
+              <a:t>03-Dec-25</a:t>
             </a:fld>
             <a:endParaRPr lang="en-US"/>
           </a:p>
@@ -1984,7 +2000,7 @@
           <a:p>
             <a:fld id="{5BCAD085-E8A6-8845-BD4E-CB4CCA059FC4}" type="datetimeFigureOut">
               <a:rPr lang="en-US" smtClean="0"/>
-              <a:t>1/27/13</a:t>
+              <a:t>03-Dec-25</a:t>
             </a:fld>
             <a:endParaRPr lang="en-US"/>
           </a:p>
@@ -2261,7 +2277,7 @@
           <a:p>
             <a:fld id="{5BCAD085-E8A6-8845-BD4E-CB4CCA059FC4}" type="datetimeFigureOut">
               <a:rPr lang="en-US" smtClean="0"/>
-              <a:t>1/27/13</a:t>
+              <a:t>03-Dec-25</a:t>
             </a:fld>
             <a:endParaRPr lang="en-US"/>
           </a:p>
@@ -2514,7 +2530,7 @@
           <a:p>
             <a:fld id="{5BCAD085-E8A6-8845-BD4E-CB4CCA059FC4}" type="datetimeFigureOut">
               <a:rPr lang="en-US" smtClean="0"/>
-              <a:t>1/27/13</a:t>
+              <a:t>03-Dec-25</a:t>
             </a:fld>
             <a:endParaRPr lang="en-US"/>
           </a:p>
@@ -2727,7 +2743,7 @@
           <a:p>
             <a:fld id="{5BCAD085-E8A6-8845-BD4E-CB4CCA059FC4}" type="datetimeFigureOut">
               <a:rPr lang="en-US" smtClean="0"/>
-              <a:t>1/27/13</a:t>
+              <a:t>03-Dec-25</a:t>
             </a:fld>
             <a:endParaRPr lang="en-US"/>
           </a:p>
@@ -3086,7 +3102,7 @@
 </file>
 
 <file path=ppt/slides/slide1.xml><?xml version="1.0" encoding="utf-8"?>
-<p:sld xmlns:a="http://schemas.openxmlformats.org/drawingml/2006/main" xmlns:p="http://schemas.openxmlformats.org/presentationml/2006/main" xmlns:r="http://schemas.openxmlformats.org/officeDocument/2006/relationships">
+<p:sld xmlns:a="http://schemas.openxmlformats.org/drawingml/2006/main" xmlns:r="http://schemas.openxmlformats.org/officeDocument/2006/relationships" xmlns:p="http://schemas.openxmlformats.org/presentationml/2006/main">
   <p:cSld>
     <p:spTree>
       <p:nvGrpSpPr>
@@ -3094,7 +3110,14 @@
         <p:cNvGrpSpPr/>
         <p:nvPr/>
       </p:nvGrpSpPr>
-      <p:grpSpPr/>
+      <p:grpSpPr>
+        <a:xfrm>
+          <a:off x="0" y="0"/>
+          <a:ext cx="0" cy="0"/>
+          <a:chOff x="0" y="0"/>
+          <a:chExt cx="0" cy="0"/>
+        </a:xfrm>
+      </p:grpSpPr>
       <p:sp>
         <p:nvSpPr>
           <p:cNvPr id="2" name="Title 1"/>
@@ -3130,7 +3153,9 @@
         <p:txBody>
           <a:bodyPr/>
           <a:lstStyle/>
-          <a:p/>
+          <a:p>
+            <a:endParaRPr/>
+          </a:p>
         </p:txBody>
       </p:sp>
     </p:spTree>
@@ -3142,7 +3167,7 @@
 </file>
 
 <file path=ppt/slides/slide2.xml><?xml version="1.0" encoding="utf-8"?>
-<p:sld xmlns:a="http://schemas.openxmlformats.org/drawingml/2006/main" xmlns:p="http://schemas.openxmlformats.org/presentationml/2006/main" xmlns:r="http://schemas.openxmlformats.org/officeDocument/2006/relationships">
+<p:sld xmlns:a="http://schemas.openxmlformats.org/drawingml/2006/main" xmlns:r="http://schemas.openxmlformats.org/officeDocument/2006/relationships" xmlns:p="http://schemas.openxmlformats.org/presentationml/2006/main">
   <p:cSld>
     <p:spTree>
       <p:nvGrpSpPr>
@@ -3150,7 +3175,14 @@
         <p:cNvGrpSpPr/>
         <p:nvPr/>
       </p:nvGrpSpPr>
-      <p:grpSpPr/>
+      <p:grpSpPr>
+        <a:xfrm>
+          <a:off x="0" y="0"/>
+          <a:ext cx="0" cy="0"/>
+          <a:chOff x="0" y="0"/>
+          <a:chExt cx="0" cy="0"/>
+        </a:xfrm>
+      </p:grpSpPr>
       <p:sp>
         <p:nvSpPr>
           <p:cNvPr id="2" name="Title 1"/>
@@ -3186,59 +3218,79 @@
         <p:txBody>
           <a:bodyPr/>
           <a:lstStyle/>
-          <a:p/>
-          <a:p>
-            <a:pPr>
-              <a:defRPr sz="1400"/>
-            </a:pPr>
-            <a:r>
-              <a:t>Offline Summary:</a:t>
-            </a:r>
-          </a:p>
-          <a:p>
-            <a:pPr>
-              <a:defRPr sz="1400"/>
-            </a:pPr>
-            <a:r>
+          <a:p>
+            <a:endParaRPr dirty="0"/>
+          </a:p>
+          <a:p>
+            <a:pPr marL="0" indent="0">
+              <a:buNone/>
+              <a:defRPr sz="1400"/>
+            </a:pPr>
+            <a:r>
+              <a:rPr dirty="0" smtClean="0"/>
+              <a:t>Summary</a:t>
+            </a:r>
+            <a:r>
+              <a:rPr dirty="0"/>
+              <a:t>:</a:t>
+            </a:r>
+          </a:p>
+          <a:p>
+            <a:pPr marL="0" indent="0">
+              <a:buNone/>
+              <a:defRPr sz="1400"/>
+            </a:pPr>
+            <a:r>
+              <a:rPr dirty="0"/>
               <a:t>- Total Impressions: 158777</a:t>
             </a:r>
           </a:p>
           <a:p>
-            <a:pPr>
-              <a:defRPr sz="1400"/>
-            </a:pPr>
-            <a:r>
+            <a:pPr marL="0" indent="0">
+              <a:buNone/>
+              <a:defRPr sz="1400"/>
+            </a:pPr>
+            <a:r>
+              <a:rPr dirty="0"/>
               <a:t>- CTR: 0.001335205980715091</a:t>
             </a:r>
           </a:p>
           <a:p>
-            <a:pPr>
-              <a:defRPr sz="1400"/>
-            </a:pPr>
-            <a:r>
+            <a:pPr marL="0" indent="0">
+              <a:buNone/>
+              <a:defRPr sz="1400"/>
+            </a:pPr>
+            <a:r>
+              <a:rPr dirty="0"/>
               <a:t>- Temperature shows correlation with foot-traffic.</a:t>
             </a:r>
           </a:p>
           <a:p>
-            <a:pPr>
-              <a:defRPr sz="1400"/>
-            </a:pPr>
-            <a:r>
+            <a:pPr marL="0" indent="0">
+              <a:buNone/>
+              <a:defRPr sz="1400"/>
+            </a:pPr>
+            <a:r>
+              <a:rPr dirty="0"/>
               <a:t>- Several anomalies detected in impressions/revenue.</a:t>
             </a:r>
           </a:p>
           <a:p>
-            <a:pPr>
-              <a:defRPr sz="1400"/>
-            </a:pPr>
-            <a:r>
+            <a:pPr marL="0" indent="0">
+              <a:buNone/>
+              <a:defRPr sz="1400"/>
+            </a:pPr>
+            <a:r>
+              <a:rPr dirty="0"/>
               <a:t>- Optimize timing and creatives based on visitor behavior.</a:t>
             </a:r>
           </a:p>
           <a:p>
-            <a:pPr>
-              <a:defRPr sz="1400"/>
-            </a:pPr>
+            <a:pPr marL="0" indent="0">
+              <a:buNone/>
+              <a:defRPr sz="1400"/>
+            </a:pPr>
+            <a:endParaRPr dirty="0"/>
           </a:p>
         </p:txBody>
       </p:sp>
@@ -3251,7 +3303,7 @@
 </file>
 
 <file path=ppt/slides/slide3.xml><?xml version="1.0" encoding="utf-8"?>
-<p:sld xmlns:a="http://schemas.openxmlformats.org/drawingml/2006/main" xmlns:p="http://schemas.openxmlformats.org/presentationml/2006/main" xmlns:r="http://schemas.openxmlformats.org/officeDocument/2006/relationships">
+<p:sld xmlns:a="http://schemas.openxmlformats.org/drawingml/2006/main" xmlns:r="http://schemas.openxmlformats.org/officeDocument/2006/relationships" xmlns:p="http://schemas.openxmlformats.org/presentationml/2006/main">
   <p:cSld>
     <p:spTree>
       <p:nvGrpSpPr>
@@ -3259,7 +3311,14 @@
         <p:cNvGrpSpPr/>
         <p:nvPr/>
       </p:nvGrpSpPr>
-      <p:grpSpPr/>
+      <p:grpSpPr>
+        <a:xfrm>
+          <a:off x="0" y="0"/>
+          <a:ext cx="0" cy="0"/>
+          <a:chOff x="0" y="0"/>
+          <a:chExt cx="0" cy="0"/>
+        </a:xfrm>
+      </p:grpSpPr>
       <p:sp>
         <p:nvSpPr>
           <p:cNvPr id="2" name="Title 1"/>
@@ -3295,7 +3354,9 @@
         <p:txBody>
           <a:bodyPr/>
           <a:lstStyle/>
-          <a:p/>
+          <a:p>
+            <a:endParaRPr/>
+          </a:p>
           <a:p>
             <a:pPr>
               <a:defRPr sz="1400"/>
@@ -3347,7 +3408,7 @@
 </file>
 
 <file path=ppt/slides/slide4.xml><?xml version="1.0" encoding="utf-8"?>
-<p:sld xmlns:a="http://schemas.openxmlformats.org/drawingml/2006/main" xmlns:p="http://schemas.openxmlformats.org/presentationml/2006/main" xmlns:r="http://schemas.openxmlformats.org/officeDocument/2006/relationships">
+<p:sld xmlns:a="http://schemas.openxmlformats.org/drawingml/2006/main" xmlns:r="http://schemas.openxmlformats.org/officeDocument/2006/relationships" xmlns:p="http://schemas.openxmlformats.org/presentationml/2006/main">
   <p:cSld>
     <p:spTree>
       <p:nvGrpSpPr>
@@ -3355,847 +3416,14 @@
         <p:cNvGrpSpPr/>
         <p:nvPr/>
       </p:nvGrpSpPr>
-      <p:grpSpPr/>
-      <p:sp>
-        <p:nvSpPr>
-          <p:cNvPr id="2" name="Title 1"/>
-          <p:cNvSpPr>
-            <a:spLocks noGrp="1"/>
-          </p:cNvSpPr>
-          <p:nvPr>
-            <p:ph type="title"/>
-          </p:nvPr>
-        </p:nvSpPr>
-        <p:spPr/>
-        <p:txBody>
-          <a:bodyPr/>
-          <a:lstStyle/>
-          <a:p>
-            <a:r>
-              <a:t>Detected Anomalies</a:t>
-            </a:r>
-          </a:p>
-        </p:txBody>
-      </p:sp>
-      <p:sp>
-        <p:nvSpPr>
-          <p:cNvPr id="3" name="Content Placeholder 2"/>
-          <p:cNvSpPr>
-            <a:spLocks noGrp="1"/>
-          </p:cNvSpPr>
-          <p:nvPr>
-            <p:ph idx="1"/>
-          </p:nvPr>
-        </p:nvSpPr>
-        <p:spPr/>
-        <p:txBody>
-          <a:bodyPr/>
-          <a:lstStyle/>
-          <a:p/>
-          <a:p>
-            <a:pPr>
-              <a:defRPr sz="1400"/>
-            </a:pPr>
-            <a:r>
-              <a:t>Impression anomaly detected on 2025-09-01 01:00:00: value=188.</a:t>
-            </a:r>
-          </a:p>
-          <a:p>
-            <a:pPr>
-              <a:defRPr sz="1400"/>
-            </a:pPr>
-            <a:r>
-              <a:t>Impression anomaly detected on 2025-09-02 22:00:00: value=261.</a:t>
-            </a:r>
-          </a:p>
-          <a:p>
-            <a:pPr>
-              <a:defRPr sz="1400"/>
-            </a:pPr>
-            <a:r>
-              <a:t>Impression anomaly detected on 2025-09-02 23:00:00: value=191.</a:t>
-            </a:r>
-          </a:p>
-          <a:p>
-            <a:pPr>
-              <a:defRPr sz="1400"/>
-            </a:pPr>
-            <a:r>
-              <a:t>Impression anomaly detected on 2025-09-03 02:00:00: value=191.</a:t>
-            </a:r>
-          </a:p>
-          <a:p>
-            <a:pPr>
-              <a:defRPr sz="1400"/>
-            </a:pPr>
-            <a:r>
-              <a:t>Impression anomaly detected on 2025-09-03 08:00:00: value=192.</a:t>
-            </a:r>
-          </a:p>
-          <a:p>
-            <a:pPr>
-              <a:defRPr sz="1400"/>
-            </a:pPr>
-            <a:r>
-              <a:t>Impression anomaly detected on 2025-09-03 09:00:00: value=189.</a:t>
-            </a:r>
-          </a:p>
-          <a:p>
-            <a:pPr>
-              <a:defRPr sz="1400"/>
-            </a:pPr>
-            <a:r>
-              <a:t>Impression anomaly detected on 2025-09-05 11:00:00: value=252.</a:t>
-            </a:r>
-          </a:p>
-          <a:p>
-            <a:pPr>
-              <a:defRPr sz="1400"/>
-            </a:pPr>
-            <a:r>
-              <a:t>Impression anomaly detected on 2025-09-06 04:00:00: value=189.</a:t>
-            </a:r>
-          </a:p>
-          <a:p>
-            <a:pPr>
-              <a:defRPr sz="1400"/>
-            </a:pPr>
-            <a:r>
-              <a:t>Impression anomaly detected on 2025-09-07 14:00:00: value=254.</a:t>
-            </a:r>
-          </a:p>
-          <a:p>
-            <a:pPr>
-              <a:defRPr sz="1400"/>
-            </a:pPr>
-            <a:r>
-              <a:t>Impression anomaly detected on 2025-09-07 15:00:00: value=257.</a:t>
-            </a:r>
-          </a:p>
-          <a:p>
-            <a:pPr>
-              <a:defRPr sz="1400"/>
-            </a:pPr>
-            <a:r>
-              <a:t>Impression anomaly detected on 2025-09-07 21:00:00: value=192.</a:t>
-            </a:r>
-          </a:p>
-          <a:p>
-            <a:pPr>
-              <a:defRPr sz="1400"/>
-            </a:pPr>
-            <a:r>
-              <a:t>Impression anomaly detected on 2025-09-08 13:00:00: value=192.</a:t>
-            </a:r>
-          </a:p>
-          <a:p>
-            <a:pPr>
-              <a:defRPr sz="1400"/>
-            </a:pPr>
-            <a:r>
-              <a:t>Impression anomaly detected on 2025-09-08 22:00:00: value=186.</a:t>
-            </a:r>
-          </a:p>
-          <a:p>
-            <a:pPr>
-              <a:defRPr sz="1400"/>
-            </a:pPr>
-            <a:r>
-              <a:t>Impression anomaly detected on 2025-09-10 01:00:00: value=191.</a:t>
-            </a:r>
-          </a:p>
-          <a:p>
-            <a:pPr>
-              <a:defRPr sz="1400"/>
-            </a:pPr>
-            <a:r>
-              <a:t>Impression anomaly detected on 2025-09-11 12:00:00: value=258.</a:t>
-            </a:r>
-          </a:p>
-          <a:p>
-            <a:pPr>
-              <a:defRPr sz="1400"/>
-            </a:pPr>
-            <a:r>
-              <a:t>Impression anomaly detected on 2025-09-11 15:00:00: value=190.</a:t>
-            </a:r>
-          </a:p>
-          <a:p>
-            <a:pPr>
-              <a:defRPr sz="1400"/>
-            </a:pPr>
-            <a:r>
-              <a:t>Impression anomaly detected on 2025-09-12 06:00:00: value=191.</a:t>
-            </a:r>
-          </a:p>
-          <a:p>
-            <a:pPr>
-              <a:defRPr sz="1400"/>
-            </a:pPr>
-            <a:r>
-              <a:t>Impression anomaly detected on 2025-09-13 09:00:00: value=257.</a:t>
-            </a:r>
-          </a:p>
-          <a:p>
-            <a:pPr>
-              <a:defRPr sz="1400"/>
-            </a:pPr>
-            <a:r>
-              <a:t>Impression anomaly detected on 2025-09-13 14:00:00: value=190.</a:t>
-            </a:r>
-          </a:p>
-          <a:p>
-            <a:pPr>
-              <a:defRPr sz="1400"/>
-            </a:pPr>
-            <a:r>
-              <a:t>Impression anomaly detected on 2025-09-14 12:00:00: value=252.</a:t>
-            </a:r>
-          </a:p>
-          <a:p>
-            <a:pPr>
-              <a:defRPr sz="1400"/>
-            </a:pPr>
-            <a:r>
-              <a:t>Impression anomaly detected on 2025-09-15 23:00:00: value=181.</a:t>
-            </a:r>
-          </a:p>
-          <a:p>
-            <a:pPr>
-              <a:defRPr sz="1400"/>
-            </a:pPr>
-            <a:r>
-              <a:t>Impression anomaly detected on 2025-09-16 05:00:00: value=254.</a:t>
-            </a:r>
-          </a:p>
-          <a:p>
-            <a:pPr>
-              <a:defRPr sz="1400"/>
-            </a:pPr>
-            <a:r>
-              <a:t>Impression anomaly detected on 2025-09-17 07:00:00: value=268.</a:t>
-            </a:r>
-          </a:p>
-          <a:p>
-            <a:pPr>
-              <a:defRPr sz="1400"/>
-            </a:pPr>
-            <a:r>
-              <a:t>Impression anomaly detected on 2025-09-17 20:00:00: value=264.</a:t>
-            </a:r>
-          </a:p>
-          <a:p>
-            <a:pPr>
-              <a:defRPr sz="1400"/>
-            </a:pPr>
-            <a:r>
-              <a:t>Impression anomaly detected on 2025-09-20 03:00:00: value=262.</a:t>
-            </a:r>
-          </a:p>
-          <a:p>
-            <a:pPr>
-              <a:defRPr sz="1400"/>
-            </a:pPr>
-            <a:r>
-              <a:t>Impression anomaly detected on 2025-09-20 19:00:00: value=254.</a:t>
-            </a:r>
-          </a:p>
-          <a:p>
-            <a:pPr>
-              <a:defRPr sz="1400"/>
-            </a:pPr>
-            <a:r>
-              <a:t>Impression anomaly detected on 2025-09-21 19:00:00: value=180.</a:t>
-            </a:r>
-          </a:p>
-          <a:p>
-            <a:pPr>
-              <a:defRPr sz="1400"/>
-            </a:pPr>
-            <a:r>
-              <a:t>Impression anomaly detected on 2025-09-23 12:00:00: value=192.</a:t>
-            </a:r>
-          </a:p>
-          <a:p>
-            <a:pPr>
-              <a:defRPr sz="1400"/>
-            </a:pPr>
-            <a:r>
-              <a:t>Impression anomaly detected on 2025-09-23 22:00:00: value=188.</a:t>
-            </a:r>
-          </a:p>
-          <a:p>
-            <a:pPr>
-              <a:defRPr sz="1400"/>
-            </a:pPr>
-            <a:r>
-              <a:t>Impression anomaly detected on 2025-09-25 03:00:00: value=191.</a:t>
-            </a:r>
-          </a:p>
-          <a:p>
-            <a:pPr>
-              <a:defRPr sz="1400"/>
-            </a:pPr>
-            <a:r>
-              <a:t>Impression anomaly detected on 2025-09-25 08:00:00: value=255.</a:t>
-            </a:r>
-          </a:p>
-          <a:p>
-            <a:pPr>
-              <a:defRPr sz="1400"/>
-            </a:pPr>
-            <a:r>
-              <a:t>Impression anomaly detected on 2025-09-25 11:00:00: value=270.</a:t>
-            </a:r>
-          </a:p>
-          <a:p>
-            <a:pPr>
-              <a:defRPr sz="1400"/>
-            </a:pPr>
-            <a:r>
-              <a:t>Impression anomaly detected on 2025-09-26 04:00:00: value=252.</a:t>
-            </a:r>
-          </a:p>
-          <a:p>
-            <a:pPr>
-              <a:defRPr sz="1400"/>
-            </a:pPr>
-            <a:r>
-              <a:t>Revenue anomaly detected on 2025-09-01 18:00:00: value=13.07.</a:t>
-            </a:r>
-          </a:p>
-          <a:p>
-            <a:pPr>
-              <a:defRPr sz="1400"/>
-            </a:pPr>
-            <a:r>
-              <a:t>Revenue anomaly detected on 2025-09-03 19:00:00: value=15.64.</a:t>
-            </a:r>
-          </a:p>
-          <a:p>
-            <a:pPr>
-              <a:defRPr sz="1400"/>
-            </a:pPr>
-            <a:r>
-              <a:t>Revenue anomaly detected on 2025-09-05 12:00:00: value=11.05.</a:t>
-            </a:r>
-          </a:p>
-          <a:p>
-            <a:pPr>
-              <a:defRPr sz="1400"/>
-            </a:pPr>
-            <a:r>
-              <a:t>Revenue anomaly detected on 2025-09-06 02:00:00: value=16.41.</a:t>
-            </a:r>
-          </a:p>
-          <a:p>
-            <a:pPr>
-              <a:defRPr sz="1400"/>
-            </a:pPr>
-            <a:r>
-              <a:t>Revenue anomaly detected on 2025-09-06 14:00:00: value=17.29.</a:t>
-            </a:r>
-          </a:p>
-          <a:p>
-            <a:pPr>
-              <a:defRPr sz="1400"/>
-            </a:pPr>
-            <a:r>
-              <a:t>Revenue anomaly detected on 2025-09-07 03:00:00: value=10.95.</a:t>
-            </a:r>
-          </a:p>
-          <a:p>
-            <a:pPr>
-              <a:defRPr sz="1400"/>
-            </a:pPr>
-            <a:r>
-              <a:t>Revenue anomaly detected on 2025-09-07 19:00:00: value=12.17.</a:t>
-            </a:r>
-          </a:p>
-          <a:p>
-            <a:pPr>
-              <a:defRPr sz="1400"/>
-            </a:pPr>
-            <a:r>
-              <a:t>Revenue anomaly detected on 2025-09-07 20:00:00: value=11.81.</a:t>
-            </a:r>
-          </a:p>
-          <a:p>
-            <a:pPr>
-              <a:defRPr sz="1400"/>
-            </a:pPr>
-            <a:r>
-              <a:t>Revenue anomaly detected on 2025-09-09 14:00:00: value=11.41.</a:t>
-            </a:r>
-          </a:p>
-          <a:p>
-            <a:pPr>
-              <a:defRPr sz="1400"/>
-            </a:pPr>
-            <a:r>
-              <a:t>Revenue anomaly detected on 2025-09-10 12:00:00: value=12.78.</a:t>
-            </a:r>
-          </a:p>
-          <a:p>
-            <a:pPr>
-              <a:defRPr sz="1400"/>
-            </a:pPr>
-            <a:r>
-              <a:t>Revenue anomaly detected on 2025-09-11 12:00:00: value=13.24.</a:t>
-            </a:r>
-          </a:p>
-          <a:p>
-            <a:pPr>
-              <a:defRPr sz="1400"/>
-            </a:pPr>
-            <a:r>
-              <a:t>Revenue anomaly detected on 2025-09-12 02:00:00: value=12.75.</a:t>
-            </a:r>
-          </a:p>
-          <a:p>
-            <a:pPr>
-              <a:defRPr sz="1400"/>
-            </a:pPr>
-            <a:r>
-              <a:t>Revenue anomaly detected on 2025-09-13 12:00:00: value=14.04.</a:t>
-            </a:r>
-          </a:p>
-          <a:p>
-            <a:pPr>
-              <a:defRPr sz="1400"/>
-            </a:pPr>
-            <a:r>
-              <a:t>Revenue anomaly detected on 2025-09-14 17:00:00: value=11.6.</a:t>
-            </a:r>
-          </a:p>
-          <a:p>
-            <a:pPr>
-              <a:defRPr sz="1400"/>
-            </a:pPr>
-            <a:r>
-              <a:t>Revenue anomaly detected on 2025-09-17 23:00:00: value=13.8.</a:t>
-            </a:r>
-          </a:p>
-          <a:p>
-            <a:pPr>
-              <a:defRPr sz="1400"/>
-            </a:pPr>
-            <a:r>
-              <a:t>Revenue anomaly detected on 2025-09-18 20:00:00: value=14.34.</a:t>
-            </a:r>
-          </a:p>
-          <a:p>
-            <a:pPr>
-              <a:defRPr sz="1400"/>
-            </a:pPr>
-            <a:r>
-              <a:t>Revenue anomaly detected on 2025-09-18 22:00:00: value=11.08.</a:t>
-            </a:r>
-          </a:p>
-          <a:p>
-            <a:pPr>
-              <a:defRPr sz="1400"/>
-            </a:pPr>
-            <a:r>
-              <a:t>Revenue anomaly detected on 2025-09-18 23:00:00: value=12.07.</a:t>
-            </a:r>
-          </a:p>
-          <a:p>
-            <a:pPr>
-              <a:defRPr sz="1400"/>
-            </a:pPr>
-            <a:r>
-              <a:t>Revenue anomaly detected on 2025-09-19 08:00:00: value=13.74.</a:t>
-            </a:r>
-          </a:p>
-          <a:p>
-            <a:pPr>
-              <a:defRPr sz="1400"/>
-            </a:pPr>
-            <a:r>
-              <a:t>Revenue anomaly detected on 2025-09-19 16:00:00: value=11.09.</a:t>
-            </a:r>
-          </a:p>
-          <a:p>
-            <a:pPr>
-              <a:defRPr sz="1400"/>
-            </a:pPr>
-            <a:r>
-              <a:t>Revenue anomaly detected on 2025-09-20 00:00:00: value=11.04.</a:t>
-            </a:r>
-          </a:p>
-          <a:p>
-            <a:pPr>
-              <a:defRPr sz="1400"/>
-            </a:pPr>
-            <a:r>
-              <a:t>Revenue anomaly detected on 2025-09-20 11:00:00: value=11.16.</a:t>
-            </a:r>
-          </a:p>
-          <a:p>
-            <a:pPr>
-              <a:defRPr sz="1400"/>
-            </a:pPr>
-            <a:r>
-              <a:t>Revenue anomaly detected on 2025-09-20 14:00:00: value=14.03.</a:t>
-            </a:r>
-          </a:p>
-          <a:p>
-            <a:pPr>
-              <a:defRPr sz="1400"/>
-            </a:pPr>
-            <a:r>
-              <a:t>Revenue anomaly detected on 2025-09-20 19:00:00: value=12.79.</a:t>
-            </a:r>
-          </a:p>
-          <a:p>
-            <a:pPr>
-              <a:defRPr sz="1400"/>
-            </a:pPr>
-            <a:r>
-              <a:t>Revenue anomaly detected on 2025-09-21 03:00:00: value=19.75.</a:t>
-            </a:r>
-          </a:p>
-          <a:p>
-            <a:pPr>
-              <a:defRPr sz="1400"/>
-            </a:pPr>
-            <a:r>
-              <a:t>Revenue anomaly detected on 2025-09-21 21:00:00: value=11.42.</a:t>
-            </a:r>
-          </a:p>
-          <a:p>
-            <a:pPr>
-              <a:defRPr sz="1400"/>
-            </a:pPr>
-            <a:r>
-              <a:t>Revenue anomaly detected on 2025-09-24 02:00:00: value=12.32.</a:t>
-            </a:r>
-          </a:p>
-          <a:p>
-            <a:pPr>
-              <a:defRPr sz="1400"/>
-            </a:pPr>
-            <a:r>
-              <a:t>Revenue anomaly detected on 2025-09-26 15:00:00: value=20.7.</a:t>
-            </a:r>
-          </a:p>
-          <a:p>
-            <a:pPr>
-              <a:defRPr sz="1400"/>
-            </a:pPr>
-            <a:r>
-              <a:t>Revenue anomaly detected on 2025-09-26 18:00:00: value=13.13.</a:t>
-            </a:r>
-          </a:p>
-          <a:p>
-            <a:pPr>
-              <a:defRPr sz="1400"/>
-            </a:pPr>
-            <a:r>
-              <a:t>Revenue anomaly detected on 2025-09-26 21:00:00: value=11.47.</a:t>
-            </a:r>
-          </a:p>
-          <a:p>
-            <a:pPr>
-              <a:defRPr sz="1400"/>
-            </a:pPr>
-            <a:r>
-              <a:t>Revenue anomaly detected on 2025-09-29 12:00:00: value=12.09.</a:t>
-            </a:r>
-          </a:p>
-          <a:p>
-            <a:pPr>
-              <a:defRPr sz="1400"/>
-            </a:pPr>
-            <a:r>
-              <a:t>Revenue anomaly detected on 2025-09-30 22:00:00: value=16.84.</a:t>
-            </a:r>
-          </a:p>
-          <a:p>
-            <a:pPr>
-              <a:defRPr sz="1400"/>
-            </a:pPr>
-            <a:r>
-              <a:t>Foot-traffic anomaly detected on 2025-09-01 14:00:00: value=111.</a:t>
-            </a:r>
-          </a:p>
-          <a:p>
-            <a:pPr>
-              <a:defRPr sz="1400"/>
-            </a:pPr>
-            <a:r>
-              <a:t>Foot-traffic anomaly detected on 2025-09-02 06:00:00: value=105.</a:t>
-            </a:r>
-          </a:p>
-          <a:p>
-            <a:pPr>
-              <a:defRPr sz="1400"/>
-            </a:pPr>
-            <a:r>
-              <a:t>Foot-traffic anomaly detected on 2025-09-02 11:00:00: value=62.</a:t>
-            </a:r>
-          </a:p>
-          <a:p>
-            <a:pPr>
-              <a:defRPr sz="1400"/>
-            </a:pPr>
-            <a:r>
-              <a:t>Foot-traffic anomaly detected on 2025-09-04 08:00:00: value=65.</a:t>
-            </a:r>
-          </a:p>
-          <a:p>
-            <a:pPr>
-              <a:defRPr sz="1400"/>
-            </a:pPr>
-            <a:r>
-              <a:t>Foot-traffic anomaly detected on 2025-09-04 13:00:00: value=63.</a:t>
-            </a:r>
-          </a:p>
-          <a:p>
-            <a:pPr>
-              <a:defRPr sz="1400"/>
-            </a:pPr>
-            <a:r>
-              <a:t>Foot-traffic anomaly detected on 2025-09-04 14:00:00: value=64.</a:t>
-            </a:r>
-          </a:p>
-          <a:p>
-            <a:pPr>
-              <a:defRPr sz="1400"/>
-            </a:pPr>
-            <a:r>
-              <a:t>Foot-traffic anomaly detected on 2025-09-05 08:00:00: value=62.</a:t>
-            </a:r>
-          </a:p>
-          <a:p>
-            <a:pPr>
-              <a:defRPr sz="1400"/>
-            </a:pPr>
-            <a:r>
-              <a:t>Foot-traffic anomaly detected on 2025-09-05 23:00:00: value=111.</a:t>
-            </a:r>
-          </a:p>
-          <a:p>
-            <a:pPr>
-              <a:defRPr sz="1400"/>
-            </a:pPr>
-            <a:r>
-              <a:t>Foot-traffic anomaly detected on 2025-09-07 04:00:00: value=107.</a:t>
-            </a:r>
-          </a:p>
-          <a:p>
-            <a:pPr>
-              <a:defRPr sz="1400"/>
-            </a:pPr>
-            <a:r>
-              <a:t>Foot-traffic anomaly detected on 2025-09-07 10:00:00: value=65.</a:t>
-            </a:r>
-          </a:p>
-          <a:p>
-            <a:pPr>
-              <a:defRPr sz="1400"/>
-            </a:pPr>
-            <a:r>
-              <a:t>Foot-traffic anomaly detected on 2025-09-08 02:00:00: value=105.</a:t>
-            </a:r>
-          </a:p>
-          <a:p>
-            <a:pPr>
-              <a:defRPr sz="1400"/>
-            </a:pPr>
-            <a:r>
-              <a:t>Foot-traffic anomaly detected on 2025-09-09 11:00:00: value=106.</a:t>
-            </a:r>
-          </a:p>
-          <a:p>
-            <a:pPr>
-              <a:defRPr sz="1400"/>
-            </a:pPr>
-            <a:r>
-              <a:t>Foot-traffic anomaly detected on 2025-09-10 12:00:00: value=65.</a:t>
-            </a:r>
-          </a:p>
-          <a:p>
-            <a:pPr>
-              <a:defRPr sz="1400"/>
-            </a:pPr>
-            <a:r>
-              <a:t>Foot-traffic anomaly detected on 2025-09-10 21:00:00: value=109.</a:t>
-            </a:r>
-          </a:p>
-          <a:p>
-            <a:pPr>
-              <a:defRPr sz="1400"/>
-            </a:pPr>
-            <a:r>
-              <a:t>Foot-traffic anomaly detected on 2025-09-12 05:00:00: value=65.</a:t>
-            </a:r>
-          </a:p>
-          <a:p>
-            <a:pPr>
-              <a:defRPr sz="1400"/>
-            </a:pPr>
-            <a:r>
-              <a:t>Foot-traffic anomaly detected on 2025-09-12 16:00:00: value=59.</a:t>
-            </a:r>
-          </a:p>
-          <a:p>
-            <a:pPr>
-              <a:defRPr sz="1400"/>
-            </a:pPr>
-            <a:r>
-              <a:t>Foot-traffic anomaly detected on 2025-09-12 21:00:00: value=106.</a:t>
-            </a:r>
-          </a:p>
-          <a:p>
-            <a:pPr>
-              <a:defRPr sz="1400"/>
-            </a:pPr>
-            <a:r>
-              <a:t>Foot-traffic anomaly detected on 2025-09-13 22:00:00: value=112.</a:t>
-            </a:r>
-          </a:p>
-          <a:p>
-            <a:pPr>
-              <a:defRPr sz="1400"/>
-            </a:pPr>
-            <a:r>
-              <a:t>Foot-traffic anomaly detected on 2025-09-14 04:00:00: value=109.</a:t>
-            </a:r>
-          </a:p>
-          <a:p>
-            <a:pPr>
-              <a:defRPr sz="1400"/>
-            </a:pPr>
-            <a:r>
-              <a:t>Foot-traffic anomaly detected on 2025-09-17 03:00:00: value=111.</a:t>
-            </a:r>
-          </a:p>
-          <a:p>
-            <a:pPr>
-              <a:defRPr sz="1400"/>
-            </a:pPr>
-            <a:r>
-              <a:t>Foot-traffic anomaly detected on 2025-09-17 06:00:00: value=106.</a:t>
-            </a:r>
-          </a:p>
-          <a:p>
-            <a:pPr>
-              <a:defRPr sz="1400"/>
-            </a:pPr>
-            <a:r>
-              <a:t>Foot-traffic anomaly detected on 2025-09-17 13:00:00: value=106.</a:t>
-            </a:r>
-          </a:p>
-          <a:p>
-            <a:pPr>
-              <a:defRPr sz="1400"/>
-            </a:pPr>
-            <a:r>
-              <a:t>Foot-traffic anomaly detected on 2025-09-19 06:00:00: value=65.</a:t>
-            </a:r>
-          </a:p>
-          <a:p>
-            <a:pPr>
-              <a:defRPr sz="1400"/>
-            </a:pPr>
-            <a:r>
-              <a:t>Foot-traffic anomaly detected on 2025-09-19 11:00:00: value=106.</a:t>
-            </a:r>
-          </a:p>
-          <a:p>
-            <a:pPr>
-              <a:defRPr sz="1400"/>
-            </a:pPr>
-            <a:r>
-              <a:t>Foot-traffic anomaly detected on 2025-09-25 06:00:00: value=109.</a:t>
-            </a:r>
-          </a:p>
-          <a:p>
-            <a:pPr>
-              <a:defRPr sz="1400"/>
-            </a:pPr>
-            <a:r>
-              <a:t>Foot-traffic anomaly detected on 2025-09-25 10:00:00: value=105.</a:t>
-            </a:r>
-          </a:p>
-          <a:p>
-            <a:pPr>
-              <a:defRPr sz="1400"/>
-            </a:pPr>
-            <a:r>
-              <a:t>Foot-traffic anomaly detected on 2025-09-25 17:00:00: value=63.</a:t>
-            </a:r>
-          </a:p>
-          <a:p>
-            <a:pPr>
-              <a:defRPr sz="1400"/>
-            </a:pPr>
-            <a:r>
-              <a:t>Foot-traffic anomaly detected on 2025-09-26 00:00:00: value=116.</a:t>
-            </a:r>
-          </a:p>
-          <a:p>
-            <a:pPr>
-              <a:defRPr sz="1400"/>
-            </a:pPr>
-            <a:r>
-              <a:t>Foot-traffic anomaly detected on 2025-09-27 08:00:00: value=105.</a:t>
-            </a:r>
-          </a:p>
-          <a:p>
-            <a:pPr>
-              <a:defRPr sz="1400"/>
-            </a:pPr>
-            <a:r>
-              <a:t>Foot-traffic anomaly detected on 2025-09-28 09:00:00: value=65.</a:t>
-            </a:r>
-          </a:p>
-          <a:p>
-            <a:pPr>
-              <a:defRPr sz="1400"/>
-            </a:pPr>
-            <a:r>
-              <a:t>Foot-traffic anomaly detected on 2025-09-28 23:00:00: value=65.</a:t>
-            </a:r>
-          </a:p>
-          <a:p>
-            <a:pPr>
-              <a:defRPr sz="1400"/>
-            </a:pPr>
-            <a:r>
-              <a:t>Foot-traffic anomaly detected on 2025-09-29 05:00:00: value=109.</a:t>
-            </a:r>
-          </a:p>
-          <a:p>
-            <a:pPr>
-              <a:defRPr sz="1400"/>
-            </a:pPr>
-            <a:r>
-              <a:t>Foot-traffic anomaly detected on 2025-09-30 22:00:00: value=108.</a:t>
-            </a:r>
-          </a:p>
-        </p:txBody>
-      </p:sp>
-    </p:spTree>
-  </p:cSld>
-  <p:clrMapOvr>
-    <a:masterClrMapping/>
-  </p:clrMapOvr>
-</p:sld>
-</file>
-
-<file path=ppt/slides/slide5.xml><?xml version="1.0" encoding="utf-8"?>
-<p:sld xmlns:a="http://schemas.openxmlformats.org/drawingml/2006/main" xmlns:p="http://schemas.openxmlformats.org/presentationml/2006/main" xmlns:r="http://schemas.openxmlformats.org/officeDocument/2006/relationships">
-  <p:cSld>
-    <p:spTree>
-      <p:nvGrpSpPr>
-        <p:cNvPr id="1" name=""/>
-        <p:cNvGrpSpPr/>
-        <p:nvPr/>
-      </p:nvGrpSpPr>
-      <p:grpSpPr/>
+      <p:grpSpPr>
+        <a:xfrm>
+          <a:off x="0" y="0"/>
+          <a:ext cx="0" cy="0"/>
+          <a:chOff x="0" y="0"/>
+          <a:chExt cx="0" cy="0"/>
+        </a:xfrm>
+      </p:grpSpPr>
       <p:sp>
         <p:nvSpPr>
           <p:cNvPr id="2" name="Title 1"/>
@@ -4233,7 +3461,7 @@
         </p:blipFill>
         <p:spPr>
           <a:xfrm>
-            <a:off x="914400" y="914400"/>
+            <a:off x="1828800" y="2153264"/>
             <a:ext cx="5486400" cy="2057400"/>
           </a:xfrm>
           <a:prstGeom prst="rect">
@@ -4249,8 +3477,8 @@
 </p:sld>
 </file>
 
-<file path=ppt/slides/slide6.xml><?xml version="1.0" encoding="utf-8"?>
-<p:sld xmlns:a="http://schemas.openxmlformats.org/drawingml/2006/main" xmlns:p="http://schemas.openxmlformats.org/presentationml/2006/main" xmlns:r="http://schemas.openxmlformats.org/officeDocument/2006/relationships">
+<file path=ppt/slides/slide5.xml><?xml version="1.0" encoding="utf-8"?>
+<p:sld xmlns:a="http://schemas.openxmlformats.org/drawingml/2006/main" xmlns:r="http://schemas.openxmlformats.org/officeDocument/2006/relationships" xmlns:p="http://schemas.openxmlformats.org/presentationml/2006/main">
   <p:cSld>
     <p:spTree>
       <p:nvGrpSpPr>
@@ -4258,7 +3486,14 @@
         <p:cNvGrpSpPr/>
         <p:nvPr/>
       </p:nvGrpSpPr>
-      <p:grpSpPr/>
+      <p:grpSpPr>
+        <a:xfrm>
+          <a:off x="0" y="0"/>
+          <a:ext cx="0" cy="0"/>
+          <a:chOff x="0" y="0"/>
+          <a:chExt cx="0" cy="0"/>
+        </a:xfrm>
+      </p:grpSpPr>
       <p:sp>
         <p:nvSpPr>
           <p:cNvPr id="2" name="Title 1"/>
@@ -4296,7 +3531,7 @@
         </p:blipFill>
         <p:spPr>
           <a:xfrm>
-            <a:off x="914400" y="914400"/>
+            <a:off x="1828800" y="2133600"/>
             <a:ext cx="5486400" cy="2057400"/>
           </a:xfrm>
           <a:prstGeom prst="rect">
@@ -4312,8 +3547,8 @@
 </p:sld>
 </file>
 
-<file path=ppt/slides/slide7.xml><?xml version="1.0" encoding="utf-8"?>
-<p:sld xmlns:a="http://schemas.openxmlformats.org/drawingml/2006/main" xmlns:p="http://schemas.openxmlformats.org/presentationml/2006/main" xmlns:r="http://schemas.openxmlformats.org/officeDocument/2006/relationships">
+<file path=ppt/slides/slide6.xml><?xml version="1.0" encoding="utf-8"?>
+<p:sld xmlns:a="http://schemas.openxmlformats.org/drawingml/2006/main" xmlns:r="http://schemas.openxmlformats.org/officeDocument/2006/relationships" xmlns:p="http://schemas.openxmlformats.org/presentationml/2006/main">
   <p:cSld>
     <p:spTree>
       <p:nvGrpSpPr>
@@ -4321,7 +3556,14 @@
         <p:cNvGrpSpPr/>
         <p:nvPr/>
       </p:nvGrpSpPr>
-      <p:grpSpPr/>
+      <p:grpSpPr>
+        <a:xfrm>
+          <a:off x="0" y="0"/>
+          <a:ext cx="0" cy="0"/>
+          <a:chOff x="0" y="0"/>
+          <a:chExt cx="0" cy="0"/>
+        </a:xfrm>
+      </p:grpSpPr>
       <p:sp>
         <p:nvSpPr>
           <p:cNvPr id="2" name="Title 1"/>
@@ -4359,7 +3601,7 @@
         </p:blipFill>
         <p:spPr>
           <a:xfrm>
-            <a:off x="914400" y="914400"/>
+            <a:off x="1740310" y="1641987"/>
             <a:ext cx="5486400" cy="4114800"/>
           </a:xfrm>
           <a:prstGeom prst="rect">
@@ -4375,8 +3617,8 @@
 </p:sld>
 </file>
 
-<file path=ppt/slides/slide8.xml><?xml version="1.0" encoding="utf-8"?>
-<p:sld xmlns:a="http://schemas.openxmlformats.org/drawingml/2006/main" xmlns:p="http://schemas.openxmlformats.org/presentationml/2006/main" xmlns:r="http://schemas.openxmlformats.org/officeDocument/2006/relationships">
+<file path=ppt/slides/slide7.xml><?xml version="1.0" encoding="utf-8"?>
+<p:sld xmlns:a="http://schemas.openxmlformats.org/drawingml/2006/main" xmlns:r="http://schemas.openxmlformats.org/officeDocument/2006/relationships" xmlns:p="http://schemas.openxmlformats.org/presentationml/2006/main">
   <p:cSld>
     <p:spTree>
       <p:nvGrpSpPr>
@@ -4384,7 +3626,14 @@
         <p:cNvGrpSpPr/>
         <p:nvPr/>
       </p:nvGrpSpPr>
-      <p:grpSpPr/>
+      <p:grpSpPr>
+        <a:xfrm>
+          <a:off x="0" y="0"/>
+          <a:ext cx="0" cy="0"/>
+          <a:chOff x="0" y="0"/>
+          <a:chExt cx="0" cy="0"/>
+        </a:xfrm>
+      </p:grpSpPr>
       <p:sp>
         <p:nvSpPr>
           <p:cNvPr id="2" name="Title 1"/>
@@ -4401,6 +3650,960 @@
           <a:lstStyle/>
           <a:p>
             <a:r>
+              <a:t>Detected Anomalies</a:t>
+            </a:r>
+          </a:p>
+        </p:txBody>
+      </p:sp>
+      <p:sp>
+        <p:nvSpPr>
+          <p:cNvPr id="3" name="Content Placeholder 2"/>
+          <p:cNvSpPr>
+            <a:spLocks noGrp="1"/>
+          </p:cNvSpPr>
+          <p:nvPr>
+            <p:ph idx="1"/>
+          </p:nvPr>
+        </p:nvSpPr>
+        <p:spPr>
+          <a:xfrm>
+            <a:off x="457200" y="1600200"/>
+            <a:ext cx="8686800" cy="5154561"/>
+          </a:xfrm>
+        </p:spPr>
+        <p:txBody>
+          <a:bodyPr>
+            <a:noAutofit/>
+          </a:bodyPr>
+          <a:lstStyle/>
+          <a:p>
+            <a:endParaRPr sz="1200" dirty="0"/>
+          </a:p>
+          <a:p>
+            <a:pPr>
+              <a:defRPr sz="1400"/>
+            </a:pPr>
+            <a:r>
+              <a:rPr sz="1200" dirty="0"/>
+              <a:t>Impression anomaly detected on 2025-09-01 01:00:00: value=188.</a:t>
+            </a:r>
+          </a:p>
+          <a:p>
+            <a:pPr>
+              <a:defRPr sz="1400"/>
+            </a:pPr>
+            <a:r>
+              <a:rPr sz="1200" dirty="0"/>
+              <a:t>Impression anomaly detected on 2025-09-02 22:00:00: value=261.</a:t>
+            </a:r>
+          </a:p>
+          <a:p>
+            <a:pPr>
+              <a:defRPr sz="1400"/>
+            </a:pPr>
+            <a:r>
+              <a:rPr sz="1200" dirty="0"/>
+              <a:t>Impression anomaly detected on 2025-09-02 23:00:00: value=191.</a:t>
+            </a:r>
+          </a:p>
+          <a:p>
+            <a:pPr>
+              <a:defRPr sz="1400"/>
+            </a:pPr>
+            <a:r>
+              <a:rPr sz="1200" dirty="0"/>
+              <a:t>Impression anomaly detected on 2025-09-03 02:00:00: value=191.</a:t>
+            </a:r>
+          </a:p>
+          <a:p>
+            <a:pPr>
+              <a:defRPr sz="1400"/>
+            </a:pPr>
+            <a:r>
+              <a:rPr sz="1200" dirty="0"/>
+              <a:t>Impression anomaly detected on 2025-09-03 08:00:00: value=192.</a:t>
+            </a:r>
+          </a:p>
+          <a:p>
+            <a:pPr>
+              <a:defRPr sz="1400"/>
+            </a:pPr>
+            <a:r>
+              <a:rPr sz="1200" dirty="0"/>
+              <a:t>Impression anomaly detected on 2025-09-03 09:00:00: value=189.</a:t>
+            </a:r>
+          </a:p>
+          <a:p>
+            <a:pPr>
+              <a:defRPr sz="1400"/>
+            </a:pPr>
+            <a:r>
+              <a:rPr sz="1200" dirty="0"/>
+              <a:t>Impression anomaly detected on 2025-09-05 11:00:00: value=252.</a:t>
+            </a:r>
+          </a:p>
+          <a:p>
+            <a:pPr>
+              <a:defRPr sz="1400"/>
+            </a:pPr>
+            <a:r>
+              <a:rPr sz="1200" dirty="0"/>
+              <a:t>Impression anomaly detected on 2025-09-06 04:00:00: value=189.</a:t>
+            </a:r>
+          </a:p>
+          <a:p>
+            <a:pPr>
+              <a:defRPr sz="1400"/>
+            </a:pPr>
+            <a:r>
+              <a:rPr sz="1200" dirty="0"/>
+              <a:t>Impression anomaly detected on 2025-09-07 14:00:00: value=254.</a:t>
+            </a:r>
+          </a:p>
+          <a:p>
+            <a:pPr>
+              <a:defRPr sz="1400"/>
+            </a:pPr>
+            <a:r>
+              <a:rPr sz="1200" dirty="0"/>
+              <a:t>Impression anomaly detected on 2025-09-07 15:00:00: value=257.</a:t>
+            </a:r>
+          </a:p>
+          <a:p>
+            <a:pPr>
+              <a:defRPr sz="1400"/>
+            </a:pPr>
+            <a:r>
+              <a:rPr sz="1200" dirty="0"/>
+              <a:t>Impression anomaly detected on 2025-09-07 21:00:00: value=192.</a:t>
+            </a:r>
+          </a:p>
+          <a:p>
+            <a:pPr>
+              <a:defRPr sz="1400"/>
+            </a:pPr>
+            <a:r>
+              <a:rPr sz="1200" dirty="0"/>
+              <a:t>Impression anomaly detected on 2025-09-08 13:00:00: value=192.</a:t>
+            </a:r>
+          </a:p>
+          <a:p>
+            <a:pPr>
+              <a:defRPr sz="1400"/>
+            </a:pPr>
+            <a:r>
+              <a:rPr sz="1200" dirty="0"/>
+              <a:t>Impression anomaly detected on 2025-09-08 22:00:00: value=186.</a:t>
+            </a:r>
+          </a:p>
+          <a:p>
+            <a:pPr>
+              <a:defRPr sz="1400"/>
+            </a:pPr>
+            <a:r>
+              <a:rPr sz="1200" dirty="0"/>
+              <a:t>Impression anomaly detected on 2025-09-10 01:00:00: value=191.</a:t>
+            </a:r>
+          </a:p>
+          <a:p>
+            <a:pPr>
+              <a:defRPr sz="1400"/>
+            </a:pPr>
+            <a:r>
+              <a:rPr sz="1200" dirty="0"/>
+              <a:t>Impression anomaly detected on 2025-09-11 12:00:00: value=258.</a:t>
+            </a:r>
+          </a:p>
+          <a:p>
+            <a:pPr>
+              <a:defRPr sz="1400"/>
+            </a:pPr>
+            <a:r>
+              <a:rPr sz="1200" dirty="0"/>
+              <a:t>Impression anomaly detected on 2025-09-11 15:00:00: value=190.</a:t>
+            </a:r>
+          </a:p>
+          <a:p>
+            <a:pPr>
+              <a:defRPr sz="1400"/>
+            </a:pPr>
+            <a:r>
+              <a:rPr sz="1200" dirty="0"/>
+              <a:t>Impression anomaly detected on 2025-09-12 06:00:00: value=191.</a:t>
+            </a:r>
+          </a:p>
+          <a:p>
+            <a:pPr>
+              <a:defRPr sz="1400"/>
+            </a:pPr>
+            <a:r>
+              <a:rPr sz="1200" dirty="0"/>
+              <a:t>Impression anomaly detected on 2025-09-13 09:00:00: value=257.</a:t>
+            </a:r>
+          </a:p>
+          <a:p>
+            <a:pPr>
+              <a:defRPr sz="1400"/>
+            </a:pPr>
+            <a:r>
+              <a:rPr sz="1200" dirty="0"/>
+              <a:t>Impression anomaly detected on 2025-09-13 14:00:00: value=190.</a:t>
+            </a:r>
+          </a:p>
+          <a:p>
+            <a:pPr>
+              <a:defRPr sz="1400"/>
+            </a:pPr>
+            <a:r>
+              <a:rPr sz="1200" dirty="0"/>
+              <a:t>Impression anomaly detected on 2025-09-14 12:00:00: value=252.</a:t>
+            </a:r>
+          </a:p>
+          <a:p>
+            <a:pPr>
+              <a:defRPr sz="1400"/>
+            </a:pPr>
+            <a:r>
+              <a:rPr sz="1200" dirty="0"/>
+              <a:t>Impression anomaly detected on 2025-09-15 23:00:00: value=181.</a:t>
+            </a:r>
+          </a:p>
+          <a:p>
+            <a:pPr>
+              <a:defRPr sz="1400"/>
+            </a:pPr>
+            <a:r>
+              <a:rPr sz="1200" dirty="0"/>
+              <a:t>Impression anomaly detected on 2025-09-16 05:00:00: value=254.</a:t>
+            </a:r>
+          </a:p>
+          <a:p>
+            <a:pPr>
+              <a:defRPr sz="1400"/>
+            </a:pPr>
+            <a:r>
+              <a:rPr sz="1200" dirty="0"/>
+              <a:t>Impression anomaly detected on 2025-09-17 07:00:00: value=268.</a:t>
+            </a:r>
+          </a:p>
+          <a:p>
+            <a:pPr>
+              <a:defRPr sz="1400"/>
+            </a:pPr>
+            <a:r>
+              <a:rPr sz="1200" dirty="0"/>
+              <a:t>Impression anomaly detected on 2025-09-17 20:00:00: value=264.</a:t>
+            </a:r>
+          </a:p>
+          <a:p>
+            <a:pPr>
+              <a:defRPr sz="1400"/>
+            </a:pPr>
+            <a:r>
+              <a:rPr sz="1200" dirty="0"/>
+              <a:t>Impression anomaly detected on 2025-09-20 03:00:00: value=262.</a:t>
+            </a:r>
+          </a:p>
+          <a:p>
+            <a:pPr>
+              <a:defRPr sz="1400"/>
+            </a:pPr>
+            <a:r>
+              <a:rPr sz="1200" dirty="0"/>
+              <a:t>Impression anomaly detected on 2025-09-20 19:00:00: value=254.</a:t>
+            </a:r>
+          </a:p>
+          <a:p>
+            <a:pPr>
+              <a:defRPr sz="1400"/>
+            </a:pPr>
+            <a:r>
+              <a:rPr sz="1200" dirty="0"/>
+              <a:t>Impression anomaly detected on 2025-09-21 19:00:00: value=180.</a:t>
+            </a:r>
+          </a:p>
+          <a:p>
+            <a:pPr>
+              <a:defRPr sz="1400"/>
+            </a:pPr>
+            <a:r>
+              <a:rPr sz="1200" dirty="0"/>
+              <a:t>Impression anomaly detected on 2025-09-23 12:00:00: value=192.</a:t>
+            </a:r>
+          </a:p>
+          <a:p>
+            <a:pPr>
+              <a:defRPr sz="1400"/>
+            </a:pPr>
+            <a:r>
+              <a:rPr sz="1200" dirty="0"/>
+              <a:t>Impression anomaly detected on 2025-09-23 22:00:00: value=188.</a:t>
+            </a:r>
+          </a:p>
+          <a:p>
+            <a:pPr>
+              <a:defRPr sz="1400"/>
+            </a:pPr>
+            <a:r>
+              <a:rPr sz="1200" dirty="0"/>
+              <a:t>Impression anomaly detected on 2025-09-25 03:00:00: value=191.</a:t>
+            </a:r>
+          </a:p>
+          <a:p>
+            <a:pPr>
+              <a:defRPr sz="1400"/>
+            </a:pPr>
+            <a:r>
+              <a:rPr sz="1200" dirty="0"/>
+              <a:t>Impression anomaly detected on 2025-09-25 08:00:00: value=255.</a:t>
+            </a:r>
+          </a:p>
+          <a:p>
+            <a:pPr>
+              <a:defRPr sz="1400"/>
+            </a:pPr>
+            <a:r>
+              <a:rPr sz="1200" dirty="0"/>
+              <a:t>Impression anomaly detected on 2025-09-25 11:00:00: value=270.</a:t>
+            </a:r>
+          </a:p>
+          <a:p>
+            <a:pPr>
+              <a:defRPr sz="1400"/>
+            </a:pPr>
+            <a:r>
+              <a:rPr sz="1200" dirty="0"/>
+              <a:t>Impression anomaly detected on 2025-09-26 04:00:00: value=252.</a:t>
+            </a:r>
+          </a:p>
+          <a:p>
+            <a:pPr>
+              <a:defRPr sz="1400"/>
+            </a:pPr>
+            <a:r>
+              <a:rPr sz="1200" dirty="0"/>
+              <a:t>Revenue anomaly detected on 2025-09-01 18:00:00: value=13.07.</a:t>
+            </a:r>
+          </a:p>
+          <a:p>
+            <a:pPr>
+              <a:defRPr sz="1400"/>
+            </a:pPr>
+            <a:r>
+              <a:rPr sz="1200" dirty="0"/>
+              <a:t>Revenue anomaly detected on 2025-09-03 19:00:00: value=15.64.</a:t>
+            </a:r>
+          </a:p>
+          <a:p>
+            <a:pPr>
+              <a:defRPr sz="1400"/>
+            </a:pPr>
+            <a:r>
+              <a:rPr sz="1200" dirty="0"/>
+              <a:t>Revenue anomaly detected on 2025-09-05 12:00:00: value=11.05.</a:t>
+            </a:r>
+          </a:p>
+          <a:p>
+            <a:pPr>
+              <a:defRPr sz="1400"/>
+            </a:pPr>
+            <a:r>
+              <a:rPr sz="1200" dirty="0"/>
+              <a:t>Revenue anomaly detected on 2025-09-06 02:00:00: value=16.41.</a:t>
+            </a:r>
+          </a:p>
+          <a:p>
+            <a:pPr>
+              <a:defRPr sz="1400"/>
+            </a:pPr>
+            <a:r>
+              <a:rPr sz="1200" dirty="0"/>
+              <a:t>Revenue anomaly detected on 2025-09-06 14:00:00: value=17.29.</a:t>
+            </a:r>
+          </a:p>
+          <a:p>
+            <a:pPr>
+              <a:defRPr sz="1400"/>
+            </a:pPr>
+            <a:r>
+              <a:rPr sz="1200" dirty="0"/>
+              <a:t>Revenue anomaly detected on 2025-09-07 03:00:00: value=10.95.</a:t>
+            </a:r>
+          </a:p>
+          <a:p>
+            <a:pPr>
+              <a:defRPr sz="1400"/>
+            </a:pPr>
+            <a:r>
+              <a:rPr sz="1200" dirty="0"/>
+              <a:t>Revenue anomaly detected on 2025-09-07 19:00:00: value=12.17.</a:t>
+            </a:r>
+          </a:p>
+          <a:p>
+            <a:pPr>
+              <a:defRPr sz="1400"/>
+            </a:pPr>
+            <a:r>
+              <a:rPr sz="1200" dirty="0"/>
+              <a:t>Revenue anomaly detected on 2025-09-07 20:00:00: value=11.81.</a:t>
+            </a:r>
+          </a:p>
+          <a:p>
+            <a:pPr>
+              <a:defRPr sz="1400"/>
+            </a:pPr>
+            <a:r>
+              <a:rPr sz="1200" dirty="0"/>
+              <a:t>Revenue anomaly detected on 2025-09-09 14:00:00: value=11.41.</a:t>
+            </a:r>
+          </a:p>
+          <a:p>
+            <a:pPr>
+              <a:defRPr sz="1400"/>
+            </a:pPr>
+            <a:r>
+              <a:rPr sz="1200" dirty="0"/>
+              <a:t>Revenue anomaly detected on 2025-09-10 12:00:00: value=12.78.</a:t>
+            </a:r>
+          </a:p>
+          <a:p>
+            <a:pPr>
+              <a:defRPr sz="1400"/>
+            </a:pPr>
+            <a:r>
+              <a:rPr sz="1200" dirty="0"/>
+              <a:t>Revenue anomaly detected on 2025-09-11 12:00:00: value=13.24.</a:t>
+            </a:r>
+          </a:p>
+          <a:p>
+            <a:pPr>
+              <a:defRPr sz="1400"/>
+            </a:pPr>
+            <a:r>
+              <a:rPr sz="1200" dirty="0"/>
+              <a:t>Revenue anomaly detected on 2025-09-12 02:00:00: value=12.75.</a:t>
+            </a:r>
+          </a:p>
+          <a:p>
+            <a:pPr>
+              <a:defRPr sz="1400"/>
+            </a:pPr>
+            <a:r>
+              <a:rPr sz="1200" dirty="0"/>
+              <a:t>Revenue anomaly detected on 2025-09-13 12:00:00: value=14.04.</a:t>
+            </a:r>
+          </a:p>
+          <a:p>
+            <a:pPr>
+              <a:defRPr sz="1400"/>
+            </a:pPr>
+            <a:r>
+              <a:rPr sz="1200" dirty="0"/>
+              <a:t>Revenue anomaly detected on 2025-09-14 17:00:00: value=11.6.</a:t>
+            </a:r>
+          </a:p>
+          <a:p>
+            <a:pPr>
+              <a:defRPr sz="1400"/>
+            </a:pPr>
+            <a:r>
+              <a:rPr sz="1200" dirty="0"/>
+              <a:t>Revenue anomaly detected on 2025-09-17 23:00:00: value=13.8.</a:t>
+            </a:r>
+          </a:p>
+          <a:p>
+            <a:pPr>
+              <a:defRPr sz="1400"/>
+            </a:pPr>
+            <a:r>
+              <a:rPr sz="1200" dirty="0"/>
+              <a:t>Revenue anomaly detected on 2025-09-18 20:00:00: value=14.34.</a:t>
+            </a:r>
+          </a:p>
+          <a:p>
+            <a:pPr>
+              <a:defRPr sz="1400"/>
+            </a:pPr>
+            <a:r>
+              <a:rPr sz="1200" dirty="0"/>
+              <a:t>Revenue anomaly detected on 2025-09-18 22:00:00: value=11.08.</a:t>
+            </a:r>
+          </a:p>
+          <a:p>
+            <a:pPr>
+              <a:defRPr sz="1400"/>
+            </a:pPr>
+            <a:r>
+              <a:rPr sz="1200" dirty="0"/>
+              <a:t>Revenue anomaly detected on 2025-09-18 23:00:00: value=12.07.</a:t>
+            </a:r>
+          </a:p>
+          <a:p>
+            <a:pPr>
+              <a:defRPr sz="1400"/>
+            </a:pPr>
+            <a:r>
+              <a:rPr sz="1200" dirty="0"/>
+              <a:t>Revenue anomaly detected on 2025-09-19 08:00:00: value=13.74.</a:t>
+            </a:r>
+          </a:p>
+          <a:p>
+            <a:pPr>
+              <a:defRPr sz="1400"/>
+            </a:pPr>
+            <a:r>
+              <a:rPr sz="1200" dirty="0"/>
+              <a:t>Revenue anomaly detected on 2025-09-19 16:00:00: value=11.09.</a:t>
+            </a:r>
+          </a:p>
+          <a:p>
+            <a:pPr>
+              <a:defRPr sz="1400"/>
+            </a:pPr>
+            <a:r>
+              <a:rPr sz="1200" dirty="0"/>
+              <a:t>Revenue anomaly detected on 2025-09-20 00:00:00: value=11.04.</a:t>
+            </a:r>
+          </a:p>
+          <a:p>
+            <a:pPr>
+              <a:defRPr sz="1400"/>
+            </a:pPr>
+            <a:r>
+              <a:rPr sz="1200" dirty="0"/>
+              <a:t>Revenue anomaly detected on 2025-09-20 11:00:00: value=11.16.</a:t>
+            </a:r>
+          </a:p>
+          <a:p>
+            <a:pPr>
+              <a:defRPr sz="1400"/>
+            </a:pPr>
+            <a:r>
+              <a:rPr sz="1200" dirty="0"/>
+              <a:t>Revenue anomaly detected on 2025-09-20 14:00:00: value=14.03.</a:t>
+            </a:r>
+          </a:p>
+          <a:p>
+            <a:pPr>
+              <a:defRPr sz="1400"/>
+            </a:pPr>
+            <a:r>
+              <a:rPr sz="1200" dirty="0"/>
+              <a:t>Revenue anomaly detected on 2025-09-20 19:00:00: value=12.79.</a:t>
+            </a:r>
+          </a:p>
+          <a:p>
+            <a:pPr>
+              <a:defRPr sz="1400"/>
+            </a:pPr>
+            <a:r>
+              <a:rPr sz="1200" dirty="0"/>
+              <a:t>Revenue anomaly detected on 2025-09-21 03:00:00: value=19.75.</a:t>
+            </a:r>
+          </a:p>
+          <a:p>
+            <a:pPr>
+              <a:defRPr sz="1400"/>
+            </a:pPr>
+            <a:r>
+              <a:rPr sz="1200" dirty="0"/>
+              <a:t>Revenue anomaly detected on 2025-09-21 21:00:00: value=11.42.</a:t>
+            </a:r>
+          </a:p>
+          <a:p>
+            <a:pPr>
+              <a:defRPr sz="1400"/>
+            </a:pPr>
+            <a:r>
+              <a:rPr sz="1200" dirty="0"/>
+              <a:t>Revenue anomaly detected on 2025-09-24 02:00:00: value=12.32.</a:t>
+            </a:r>
+          </a:p>
+          <a:p>
+            <a:pPr>
+              <a:defRPr sz="1400"/>
+            </a:pPr>
+            <a:r>
+              <a:rPr sz="1200" dirty="0"/>
+              <a:t>Revenue anomaly detected on 2025-09-26 15:00:00: value=20.7.</a:t>
+            </a:r>
+          </a:p>
+          <a:p>
+            <a:pPr>
+              <a:defRPr sz="1400"/>
+            </a:pPr>
+            <a:r>
+              <a:rPr sz="1200" dirty="0"/>
+              <a:t>Revenue anomaly detected on 2025-09-26 18:00:00: value=13.13.</a:t>
+            </a:r>
+          </a:p>
+          <a:p>
+            <a:pPr>
+              <a:defRPr sz="1400"/>
+            </a:pPr>
+            <a:r>
+              <a:rPr sz="1200" dirty="0"/>
+              <a:t>Revenue anomaly detected on 2025-09-26 21:00:00: value=11.47.</a:t>
+            </a:r>
+          </a:p>
+          <a:p>
+            <a:pPr>
+              <a:defRPr sz="1400"/>
+            </a:pPr>
+            <a:r>
+              <a:rPr sz="1200" dirty="0"/>
+              <a:t>Revenue anomaly detected on 2025-09-29 12:00:00: value=12.09.</a:t>
+            </a:r>
+          </a:p>
+          <a:p>
+            <a:pPr>
+              <a:defRPr sz="1400"/>
+            </a:pPr>
+            <a:r>
+              <a:rPr sz="1200" dirty="0"/>
+              <a:t>Revenue anomaly detected on 2025-09-30 22:00:00: value=16.84.</a:t>
+            </a:r>
+          </a:p>
+          <a:p>
+            <a:pPr>
+              <a:defRPr sz="1400"/>
+            </a:pPr>
+            <a:r>
+              <a:rPr sz="1200" dirty="0"/>
+              <a:t>Foot-traffic anomaly detected on 2025-09-01 14:00:00: value=111.</a:t>
+            </a:r>
+          </a:p>
+          <a:p>
+            <a:pPr>
+              <a:defRPr sz="1400"/>
+            </a:pPr>
+            <a:r>
+              <a:rPr sz="1200" dirty="0"/>
+              <a:t>Foot-traffic anomaly detected on 2025-09-02 06:00:00: value=105.</a:t>
+            </a:r>
+          </a:p>
+          <a:p>
+            <a:pPr>
+              <a:defRPr sz="1400"/>
+            </a:pPr>
+            <a:r>
+              <a:rPr sz="1200" dirty="0"/>
+              <a:t>Foot-traffic anomaly detected on 2025-09-02 11:00:00: value=62.</a:t>
+            </a:r>
+          </a:p>
+          <a:p>
+            <a:pPr>
+              <a:defRPr sz="1400"/>
+            </a:pPr>
+            <a:r>
+              <a:rPr sz="1200" dirty="0"/>
+              <a:t>Foot-traffic anomaly detected on 2025-09-04 08:00:00: value=65.</a:t>
+            </a:r>
+          </a:p>
+          <a:p>
+            <a:pPr>
+              <a:defRPr sz="1400"/>
+            </a:pPr>
+            <a:r>
+              <a:rPr sz="1200" dirty="0"/>
+              <a:t>Foot-traffic anomaly detected on 2025-09-04 13:00:00: value=63.</a:t>
+            </a:r>
+          </a:p>
+          <a:p>
+            <a:pPr>
+              <a:defRPr sz="1400"/>
+            </a:pPr>
+            <a:r>
+              <a:rPr sz="1200" dirty="0"/>
+              <a:t>Foot-traffic anomaly detected on 2025-09-04 14:00:00: value=64.</a:t>
+            </a:r>
+          </a:p>
+          <a:p>
+            <a:pPr>
+              <a:defRPr sz="1400"/>
+            </a:pPr>
+            <a:r>
+              <a:rPr sz="1200" dirty="0"/>
+              <a:t>Foot-traffic anomaly detected on 2025-09-05 08:00:00: value=62.</a:t>
+            </a:r>
+          </a:p>
+          <a:p>
+            <a:pPr>
+              <a:defRPr sz="1400"/>
+            </a:pPr>
+            <a:r>
+              <a:rPr sz="1200" dirty="0"/>
+              <a:t>Foot-traffic anomaly detected on 2025-09-05 23:00:00: value=111.</a:t>
+            </a:r>
+          </a:p>
+          <a:p>
+            <a:pPr>
+              <a:defRPr sz="1400"/>
+            </a:pPr>
+            <a:r>
+              <a:rPr sz="1200" dirty="0"/>
+              <a:t>Foot-traffic anomaly detected on 2025-09-07 04:00:00: value=107.</a:t>
+            </a:r>
+          </a:p>
+          <a:p>
+            <a:pPr>
+              <a:defRPr sz="1400"/>
+            </a:pPr>
+            <a:r>
+              <a:rPr sz="1200" dirty="0"/>
+              <a:t>Foot-traffic anomaly detected on 2025-09-07 10:00:00: value=65.</a:t>
+            </a:r>
+          </a:p>
+          <a:p>
+            <a:pPr>
+              <a:defRPr sz="1400"/>
+            </a:pPr>
+            <a:r>
+              <a:rPr sz="1200" dirty="0"/>
+              <a:t>Foot-traffic anomaly detected on 2025-09-08 02:00:00: value=105.</a:t>
+            </a:r>
+          </a:p>
+          <a:p>
+            <a:pPr>
+              <a:defRPr sz="1400"/>
+            </a:pPr>
+            <a:r>
+              <a:rPr sz="1200" dirty="0"/>
+              <a:t>Foot-traffic anomaly detected on 2025-09-09 11:00:00: value=106.</a:t>
+            </a:r>
+          </a:p>
+          <a:p>
+            <a:pPr>
+              <a:defRPr sz="1400"/>
+            </a:pPr>
+            <a:r>
+              <a:rPr sz="1200" dirty="0"/>
+              <a:t>Foot-traffic anomaly detected on 2025-09-10 12:00:00: value=65.</a:t>
+            </a:r>
+          </a:p>
+          <a:p>
+            <a:pPr>
+              <a:defRPr sz="1400"/>
+            </a:pPr>
+            <a:r>
+              <a:rPr sz="1200" dirty="0"/>
+              <a:t>Foot-traffic anomaly detected on 2025-09-10 21:00:00: value=109.</a:t>
+            </a:r>
+          </a:p>
+          <a:p>
+            <a:pPr>
+              <a:defRPr sz="1400"/>
+            </a:pPr>
+            <a:r>
+              <a:rPr sz="1200" dirty="0"/>
+              <a:t>Foot-traffic anomaly detected on 2025-09-12 05:00:00: value=65.</a:t>
+            </a:r>
+          </a:p>
+          <a:p>
+            <a:pPr>
+              <a:defRPr sz="1400"/>
+            </a:pPr>
+            <a:r>
+              <a:rPr sz="1200" dirty="0"/>
+              <a:t>Foot-traffic anomaly detected on 2025-09-12 16:00:00: value=59.</a:t>
+            </a:r>
+          </a:p>
+          <a:p>
+            <a:pPr>
+              <a:defRPr sz="1400"/>
+            </a:pPr>
+            <a:r>
+              <a:rPr sz="1200" dirty="0"/>
+              <a:t>Foot-traffic anomaly detected on 2025-09-12 21:00:00: value=106.</a:t>
+            </a:r>
+          </a:p>
+          <a:p>
+            <a:pPr>
+              <a:defRPr sz="1400"/>
+            </a:pPr>
+            <a:r>
+              <a:rPr sz="1200" dirty="0"/>
+              <a:t>Foot-traffic anomaly detected on 2025-09-13 22:00:00: value=112.</a:t>
+            </a:r>
+          </a:p>
+          <a:p>
+            <a:pPr>
+              <a:defRPr sz="1400"/>
+            </a:pPr>
+            <a:r>
+              <a:rPr sz="1200" dirty="0"/>
+              <a:t>Foot-traffic anomaly detected on 2025-09-14 04:00:00: value=109.</a:t>
+            </a:r>
+          </a:p>
+          <a:p>
+            <a:pPr>
+              <a:defRPr sz="1400"/>
+            </a:pPr>
+            <a:r>
+              <a:rPr sz="1200" dirty="0"/>
+              <a:t>Foot-traffic anomaly detected on 2025-09-17 03:00:00: value=111.</a:t>
+            </a:r>
+          </a:p>
+          <a:p>
+            <a:pPr>
+              <a:defRPr sz="1400"/>
+            </a:pPr>
+            <a:r>
+              <a:rPr sz="1200" dirty="0"/>
+              <a:t>Foot-traffic anomaly detected on 2025-09-17 06:00:00: value=106.</a:t>
+            </a:r>
+          </a:p>
+          <a:p>
+            <a:pPr>
+              <a:defRPr sz="1400"/>
+            </a:pPr>
+            <a:r>
+              <a:rPr sz="1200" dirty="0"/>
+              <a:t>Foot-traffic anomaly detected on 2025-09-17 13:00:00: value=106.</a:t>
+            </a:r>
+          </a:p>
+          <a:p>
+            <a:pPr>
+              <a:defRPr sz="1400"/>
+            </a:pPr>
+            <a:r>
+              <a:rPr sz="1200" dirty="0"/>
+              <a:t>Foot-traffic anomaly detected on 2025-09-19 06:00:00: value=65.</a:t>
+            </a:r>
+          </a:p>
+          <a:p>
+            <a:pPr>
+              <a:defRPr sz="1400"/>
+            </a:pPr>
+            <a:r>
+              <a:rPr sz="1200" dirty="0"/>
+              <a:t>Foot-traffic anomaly detected on 2025-09-19 11:00:00: value=106.</a:t>
+            </a:r>
+          </a:p>
+          <a:p>
+            <a:pPr>
+              <a:defRPr sz="1400"/>
+            </a:pPr>
+            <a:r>
+              <a:rPr sz="1200" dirty="0"/>
+              <a:t>Foot-traffic anomaly detected on 2025-09-25 06:00:00: value=109.</a:t>
+            </a:r>
+          </a:p>
+          <a:p>
+            <a:pPr>
+              <a:defRPr sz="1400"/>
+            </a:pPr>
+            <a:r>
+              <a:rPr sz="1200" dirty="0"/>
+              <a:t>Foot-traffic anomaly detected on 2025-09-25 10:00:00: value=105.</a:t>
+            </a:r>
+          </a:p>
+          <a:p>
+            <a:pPr>
+              <a:defRPr sz="1400"/>
+            </a:pPr>
+            <a:r>
+              <a:rPr sz="1200" dirty="0"/>
+              <a:t>Foot-traffic anomaly detected on 2025-09-25 17:00:00: value=63.</a:t>
+            </a:r>
+          </a:p>
+          <a:p>
+            <a:pPr>
+              <a:defRPr sz="1400"/>
+            </a:pPr>
+            <a:r>
+              <a:rPr sz="1200" dirty="0"/>
+              <a:t>Foot-traffic anomaly detected on 2025-09-26 00:00:00: value=116.</a:t>
+            </a:r>
+          </a:p>
+          <a:p>
+            <a:pPr>
+              <a:defRPr sz="1400"/>
+            </a:pPr>
+            <a:r>
+              <a:rPr sz="1200" dirty="0"/>
+              <a:t>Foot-traffic anomaly detected on 2025-09-27 08:00:00: value=105.</a:t>
+            </a:r>
+          </a:p>
+          <a:p>
+            <a:pPr>
+              <a:defRPr sz="1400"/>
+            </a:pPr>
+            <a:r>
+              <a:rPr sz="1200" dirty="0"/>
+              <a:t>Foot-traffic anomaly detected on 2025-09-28 09:00:00: value=65.</a:t>
+            </a:r>
+          </a:p>
+          <a:p>
+            <a:pPr>
+              <a:defRPr sz="1400"/>
+            </a:pPr>
+            <a:r>
+              <a:rPr sz="1200" dirty="0"/>
+              <a:t>Foot-traffic anomaly detected on 2025-09-28 23:00:00: value=65.</a:t>
+            </a:r>
+          </a:p>
+          <a:p>
+            <a:pPr>
+              <a:defRPr sz="1400"/>
+            </a:pPr>
+            <a:r>
+              <a:rPr sz="1200" dirty="0"/>
+              <a:t>Foot-traffic anomaly detected on 2025-09-29 05:00:00: value=109.</a:t>
+            </a:r>
+          </a:p>
+          <a:p>
+            <a:pPr>
+              <a:defRPr sz="1400"/>
+            </a:pPr>
+            <a:r>
+              <a:rPr sz="1200" dirty="0"/>
+              <a:t>Foot-traffic anomaly detected on 2025-09-30 22:00:00: value=108.</a:t>
+            </a:r>
+          </a:p>
+        </p:txBody>
+      </p:sp>
+    </p:spTree>
+  </p:cSld>
+  <p:clrMapOvr>
+    <a:masterClrMapping/>
+  </p:clrMapOvr>
+</p:sld>
+</file>
+
+<file path=ppt/slides/slide8.xml><?xml version="1.0" encoding="utf-8"?>
+<p:sld xmlns:a="http://schemas.openxmlformats.org/drawingml/2006/main" xmlns:r="http://schemas.openxmlformats.org/officeDocument/2006/relationships" xmlns:p="http://schemas.openxmlformats.org/presentationml/2006/main">
+  <p:cSld>
+    <p:spTree>
+      <p:nvGrpSpPr>
+        <p:cNvPr id="1" name=""/>
+        <p:cNvGrpSpPr/>
+        <p:nvPr/>
+      </p:nvGrpSpPr>
+      <p:grpSpPr>
+        <a:xfrm>
+          <a:off x="0" y="0"/>
+          <a:ext cx="0" cy="0"/>
+          <a:chOff x="0" y="0"/>
+          <a:chExt cx="0" cy="0"/>
+        </a:xfrm>
+      </p:grpSpPr>
+      <p:sp>
+        <p:nvSpPr>
+          <p:cNvPr id="2" name="Title 1"/>
+          <p:cNvSpPr>
+            <a:spLocks noGrp="1"/>
+          </p:cNvSpPr>
+          <p:nvPr>
+            <p:ph type="title"/>
+          </p:nvPr>
+        </p:nvSpPr>
+        <p:spPr/>
+        <p:txBody>
+          <a:bodyPr/>
+          <a:lstStyle/>
+          <a:p>
+            <a:r>
               <a:t>Recommendations</a:t>
             </a:r>
           </a:p>
@@ -4418,30 +4621,37 @@
         </p:nvSpPr>
         <p:spPr/>
         <p:txBody>
-          <a:bodyPr/>
+          <a:bodyPr>
+            <a:noAutofit/>
+          </a:bodyPr>
           <a:lstStyle/>
-          <a:p/>
-          <a:p>
-            <a:pPr>
-              <a:defRPr sz="1400"/>
-            </a:pPr>
-            <a:r>
-              <a:t>Conversion efficiency increased: revenue rising faster than impressions.</a:t>
-            </a:r>
-          </a:p>
-          <a:p>
-            <a:pPr>
-              <a:defRPr sz="1400"/>
-            </a:pPr>
-            <a:r>
-              <a:t>Foot traffic decrease associated with rising temperature.</a:t>
-            </a:r>
-          </a:p>
-          <a:p>
-            <a:pPr>
-              <a:defRPr sz="1400"/>
-            </a:pPr>
-            <a:r>
+          <a:p>
+            <a:endParaRPr sz="1400" dirty="0"/>
+          </a:p>
+          <a:p>
+            <a:pPr>
+              <a:defRPr sz="1400"/>
+            </a:pPr>
+            <a:r>
+              <a:rPr sz="1400" dirty="0"/>
+              <a:t>Conversion efficiency increased: revenue rising faster than impressions.</a:t>
+            </a:r>
+          </a:p>
+          <a:p>
+            <a:pPr>
+              <a:defRPr sz="1400"/>
+            </a:pPr>
+            <a:r>
+              <a:rPr sz="1400" dirty="0"/>
+              <a:t>Foot traffic decrease associated with rising temperature.</a:t>
+            </a:r>
+          </a:p>
+          <a:p>
+            <a:pPr>
+              <a:defRPr sz="1400"/>
+            </a:pPr>
+            <a:r>
+              <a:rPr sz="1400" dirty="0"/>
               <a:t>Creative fatigue detected due to CTR drop while impressions remain stable.</a:t>
             </a:r>
           </a:p>
@@ -4450,38 +4660,43 @@
               <a:defRPr sz="1400"/>
             </a:pPr>
             <a:r>
-              <a:t>Conversion efficiency increased: revenue rising faster than impressions.</a:t>
-            </a:r>
-          </a:p>
-          <a:p>
-            <a:pPr>
-              <a:defRPr sz="1400"/>
-            </a:pPr>
-            <a:r>
-              <a:t>Conversion efficiency increased: revenue rising faster than impressions.</a:t>
-            </a:r>
-          </a:p>
-          <a:p>
-            <a:pPr>
-              <a:defRPr sz="1400"/>
-            </a:pPr>
-            <a:r>
-              <a:t>Foot traffic decrease associated with rising temperature.</a:t>
-            </a:r>
-          </a:p>
-          <a:p>
-            <a:pPr>
-              <a:defRPr sz="1400"/>
-            </a:pPr>
-            <a:r>
-              <a:t>Conversion efficiency increased: revenue rising faster than impressions.</a:t>
-            </a:r>
-          </a:p>
-          <a:p>
-            <a:pPr>
-              <a:defRPr sz="1400"/>
-            </a:pPr>
-            <a:r>
+              <a:rPr sz="1400" dirty="0"/>
+              <a:t>Conversion efficiency increased: revenue rising faster than impressions.</a:t>
+            </a:r>
+          </a:p>
+          <a:p>
+            <a:pPr>
+              <a:defRPr sz="1400"/>
+            </a:pPr>
+            <a:r>
+              <a:rPr sz="1400" dirty="0"/>
+              <a:t>Conversion efficiency increased: revenue rising faster than impressions.</a:t>
+            </a:r>
+          </a:p>
+          <a:p>
+            <a:pPr>
+              <a:defRPr sz="1400"/>
+            </a:pPr>
+            <a:r>
+              <a:rPr sz="1400" dirty="0"/>
+              <a:t>Foot traffic decrease associated with rising temperature.</a:t>
+            </a:r>
+          </a:p>
+          <a:p>
+            <a:pPr>
+              <a:defRPr sz="1400"/>
+            </a:pPr>
+            <a:r>
+              <a:rPr sz="1400" dirty="0"/>
+              <a:t>Conversion efficiency increased: revenue rising faster than impressions.</a:t>
+            </a:r>
+          </a:p>
+          <a:p>
+            <a:pPr>
+              <a:defRPr sz="1400"/>
+            </a:pPr>
+            <a:r>
+              <a:rPr sz="1400" dirty="0"/>
               <a:t>Creative fatigue detected due to CTR drop while impressions remain stable.</a:t>
             </a:r>
           </a:p>
@@ -4490,38 +4705,43 @@
               <a:defRPr sz="1400"/>
             </a:pPr>
             <a:r>
-              <a:t>Conversion efficiency increased: revenue rising faster than impressions.</a:t>
-            </a:r>
-          </a:p>
-          <a:p>
-            <a:pPr>
-              <a:defRPr sz="1400"/>
-            </a:pPr>
-            <a:r>
-              <a:t>Conversion efficiency increased: revenue rising faster than impressions.</a:t>
-            </a:r>
-          </a:p>
-          <a:p>
-            <a:pPr>
-              <a:defRPr sz="1400"/>
-            </a:pPr>
-            <a:r>
-              <a:t>Foot traffic decrease associated with rising temperature.</a:t>
-            </a:r>
-          </a:p>
-          <a:p>
-            <a:pPr>
-              <a:defRPr sz="1400"/>
-            </a:pPr>
-            <a:r>
-              <a:t>Foot traffic decrease associated with rising temperature.</a:t>
-            </a:r>
-          </a:p>
-          <a:p>
-            <a:pPr>
-              <a:defRPr sz="1400"/>
-            </a:pPr>
-            <a:r>
+              <a:rPr sz="1400" dirty="0"/>
+              <a:t>Conversion efficiency increased: revenue rising faster than impressions.</a:t>
+            </a:r>
+          </a:p>
+          <a:p>
+            <a:pPr>
+              <a:defRPr sz="1400"/>
+            </a:pPr>
+            <a:r>
+              <a:rPr sz="1400" dirty="0"/>
+              <a:t>Conversion efficiency increased: revenue rising faster than impressions.</a:t>
+            </a:r>
+          </a:p>
+          <a:p>
+            <a:pPr>
+              <a:defRPr sz="1400"/>
+            </a:pPr>
+            <a:r>
+              <a:rPr sz="1400" dirty="0"/>
+              <a:t>Foot traffic decrease associated with rising temperature.</a:t>
+            </a:r>
+          </a:p>
+          <a:p>
+            <a:pPr>
+              <a:defRPr sz="1400"/>
+            </a:pPr>
+            <a:r>
+              <a:rPr sz="1400" dirty="0"/>
+              <a:t>Foot traffic decrease associated with rising temperature.</a:t>
+            </a:r>
+          </a:p>
+          <a:p>
+            <a:pPr>
+              <a:defRPr sz="1400"/>
+            </a:pPr>
+            <a:r>
+              <a:rPr sz="1400" dirty="0"/>
               <a:t>Creative fatigue detected due to CTR drop while impressions remain stable.</a:t>
             </a:r>
           </a:p>
@@ -4530,6 +4750,7 @@
               <a:defRPr sz="1400"/>
             </a:pPr>
             <a:r>
+              <a:rPr sz="1400" dirty="0"/>
               <a:t>Creative fatigue detected due to CTR drop while impressions remain stable.</a:t>
             </a:r>
           </a:p>
@@ -4538,62 +4759,70 @@
               <a:defRPr sz="1400"/>
             </a:pPr>
             <a:r>
-              <a:t>Conversion efficiency increased: revenue rising faster than impressions.</a:t>
-            </a:r>
-          </a:p>
-          <a:p>
-            <a:pPr>
-              <a:defRPr sz="1400"/>
-            </a:pPr>
-            <a:r>
-              <a:t>Foot traffic decrease associated with rising temperature.</a:t>
-            </a:r>
-          </a:p>
-          <a:p>
-            <a:pPr>
-              <a:defRPr sz="1400"/>
-            </a:pPr>
-            <a:r>
-              <a:t>Foot traffic decrease associated with rising temperature.</a:t>
-            </a:r>
-          </a:p>
-          <a:p>
-            <a:pPr>
-              <a:defRPr sz="1400"/>
-            </a:pPr>
-            <a:r>
-              <a:t>Conversion efficiency increased: revenue rising faster than impressions.</a:t>
-            </a:r>
-          </a:p>
-          <a:p>
-            <a:pPr>
-              <a:defRPr sz="1400"/>
-            </a:pPr>
-            <a:r>
-              <a:t>Foot traffic decrease associated with rising temperature.</a:t>
-            </a:r>
-          </a:p>
-          <a:p>
-            <a:pPr>
-              <a:defRPr sz="1400"/>
-            </a:pPr>
-            <a:r>
-              <a:t>Conversion efficiency increased: revenue rising faster than impressions.</a:t>
-            </a:r>
-          </a:p>
-          <a:p>
-            <a:pPr>
-              <a:defRPr sz="1400"/>
-            </a:pPr>
-            <a:r>
-              <a:t>Conversion efficiency increased: revenue rising faster than impressions.</a:t>
-            </a:r>
-          </a:p>
-          <a:p>
-            <a:pPr>
-              <a:defRPr sz="1400"/>
-            </a:pPr>
-            <a:r>
+              <a:rPr sz="1400" dirty="0"/>
+              <a:t>Conversion efficiency increased: revenue rising faster than impressions.</a:t>
+            </a:r>
+          </a:p>
+          <a:p>
+            <a:pPr>
+              <a:defRPr sz="1400"/>
+            </a:pPr>
+            <a:r>
+              <a:rPr sz="1400" dirty="0"/>
+              <a:t>Foot traffic decrease associated with rising temperature.</a:t>
+            </a:r>
+          </a:p>
+          <a:p>
+            <a:pPr>
+              <a:defRPr sz="1400"/>
+            </a:pPr>
+            <a:r>
+              <a:rPr sz="1400" dirty="0"/>
+              <a:t>Foot traffic decrease associated with rising temperature.</a:t>
+            </a:r>
+          </a:p>
+          <a:p>
+            <a:pPr>
+              <a:defRPr sz="1400"/>
+            </a:pPr>
+            <a:r>
+              <a:rPr sz="1400" dirty="0"/>
+              <a:t>Conversion efficiency increased: revenue rising faster than impressions.</a:t>
+            </a:r>
+          </a:p>
+          <a:p>
+            <a:pPr>
+              <a:defRPr sz="1400"/>
+            </a:pPr>
+            <a:r>
+              <a:rPr sz="1400" dirty="0"/>
+              <a:t>Foot traffic decrease associated with rising temperature.</a:t>
+            </a:r>
+          </a:p>
+          <a:p>
+            <a:pPr>
+              <a:defRPr sz="1400"/>
+            </a:pPr>
+            <a:r>
+              <a:rPr sz="1400" dirty="0"/>
+              <a:t>Conversion efficiency increased: revenue rising faster than impressions.</a:t>
+            </a:r>
+          </a:p>
+          <a:p>
+            <a:pPr>
+              <a:defRPr sz="1400"/>
+            </a:pPr>
+            <a:r>
+              <a:rPr sz="1400" dirty="0"/>
+              <a:t>Conversion efficiency increased: revenue rising faster than impressions.</a:t>
+            </a:r>
+          </a:p>
+          <a:p>
+            <a:pPr>
+              <a:defRPr sz="1400"/>
+            </a:pPr>
+            <a:r>
+              <a:rPr sz="1400" dirty="0"/>
               <a:t>Creative fatigue detected due to CTR drop while impressions remain stable.</a:t>
             </a:r>
           </a:p>
@@ -4602,14 +4831,16 @@
               <a:defRPr sz="1400"/>
             </a:pPr>
             <a:r>
-              <a:t>Foot traffic decrease associated with rising temperature.</a:t>
-            </a:r>
-          </a:p>
-          <a:p>
-            <a:pPr>
-              <a:defRPr sz="1400"/>
-            </a:pPr>
-            <a:r>
+              <a:rPr sz="1400" dirty="0"/>
+              <a:t>Foot traffic decrease associated with rising temperature.</a:t>
+            </a:r>
+          </a:p>
+          <a:p>
+            <a:pPr>
+              <a:defRPr sz="1400"/>
+            </a:pPr>
+            <a:r>
+              <a:rPr sz="1400" dirty="0"/>
               <a:t>Creative fatigue detected due to CTR drop while impressions remain stable.</a:t>
             </a:r>
           </a:p>
@@ -4618,54 +4849,61 @@
               <a:defRPr sz="1400"/>
             </a:pPr>
             <a:r>
-              <a:t>Foot traffic decrease associated with rising temperature.</a:t>
-            </a:r>
-          </a:p>
-          <a:p>
-            <a:pPr>
-              <a:defRPr sz="1400"/>
-            </a:pPr>
-            <a:r>
-              <a:t>Conversion efficiency increased: revenue rising faster than impressions.</a:t>
-            </a:r>
-          </a:p>
-          <a:p>
-            <a:pPr>
-              <a:defRPr sz="1400"/>
-            </a:pPr>
-            <a:r>
-              <a:t>Foot traffic decrease associated with rising temperature.</a:t>
-            </a:r>
-          </a:p>
-          <a:p>
-            <a:pPr>
-              <a:defRPr sz="1400"/>
-            </a:pPr>
-            <a:r>
-              <a:t>Conversion efficiency increased: revenue rising faster than impressions.</a:t>
-            </a:r>
-          </a:p>
-          <a:p>
-            <a:pPr>
-              <a:defRPr sz="1400"/>
-            </a:pPr>
-            <a:r>
-              <a:t>Foot traffic decrease associated with rising temperature.</a:t>
-            </a:r>
-          </a:p>
-          <a:p>
-            <a:pPr>
-              <a:defRPr sz="1400"/>
-            </a:pPr>
-            <a:r>
-              <a:t>Conversion efficiency increased: revenue rising faster than impressions.</a:t>
-            </a:r>
-          </a:p>
-          <a:p>
-            <a:pPr>
-              <a:defRPr sz="1400"/>
-            </a:pPr>
-            <a:r>
+              <a:rPr sz="1400" dirty="0"/>
+              <a:t>Foot traffic decrease associated with rising temperature.</a:t>
+            </a:r>
+          </a:p>
+          <a:p>
+            <a:pPr>
+              <a:defRPr sz="1400"/>
+            </a:pPr>
+            <a:r>
+              <a:rPr sz="1400" dirty="0"/>
+              <a:t>Conversion efficiency increased: revenue rising faster than impressions.</a:t>
+            </a:r>
+          </a:p>
+          <a:p>
+            <a:pPr>
+              <a:defRPr sz="1400"/>
+            </a:pPr>
+            <a:r>
+              <a:rPr sz="1400" dirty="0"/>
+              <a:t>Foot traffic decrease associated with rising temperature.</a:t>
+            </a:r>
+          </a:p>
+          <a:p>
+            <a:pPr>
+              <a:defRPr sz="1400"/>
+            </a:pPr>
+            <a:r>
+              <a:rPr sz="1400" dirty="0"/>
+              <a:t>Conversion efficiency increased: revenue rising faster than impressions.</a:t>
+            </a:r>
+          </a:p>
+          <a:p>
+            <a:pPr>
+              <a:defRPr sz="1400"/>
+            </a:pPr>
+            <a:r>
+              <a:rPr sz="1400" dirty="0"/>
+              <a:t>Foot traffic decrease associated with rising temperature.</a:t>
+            </a:r>
+          </a:p>
+          <a:p>
+            <a:pPr>
+              <a:defRPr sz="1400"/>
+            </a:pPr>
+            <a:r>
+              <a:rPr sz="1400" dirty="0"/>
+              <a:t>Conversion efficiency increased: revenue rising faster than impressions.</a:t>
+            </a:r>
+          </a:p>
+          <a:p>
+            <a:pPr>
+              <a:defRPr sz="1400"/>
+            </a:pPr>
+            <a:r>
+              <a:rPr sz="1400" dirty="0"/>
               <a:t>Creative fatigue detected due to CTR drop while impressions remain stable.</a:t>
             </a:r>
           </a:p>
@@ -4674,14 +4912,16 @@
               <a:defRPr sz="1400"/>
             </a:pPr>
             <a:r>
-              <a:t>Conversion efficiency increased: revenue rising faster than impressions.</a:t>
-            </a:r>
-          </a:p>
-          <a:p>
-            <a:pPr>
-              <a:defRPr sz="1400"/>
-            </a:pPr>
-            <a:r>
+              <a:rPr sz="1400" dirty="0"/>
+              <a:t>Conversion efficiency increased: revenue rising faster than impressions.</a:t>
+            </a:r>
+          </a:p>
+          <a:p>
+            <a:pPr>
+              <a:defRPr sz="1400"/>
+            </a:pPr>
+            <a:r>
+              <a:rPr sz="1400" dirty="0"/>
               <a:t>Creative fatigue detected due to CTR drop while impressions remain stable.</a:t>
             </a:r>
           </a:p>
@@ -4690,86 +4930,97 @@
               <a:defRPr sz="1400"/>
             </a:pPr>
             <a:r>
-              <a:t>Conversion efficiency increased: revenue rising faster than impressions.</a:t>
-            </a:r>
-          </a:p>
-          <a:p>
-            <a:pPr>
-              <a:defRPr sz="1400"/>
-            </a:pPr>
-            <a:r>
-              <a:t>Foot traffic decrease associated with rising temperature.</a:t>
-            </a:r>
-          </a:p>
-          <a:p>
-            <a:pPr>
-              <a:defRPr sz="1400"/>
-            </a:pPr>
-            <a:r>
-              <a:t>Conversion efficiency increased: revenue rising faster than impressions.</a:t>
-            </a:r>
-          </a:p>
-          <a:p>
-            <a:pPr>
-              <a:defRPr sz="1400"/>
-            </a:pPr>
-            <a:r>
-              <a:t>Conversion efficiency increased: revenue rising faster than impressions.</a:t>
-            </a:r>
-          </a:p>
-          <a:p>
-            <a:pPr>
-              <a:defRPr sz="1400"/>
-            </a:pPr>
-            <a:r>
-              <a:t>Foot traffic decrease associated with rising temperature.</a:t>
-            </a:r>
-          </a:p>
-          <a:p>
-            <a:pPr>
-              <a:defRPr sz="1400"/>
-            </a:pPr>
-            <a:r>
-              <a:t>Conversion efficiency increased: revenue rising faster than impressions.</a:t>
-            </a:r>
-          </a:p>
-          <a:p>
-            <a:pPr>
-              <a:defRPr sz="1400"/>
-            </a:pPr>
-            <a:r>
-              <a:t>Foot traffic decrease associated with rising temperature.</a:t>
-            </a:r>
-          </a:p>
-          <a:p>
-            <a:pPr>
-              <a:defRPr sz="1400"/>
-            </a:pPr>
-            <a:r>
-              <a:t>Conversion efficiency increased: revenue rising faster than impressions.</a:t>
-            </a:r>
-          </a:p>
-          <a:p>
-            <a:pPr>
-              <a:defRPr sz="1400"/>
-            </a:pPr>
-            <a:r>
-              <a:t>Foot traffic decrease associated with rising temperature.</a:t>
-            </a:r>
-          </a:p>
-          <a:p>
-            <a:pPr>
-              <a:defRPr sz="1400"/>
-            </a:pPr>
-            <a:r>
-              <a:t>Foot traffic decrease associated with rising temperature.</a:t>
-            </a:r>
-          </a:p>
-          <a:p>
-            <a:pPr>
-              <a:defRPr sz="1400"/>
-            </a:pPr>
-            <a:r>
+              <a:rPr sz="1400" dirty="0"/>
+              <a:t>Conversion efficiency increased: revenue rising faster than impressions.</a:t>
+            </a:r>
+          </a:p>
+          <a:p>
+            <a:pPr>
+              <a:defRPr sz="1400"/>
+            </a:pPr>
+            <a:r>
+              <a:rPr sz="1400" dirty="0"/>
+              <a:t>Foot traffic decrease associated with rising temperature.</a:t>
+            </a:r>
+          </a:p>
+          <a:p>
+            <a:pPr>
+              <a:defRPr sz="1400"/>
+            </a:pPr>
+            <a:r>
+              <a:rPr sz="1400" dirty="0"/>
+              <a:t>Conversion efficiency increased: revenue rising faster than impressions.</a:t>
+            </a:r>
+          </a:p>
+          <a:p>
+            <a:pPr>
+              <a:defRPr sz="1400"/>
+            </a:pPr>
+            <a:r>
+              <a:rPr sz="1400" dirty="0"/>
+              <a:t>Conversion efficiency increased: revenue rising faster than impressions.</a:t>
+            </a:r>
+          </a:p>
+          <a:p>
+            <a:pPr>
+              <a:defRPr sz="1400"/>
+            </a:pPr>
+            <a:r>
+              <a:rPr sz="1400" dirty="0"/>
+              <a:t>Foot traffic decrease associated with rising temperature.</a:t>
+            </a:r>
+          </a:p>
+          <a:p>
+            <a:pPr>
+              <a:defRPr sz="1400"/>
+            </a:pPr>
+            <a:r>
+              <a:rPr sz="1400" dirty="0"/>
+              <a:t>Conversion efficiency increased: revenue rising faster than impressions.</a:t>
+            </a:r>
+          </a:p>
+          <a:p>
+            <a:pPr>
+              <a:defRPr sz="1400"/>
+            </a:pPr>
+            <a:r>
+              <a:rPr sz="1400" dirty="0"/>
+              <a:t>Foot traffic decrease associated with rising temperature.</a:t>
+            </a:r>
+          </a:p>
+          <a:p>
+            <a:pPr>
+              <a:defRPr sz="1400"/>
+            </a:pPr>
+            <a:r>
+              <a:rPr sz="1400" dirty="0"/>
+              <a:t>Conversion efficiency increased: revenue rising faster than impressions.</a:t>
+            </a:r>
+          </a:p>
+          <a:p>
+            <a:pPr>
+              <a:defRPr sz="1400"/>
+            </a:pPr>
+            <a:r>
+              <a:rPr sz="1400" dirty="0"/>
+              <a:t>Foot traffic decrease associated with rising temperature.</a:t>
+            </a:r>
+          </a:p>
+          <a:p>
+            <a:pPr>
+              <a:defRPr sz="1400"/>
+            </a:pPr>
+            <a:r>
+              <a:rPr sz="1400" dirty="0"/>
+              <a:t>Foot traffic decrease associated with rising temperature.</a:t>
+            </a:r>
+          </a:p>
+          <a:p>
+            <a:pPr>
+              <a:defRPr sz="1400"/>
+            </a:pPr>
+            <a:r>
+              <a:rPr sz="1400" dirty="0"/>
               <a:t>Creative fatigue detected due to CTR drop while impressions remain stable.</a:t>
             </a:r>
           </a:p>
@@ -4778,54 +5029,61 @@
               <a:defRPr sz="1400"/>
             </a:pPr>
             <a:r>
-              <a:t>Foot traffic decrease associated with rising temperature.</a:t>
-            </a:r>
-          </a:p>
-          <a:p>
-            <a:pPr>
-              <a:defRPr sz="1400"/>
-            </a:pPr>
-            <a:r>
-              <a:t>Conversion efficiency increased: revenue rising faster than impressions.</a:t>
-            </a:r>
-          </a:p>
-          <a:p>
-            <a:pPr>
-              <a:defRPr sz="1400"/>
-            </a:pPr>
-            <a:r>
-              <a:t>Foot traffic decrease associated with rising temperature.</a:t>
-            </a:r>
-          </a:p>
-          <a:p>
-            <a:pPr>
-              <a:defRPr sz="1400"/>
-            </a:pPr>
-            <a:r>
-              <a:t>Conversion efficiency increased: revenue rising faster than impressions.</a:t>
-            </a:r>
-          </a:p>
-          <a:p>
-            <a:pPr>
-              <a:defRPr sz="1400"/>
-            </a:pPr>
-            <a:r>
-              <a:t>Foot traffic decrease associated with rising temperature.</a:t>
-            </a:r>
-          </a:p>
-          <a:p>
-            <a:pPr>
-              <a:defRPr sz="1400"/>
-            </a:pPr>
-            <a:r>
-              <a:t>Conversion efficiency increased: revenue rising faster than impressions.</a:t>
-            </a:r>
-          </a:p>
-          <a:p>
-            <a:pPr>
-              <a:defRPr sz="1400"/>
-            </a:pPr>
-            <a:r>
+              <a:rPr sz="1400" dirty="0"/>
+              <a:t>Foot traffic decrease associated with rising temperature.</a:t>
+            </a:r>
+          </a:p>
+          <a:p>
+            <a:pPr>
+              <a:defRPr sz="1400"/>
+            </a:pPr>
+            <a:r>
+              <a:rPr sz="1400" dirty="0"/>
+              <a:t>Conversion efficiency increased: revenue rising faster than impressions.</a:t>
+            </a:r>
+          </a:p>
+          <a:p>
+            <a:pPr>
+              <a:defRPr sz="1400"/>
+            </a:pPr>
+            <a:r>
+              <a:rPr sz="1400" dirty="0"/>
+              <a:t>Foot traffic decrease associated with rising temperature.</a:t>
+            </a:r>
+          </a:p>
+          <a:p>
+            <a:pPr>
+              <a:defRPr sz="1400"/>
+            </a:pPr>
+            <a:r>
+              <a:rPr sz="1400" dirty="0"/>
+              <a:t>Conversion efficiency increased: revenue rising faster than impressions.</a:t>
+            </a:r>
+          </a:p>
+          <a:p>
+            <a:pPr>
+              <a:defRPr sz="1400"/>
+            </a:pPr>
+            <a:r>
+              <a:rPr sz="1400" dirty="0"/>
+              <a:t>Foot traffic decrease associated with rising temperature.</a:t>
+            </a:r>
+          </a:p>
+          <a:p>
+            <a:pPr>
+              <a:defRPr sz="1400"/>
+            </a:pPr>
+            <a:r>
+              <a:rPr sz="1400" dirty="0"/>
+              <a:t>Conversion efficiency increased: revenue rising faster than impressions.</a:t>
+            </a:r>
+          </a:p>
+          <a:p>
+            <a:pPr>
+              <a:defRPr sz="1400"/>
+            </a:pPr>
+            <a:r>
+              <a:rPr sz="1400" dirty="0"/>
               <a:t>Creative fatigue detected due to CTR drop while impressions remain stable.</a:t>
             </a:r>
           </a:p>
@@ -4834,6 +5092,7 @@
               <a:defRPr sz="1400"/>
             </a:pPr>
             <a:r>
+              <a:rPr sz="1400" dirty="0"/>
               <a:t>Creative fatigue detected due to CTR drop while impressions remain stable.</a:t>
             </a:r>
           </a:p>
@@ -4842,78 +5101,88 @@
               <a:defRPr sz="1400"/>
             </a:pPr>
             <a:r>
-              <a:t>Conversion efficiency increased: revenue rising faster than impressions.</a:t>
-            </a:r>
-          </a:p>
-          <a:p>
-            <a:pPr>
-              <a:defRPr sz="1400"/>
-            </a:pPr>
-            <a:r>
-              <a:t>Foot traffic decrease associated with rising temperature.</a:t>
-            </a:r>
-          </a:p>
-          <a:p>
-            <a:pPr>
-              <a:defRPr sz="1400"/>
-            </a:pPr>
-            <a:r>
-              <a:t>Conversion efficiency increased: revenue rising faster than impressions.</a:t>
-            </a:r>
-          </a:p>
-          <a:p>
-            <a:pPr>
-              <a:defRPr sz="1400"/>
-            </a:pPr>
-            <a:r>
-              <a:t>Foot traffic decrease associated with rising temperature.</a:t>
-            </a:r>
-          </a:p>
-          <a:p>
-            <a:pPr>
-              <a:defRPr sz="1400"/>
-            </a:pPr>
-            <a:r>
-              <a:t>Conversion efficiency increased: revenue rising faster than impressions.</a:t>
-            </a:r>
-          </a:p>
-          <a:p>
-            <a:pPr>
-              <a:defRPr sz="1400"/>
-            </a:pPr>
-            <a:r>
-              <a:t>Foot traffic decrease associated with rising temperature.</a:t>
-            </a:r>
-          </a:p>
-          <a:p>
-            <a:pPr>
-              <a:defRPr sz="1400"/>
-            </a:pPr>
-            <a:r>
-              <a:t>Conversion efficiency increased: revenue rising faster than impressions.</a:t>
-            </a:r>
-          </a:p>
-          <a:p>
-            <a:pPr>
-              <a:defRPr sz="1400"/>
-            </a:pPr>
-            <a:r>
-              <a:t>Foot traffic decrease associated with rising temperature.</a:t>
-            </a:r>
-          </a:p>
-          <a:p>
-            <a:pPr>
-              <a:defRPr sz="1400"/>
-            </a:pPr>
-            <a:r>
-              <a:t>Foot traffic decrease associated with rising temperature.</a:t>
-            </a:r>
-          </a:p>
-          <a:p>
-            <a:pPr>
-              <a:defRPr sz="1400"/>
-            </a:pPr>
-            <a:r>
+              <a:rPr sz="1400" dirty="0"/>
+              <a:t>Conversion efficiency increased: revenue rising faster than impressions.</a:t>
+            </a:r>
+          </a:p>
+          <a:p>
+            <a:pPr>
+              <a:defRPr sz="1400"/>
+            </a:pPr>
+            <a:r>
+              <a:rPr sz="1400" dirty="0"/>
+              <a:t>Foot traffic decrease associated with rising temperature.</a:t>
+            </a:r>
+          </a:p>
+          <a:p>
+            <a:pPr>
+              <a:defRPr sz="1400"/>
+            </a:pPr>
+            <a:r>
+              <a:rPr sz="1400" dirty="0"/>
+              <a:t>Conversion efficiency increased: revenue rising faster than impressions.</a:t>
+            </a:r>
+          </a:p>
+          <a:p>
+            <a:pPr>
+              <a:defRPr sz="1400"/>
+            </a:pPr>
+            <a:r>
+              <a:rPr sz="1400" dirty="0"/>
+              <a:t>Foot traffic decrease associated with rising temperature.</a:t>
+            </a:r>
+          </a:p>
+          <a:p>
+            <a:pPr>
+              <a:defRPr sz="1400"/>
+            </a:pPr>
+            <a:r>
+              <a:rPr sz="1400" dirty="0"/>
+              <a:t>Conversion efficiency increased: revenue rising faster than impressions.</a:t>
+            </a:r>
+          </a:p>
+          <a:p>
+            <a:pPr>
+              <a:defRPr sz="1400"/>
+            </a:pPr>
+            <a:r>
+              <a:rPr sz="1400" dirty="0"/>
+              <a:t>Foot traffic decrease associated with rising temperature.</a:t>
+            </a:r>
+          </a:p>
+          <a:p>
+            <a:pPr>
+              <a:defRPr sz="1400"/>
+            </a:pPr>
+            <a:r>
+              <a:rPr sz="1400" dirty="0"/>
+              <a:t>Conversion efficiency increased: revenue rising faster than impressions.</a:t>
+            </a:r>
+          </a:p>
+          <a:p>
+            <a:pPr>
+              <a:defRPr sz="1400"/>
+            </a:pPr>
+            <a:r>
+              <a:rPr sz="1400" dirty="0"/>
+              <a:t>Foot traffic decrease associated with rising temperature.</a:t>
+            </a:r>
+          </a:p>
+          <a:p>
+            <a:pPr>
+              <a:defRPr sz="1400"/>
+            </a:pPr>
+            <a:r>
+              <a:rPr sz="1400" dirty="0"/>
+              <a:t>Foot traffic decrease associated with rising temperature.</a:t>
+            </a:r>
+          </a:p>
+          <a:p>
+            <a:pPr>
+              <a:defRPr sz="1400"/>
+            </a:pPr>
+            <a:r>
+              <a:rPr sz="1400" dirty="0"/>
               <a:t>Creative fatigue detected due to CTR drop while impressions remain stable.</a:t>
             </a:r>
           </a:p>
@@ -4922,54 +5191,61 @@
               <a:defRPr sz="1400"/>
             </a:pPr>
             <a:r>
-              <a:t>Foot traffic decrease associated with rising temperature.</a:t>
-            </a:r>
-          </a:p>
-          <a:p>
-            <a:pPr>
-              <a:defRPr sz="1400"/>
-            </a:pPr>
-            <a:r>
-              <a:t>Conversion efficiency increased: revenue rising faster than impressions.</a:t>
-            </a:r>
-          </a:p>
-          <a:p>
-            <a:pPr>
-              <a:defRPr sz="1400"/>
-            </a:pPr>
-            <a:r>
-              <a:t>Foot traffic decrease associated with rising temperature.</a:t>
-            </a:r>
-          </a:p>
-          <a:p>
-            <a:pPr>
-              <a:defRPr sz="1400"/>
-            </a:pPr>
-            <a:r>
-              <a:t>Conversion efficiency increased: revenue rising faster than impressions.</a:t>
-            </a:r>
-          </a:p>
-          <a:p>
-            <a:pPr>
-              <a:defRPr sz="1400"/>
-            </a:pPr>
-            <a:r>
-              <a:t>Foot traffic decrease associated with rising temperature.</a:t>
-            </a:r>
-          </a:p>
-          <a:p>
-            <a:pPr>
-              <a:defRPr sz="1400"/>
-            </a:pPr>
-            <a:r>
-              <a:t>Conversion efficiency increased: revenue rising faster than impressions.</a:t>
-            </a:r>
-          </a:p>
-          <a:p>
-            <a:pPr>
-              <a:defRPr sz="1400"/>
-            </a:pPr>
-            <a:r>
+              <a:rPr sz="1400" dirty="0"/>
+              <a:t>Foot traffic decrease associated with rising temperature.</a:t>
+            </a:r>
+          </a:p>
+          <a:p>
+            <a:pPr>
+              <a:defRPr sz="1400"/>
+            </a:pPr>
+            <a:r>
+              <a:rPr sz="1400" dirty="0"/>
+              <a:t>Conversion efficiency increased: revenue rising faster than impressions.</a:t>
+            </a:r>
+          </a:p>
+          <a:p>
+            <a:pPr>
+              <a:defRPr sz="1400"/>
+            </a:pPr>
+            <a:r>
+              <a:rPr sz="1400" dirty="0"/>
+              <a:t>Foot traffic decrease associated with rising temperature.</a:t>
+            </a:r>
+          </a:p>
+          <a:p>
+            <a:pPr>
+              <a:defRPr sz="1400"/>
+            </a:pPr>
+            <a:r>
+              <a:rPr sz="1400" dirty="0"/>
+              <a:t>Conversion efficiency increased: revenue rising faster than impressions.</a:t>
+            </a:r>
+          </a:p>
+          <a:p>
+            <a:pPr>
+              <a:defRPr sz="1400"/>
+            </a:pPr>
+            <a:r>
+              <a:rPr sz="1400" dirty="0"/>
+              <a:t>Foot traffic decrease associated with rising temperature.</a:t>
+            </a:r>
+          </a:p>
+          <a:p>
+            <a:pPr>
+              <a:defRPr sz="1400"/>
+            </a:pPr>
+            <a:r>
+              <a:rPr sz="1400" dirty="0"/>
+              <a:t>Conversion efficiency increased: revenue rising faster than impressions.</a:t>
+            </a:r>
+          </a:p>
+          <a:p>
+            <a:pPr>
+              <a:defRPr sz="1400"/>
+            </a:pPr>
+            <a:r>
+              <a:rPr sz="1400" dirty="0"/>
               <a:t>Creative fatigue detected due to CTR drop while impressions remain stable.</a:t>
             </a:r>
           </a:p>
@@ -4978,110 +5254,124 @@
               <a:defRPr sz="1400"/>
             </a:pPr>
             <a:r>
-              <a:t>Foot traffic decrease associated with rising temperature.</a:t>
-            </a:r>
-          </a:p>
-          <a:p>
-            <a:pPr>
-              <a:defRPr sz="1400"/>
-            </a:pPr>
-            <a:r>
-              <a:t>Conversion efficiency increased: revenue rising faster than impressions.</a:t>
-            </a:r>
-          </a:p>
-          <a:p>
-            <a:pPr>
-              <a:defRPr sz="1400"/>
-            </a:pPr>
-            <a:r>
-              <a:t>Foot traffic decrease associated with rising temperature.</a:t>
-            </a:r>
-          </a:p>
-          <a:p>
-            <a:pPr>
-              <a:defRPr sz="1400"/>
-            </a:pPr>
-            <a:r>
-              <a:t>Conversion efficiency increased: revenue rising faster than impressions.</a:t>
-            </a:r>
-          </a:p>
-          <a:p>
-            <a:pPr>
-              <a:defRPr sz="1400"/>
-            </a:pPr>
-            <a:r>
-              <a:t>Foot traffic decrease associated with rising temperature.</a:t>
-            </a:r>
-          </a:p>
-          <a:p>
-            <a:pPr>
-              <a:defRPr sz="1400"/>
-            </a:pPr>
-            <a:r>
-              <a:t>Foot traffic decrease associated with rising temperature.</a:t>
-            </a:r>
-          </a:p>
-          <a:p>
-            <a:pPr>
-              <a:defRPr sz="1400"/>
-            </a:pPr>
-            <a:r>
-              <a:t>Conversion efficiency increased: revenue rising faster than impressions.</a:t>
-            </a:r>
-          </a:p>
-          <a:p>
-            <a:pPr>
-              <a:defRPr sz="1400"/>
-            </a:pPr>
-            <a:r>
-              <a:t>Foot traffic decrease associated with rising temperature.</a:t>
-            </a:r>
-          </a:p>
-          <a:p>
-            <a:pPr>
-              <a:defRPr sz="1400"/>
-            </a:pPr>
-            <a:r>
-              <a:t>Conversion efficiency increased: revenue rising faster than impressions.</a:t>
-            </a:r>
-          </a:p>
-          <a:p>
-            <a:pPr>
-              <a:defRPr sz="1400"/>
-            </a:pPr>
-            <a:r>
-              <a:t>Foot traffic decrease associated with rising temperature.</a:t>
-            </a:r>
-          </a:p>
-          <a:p>
-            <a:pPr>
-              <a:defRPr sz="1400"/>
-            </a:pPr>
-            <a:r>
-              <a:t>Foot traffic decrease associated with rising temperature.</a:t>
-            </a:r>
-          </a:p>
-          <a:p>
-            <a:pPr>
-              <a:defRPr sz="1400"/>
-            </a:pPr>
-            <a:r>
-              <a:t>Conversion efficiency increased: revenue rising faster than impressions.</a:t>
-            </a:r>
-          </a:p>
-          <a:p>
-            <a:pPr>
-              <a:defRPr sz="1400"/>
-            </a:pPr>
-            <a:r>
-              <a:t>Foot traffic decrease associated with rising temperature.</a:t>
-            </a:r>
-          </a:p>
-          <a:p>
-            <a:pPr>
-              <a:defRPr sz="1400"/>
-            </a:pPr>
-            <a:r>
+              <a:rPr sz="1400" dirty="0"/>
+              <a:t>Foot traffic decrease associated with rising temperature.</a:t>
+            </a:r>
+          </a:p>
+          <a:p>
+            <a:pPr>
+              <a:defRPr sz="1400"/>
+            </a:pPr>
+            <a:r>
+              <a:rPr sz="1400" dirty="0"/>
+              <a:t>Conversion efficiency increased: revenue rising faster than impressions.</a:t>
+            </a:r>
+          </a:p>
+          <a:p>
+            <a:pPr>
+              <a:defRPr sz="1400"/>
+            </a:pPr>
+            <a:r>
+              <a:rPr sz="1400" dirty="0"/>
+              <a:t>Foot traffic decrease associated with rising temperature.</a:t>
+            </a:r>
+          </a:p>
+          <a:p>
+            <a:pPr>
+              <a:defRPr sz="1400"/>
+            </a:pPr>
+            <a:r>
+              <a:rPr sz="1400" dirty="0"/>
+              <a:t>Conversion efficiency increased: revenue rising faster than impressions.</a:t>
+            </a:r>
+          </a:p>
+          <a:p>
+            <a:pPr>
+              <a:defRPr sz="1400"/>
+            </a:pPr>
+            <a:r>
+              <a:rPr sz="1400" dirty="0"/>
+              <a:t>Foot traffic decrease associated with rising temperature.</a:t>
+            </a:r>
+          </a:p>
+          <a:p>
+            <a:pPr>
+              <a:defRPr sz="1400"/>
+            </a:pPr>
+            <a:r>
+              <a:rPr sz="1400" dirty="0"/>
+              <a:t>Foot traffic decrease associated with rising temperature.</a:t>
+            </a:r>
+          </a:p>
+          <a:p>
+            <a:pPr>
+              <a:defRPr sz="1400"/>
+            </a:pPr>
+            <a:r>
+              <a:rPr sz="1400" dirty="0"/>
+              <a:t>Conversion efficiency increased: revenue rising faster than impressions.</a:t>
+            </a:r>
+          </a:p>
+          <a:p>
+            <a:pPr>
+              <a:defRPr sz="1400"/>
+            </a:pPr>
+            <a:r>
+              <a:rPr sz="1400" dirty="0"/>
+              <a:t>Foot traffic decrease associated with rising temperature.</a:t>
+            </a:r>
+          </a:p>
+          <a:p>
+            <a:pPr>
+              <a:defRPr sz="1400"/>
+            </a:pPr>
+            <a:r>
+              <a:rPr sz="1400" dirty="0"/>
+              <a:t>Conversion efficiency increased: revenue rising faster than impressions.</a:t>
+            </a:r>
+          </a:p>
+          <a:p>
+            <a:pPr>
+              <a:defRPr sz="1400"/>
+            </a:pPr>
+            <a:r>
+              <a:rPr sz="1400" dirty="0"/>
+              <a:t>Foot traffic decrease associated with rising temperature.</a:t>
+            </a:r>
+          </a:p>
+          <a:p>
+            <a:pPr>
+              <a:defRPr sz="1400"/>
+            </a:pPr>
+            <a:r>
+              <a:rPr sz="1400" dirty="0"/>
+              <a:t>Foot traffic decrease associated with rising temperature.</a:t>
+            </a:r>
+          </a:p>
+          <a:p>
+            <a:pPr>
+              <a:defRPr sz="1400"/>
+            </a:pPr>
+            <a:r>
+              <a:rPr sz="1400" dirty="0"/>
+              <a:t>Conversion efficiency increased: revenue rising faster than impressions.</a:t>
+            </a:r>
+          </a:p>
+          <a:p>
+            <a:pPr>
+              <a:defRPr sz="1400"/>
+            </a:pPr>
+            <a:r>
+              <a:rPr sz="1400" dirty="0"/>
+              <a:t>Foot traffic decrease associated with rising temperature.</a:t>
+            </a:r>
+          </a:p>
+          <a:p>
+            <a:pPr>
+              <a:defRPr sz="1400"/>
+            </a:pPr>
+            <a:r>
+              <a:rPr sz="1400" dirty="0"/>
               <a:t>Creative fatigue detected due to CTR drop while impressions remain stable.</a:t>
             </a:r>
           </a:p>
@@ -5090,30 +5380,34 @@
               <a:defRPr sz="1400"/>
             </a:pPr>
             <a:r>
-              <a:t>Foot traffic decrease associated with rising temperature.</a:t>
-            </a:r>
-          </a:p>
-          <a:p>
-            <a:pPr>
-              <a:defRPr sz="1400"/>
-            </a:pPr>
-            <a:r>
-              <a:t>Foot traffic decrease associated with rising temperature.</a:t>
-            </a:r>
-          </a:p>
-          <a:p>
-            <a:pPr>
-              <a:defRPr sz="1400"/>
-            </a:pPr>
-            <a:r>
-              <a:t>Conversion efficiency increased: revenue rising faster than impressions.</a:t>
-            </a:r>
-          </a:p>
-          <a:p>
-            <a:pPr>
-              <a:defRPr sz="1400"/>
-            </a:pPr>
-            <a:r>
+              <a:rPr sz="1400" dirty="0"/>
+              <a:t>Foot traffic decrease associated with rising temperature.</a:t>
+            </a:r>
+          </a:p>
+          <a:p>
+            <a:pPr>
+              <a:defRPr sz="1400"/>
+            </a:pPr>
+            <a:r>
+              <a:rPr sz="1400" dirty="0"/>
+              <a:t>Foot traffic decrease associated with rising temperature.</a:t>
+            </a:r>
+          </a:p>
+          <a:p>
+            <a:pPr>
+              <a:defRPr sz="1400"/>
+            </a:pPr>
+            <a:r>
+              <a:rPr sz="1400" dirty="0"/>
+              <a:t>Conversion efficiency increased: revenue rising faster than impressions.</a:t>
+            </a:r>
+          </a:p>
+          <a:p>
+            <a:pPr>
+              <a:defRPr sz="1400"/>
+            </a:pPr>
+            <a:r>
+              <a:rPr sz="1400" dirty="0"/>
               <a:t>Creative fatigue detected due to CTR drop while impressions remain stable.</a:t>
             </a:r>
           </a:p>
@@ -5122,38 +5416,43 @@
               <a:defRPr sz="1400"/>
             </a:pPr>
             <a:r>
-              <a:t>Conversion efficiency increased: revenue rising faster than impressions.</a:t>
-            </a:r>
-          </a:p>
-          <a:p>
-            <a:pPr>
-              <a:defRPr sz="1400"/>
-            </a:pPr>
-            <a:r>
-              <a:t>Foot traffic decrease associated with rising temperature.</a:t>
-            </a:r>
-          </a:p>
-          <a:p>
-            <a:pPr>
-              <a:defRPr sz="1400"/>
-            </a:pPr>
-            <a:r>
-              <a:t>Conversion efficiency increased: revenue rising faster than impressions.</a:t>
-            </a:r>
-          </a:p>
-          <a:p>
-            <a:pPr>
-              <a:defRPr sz="1400"/>
-            </a:pPr>
-            <a:r>
-              <a:t>Foot traffic decrease associated with rising temperature.</a:t>
-            </a:r>
-          </a:p>
-          <a:p>
-            <a:pPr>
-              <a:defRPr sz="1400"/>
-            </a:pPr>
-            <a:r>
+              <a:rPr sz="1400" dirty="0"/>
+              <a:t>Conversion efficiency increased: revenue rising faster than impressions.</a:t>
+            </a:r>
+          </a:p>
+          <a:p>
+            <a:pPr>
+              <a:defRPr sz="1400"/>
+            </a:pPr>
+            <a:r>
+              <a:rPr sz="1400" dirty="0"/>
+              <a:t>Foot traffic decrease associated with rising temperature.</a:t>
+            </a:r>
+          </a:p>
+          <a:p>
+            <a:pPr>
+              <a:defRPr sz="1400"/>
+            </a:pPr>
+            <a:r>
+              <a:rPr sz="1400" dirty="0"/>
+              <a:t>Conversion efficiency increased: revenue rising faster than impressions.</a:t>
+            </a:r>
+          </a:p>
+          <a:p>
+            <a:pPr>
+              <a:defRPr sz="1400"/>
+            </a:pPr>
+            <a:r>
+              <a:rPr sz="1400" dirty="0"/>
+              <a:t>Foot traffic decrease associated with rising temperature.</a:t>
+            </a:r>
+          </a:p>
+          <a:p>
+            <a:pPr>
+              <a:defRPr sz="1400"/>
+            </a:pPr>
+            <a:r>
+              <a:rPr sz="1400" dirty="0"/>
               <a:t>Creative fatigue detected due to CTR drop while impressions remain stable.</a:t>
             </a:r>
           </a:p>
@@ -5162,110 +5461,124 @@
               <a:defRPr sz="1400"/>
             </a:pPr>
             <a:r>
-              <a:t>Conversion efficiency increased: revenue rising faster than impressions.</a:t>
-            </a:r>
-          </a:p>
-          <a:p>
-            <a:pPr>
-              <a:defRPr sz="1400"/>
-            </a:pPr>
-            <a:r>
-              <a:t>Foot traffic decrease associated with rising temperature.</a:t>
-            </a:r>
-          </a:p>
-          <a:p>
-            <a:pPr>
-              <a:defRPr sz="1400"/>
-            </a:pPr>
-            <a:r>
-              <a:t>Foot traffic decrease associated with rising temperature.</a:t>
-            </a:r>
-          </a:p>
-          <a:p>
-            <a:pPr>
-              <a:defRPr sz="1400"/>
-            </a:pPr>
-            <a:r>
-              <a:t>Conversion efficiency increased: revenue rising faster than impressions.</a:t>
-            </a:r>
-          </a:p>
-          <a:p>
-            <a:pPr>
-              <a:defRPr sz="1400"/>
-            </a:pPr>
-            <a:r>
-              <a:t>Foot traffic decrease associated with rising temperature.</a:t>
-            </a:r>
-          </a:p>
-          <a:p>
-            <a:pPr>
-              <a:defRPr sz="1400"/>
-            </a:pPr>
-            <a:r>
-              <a:t>Foot traffic decrease associated with rising temperature.</a:t>
-            </a:r>
-          </a:p>
-          <a:p>
-            <a:pPr>
-              <a:defRPr sz="1400"/>
-            </a:pPr>
-            <a:r>
-              <a:t>Conversion efficiency increased: revenue rising faster than impressions.</a:t>
-            </a:r>
-          </a:p>
-          <a:p>
-            <a:pPr>
-              <a:defRPr sz="1400"/>
-            </a:pPr>
-            <a:r>
-              <a:t>Conversion efficiency increased: revenue rising faster than impressions.</a:t>
-            </a:r>
-          </a:p>
-          <a:p>
-            <a:pPr>
-              <a:defRPr sz="1400"/>
-            </a:pPr>
-            <a:r>
-              <a:t>Foot traffic decrease associated with rising temperature.</a:t>
-            </a:r>
-          </a:p>
-          <a:p>
-            <a:pPr>
-              <a:defRPr sz="1400"/>
-            </a:pPr>
-            <a:r>
-              <a:t>Conversion efficiency increased: revenue rising faster than impressions.</a:t>
-            </a:r>
-          </a:p>
-          <a:p>
-            <a:pPr>
-              <a:defRPr sz="1400"/>
-            </a:pPr>
-            <a:r>
-              <a:t>Foot traffic decrease associated with rising temperature.</a:t>
-            </a:r>
-          </a:p>
-          <a:p>
-            <a:pPr>
-              <a:defRPr sz="1400"/>
-            </a:pPr>
-            <a:r>
-              <a:t>Conversion efficiency increased: revenue rising faster than impressions.</a:t>
-            </a:r>
-          </a:p>
-          <a:p>
-            <a:pPr>
-              <a:defRPr sz="1400"/>
-            </a:pPr>
-            <a:r>
-              <a:t>Foot traffic decrease associated with rising temperature.</a:t>
-            </a:r>
-          </a:p>
-          <a:p>
-            <a:pPr>
-              <a:defRPr sz="1400"/>
-            </a:pPr>
-            <a:r>
+              <a:rPr sz="1400" dirty="0"/>
+              <a:t>Conversion efficiency increased: revenue rising faster than impressions.</a:t>
+            </a:r>
+          </a:p>
+          <a:p>
+            <a:pPr>
+              <a:defRPr sz="1400"/>
+            </a:pPr>
+            <a:r>
+              <a:rPr sz="1400" dirty="0"/>
+              <a:t>Foot traffic decrease associated with rising temperature.</a:t>
+            </a:r>
+          </a:p>
+          <a:p>
+            <a:pPr>
+              <a:defRPr sz="1400"/>
+            </a:pPr>
+            <a:r>
+              <a:rPr sz="1400" dirty="0"/>
+              <a:t>Foot traffic decrease associated with rising temperature.</a:t>
+            </a:r>
+          </a:p>
+          <a:p>
+            <a:pPr>
+              <a:defRPr sz="1400"/>
+            </a:pPr>
+            <a:r>
+              <a:rPr sz="1400" dirty="0"/>
+              <a:t>Conversion efficiency increased: revenue rising faster than impressions.</a:t>
+            </a:r>
+          </a:p>
+          <a:p>
+            <a:pPr>
+              <a:defRPr sz="1400"/>
+            </a:pPr>
+            <a:r>
+              <a:rPr sz="1400" dirty="0"/>
+              <a:t>Foot traffic decrease associated with rising temperature.</a:t>
+            </a:r>
+          </a:p>
+          <a:p>
+            <a:pPr>
+              <a:defRPr sz="1400"/>
+            </a:pPr>
+            <a:r>
+              <a:rPr sz="1400" dirty="0"/>
+              <a:t>Foot traffic decrease associated with rising temperature.</a:t>
+            </a:r>
+          </a:p>
+          <a:p>
+            <a:pPr>
+              <a:defRPr sz="1400"/>
+            </a:pPr>
+            <a:r>
+              <a:rPr sz="1400" dirty="0"/>
+              <a:t>Conversion efficiency increased: revenue rising faster than impressions.</a:t>
+            </a:r>
+          </a:p>
+          <a:p>
+            <a:pPr>
+              <a:defRPr sz="1400"/>
+            </a:pPr>
+            <a:r>
+              <a:rPr sz="1400" dirty="0"/>
+              <a:t>Conversion efficiency increased: revenue rising faster than impressions.</a:t>
+            </a:r>
+          </a:p>
+          <a:p>
+            <a:pPr>
+              <a:defRPr sz="1400"/>
+            </a:pPr>
+            <a:r>
+              <a:rPr sz="1400" dirty="0"/>
+              <a:t>Foot traffic decrease associated with rising temperature.</a:t>
+            </a:r>
+          </a:p>
+          <a:p>
+            <a:pPr>
+              <a:defRPr sz="1400"/>
+            </a:pPr>
+            <a:r>
+              <a:rPr sz="1400" dirty="0"/>
+              <a:t>Conversion efficiency increased: revenue rising faster than impressions.</a:t>
+            </a:r>
+          </a:p>
+          <a:p>
+            <a:pPr>
+              <a:defRPr sz="1400"/>
+            </a:pPr>
+            <a:r>
+              <a:rPr sz="1400" dirty="0"/>
+              <a:t>Foot traffic decrease associated with rising temperature.</a:t>
+            </a:r>
+          </a:p>
+          <a:p>
+            <a:pPr>
+              <a:defRPr sz="1400"/>
+            </a:pPr>
+            <a:r>
+              <a:rPr sz="1400" dirty="0"/>
+              <a:t>Conversion efficiency increased: revenue rising faster than impressions.</a:t>
+            </a:r>
+          </a:p>
+          <a:p>
+            <a:pPr>
+              <a:defRPr sz="1400"/>
+            </a:pPr>
+            <a:r>
+              <a:rPr sz="1400" dirty="0"/>
+              <a:t>Foot traffic decrease associated with rising temperature.</a:t>
+            </a:r>
+          </a:p>
+          <a:p>
+            <a:pPr>
+              <a:defRPr sz="1400"/>
+            </a:pPr>
+            <a:r>
+              <a:rPr sz="1400" dirty="0"/>
               <a:t>Creative fatigue detected due to CTR drop while impressions remain stable.</a:t>
             </a:r>
           </a:p>
@@ -5274,62 +5587,70 @@
               <a:defRPr sz="1400"/>
             </a:pPr>
             <a:r>
-              <a:t>Foot traffic decrease associated with rising temperature.</a:t>
-            </a:r>
-          </a:p>
-          <a:p>
-            <a:pPr>
-              <a:defRPr sz="1400"/>
-            </a:pPr>
-            <a:r>
-              <a:t>Foot traffic decrease associated with rising temperature.</a:t>
-            </a:r>
-          </a:p>
-          <a:p>
-            <a:pPr>
-              <a:defRPr sz="1400"/>
-            </a:pPr>
-            <a:r>
-              <a:t>Foot traffic decrease associated with rising temperature.</a:t>
-            </a:r>
-          </a:p>
-          <a:p>
-            <a:pPr>
-              <a:defRPr sz="1400"/>
-            </a:pPr>
-            <a:r>
-              <a:t>Conversion efficiency increased: revenue rising faster than impressions.</a:t>
-            </a:r>
-          </a:p>
-          <a:p>
-            <a:pPr>
-              <a:defRPr sz="1400"/>
-            </a:pPr>
-            <a:r>
-              <a:t>Conversion efficiency increased: revenue rising faster than impressions.</a:t>
-            </a:r>
-          </a:p>
-          <a:p>
-            <a:pPr>
-              <a:defRPr sz="1400"/>
-            </a:pPr>
-            <a:r>
-              <a:t>Foot traffic decrease associated with rising temperature.</a:t>
-            </a:r>
-          </a:p>
-          <a:p>
-            <a:pPr>
-              <a:defRPr sz="1400"/>
-            </a:pPr>
-            <a:r>
-              <a:t>Foot traffic decrease associated with rising temperature.</a:t>
-            </a:r>
-          </a:p>
-          <a:p>
-            <a:pPr>
-              <a:defRPr sz="1400"/>
-            </a:pPr>
-            <a:r>
+              <a:rPr sz="1400" dirty="0"/>
+              <a:t>Foot traffic decrease associated with rising temperature.</a:t>
+            </a:r>
+          </a:p>
+          <a:p>
+            <a:pPr>
+              <a:defRPr sz="1400"/>
+            </a:pPr>
+            <a:r>
+              <a:rPr sz="1400" dirty="0"/>
+              <a:t>Foot traffic decrease associated with rising temperature.</a:t>
+            </a:r>
+          </a:p>
+          <a:p>
+            <a:pPr>
+              <a:defRPr sz="1400"/>
+            </a:pPr>
+            <a:r>
+              <a:rPr sz="1400" dirty="0"/>
+              <a:t>Foot traffic decrease associated with rising temperature.</a:t>
+            </a:r>
+          </a:p>
+          <a:p>
+            <a:pPr>
+              <a:defRPr sz="1400"/>
+            </a:pPr>
+            <a:r>
+              <a:rPr sz="1400" dirty="0"/>
+              <a:t>Conversion efficiency increased: revenue rising faster than impressions.</a:t>
+            </a:r>
+          </a:p>
+          <a:p>
+            <a:pPr>
+              <a:defRPr sz="1400"/>
+            </a:pPr>
+            <a:r>
+              <a:rPr sz="1400" dirty="0"/>
+              <a:t>Conversion efficiency increased: revenue rising faster than impressions.</a:t>
+            </a:r>
+          </a:p>
+          <a:p>
+            <a:pPr>
+              <a:defRPr sz="1400"/>
+            </a:pPr>
+            <a:r>
+              <a:rPr sz="1400" dirty="0"/>
+              <a:t>Foot traffic decrease associated with rising temperature.</a:t>
+            </a:r>
+          </a:p>
+          <a:p>
+            <a:pPr>
+              <a:defRPr sz="1400"/>
+            </a:pPr>
+            <a:r>
+              <a:rPr sz="1400" dirty="0"/>
+              <a:t>Foot traffic decrease associated with rising temperature.</a:t>
+            </a:r>
+          </a:p>
+          <a:p>
+            <a:pPr>
+              <a:defRPr sz="1400"/>
+            </a:pPr>
+            <a:r>
+              <a:rPr sz="1400" dirty="0"/>
               <a:t>Creative fatigue detected due to CTR drop while impressions remain stable.</a:t>
             </a:r>
           </a:p>
@@ -5338,46 +5659,52 @@
               <a:defRPr sz="1400"/>
             </a:pPr>
             <a:r>
-              <a:t>Conversion efficiency increased: revenue rising faster than impressions.</a:t>
-            </a:r>
-          </a:p>
-          <a:p>
-            <a:pPr>
-              <a:defRPr sz="1400"/>
-            </a:pPr>
-            <a:r>
-              <a:t>Foot traffic decrease associated with rising temperature.</a:t>
-            </a:r>
-          </a:p>
-          <a:p>
-            <a:pPr>
-              <a:defRPr sz="1400"/>
-            </a:pPr>
-            <a:r>
-              <a:t>Conversion efficiency increased: revenue rising faster than impressions.</a:t>
-            </a:r>
-          </a:p>
-          <a:p>
-            <a:pPr>
-              <a:defRPr sz="1400"/>
-            </a:pPr>
-            <a:r>
-              <a:t>Conversion efficiency increased: revenue rising faster than impressions.</a:t>
-            </a:r>
-          </a:p>
-          <a:p>
-            <a:pPr>
-              <a:defRPr sz="1400"/>
-            </a:pPr>
-            <a:r>
-              <a:t>Conversion efficiency increased: revenue rising faster than impressions.</a:t>
-            </a:r>
-          </a:p>
-          <a:p>
-            <a:pPr>
-              <a:defRPr sz="1400"/>
-            </a:pPr>
-            <a:r>
+              <a:rPr sz="1400" dirty="0"/>
+              <a:t>Conversion efficiency increased: revenue rising faster than impressions.</a:t>
+            </a:r>
+          </a:p>
+          <a:p>
+            <a:pPr>
+              <a:defRPr sz="1400"/>
+            </a:pPr>
+            <a:r>
+              <a:rPr sz="1400" dirty="0"/>
+              <a:t>Foot traffic decrease associated with rising temperature.</a:t>
+            </a:r>
+          </a:p>
+          <a:p>
+            <a:pPr>
+              <a:defRPr sz="1400"/>
+            </a:pPr>
+            <a:r>
+              <a:rPr sz="1400" dirty="0"/>
+              <a:t>Conversion efficiency increased: revenue rising faster than impressions.</a:t>
+            </a:r>
+          </a:p>
+          <a:p>
+            <a:pPr>
+              <a:defRPr sz="1400"/>
+            </a:pPr>
+            <a:r>
+              <a:rPr sz="1400" dirty="0"/>
+              <a:t>Conversion efficiency increased: revenue rising faster than impressions.</a:t>
+            </a:r>
+          </a:p>
+          <a:p>
+            <a:pPr>
+              <a:defRPr sz="1400"/>
+            </a:pPr>
+            <a:r>
+              <a:rPr sz="1400" dirty="0"/>
+              <a:t>Conversion efficiency increased: revenue rising faster than impressions.</a:t>
+            </a:r>
+          </a:p>
+          <a:p>
+            <a:pPr>
+              <a:defRPr sz="1400"/>
+            </a:pPr>
+            <a:r>
+              <a:rPr sz="1400" dirty="0"/>
               <a:t>Creative fatigue detected due to CTR drop while impressions remain stable.</a:t>
             </a:r>
           </a:p>
@@ -5386,38 +5713,43 @@
               <a:defRPr sz="1400"/>
             </a:pPr>
             <a:r>
-              <a:t>Foot traffic decrease associated with rising temperature.</a:t>
-            </a:r>
-          </a:p>
-          <a:p>
-            <a:pPr>
-              <a:defRPr sz="1400"/>
-            </a:pPr>
-            <a:r>
-              <a:t>Conversion efficiency increased: revenue rising faster than impressions.</a:t>
-            </a:r>
-          </a:p>
-          <a:p>
-            <a:pPr>
-              <a:defRPr sz="1400"/>
-            </a:pPr>
-            <a:r>
-              <a:t>Foot traffic decrease associated with rising temperature.</a:t>
-            </a:r>
-          </a:p>
-          <a:p>
-            <a:pPr>
-              <a:defRPr sz="1400"/>
-            </a:pPr>
-            <a:r>
-              <a:t>Foot traffic decrease associated with rising temperature.</a:t>
-            </a:r>
-          </a:p>
-          <a:p>
-            <a:pPr>
-              <a:defRPr sz="1400"/>
-            </a:pPr>
-            <a:r>
+              <a:rPr sz="1400" dirty="0"/>
+              <a:t>Foot traffic decrease associated with rising temperature.</a:t>
+            </a:r>
+          </a:p>
+          <a:p>
+            <a:pPr>
+              <a:defRPr sz="1400"/>
+            </a:pPr>
+            <a:r>
+              <a:rPr sz="1400" dirty="0"/>
+              <a:t>Conversion efficiency increased: revenue rising faster than impressions.</a:t>
+            </a:r>
+          </a:p>
+          <a:p>
+            <a:pPr>
+              <a:defRPr sz="1400"/>
+            </a:pPr>
+            <a:r>
+              <a:rPr sz="1400" dirty="0"/>
+              <a:t>Foot traffic decrease associated with rising temperature.</a:t>
+            </a:r>
+          </a:p>
+          <a:p>
+            <a:pPr>
+              <a:defRPr sz="1400"/>
+            </a:pPr>
+            <a:r>
+              <a:rPr sz="1400" dirty="0"/>
+              <a:t>Foot traffic decrease associated with rising temperature.</a:t>
+            </a:r>
+          </a:p>
+          <a:p>
+            <a:pPr>
+              <a:defRPr sz="1400"/>
+            </a:pPr>
+            <a:r>
+              <a:rPr sz="1400" dirty="0"/>
               <a:t>Creative fatigue detected due to CTR drop while impressions remain stable.</a:t>
             </a:r>
           </a:p>
@@ -5426,22 +5758,25 @@
               <a:defRPr sz="1400"/>
             </a:pPr>
             <a:r>
-              <a:t>Foot traffic decrease associated with rising temperature.</a:t>
-            </a:r>
-          </a:p>
-          <a:p>
-            <a:pPr>
-              <a:defRPr sz="1400"/>
-            </a:pPr>
-            <a:r>
-              <a:t>Conversion efficiency increased: revenue rising faster than impressions.</a:t>
-            </a:r>
-          </a:p>
-          <a:p>
-            <a:pPr>
-              <a:defRPr sz="1400"/>
-            </a:pPr>
-            <a:r>
+              <a:rPr sz="1400" dirty="0"/>
+              <a:t>Foot traffic decrease associated with rising temperature.</a:t>
+            </a:r>
+          </a:p>
+          <a:p>
+            <a:pPr>
+              <a:defRPr sz="1400"/>
+            </a:pPr>
+            <a:r>
+              <a:rPr sz="1400" dirty="0"/>
+              <a:t>Conversion efficiency increased: revenue rising faster than impressions.</a:t>
+            </a:r>
+          </a:p>
+          <a:p>
+            <a:pPr>
+              <a:defRPr sz="1400"/>
+            </a:pPr>
+            <a:r>
+              <a:rPr sz="1400" dirty="0"/>
               <a:t>Creative fatigue detected due to CTR drop while impressions remain stable.</a:t>
             </a:r>
           </a:p>
@@ -5450,14 +5785,16 @@
               <a:defRPr sz="1400"/>
             </a:pPr>
             <a:r>
-              <a:t>Foot traffic decrease associated with rising temperature.</a:t>
-            </a:r>
-          </a:p>
-          <a:p>
-            <a:pPr>
-              <a:defRPr sz="1400"/>
-            </a:pPr>
-            <a:r>
+              <a:rPr sz="1400" dirty="0"/>
+              <a:t>Foot traffic decrease associated with rising temperature.</a:t>
+            </a:r>
+          </a:p>
+          <a:p>
+            <a:pPr>
+              <a:defRPr sz="1400"/>
+            </a:pPr>
+            <a:r>
+              <a:rPr sz="1400" dirty="0"/>
               <a:t>Creative fatigue detected due to CTR drop while impressions remain stable.</a:t>
             </a:r>
           </a:p>
@@ -5466,30 +5803,34 @@
               <a:defRPr sz="1400"/>
             </a:pPr>
             <a:r>
-              <a:t>Conversion efficiency increased: revenue rising faster than impressions.</a:t>
-            </a:r>
-          </a:p>
-          <a:p>
-            <a:pPr>
-              <a:defRPr sz="1400"/>
-            </a:pPr>
-            <a:r>
-              <a:t>Conversion efficiency increased: revenue rising faster than impressions.</a:t>
-            </a:r>
-          </a:p>
-          <a:p>
-            <a:pPr>
-              <a:defRPr sz="1400"/>
-            </a:pPr>
-            <a:r>
-              <a:t>Conversion efficiency increased: revenue rising faster than impressions.</a:t>
-            </a:r>
-          </a:p>
-          <a:p>
-            <a:pPr>
-              <a:defRPr sz="1400"/>
-            </a:pPr>
-            <a:r>
+              <a:rPr sz="1400" dirty="0"/>
+              <a:t>Conversion efficiency increased: revenue rising faster than impressions.</a:t>
+            </a:r>
+          </a:p>
+          <a:p>
+            <a:pPr>
+              <a:defRPr sz="1400"/>
+            </a:pPr>
+            <a:r>
+              <a:rPr sz="1400" dirty="0"/>
+              <a:t>Conversion efficiency increased: revenue rising faster than impressions.</a:t>
+            </a:r>
+          </a:p>
+          <a:p>
+            <a:pPr>
+              <a:defRPr sz="1400"/>
+            </a:pPr>
+            <a:r>
+              <a:rPr sz="1400" dirty="0"/>
+              <a:t>Conversion efficiency increased: revenue rising faster than impressions.</a:t>
+            </a:r>
+          </a:p>
+          <a:p>
+            <a:pPr>
+              <a:defRPr sz="1400"/>
+            </a:pPr>
+            <a:r>
+              <a:rPr sz="1400" dirty="0"/>
               <a:t>Creative fatigue detected due to CTR drop while impressions remain stable.</a:t>
             </a:r>
           </a:p>
@@ -5498,46 +5839,52 @@
               <a:defRPr sz="1400"/>
             </a:pPr>
             <a:r>
-              <a:t>Conversion efficiency increased: revenue rising faster than impressions.</a:t>
-            </a:r>
-          </a:p>
-          <a:p>
-            <a:pPr>
-              <a:defRPr sz="1400"/>
-            </a:pPr>
-            <a:r>
-              <a:t>Foot traffic decrease associated with rising temperature.</a:t>
-            </a:r>
-          </a:p>
-          <a:p>
-            <a:pPr>
-              <a:defRPr sz="1400"/>
-            </a:pPr>
-            <a:r>
-              <a:t>Conversion efficiency increased: revenue rising faster than impressions.</a:t>
-            </a:r>
-          </a:p>
-          <a:p>
-            <a:pPr>
-              <a:defRPr sz="1400"/>
-            </a:pPr>
-            <a:r>
-              <a:t>Foot traffic decrease associated with rising temperature.</a:t>
-            </a:r>
-          </a:p>
-          <a:p>
-            <a:pPr>
-              <a:defRPr sz="1400"/>
-            </a:pPr>
-            <a:r>
-              <a:t>Conversion efficiency increased: revenue rising faster than impressions.</a:t>
-            </a:r>
-          </a:p>
-          <a:p>
-            <a:pPr>
-              <a:defRPr sz="1400"/>
-            </a:pPr>
-            <a:r>
+              <a:rPr sz="1400" dirty="0"/>
+              <a:t>Conversion efficiency increased: revenue rising faster than impressions.</a:t>
+            </a:r>
+          </a:p>
+          <a:p>
+            <a:pPr>
+              <a:defRPr sz="1400"/>
+            </a:pPr>
+            <a:r>
+              <a:rPr sz="1400" dirty="0"/>
+              <a:t>Foot traffic decrease associated with rising temperature.</a:t>
+            </a:r>
+          </a:p>
+          <a:p>
+            <a:pPr>
+              <a:defRPr sz="1400"/>
+            </a:pPr>
+            <a:r>
+              <a:rPr sz="1400" dirty="0"/>
+              <a:t>Conversion efficiency increased: revenue rising faster than impressions.</a:t>
+            </a:r>
+          </a:p>
+          <a:p>
+            <a:pPr>
+              <a:defRPr sz="1400"/>
+            </a:pPr>
+            <a:r>
+              <a:rPr sz="1400" dirty="0"/>
+              <a:t>Foot traffic decrease associated with rising temperature.</a:t>
+            </a:r>
+          </a:p>
+          <a:p>
+            <a:pPr>
+              <a:defRPr sz="1400"/>
+            </a:pPr>
+            <a:r>
+              <a:rPr sz="1400" dirty="0"/>
+              <a:t>Conversion efficiency increased: revenue rising faster than impressions.</a:t>
+            </a:r>
+          </a:p>
+          <a:p>
+            <a:pPr>
+              <a:defRPr sz="1400"/>
+            </a:pPr>
+            <a:r>
+              <a:rPr sz="1400" dirty="0"/>
               <a:t>Creative fatigue detected due to CTR drop while impressions remain stable.</a:t>
             </a:r>
           </a:p>
@@ -5546,102 +5893,115 @@
               <a:defRPr sz="1400"/>
             </a:pPr>
             <a:r>
-              <a:t>Conversion efficiency increased: revenue rising faster than impressions.</a:t>
-            </a:r>
-          </a:p>
-          <a:p>
-            <a:pPr>
-              <a:defRPr sz="1400"/>
-            </a:pPr>
-            <a:r>
-              <a:t>Conversion efficiency increased: revenue rising faster than impressions.</a:t>
-            </a:r>
-          </a:p>
-          <a:p>
-            <a:pPr>
-              <a:defRPr sz="1400"/>
-            </a:pPr>
-            <a:r>
-              <a:t>Foot traffic decrease associated with rising temperature.</a:t>
-            </a:r>
-          </a:p>
-          <a:p>
-            <a:pPr>
-              <a:defRPr sz="1400"/>
-            </a:pPr>
-            <a:r>
-              <a:t>Conversion efficiency increased: revenue rising faster than impressions.</a:t>
-            </a:r>
-          </a:p>
-          <a:p>
-            <a:pPr>
-              <a:defRPr sz="1400"/>
-            </a:pPr>
-            <a:r>
-              <a:t>Foot traffic decrease associated with rising temperature.</a:t>
-            </a:r>
-          </a:p>
-          <a:p>
-            <a:pPr>
-              <a:defRPr sz="1400"/>
-            </a:pPr>
-            <a:r>
-              <a:t>Foot traffic decrease associated with rising temperature.</a:t>
-            </a:r>
-          </a:p>
-          <a:p>
-            <a:pPr>
-              <a:defRPr sz="1400"/>
-            </a:pPr>
-            <a:r>
-              <a:t>Foot traffic decrease associated with rising temperature.</a:t>
-            </a:r>
-          </a:p>
-          <a:p>
-            <a:pPr>
-              <a:defRPr sz="1400"/>
-            </a:pPr>
-            <a:r>
-              <a:t>Foot traffic decrease associated with rising temperature.</a:t>
-            </a:r>
-          </a:p>
-          <a:p>
-            <a:pPr>
-              <a:defRPr sz="1400"/>
-            </a:pPr>
-            <a:r>
-              <a:t>Conversion efficiency increased: revenue rising faster than impressions.</a:t>
-            </a:r>
-          </a:p>
-          <a:p>
-            <a:pPr>
-              <a:defRPr sz="1400"/>
-            </a:pPr>
-            <a:r>
-              <a:t>Foot traffic decrease associated with rising temperature.</a:t>
-            </a:r>
-          </a:p>
-          <a:p>
-            <a:pPr>
-              <a:defRPr sz="1400"/>
-            </a:pPr>
-            <a:r>
-              <a:t>Conversion efficiency increased: revenue rising faster than impressions.</a:t>
-            </a:r>
-          </a:p>
-          <a:p>
-            <a:pPr>
-              <a:defRPr sz="1400"/>
-            </a:pPr>
-            <a:r>
-              <a:t>Conversion efficiency increased: revenue rising faster than impressions.</a:t>
-            </a:r>
-          </a:p>
-          <a:p>
-            <a:pPr>
-              <a:defRPr sz="1400"/>
-            </a:pPr>
-            <a:r>
+              <a:rPr sz="1400" dirty="0"/>
+              <a:t>Conversion efficiency increased: revenue rising faster than impressions.</a:t>
+            </a:r>
+          </a:p>
+          <a:p>
+            <a:pPr>
+              <a:defRPr sz="1400"/>
+            </a:pPr>
+            <a:r>
+              <a:rPr sz="1400" dirty="0"/>
+              <a:t>Conversion efficiency increased: revenue rising faster than impressions.</a:t>
+            </a:r>
+          </a:p>
+          <a:p>
+            <a:pPr>
+              <a:defRPr sz="1400"/>
+            </a:pPr>
+            <a:r>
+              <a:rPr sz="1400" dirty="0"/>
+              <a:t>Foot traffic decrease associated with rising temperature.</a:t>
+            </a:r>
+          </a:p>
+          <a:p>
+            <a:pPr>
+              <a:defRPr sz="1400"/>
+            </a:pPr>
+            <a:r>
+              <a:rPr sz="1400" dirty="0"/>
+              <a:t>Conversion efficiency increased: revenue rising faster than impressions.</a:t>
+            </a:r>
+          </a:p>
+          <a:p>
+            <a:pPr>
+              <a:defRPr sz="1400"/>
+            </a:pPr>
+            <a:r>
+              <a:rPr sz="1400" dirty="0"/>
+              <a:t>Foot traffic decrease associated with rising temperature.</a:t>
+            </a:r>
+          </a:p>
+          <a:p>
+            <a:pPr>
+              <a:defRPr sz="1400"/>
+            </a:pPr>
+            <a:r>
+              <a:rPr sz="1400" dirty="0"/>
+              <a:t>Foot traffic decrease associated with rising temperature.</a:t>
+            </a:r>
+          </a:p>
+          <a:p>
+            <a:pPr>
+              <a:defRPr sz="1400"/>
+            </a:pPr>
+            <a:r>
+              <a:rPr sz="1400" dirty="0"/>
+              <a:t>Foot traffic decrease associated with rising temperature.</a:t>
+            </a:r>
+          </a:p>
+          <a:p>
+            <a:pPr>
+              <a:defRPr sz="1400"/>
+            </a:pPr>
+            <a:r>
+              <a:rPr sz="1400" dirty="0"/>
+              <a:t>Foot traffic decrease associated with rising temperature.</a:t>
+            </a:r>
+          </a:p>
+          <a:p>
+            <a:pPr>
+              <a:defRPr sz="1400"/>
+            </a:pPr>
+            <a:r>
+              <a:rPr sz="1400" dirty="0"/>
+              <a:t>Conversion efficiency increased: revenue rising faster than impressions.</a:t>
+            </a:r>
+          </a:p>
+          <a:p>
+            <a:pPr>
+              <a:defRPr sz="1400"/>
+            </a:pPr>
+            <a:r>
+              <a:rPr sz="1400" dirty="0"/>
+              <a:t>Foot traffic decrease associated with rising temperature.</a:t>
+            </a:r>
+          </a:p>
+          <a:p>
+            <a:pPr>
+              <a:defRPr sz="1400"/>
+            </a:pPr>
+            <a:r>
+              <a:rPr sz="1400" dirty="0"/>
+              <a:t>Conversion efficiency increased: revenue rising faster than impressions.</a:t>
+            </a:r>
+          </a:p>
+          <a:p>
+            <a:pPr>
+              <a:defRPr sz="1400"/>
+            </a:pPr>
+            <a:r>
+              <a:rPr sz="1400" dirty="0"/>
+              <a:t>Conversion efficiency increased: revenue rising faster than impressions.</a:t>
+            </a:r>
+          </a:p>
+          <a:p>
+            <a:pPr>
+              <a:defRPr sz="1400"/>
+            </a:pPr>
+            <a:r>
+              <a:rPr sz="1400" dirty="0"/>
               <a:t>Creative fatigue detected due to CTR drop while impressions remain stable.</a:t>
             </a:r>
           </a:p>
@@ -5650,22 +6010,25 @@
               <a:defRPr sz="1400"/>
             </a:pPr>
             <a:r>
-              <a:t>Foot traffic decrease associated with rising temperature.</a:t>
-            </a:r>
-          </a:p>
-          <a:p>
-            <a:pPr>
-              <a:defRPr sz="1400"/>
-            </a:pPr>
-            <a:r>
-              <a:t>Foot traffic decrease associated with rising temperature.</a:t>
-            </a:r>
-          </a:p>
-          <a:p>
-            <a:pPr>
-              <a:defRPr sz="1400"/>
-            </a:pPr>
-            <a:r>
+              <a:rPr sz="1400" dirty="0"/>
+              <a:t>Foot traffic decrease associated with rising temperature.</a:t>
+            </a:r>
+          </a:p>
+          <a:p>
+            <a:pPr>
+              <a:defRPr sz="1400"/>
+            </a:pPr>
+            <a:r>
+              <a:rPr sz="1400" dirty="0"/>
+              <a:t>Foot traffic decrease associated with rising temperature.</a:t>
+            </a:r>
+          </a:p>
+          <a:p>
+            <a:pPr>
+              <a:defRPr sz="1400"/>
+            </a:pPr>
+            <a:r>
+              <a:rPr sz="1400" dirty="0"/>
               <a:t>Creative fatigue detected due to CTR drop while impressions remain stable.</a:t>
             </a:r>
           </a:p>
@@ -5674,22 +6037,25 @@
               <a:defRPr sz="1400"/>
             </a:pPr>
             <a:r>
-              <a:t>Foot traffic decrease associated with rising temperature.</a:t>
-            </a:r>
-          </a:p>
-          <a:p>
-            <a:pPr>
-              <a:defRPr sz="1400"/>
-            </a:pPr>
-            <a:r>
-              <a:t>Foot traffic decrease associated with rising temperature.</a:t>
-            </a:r>
-          </a:p>
-          <a:p>
-            <a:pPr>
-              <a:defRPr sz="1400"/>
-            </a:pPr>
-            <a:r>
+              <a:rPr sz="1400" dirty="0"/>
+              <a:t>Foot traffic decrease associated with rising temperature.</a:t>
+            </a:r>
+          </a:p>
+          <a:p>
+            <a:pPr>
+              <a:defRPr sz="1400"/>
+            </a:pPr>
+            <a:r>
+              <a:rPr sz="1400" dirty="0"/>
+              <a:t>Foot traffic decrease associated with rising temperature.</a:t>
+            </a:r>
+          </a:p>
+          <a:p>
+            <a:pPr>
+              <a:defRPr sz="1400"/>
+            </a:pPr>
+            <a:r>
+              <a:rPr sz="1400" dirty="0"/>
               <a:t>Creative fatigue detected due to CTR drop while impressions remain stable.</a:t>
             </a:r>
           </a:p>
@@ -5698,22 +6064,25 @@
               <a:defRPr sz="1400"/>
             </a:pPr>
             <a:r>
-              <a:t>Conversion efficiency increased: revenue rising faster than impressions.</a:t>
-            </a:r>
-          </a:p>
-          <a:p>
-            <a:pPr>
-              <a:defRPr sz="1400"/>
-            </a:pPr>
-            <a:r>
-              <a:t>Foot traffic decrease associated with rising temperature.</a:t>
-            </a:r>
-          </a:p>
-          <a:p>
-            <a:pPr>
-              <a:defRPr sz="1400"/>
-            </a:pPr>
-            <a:r>
+              <a:rPr sz="1400" dirty="0"/>
+              <a:t>Conversion efficiency increased: revenue rising faster than impressions.</a:t>
+            </a:r>
+          </a:p>
+          <a:p>
+            <a:pPr>
+              <a:defRPr sz="1400"/>
+            </a:pPr>
+            <a:r>
+              <a:rPr sz="1400" dirty="0"/>
+              <a:t>Foot traffic decrease associated with rising temperature.</a:t>
+            </a:r>
+          </a:p>
+          <a:p>
+            <a:pPr>
+              <a:defRPr sz="1400"/>
+            </a:pPr>
+            <a:r>
+              <a:rPr sz="1400" dirty="0"/>
               <a:t>Creative fatigue detected due to CTR drop while impressions remain stable.</a:t>
             </a:r>
           </a:p>
@@ -5722,38 +6091,43 @@
               <a:defRPr sz="1400"/>
             </a:pPr>
             <a:r>
-              <a:t>Foot traffic decrease associated with rising temperature.</a:t>
-            </a:r>
-          </a:p>
-          <a:p>
-            <a:pPr>
-              <a:defRPr sz="1400"/>
-            </a:pPr>
-            <a:r>
-              <a:t>Conversion efficiency increased: revenue rising faster than impressions.</a:t>
-            </a:r>
-          </a:p>
-          <a:p>
-            <a:pPr>
-              <a:defRPr sz="1400"/>
-            </a:pPr>
-            <a:r>
-              <a:t>Conversion efficiency increased: revenue rising faster than impressions.</a:t>
-            </a:r>
-          </a:p>
-          <a:p>
-            <a:pPr>
-              <a:defRPr sz="1400"/>
-            </a:pPr>
-            <a:r>
-              <a:t>Conversion efficiency increased: revenue rising faster than impressions.</a:t>
-            </a:r>
-          </a:p>
-          <a:p>
-            <a:pPr>
-              <a:defRPr sz="1400"/>
-            </a:pPr>
-            <a:r>
+              <a:rPr sz="1400" dirty="0"/>
+              <a:t>Foot traffic decrease associated with rising temperature.</a:t>
+            </a:r>
+          </a:p>
+          <a:p>
+            <a:pPr>
+              <a:defRPr sz="1400"/>
+            </a:pPr>
+            <a:r>
+              <a:rPr sz="1400" dirty="0"/>
+              <a:t>Conversion efficiency increased: revenue rising faster than impressions.</a:t>
+            </a:r>
+          </a:p>
+          <a:p>
+            <a:pPr>
+              <a:defRPr sz="1400"/>
+            </a:pPr>
+            <a:r>
+              <a:rPr sz="1400" dirty="0"/>
+              <a:t>Conversion efficiency increased: revenue rising faster than impressions.</a:t>
+            </a:r>
+          </a:p>
+          <a:p>
+            <a:pPr>
+              <a:defRPr sz="1400"/>
+            </a:pPr>
+            <a:r>
+              <a:rPr sz="1400" dirty="0"/>
+              <a:t>Conversion efficiency increased: revenue rising faster than impressions.</a:t>
+            </a:r>
+          </a:p>
+          <a:p>
+            <a:pPr>
+              <a:defRPr sz="1400"/>
+            </a:pPr>
+            <a:r>
+              <a:rPr sz="1400" dirty="0"/>
               <a:t>Creative fatigue detected due to CTR drop while impressions remain stable.</a:t>
             </a:r>
           </a:p>
@@ -5762,102 +6136,115 @@
               <a:defRPr sz="1400"/>
             </a:pPr>
             <a:r>
-              <a:t>Conversion efficiency increased: revenue rising faster than impressions.</a:t>
-            </a:r>
-          </a:p>
-          <a:p>
-            <a:pPr>
-              <a:defRPr sz="1400"/>
-            </a:pPr>
-            <a:r>
-              <a:t>Conversion efficiency increased: revenue rising faster than impressions.</a:t>
-            </a:r>
-          </a:p>
-          <a:p>
-            <a:pPr>
-              <a:defRPr sz="1400"/>
-            </a:pPr>
-            <a:r>
-              <a:t>Foot traffic decrease associated with rising temperature.</a:t>
-            </a:r>
-          </a:p>
-          <a:p>
-            <a:pPr>
-              <a:defRPr sz="1400"/>
-            </a:pPr>
-            <a:r>
-              <a:t>Conversion efficiency increased: revenue rising faster than impressions.</a:t>
-            </a:r>
-          </a:p>
-          <a:p>
-            <a:pPr>
-              <a:defRPr sz="1400"/>
-            </a:pPr>
-            <a:r>
-              <a:t>Foot traffic decrease associated with rising temperature.</a:t>
-            </a:r>
-          </a:p>
-          <a:p>
-            <a:pPr>
-              <a:defRPr sz="1400"/>
-            </a:pPr>
-            <a:r>
-              <a:t>Foot traffic decrease associated with rising temperature.</a:t>
-            </a:r>
-          </a:p>
-          <a:p>
-            <a:pPr>
-              <a:defRPr sz="1400"/>
-            </a:pPr>
-            <a:r>
-              <a:t>Conversion efficiency increased: revenue rising faster than impressions.</a:t>
-            </a:r>
-          </a:p>
-          <a:p>
-            <a:pPr>
-              <a:defRPr sz="1400"/>
-            </a:pPr>
-            <a:r>
-              <a:t>Foot traffic decrease associated with rising temperature.</a:t>
-            </a:r>
-          </a:p>
-          <a:p>
-            <a:pPr>
-              <a:defRPr sz="1400"/>
-            </a:pPr>
-            <a:r>
-              <a:t>Conversion efficiency increased: revenue rising faster than impressions.</a:t>
-            </a:r>
-          </a:p>
-          <a:p>
-            <a:pPr>
-              <a:defRPr sz="1400"/>
-            </a:pPr>
-            <a:r>
-              <a:t>Foot traffic decrease associated with rising temperature.</a:t>
-            </a:r>
-          </a:p>
-          <a:p>
-            <a:pPr>
-              <a:defRPr sz="1400"/>
-            </a:pPr>
-            <a:r>
-              <a:t>Foot traffic decrease associated with rising temperature.</a:t>
-            </a:r>
-          </a:p>
-          <a:p>
-            <a:pPr>
-              <a:defRPr sz="1400"/>
-            </a:pPr>
-            <a:r>
-              <a:t>Conversion efficiency increased: revenue rising faster than impressions.</a:t>
-            </a:r>
-          </a:p>
-          <a:p>
-            <a:pPr>
-              <a:defRPr sz="1400"/>
-            </a:pPr>
-            <a:r>
+              <a:rPr sz="1400" dirty="0"/>
+              <a:t>Conversion efficiency increased: revenue rising faster than impressions.</a:t>
+            </a:r>
+          </a:p>
+          <a:p>
+            <a:pPr>
+              <a:defRPr sz="1400"/>
+            </a:pPr>
+            <a:r>
+              <a:rPr sz="1400" dirty="0"/>
+              <a:t>Conversion efficiency increased: revenue rising faster than impressions.</a:t>
+            </a:r>
+          </a:p>
+          <a:p>
+            <a:pPr>
+              <a:defRPr sz="1400"/>
+            </a:pPr>
+            <a:r>
+              <a:rPr sz="1400" dirty="0"/>
+              <a:t>Foot traffic decrease associated with rising temperature.</a:t>
+            </a:r>
+          </a:p>
+          <a:p>
+            <a:pPr>
+              <a:defRPr sz="1400"/>
+            </a:pPr>
+            <a:r>
+              <a:rPr sz="1400" dirty="0"/>
+              <a:t>Conversion efficiency increased: revenue rising faster than impressions.</a:t>
+            </a:r>
+          </a:p>
+          <a:p>
+            <a:pPr>
+              <a:defRPr sz="1400"/>
+            </a:pPr>
+            <a:r>
+              <a:rPr sz="1400" dirty="0"/>
+              <a:t>Foot traffic decrease associated with rising temperature.</a:t>
+            </a:r>
+          </a:p>
+          <a:p>
+            <a:pPr>
+              <a:defRPr sz="1400"/>
+            </a:pPr>
+            <a:r>
+              <a:rPr sz="1400" dirty="0"/>
+              <a:t>Foot traffic decrease associated with rising temperature.</a:t>
+            </a:r>
+          </a:p>
+          <a:p>
+            <a:pPr>
+              <a:defRPr sz="1400"/>
+            </a:pPr>
+            <a:r>
+              <a:rPr sz="1400" dirty="0"/>
+              <a:t>Conversion efficiency increased: revenue rising faster than impressions.</a:t>
+            </a:r>
+          </a:p>
+          <a:p>
+            <a:pPr>
+              <a:defRPr sz="1400"/>
+            </a:pPr>
+            <a:r>
+              <a:rPr sz="1400" dirty="0"/>
+              <a:t>Foot traffic decrease associated with rising temperature.</a:t>
+            </a:r>
+          </a:p>
+          <a:p>
+            <a:pPr>
+              <a:defRPr sz="1400"/>
+            </a:pPr>
+            <a:r>
+              <a:rPr sz="1400" dirty="0"/>
+              <a:t>Conversion efficiency increased: revenue rising faster than impressions.</a:t>
+            </a:r>
+          </a:p>
+          <a:p>
+            <a:pPr>
+              <a:defRPr sz="1400"/>
+            </a:pPr>
+            <a:r>
+              <a:rPr sz="1400" dirty="0"/>
+              <a:t>Foot traffic decrease associated with rising temperature.</a:t>
+            </a:r>
+          </a:p>
+          <a:p>
+            <a:pPr>
+              <a:defRPr sz="1400"/>
+            </a:pPr>
+            <a:r>
+              <a:rPr sz="1400" dirty="0"/>
+              <a:t>Foot traffic decrease associated with rising temperature.</a:t>
+            </a:r>
+          </a:p>
+          <a:p>
+            <a:pPr>
+              <a:defRPr sz="1400"/>
+            </a:pPr>
+            <a:r>
+              <a:rPr sz="1400" dirty="0"/>
+              <a:t>Conversion efficiency increased: revenue rising faster than impressions.</a:t>
+            </a:r>
+          </a:p>
+          <a:p>
+            <a:pPr>
+              <a:defRPr sz="1400"/>
+            </a:pPr>
+            <a:r>
+              <a:rPr sz="1400" dirty="0"/>
               <a:t>Creative fatigue detected due to CTR drop while impressions remain stable.</a:t>
             </a:r>
           </a:p>
@@ -5866,6 +6253,7 @@
               <a:defRPr sz="1400"/>
             </a:pPr>
             <a:r>
+              <a:rPr sz="1400" dirty="0"/>
               <a:t>Creative fatigue detected due to CTR drop while impressions remain stable.</a:t>
             </a:r>
           </a:p>
@@ -5874,30 +6262,34 @@
               <a:defRPr sz="1400"/>
             </a:pPr>
             <a:r>
-              <a:t>Foot traffic decrease associated with rising temperature.</a:t>
-            </a:r>
-          </a:p>
-          <a:p>
-            <a:pPr>
-              <a:defRPr sz="1400"/>
-            </a:pPr>
-            <a:r>
-              <a:t>Foot traffic decrease associated with rising temperature.</a:t>
-            </a:r>
-          </a:p>
-          <a:p>
-            <a:pPr>
-              <a:defRPr sz="1400"/>
-            </a:pPr>
-            <a:r>
-              <a:t>Foot traffic decrease associated with rising temperature.</a:t>
-            </a:r>
-          </a:p>
-          <a:p>
-            <a:pPr>
-              <a:defRPr sz="1400"/>
-            </a:pPr>
-            <a:r>
+              <a:rPr sz="1400" dirty="0"/>
+              <a:t>Foot traffic decrease associated with rising temperature.</a:t>
+            </a:r>
+          </a:p>
+          <a:p>
+            <a:pPr>
+              <a:defRPr sz="1400"/>
+            </a:pPr>
+            <a:r>
+              <a:rPr sz="1400" dirty="0"/>
+              <a:t>Foot traffic decrease associated with rising temperature.</a:t>
+            </a:r>
+          </a:p>
+          <a:p>
+            <a:pPr>
+              <a:defRPr sz="1400"/>
+            </a:pPr>
+            <a:r>
+              <a:rPr sz="1400" dirty="0"/>
+              <a:t>Foot traffic decrease associated with rising temperature.</a:t>
+            </a:r>
+          </a:p>
+          <a:p>
+            <a:pPr>
+              <a:defRPr sz="1400"/>
+            </a:pPr>
+            <a:r>
+              <a:rPr sz="1400" dirty="0"/>
               <a:t>Creative fatigue detected due to CTR drop while impressions remain stable.</a:t>
             </a:r>
           </a:p>
@@ -5906,286 +6298,322 @@
               <a:defRPr sz="1400"/>
             </a:pPr>
             <a:r>
-              <a:t>Conversion efficiency increased: revenue rising faster than impressions.</a:t>
-            </a:r>
-          </a:p>
-          <a:p>
-            <a:pPr>
-              <a:defRPr sz="1400"/>
-            </a:pPr>
-            <a:r>
-              <a:t>Foot traffic decrease associated with rising temperature.</a:t>
-            </a:r>
-          </a:p>
-          <a:p>
-            <a:pPr>
-              <a:defRPr sz="1400"/>
-            </a:pPr>
-            <a:r>
-              <a:t>Conversion efficiency increased: revenue rising faster than impressions.</a:t>
-            </a:r>
-          </a:p>
-          <a:p>
-            <a:pPr>
-              <a:defRPr sz="1400"/>
-            </a:pPr>
-            <a:r>
-              <a:t>Foot traffic decrease associated with rising temperature.</a:t>
-            </a:r>
-          </a:p>
-          <a:p>
-            <a:pPr>
-              <a:defRPr sz="1400"/>
-            </a:pPr>
-            <a:r>
-              <a:t>Conversion efficiency increased: revenue rising faster than impressions.</a:t>
-            </a:r>
-          </a:p>
-          <a:p>
-            <a:pPr>
-              <a:defRPr sz="1400"/>
-            </a:pPr>
-            <a:r>
-              <a:t>Foot traffic decrease associated with rising temperature.</a:t>
-            </a:r>
-          </a:p>
-          <a:p>
-            <a:pPr>
-              <a:defRPr sz="1400"/>
-            </a:pPr>
-            <a:r>
-              <a:t>Conversion efficiency increased: revenue rising faster than impressions.</a:t>
-            </a:r>
-          </a:p>
-          <a:p>
-            <a:pPr>
-              <a:defRPr sz="1400"/>
-            </a:pPr>
-            <a:r>
-              <a:t>Foot traffic decrease associated with rising temperature.</a:t>
-            </a:r>
-          </a:p>
-          <a:p>
-            <a:pPr>
-              <a:defRPr sz="1400"/>
-            </a:pPr>
-            <a:r>
-              <a:t>Conversion efficiency increased: revenue rising faster than impressions.</a:t>
-            </a:r>
-          </a:p>
-          <a:p>
-            <a:pPr>
-              <a:defRPr sz="1400"/>
-            </a:pPr>
-            <a:r>
-              <a:t>Foot traffic decrease associated with rising temperature.</a:t>
-            </a:r>
-          </a:p>
-          <a:p>
-            <a:pPr>
-              <a:defRPr sz="1400"/>
-            </a:pPr>
-            <a:r>
-              <a:t>Foot traffic decrease associated with rising temperature.</a:t>
-            </a:r>
-          </a:p>
-          <a:p>
-            <a:pPr>
-              <a:defRPr sz="1400"/>
-            </a:pPr>
-            <a:r>
-              <a:t>Conversion efficiency increased: revenue rising faster than impressions.</a:t>
-            </a:r>
-          </a:p>
-          <a:p>
-            <a:pPr>
-              <a:defRPr sz="1400"/>
-            </a:pPr>
-            <a:r>
-              <a:t>Conversion efficiency increased: revenue rising faster than impressions.</a:t>
-            </a:r>
-          </a:p>
-          <a:p>
-            <a:pPr>
-              <a:defRPr sz="1400"/>
-            </a:pPr>
-            <a:r>
-              <a:t>Foot traffic decrease associated with rising temperature.</a:t>
-            </a:r>
-          </a:p>
-          <a:p>
-            <a:pPr>
-              <a:defRPr sz="1400"/>
-            </a:pPr>
-            <a:r>
-              <a:t>Conversion efficiency increased: revenue rising faster than impressions.</a:t>
-            </a:r>
-          </a:p>
-          <a:p>
-            <a:pPr>
-              <a:defRPr sz="1400"/>
-            </a:pPr>
-            <a:r>
-              <a:t>Conversion efficiency increased: revenue rising faster than impressions.</a:t>
-            </a:r>
-          </a:p>
-          <a:p>
-            <a:pPr>
-              <a:defRPr sz="1400"/>
-            </a:pPr>
-            <a:r>
-              <a:t>Conversion efficiency increased: revenue rising faster than impressions.</a:t>
-            </a:r>
-          </a:p>
-          <a:p>
-            <a:pPr>
-              <a:defRPr sz="1400"/>
-            </a:pPr>
-            <a:r>
-              <a:t>Conversion efficiency increased: revenue rising faster than impressions.</a:t>
-            </a:r>
-          </a:p>
-          <a:p>
-            <a:pPr>
-              <a:defRPr sz="1400"/>
-            </a:pPr>
-            <a:r>
-              <a:t>Foot traffic decrease associated with rising temperature.</a:t>
-            </a:r>
-          </a:p>
-          <a:p>
-            <a:pPr>
-              <a:defRPr sz="1400"/>
-            </a:pPr>
-            <a:r>
-              <a:t>Conversion efficiency increased: revenue rising faster than impressions.</a:t>
-            </a:r>
-          </a:p>
-          <a:p>
-            <a:pPr>
-              <a:defRPr sz="1400"/>
-            </a:pPr>
-            <a:r>
-              <a:t>Conversion efficiency increased: revenue rising faster than impressions.</a:t>
-            </a:r>
-          </a:p>
-          <a:p>
-            <a:pPr>
-              <a:defRPr sz="1400"/>
-            </a:pPr>
-            <a:r>
-              <a:t>Conversion efficiency increased: revenue rising faster than impressions.</a:t>
-            </a:r>
-          </a:p>
-          <a:p>
-            <a:pPr>
-              <a:defRPr sz="1400"/>
-            </a:pPr>
-            <a:r>
-              <a:t>Foot traffic decrease associated with rising temperature.</a:t>
-            </a:r>
-          </a:p>
-          <a:p>
-            <a:pPr>
-              <a:defRPr sz="1400"/>
-            </a:pPr>
-            <a:r>
-              <a:t>Foot traffic decrease associated with rising temperature.</a:t>
-            </a:r>
-          </a:p>
-          <a:p>
-            <a:pPr>
-              <a:defRPr sz="1400"/>
-            </a:pPr>
-            <a:r>
-              <a:t>Conversion efficiency increased: revenue rising faster than impressions.</a:t>
-            </a:r>
-          </a:p>
-          <a:p>
-            <a:pPr>
-              <a:defRPr sz="1400"/>
-            </a:pPr>
-            <a:r>
-              <a:t>Foot traffic decrease associated with rising temperature.</a:t>
-            </a:r>
-          </a:p>
-          <a:p>
-            <a:pPr>
-              <a:defRPr sz="1400"/>
-            </a:pPr>
-            <a:r>
-              <a:t>Foot traffic decrease associated with rising temperature.</a:t>
-            </a:r>
-          </a:p>
-          <a:p>
-            <a:pPr>
-              <a:defRPr sz="1400"/>
-            </a:pPr>
-            <a:r>
-              <a:t>Conversion efficiency increased: revenue rising faster than impressions.</a:t>
-            </a:r>
-          </a:p>
-          <a:p>
-            <a:pPr>
-              <a:defRPr sz="1400"/>
-            </a:pPr>
-            <a:r>
-              <a:t>Foot traffic decrease associated with rising temperature.</a:t>
-            </a:r>
-          </a:p>
-          <a:p>
-            <a:pPr>
-              <a:defRPr sz="1400"/>
-            </a:pPr>
-            <a:r>
-              <a:t>Conversion efficiency increased: revenue rising faster than impressions.</a:t>
-            </a:r>
-          </a:p>
-          <a:p>
-            <a:pPr>
-              <a:defRPr sz="1400"/>
-            </a:pPr>
-            <a:r>
-              <a:t>Conversion efficiency increased: revenue rising faster than impressions.</a:t>
-            </a:r>
-          </a:p>
-          <a:p>
-            <a:pPr>
-              <a:defRPr sz="1400"/>
-            </a:pPr>
-            <a:r>
-              <a:t>Conversion efficiency increased: revenue rising faster than impressions.</a:t>
-            </a:r>
-          </a:p>
-          <a:p>
-            <a:pPr>
-              <a:defRPr sz="1400"/>
-            </a:pPr>
-            <a:r>
-              <a:t>Foot traffic decrease associated with rising temperature.</a:t>
-            </a:r>
-          </a:p>
-          <a:p>
-            <a:pPr>
-              <a:defRPr sz="1400"/>
-            </a:pPr>
-            <a:r>
-              <a:t>Conversion efficiency increased: revenue rising faster than impressions.</a:t>
-            </a:r>
-          </a:p>
-          <a:p>
-            <a:pPr>
-              <a:defRPr sz="1400"/>
-            </a:pPr>
-            <a:r>
-              <a:t>Foot traffic decrease associated with rising temperature.</a:t>
-            </a:r>
-          </a:p>
-          <a:p>
-            <a:pPr>
-              <a:defRPr sz="1400"/>
-            </a:pPr>
-            <a:r>
+              <a:rPr sz="1400" dirty="0"/>
+              <a:t>Conversion efficiency increased: revenue rising faster than impressions.</a:t>
+            </a:r>
+          </a:p>
+          <a:p>
+            <a:pPr>
+              <a:defRPr sz="1400"/>
+            </a:pPr>
+            <a:r>
+              <a:rPr sz="1400" dirty="0"/>
+              <a:t>Foot traffic decrease associated with rising temperature.</a:t>
+            </a:r>
+          </a:p>
+          <a:p>
+            <a:pPr>
+              <a:defRPr sz="1400"/>
+            </a:pPr>
+            <a:r>
+              <a:rPr sz="1400" dirty="0"/>
+              <a:t>Conversion efficiency increased: revenue rising faster than impressions.</a:t>
+            </a:r>
+          </a:p>
+          <a:p>
+            <a:pPr>
+              <a:defRPr sz="1400"/>
+            </a:pPr>
+            <a:r>
+              <a:rPr sz="1400" dirty="0"/>
+              <a:t>Foot traffic decrease associated with rising temperature.</a:t>
+            </a:r>
+          </a:p>
+          <a:p>
+            <a:pPr>
+              <a:defRPr sz="1400"/>
+            </a:pPr>
+            <a:r>
+              <a:rPr sz="1400" dirty="0"/>
+              <a:t>Conversion efficiency increased: revenue rising faster than impressions.</a:t>
+            </a:r>
+          </a:p>
+          <a:p>
+            <a:pPr>
+              <a:defRPr sz="1400"/>
+            </a:pPr>
+            <a:r>
+              <a:rPr sz="1400" dirty="0"/>
+              <a:t>Foot traffic decrease associated with rising temperature.</a:t>
+            </a:r>
+          </a:p>
+          <a:p>
+            <a:pPr>
+              <a:defRPr sz="1400"/>
+            </a:pPr>
+            <a:r>
+              <a:rPr sz="1400" dirty="0"/>
+              <a:t>Conversion efficiency increased: revenue rising faster than impressions.</a:t>
+            </a:r>
+          </a:p>
+          <a:p>
+            <a:pPr>
+              <a:defRPr sz="1400"/>
+            </a:pPr>
+            <a:r>
+              <a:rPr sz="1400" dirty="0"/>
+              <a:t>Foot traffic decrease associated with rising temperature.</a:t>
+            </a:r>
+          </a:p>
+          <a:p>
+            <a:pPr>
+              <a:defRPr sz="1400"/>
+            </a:pPr>
+            <a:r>
+              <a:rPr sz="1400" dirty="0"/>
+              <a:t>Conversion efficiency increased: revenue rising faster than impressions.</a:t>
+            </a:r>
+          </a:p>
+          <a:p>
+            <a:pPr>
+              <a:defRPr sz="1400"/>
+            </a:pPr>
+            <a:r>
+              <a:rPr sz="1400" dirty="0"/>
+              <a:t>Foot traffic decrease associated with rising temperature.</a:t>
+            </a:r>
+          </a:p>
+          <a:p>
+            <a:pPr>
+              <a:defRPr sz="1400"/>
+            </a:pPr>
+            <a:r>
+              <a:rPr sz="1400" dirty="0"/>
+              <a:t>Foot traffic decrease associated with rising temperature.</a:t>
+            </a:r>
+          </a:p>
+          <a:p>
+            <a:pPr>
+              <a:defRPr sz="1400"/>
+            </a:pPr>
+            <a:r>
+              <a:rPr sz="1400" dirty="0"/>
+              <a:t>Conversion efficiency increased: revenue rising faster than impressions.</a:t>
+            </a:r>
+          </a:p>
+          <a:p>
+            <a:pPr>
+              <a:defRPr sz="1400"/>
+            </a:pPr>
+            <a:r>
+              <a:rPr sz="1400" dirty="0"/>
+              <a:t>Conversion efficiency increased: revenue rising faster than impressions.</a:t>
+            </a:r>
+          </a:p>
+          <a:p>
+            <a:pPr>
+              <a:defRPr sz="1400"/>
+            </a:pPr>
+            <a:r>
+              <a:rPr sz="1400" dirty="0"/>
+              <a:t>Foot traffic decrease associated with rising temperature.</a:t>
+            </a:r>
+          </a:p>
+          <a:p>
+            <a:pPr>
+              <a:defRPr sz="1400"/>
+            </a:pPr>
+            <a:r>
+              <a:rPr sz="1400" dirty="0"/>
+              <a:t>Conversion efficiency increased: revenue rising faster than impressions.</a:t>
+            </a:r>
+          </a:p>
+          <a:p>
+            <a:pPr>
+              <a:defRPr sz="1400"/>
+            </a:pPr>
+            <a:r>
+              <a:rPr sz="1400" dirty="0"/>
+              <a:t>Conversion efficiency increased: revenue rising faster than impressions.</a:t>
+            </a:r>
+          </a:p>
+          <a:p>
+            <a:pPr>
+              <a:defRPr sz="1400"/>
+            </a:pPr>
+            <a:r>
+              <a:rPr sz="1400" dirty="0"/>
+              <a:t>Conversion efficiency increased: revenue rising faster than impressions.</a:t>
+            </a:r>
+          </a:p>
+          <a:p>
+            <a:pPr>
+              <a:defRPr sz="1400"/>
+            </a:pPr>
+            <a:r>
+              <a:rPr sz="1400" dirty="0"/>
+              <a:t>Conversion efficiency increased: revenue rising faster than impressions.</a:t>
+            </a:r>
+          </a:p>
+          <a:p>
+            <a:pPr>
+              <a:defRPr sz="1400"/>
+            </a:pPr>
+            <a:r>
+              <a:rPr sz="1400" dirty="0"/>
+              <a:t>Foot traffic decrease associated with rising temperature.</a:t>
+            </a:r>
+          </a:p>
+          <a:p>
+            <a:pPr>
+              <a:defRPr sz="1400"/>
+            </a:pPr>
+            <a:r>
+              <a:rPr sz="1400" dirty="0"/>
+              <a:t>Conversion efficiency increased: revenue rising faster than impressions.</a:t>
+            </a:r>
+          </a:p>
+          <a:p>
+            <a:pPr>
+              <a:defRPr sz="1400"/>
+            </a:pPr>
+            <a:r>
+              <a:rPr sz="1400" dirty="0"/>
+              <a:t>Conversion efficiency increased: revenue rising faster than impressions.</a:t>
+            </a:r>
+          </a:p>
+          <a:p>
+            <a:pPr>
+              <a:defRPr sz="1400"/>
+            </a:pPr>
+            <a:r>
+              <a:rPr sz="1400" dirty="0"/>
+              <a:t>Conversion efficiency increased: revenue rising faster than impressions.</a:t>
+            </a:r>
+          </a:p>
+          <a:p>
+            <a:pPr>
+              <a:defRPr sz="1400"/>
+            </a:pPr>
+            <a:r>
+              <a:rPr sz="1400" dirty="0"/>
+              <a:t>Foot traffic decrease associated with rising temperature.</a:t>
+            </a:r>
+          </a:p>
+          <a:p>
+            <a:pPr>
+              <a:defRPr sz="1400"/>
+            </a:pPr>
+            <a:r>
+              <a:rPr sz="1400" dirty="0"/>
+              <a:t>Foot traffic decrease associated with rising temperature.</a:t>
+            </a:r>
+          </a:p>
+          <a:p>
+            <a:pPr>
+              <a:defRPr sz="1400"/>
+            </a:pPr>
+            <a:r>
+              <a:rPr sz="1400" dirty="0"/>
+              <a:t>Conversion efficiency increased: revenue rising faster than impressions.</a:t>
+            </a:r>
+          </a:p>
+          <a:p>
+            <a:pPr>
+              <a:defRPr sz="1400"/>
+            </a:pPr>
+            <a:r>
+              <a:rPr sz="1400" dirty="0"/>
+              <a:t>Foot traffic decrease associated with rising temperature.</a:t>
+            </a:r>
+          </a:p>
+          <a:p>
+            <a:pPr>
+              <a:defRPr sz="1400"/>
+            </a:pPr>
+            <a:r>
+              <a:rPr sz="1400" dirty="0"/>
+              <a:t>Foot traffic decrease associated with rising temperature.</a:t>
+            </a:r>
+          </a:p>
+          <a:p>
+            <a:pPr>
+              <a:defRPr sz="1400"/>
+            </a:pPr>
+            <a:r>
+              <a:rPr sz="1400" dirty="0"/>
+              <a:t>Conversion efficiency increased: revenue rising faster than impressions.</a:t>
+            </a:r>
+          </a:p>
+          <a:p>
+            <a:pPr>
+              <a:defRPr sz="1400"/>
+            </a:pPr>
+            <a:r>
+              <a:rPr sz="1400" dirty="0"/>
+              <a:t>Foot traffic decrease associated with rising temperature.</a:t>
+            </a:r>
+          </a:p>
+          <a:p>
+            <a:pPr>
+              <a:defRPr sz="1400"/>
+            </a:pPr>
+            <a:r>
+              <a:rPr sz="1400" dirty="0"/>
+              <a:t>Conversion efficiency increased: revenue rising faster than impressions.</a:t>
+            </a:r>
+          </a:p>
+          <a:p>
+            <a:pPr>
+              <a:defRPr sz="1400"/>
+            </a:pPr>
+            <a:r>
+              <a:rPr sz="1400" dirty="0"/>
+              <a:t>Conversion efficiency increased: revenue rising faster than impressions.</a:t>
+            </a:r>
+          </a:p>
+          <a:p>
+            <a:pPr>
+              <a:defRPr sz="1400"/>
+            </a:pPr>
+            <a:r>
+              <a:rPr sz="1400" dirty="0"/>
+              <a:t>Conversion efficiency increased: revenue rising faster than impressions.</a:t>
+            </a:r>
+          </a:p>
+          <a:p>
+            <a:pPr>
+              <a:defRPr sz="1400"/>
+            </a:pPr>
+            <a:r>
+              <a:rPr sz="1400" dirty="0"/>
+              <a:t>Foot traffic decrease associated with rising temperature.</a:t>
+            </a:r>
+          </a:p>
+          <a:p>
+            <a:pPr>
+              <a:defRPr sz="1400"/>
+            </a:pPr>
+            <a:r>
+              <a:rPr sz="1400" dirty="0"/>
+              <a:t>Conversion efficiency increased: revenue rising faster than impressions.</a:t>
+            </a:r>
+          </a:p>
+          <a:p>
+            <a:pPr>
+              <a:defRPr sz="1400"/>
+            </a:pPr>
+            <a:r>
+              <a:rPr sz="1400" dirty="0"/>
+              <a:t>Foot traffic decrease associated with rising temperature.</a:t>
+            </a:r>
+          </a:p>
+          <a:p>
+            <a:pPr>
+              <a:defRPr sz="1400"/>
+            </a:pPr>
+            <a:r>
+              <a:rPr sz="1400" dirty="0"/>
               <a:t>Creative fatigue detected due to CTR drop while impressions remain stable.</a:t>
             </a:r>
           </a:p>
@@ -6194,6 +6622,7 @@
               <a:defRPr sz="1400"/>
             </a:pPr>
             <a:r>
+              <a:rPr sz="1400" dirty="0"/>
               <a:t>Creative fatigue detected due to CTR drop while impressions remain stable.</a:t>
             </a:r>
           </a:p>
@@ -6202,30 +6631,34 @@
               <a:defRPr sz="1400"/>
             </a:pPr>
             <a:r>
-              <a:t>Foot traffic decrease associated with rising temperature.</a:t>
-            </a:r>
-          </a:p>
-          <a:p>
-            <a:pPr>
-              <a:defRPr sz="1400"/>
-            </a:pPr>
-            <a:r>
-              <a:t>Conversion efficiency increased: revenue rising faster than impressions.</a:t>
-            </a:r>
-          </a:p>
-          <a:p>
-            <a:pPr>
-              <a:defRPr sz="1400"/>
-            </a:pPr>
-            <a:r>
-              <a:t>Foot traffic decrease associated with rising temperature.</a:t>
-            </a:r>
-          </a:p>
-          <a:p>
-            <a:pPr>
-              <a:defRPr sz="1400"/>
-            </a:pPr>
-            <a:r>
+              <a:rPr sz="1400" dirty="0"/>
+              <a:t>Foot traffic decrease associated with rising temperature.</a:t>
+            </a:r>
+          </a:p>
+          <a:p>
+            <a:pPr>
+              <a:defRPr sz="1400"/>
+            </a:pPr>
+            <a:r>
+              <a:rPr sz="1400" dirty="0"/>
+              <a:t>Conversion efficiency increased: revenue rising faster than impressions.</a:t>
+            </a:r>
+          </a:p>
+          <a:p>
+            <a:pPr>
+              <a:defRPr sz="1400"/>
+            </a:pPr>
+            <a:r>
+              <a:rPr sz="1400" dirty="0"/>
+              <a:t>Foot traffic decrease associated with rising temperature.</a:t>
+            </a:r>
+          </a:p>
+          <a:p>
+            <a:pPr>
+              <a:defRPr sz="1400"/>
+            </a:pPr>
+            <a:r>
+              <a:rPr sz="1400" dirty="0"/>
               <a:t>Creative fatigue detected due to CTR drop while impressions remain stable.</a:t>
             </a:r>
           </a:p>
@@ -6234,38 +6667,43 @@
               <a:defRPr sz="1400"/>
             </a:pPr>
             <a:r>
-              <a:t>Conversion efficiency increased: revenue rising faster than impressions.</a:t>
-            </a:r>
-          </a:p>
-          <a:p>
-            <a:pPr>
-              <a:defRPr sz="1400"/>
-            </a:pPr>
-            <a:r>
-              <a:t>Foot traffic decrease associated with rising temperature.</a:t>
-            </a:r>
-          </a:p>
-          <a:p>
-            <a:pPr>
-              <a:defRPr sz="1400"/>
-            </a:pPr>
-            <a:r>
-              <a:t>Foot traffic decrease associated with rising temperature.</a:t>
-            </a:r>
-          </a:p>
-          <a:p>
-            <a:pPr>
-              <a:defRPr sz="1400"/>
-            </a:pPr>
-            <a:r>
-              <a:t>Conversion efficiency increased: revenue rising faster than impressions.</a:t>
-            </a:r>
-          </a:p>
-          <a:p>
-            <a:pPr>
-              <a:defRPr sz="1400"/>
-            </a:pPr>
-            <a:r>
+              <a:rPr sz="1400" dirty="0"/>
+              <a:t>Conversion efficiency increased: revenue rising faster than impressions.</a:t>
+            </a:r>
+          </a:p>
+          <a:p>
+            <a:pPr>
+              <a:defRPr sz="1400"/>
+            </a:pPr>
+            <a:r>
+              <a:rPr sz="1400" dirty="0"/>
+              <a:t>Foot traffic decrease associated with rising temperature.</a:t>
+            </a:r>
+          </a:p>
+          <a:p>
+            <a:pPr>
+              <a:defRPr sz="1400"/>
+            </a:pPr>
+            <a:r>
+              <a:rPr sz="1400" dirty="0"/>
+              <a:t>Foot traffic decrease associated with rising temperature.</a:t>
+            </a:r>
+          </a:p>
+          <a:p>
+            <a:pPr>
+              <a:defRPr sz="1400"/>
+            </a:pPr>
+            <a:r>
+              <a:rPr sz="1400" dirty="0"/>
+              <a:t>Conversion efficiency increased: revenue rising faster than impressions.</a:t>
+            </a:r>
+          </a:p>
+          <a:p>
+            <a:pPr>
+              <a:defRPr sz="1400"/>
+            </a:pPr>
+            <a:r>
+              <a:rPr sz="1400" dirty="0"/>
               <a:t>Creative fatigue detected due to CTR drop while impressions remain stable.</a:t>
             </a:r>
           </a:p>
@@ -6274,38 +6712,43 @@
               <a:defRPr sz="1400"/>
             </a:pPr>
             <a:r>
-              <a:t>Foot traffic decrease associated with rising temperature.</a:t>
-            </a:r>
-          </a:p>
-          <a:p>
-            <a:pPr>
-              <a:defRPr sz="1400"/>
-            </a:pPr>
-            <a:r>
-              <a:t>Conversion efficiency increased: revenue rising faster than impressions.</a:t>
-            </a:r>
-          </a:p>
-          <a:p>
-            <a:pPr>
-              <a:defRPr sz="1400"/>
-            </a:pPr>
-            <a:r>
-              <a:t>Conversion efficiency increased: revenue rising faster than impressions.</a:t>
-            </a:r>
-          </a:p>
-          <a:p>
-            <a:pPr>
-              <a:defRPr sz="1400"/>
-            </a:pPr>
-            <a:r>
-              <a:t>Conversion efficiency increased: revenue rising faster than impressions.</a:t>
-            </a:r>
-          </a:p>
-          <a:p>
-            <a:pPr>
-              <a:defRPr sz="1400"/>
-            </a:pPr>
-            <a:r>
+              <a:rPr sz="1400" dirty="0"/>
+              <a:t>Foot traffic decrease associated with rising temperature.</a:t>
+            </a:r>
+          </a:p>
+          <a:p>
+            <a:pPr>
+              <a:defRPr sz="1400"/>
+            </a:pPr>
+            <a:r>
+              <a:rPr sz="1400" dirty="0"/>
+              <a:t>Conversion efficiency increased: revenue rising faster than impressions.</a:t>
+            </a:r>
+          </a:p>
+          <a:p>
+            <a:pPr>
+              <a:defRPr sz="1400"/>
+            </a:pPr>
+            <a:r>
+              <a:rPr sz="1400" dirty="0"/>
+              <a:t>Conversion efficiency increased: revenue rising faster than impressions.</a:t>
+            </a:r>
+          </a:p>
+          <a:p>
+            <a:pPr>
+              <a:defRPr sz="1400"/>
+            </a:pPr>
+            <a:r>
+              <a:rPr sz="1400" dirty="0"/>
+              <a:t>Conversion efficiency increased: revenue rising faster than impressions.</a:t>
+            </a:r>
+          </a:p>
+          <a:p>
+            <a:pPr>
+              <a:defRPr sz="1400"/>
+            </a:pPr>
+            <a:r>
+              <a:rPr sz="1400" dirty="0"/>
               <a:t>Creative fatigue detected due to CTR drop while impressions remain stable.</a:t>
             </a:r>
           </a:p>
@@ -6314,110 +6757,124 @@
               <a:defRPr sz="1400"/>
             </a:pPr>
             <a:r>
-              <a:t>Conversion efficiency increased: revenue rising faster than impressions.</a:t>
-            </a:r>
-          </a:p>
-          <a:p>
-            <a:pPr>
-              <a:defRPr sz="1400"/>
-            </a:pPr>
-            <a:r>
-              <a:t>Foot traffic decrease associated with rising temperature.</a:t>
-            </a:r>
-          </a:p>
-          <a:p>
-            <a:pPr>
-              <a:defRPr sz="1400"/>
-            </a:pPr>
-            <a:r>
-              <a:t>Conversion efficiency increased: revenue rising faster than impressions.</a:t>
-            </a:r>
-          </a:p>
-          <a:p>
-            <a:pPr>
-              <a:defRPr sz="1400"/>
-            </a:pPr>
-            <a:r>
-              <a:t>Foot traffic decrease associated with rising temperature.</a:t>
-            </a:r>
-          </a:p>
-          <a:p>
-            <a:pPr>
-              <a:defRPr sz="1400"/>
-            </a:pPr>
-            <a:r>
-              <a:t>Conversion efficiency increased: revenue rising faster than impressions.</a:t>
-            </a:r>
-          </a:p>
-          <a:p>
-            <a:pPr>
-              <a:defRPr sz="1400"/>
-            </a:pPr>
-            <a:r>
-              <a:t>Foot traffic decrease associated with rising temperature.</a:t>
-            </a:r>
-          </a:p>
-          <a:p>
-            <a:pPr>
-              <a:defRPr sz="1400"/>
-            </a:pPr>
-            <a:r>
-              <a:t>Conversion efficiency increased: revenue rising faster than impressions.</a:t>
-            </a:r>
-          </a:p>
-          <a:p>
-            <a:pPr>
-              <a:defRPr sz="1400"/>
-            </a:pPr>
-            <a:r>
-              <a:t>Foot traffic decrease associated with rising temperature.</a:t>
-            </a:r>
-          </a:p>
-          <a:p>
-            <a:pPr>
-              <a:defRPr sz="1400"/>
-            </a:pPr>
-            <a:r>
-              <a:t>Foot traffic decrease associated with rising temperature.</a:t>
-            </a:r>
-          </a:p>
-          <a:p>
-            <a:pPr>
-              <a:defRPr sz="1400"/>
-            </a:pPr>
-            <a:r>
-              <a:t>Conversion efficiency increased: revenue rising faster than impressions.</a:t>
-            </a:r>
-          </a:p>
-          <a:p>
-            <a:pPr>
-              <a:defRPr sz="1400"/>
-            </a:pPr>
-            <a:r>
-              <a:t>Foot traffic decrease associated with rising temperature.</a:t>
-            </a:r>
-          </a:p>
-          <a:p>
-            <a:pPr>
-              <a:defRPr sz="1400"/>
-            </a:pPr>
-            <a:r>
-              <a:t>Foot traffic decrease associated with rising temperature.</a:t>
-            </a:r>
-          </a:p>
-          <a:p>
-            <a:pPr>
-              <a:defRPr sz="1400"/>
-            </a:pPr>
-            <a:r>
-              <a:t>Conversion efficiency increased: revenue rising faster than impressions.</a:t>
-            </a:r>
-          </a:p>
-          <a:p>
-            <a:pPr>
-              <a:defRPr sz="1400"/>
-            </a:pPr>
-            <a:r>
+              <a:rPr sz="1400" dirty="0"/>
+              <a:t>Conversion efficiency increased: revenue rising faster than impressions.</a:t>
+            </a:r>
+          </a:p>
+          <a:p>
+            <a:pPr>
+              <a:defRPr sz="1400"/>
+            </a:pPr>
+            <a:r>
+              <a:rPr sz="1400" dirty="0"/>
+              <a:t>Foot traffic decrease associated with rising temperature.</a:t>
+            </a:r>
+          </a:p>
+          <a:p>
+            <a:pPr>
+              <a:defRPr sz="1400"/>
+            </a:pPr>
+            <a:r>
+              <a:rPr sz="1400" dirty="0"/>
+              <a:t>Conversion efficiency increased: revenue rising faster than impressions.</a:t>
+            </a:r>
+          </a:p>
+          <a:p>
+            <a:pPr>
+              <a:defRPr sz="1400"/>
+            </a:pPr>
+            <a:r>
+              <a:rPr sz="1400" dirty="0"/>
+              <a:t>Foot traffic decrease associated with rising temperature.</a:t>
+            </a:r>
+          </a:p>
+          <a:p>
+            <a:pPr>
+              <a:defRPr sz="1400"/>
+            </a:pPr>
+            <a:r>
+              <a:rPr sz="1400" dirty="0"/>
+              <a:t>Conversion efficiency increased: revenue rising faster than impressions.</a:t>
+            </a:r>
+          </a:p>
+          <a:p>
+            <a:pPr>
+              <a:defRPr sz="1400"/>
+            </a:pPr>
+            <a:r>
+              <a:rPr sz="1400" dirty="0"/>
+              <a:t>Foot traffic decrease associated with rising temperature.</a:t>
+            </a:r>
+          </a:p>
+          <a:p>
+            <a:pPr>
+              <a:defRPr sz="1400"/>
+            </a:pPr>
+            <a:r>
+              <a:rPr sz="1400" dirty="0"/>
+              <a:t>Conversion efficiency increased: revenue rising faster than impressions.</a:t>
+            </a:r>
+          </a:p>
+          <a:p>
+            <a:pPr>
+              <a:defRPr sz="1400"/>
+            </a:pPr>
+            <a:r>
+              <a:rPr sz="1400" dirty="0"/>
+              <a:t>Foot traffic decrease associated with rising temperature.</a:t>
+            </a:r>
+          </a:p>
+          <a:p>
+            <a:pPr>
+              <a:defRPr sz="1400"/>
+            </a:pPr>
+            <a:r>
+              <a:rPr sz="1400" dirty="0"/>
+              <a:t>Foot traffic decrease associated with rising temperature.</a:t>
+            </a:r>
+          </a:p>
+          <a:p>
+            <a:pPr>
+              <a:defRPr sz="1400"/>
+            </a:pPr>
+            <a:r>
+              <a:rPr sz="1400" dirty="0"/>
+              <a:t>Conversion efficiency increased: revenue rising faster than impressions.</a:t>
+            </a:r>
+          </a:p>
+          <a:p>
+            <a:pPr>
+              <a:defRPr sz="1400"/>
+            </a:pPr>
+            <a:r>
+              <a:rPr sz="1400" dirty="0"/>
+              <a:t>Foot traffic decrease associated with rising temperature.</a:t>
+            </a:r>
+          </a:p>
+          <a:p>
+            <a:pPr>
+              <a:defRPr sz="1400"/>
+            </a:pPr>
+            <a:r>
+              <a:rPr sz="1400" dirty="0"/>
+              <a:t>Foot traffic decrease associated with rising temperature.</a:t>
+            </a:r>
+          </a:p>
+          <a:p>
+            <a:pPr>
+              <a:defRPr sz="1400"/>
+            </a:pPr>
+            <a:r>
+              <a:rPr sz="1400" dirty="0"/>
+              <a:t>Conversion efficiency increased: revenue rising faster than impressions.</a:t>
+            </a:r>
+          </a:p>
+          <a:p>
+            <a:pPr>
+              <a:defRPr sz="1400"/>
+            </a:pPr>
+            <a:r>
+              <a:rPr sz="1400" dirty="0"/>
               <a:t>Creative fatigue detected due to CTR drop while impressions remain stable.</a:t>
             </a:r>
           </a:p>
@@ -6426,6 +6883,7 @@
               <a:defRPr sz="1400"/>
             </a:pPr>
             <a:r>
+              <a:rPr sz="1400" dirty="0"/>
               <a:t>Creative fatigue detected due to CTR drop while impressions remain stable.</a:t>
             </a:r>
           </a:p>
@@ -6434,62 +6892,70 @@
               <a:defRPr sz="1400"/>
             </a:pPr>
             <a:r>
-              <a:t>Conversion efficiency increased: revenue rising faster than impressions.</a:t>
-            </a:r>
-          </a:p>
-          <a:p>
-            <a:pPr>
-              <a:defRPr sz="1400"/>
-            </a:pPr>
-            <a:r>
-              <a:t>Foot traffic decrease associated with rising temperature.</a:t>
-            </a:r>
-          </a:p>
-          <a:p>
-            <a:pPr>
-              <a:defRPr sz="1400"/>
-            </a:pPr>
-            <a:r>
-              <a:t>Foot traffic decrease associated with rising temperature.</a:t>
-            </a:r>
-          </a:p>
-          <a:p>
-            <a:pPr>
-              <a:defRPr sz="1400"/>
-            </a:pPr>
-            <a:r>
-              <a:t>Foot traffic decrease associated with rising temperature.</a:t>
-            </a:r>
-          </a:p>
-          <a:p>
-            <a:pPr>
-              <a:defRPr sz="1400"/>
-            </a:pPr>
-            <a:r>
-              <a:t>Foot traffic decrease associated with rising temperature.</a:t>
-            </a:r>
-          </a:p>
-          <a:p>
-            <a:pPr>
-              <a:defRPr sz="1400"/>
-            </a:pPr>
-            <a:r>
-              <a:t>Foot traffic decrease associated with rising temperature.</a:t>
-            </a:r>
-          </a:p>
-          <a:p>
-            <a:pPr>
-              <a:defRPr sz="1400"/>
-            </a:pPr>
-            <a:r>
-              <a:t>Conversion efficiency increased: revenue rising faster than impressions.</a:t>
-            </a:r>
-          </a:p>
-          <a:p>
-            <a:pPr>
-              <a:defRPr sz="1400"/>
-            </a:pPr>
-            <a:r>
+              <a:rPr sz="1400" dirty="0"/>
+              <a:t>Conversion efficiency increased: revenue rising faster than impressions.</a:t>
+            </a:r>
+          </a:p>
+          <a:p>
+            <a:pPr>
+              <a:defRPr sz="1400"/>
+            </a:pPr>
+            <a:r>
+              <a:rPr sz="1400" dirty="0"/>
+              <a:t>Foot traffic decrease associated with rising temperature.</a:t>
+            </a:r>
+          </a:p>
+          <a:p>
+            <a:pPr>
+              <a:defRPr sz="1400"/>
+            </a:pPr>
+            <a:r>
+              <a:rPr sz="1400" dirty="0"/>
+              <a:t>Foot traffic decrease associated with rising temperature.</a:t>
+            </a:r>
+          </a:p>
+          <a:p>
+            <a:pPr>
+              <a:defRPr sz="1400"/>
+            </a:pPr>
+            <a:r>
+              <a:rPr sz="1400" dirty="0"/>
+              <a:t>Foot traffic decrease associated with rising temperature.</a:t>
+            </a:r>
+          </a:p>
+          <a:p>
+            <a:pPr>
+              <a:defRPr sz="1400"/>
+            </a:pPr>
+            <a:r>
+              <a:rPr sz="1400" dirty="0"/>
+              <a:t>Foot traffic decrease associated with rising temperature.</a:t>
+            </a:r>
+          </a:p>
+          <a:p>
+            <a:pPr>
+              <a:defRPr sz="1400"/>
+            </a:pPr>
+            <a:r>
+              <a:rPr sz="1400" dirty="0"/>
+              <a:t>Foot traffic decrease associated with rising temperature.</a:t>
+            </a:r>
+          </a:p>
+          <a:p>
+            <a:pPr>
+              <a:defRPr sz="1400"/>
+            </a:pPr>
+            <a:r>
+              <a:rPr sz="1400" dirty="0"/>
+              <a:t>Conversion efficiency increased: revenue rising faster than impressions.</a:t>
+            </a:r>
+          </a:p>
+          <a:p>
+            <a:pPr>
+              <a:defRPr sz="1400"/>
+            </a:pPr>
+            <a:r>
+              <a:rPr sz="1400" dirty="0"/>
               <a:t>Creative fatigue detected due to CTR drop while impressions remain stable.</a:t>
             </a:r>
           </a:p>
@@ -6498,102 +6964,115 @@
               <a:defRPr sz="1400"/>
             </a:pPr>
             <a:r>
-              <a:t>Conversion efficiency increased: revenue rising faster than impressions.</a:t>
-            </a:r>
-          </a:p>
-          <a:p>
-            <a:pPr>
-              <a:defRPr sz="1400"/>
-            </a:pPr>
-            <a:r>
-              <a:t>Foot traffic decrease associated with rising temperature.</a:t>
-            </a:r>
-          </a:p>
-          <a:p>
-            <a:pPr>
-              <a:defRPr sz="1400"/>
-            </a:pPr>
-            <a:r>
-              <a:t>Foot traffic decrease associated with rising temperature.</a:t>
-            </a:r>
-          </a:p>
-          <a:p>
-            <a:pPr>
-              <a:defRPr sz="1400"/>
-            </a:pPr>
-            <a:r>
-              <a:t>Conversion efficiency increased: revenue rising faster than impressions.</a:t>
-            </a:r>
-          </a:p>
-          <a:p>
-            <a:pPr>
-              <a:defRPr sz="1400"/>
-            </a:pPr>
-            <a:r>
-              <a:t>Conversion efficiency increased: revenue rising faster than impressions.</a:t>
-            </a:r>
-          </a:p>
-          <a:p>
-            <a:pPr>
-              <a:defRPr sz="1400"/>
-            </a:pPr>
-            <a:r>
-              <a:t>Conversion efficiency increased: revenue rising faster than impressions.</a:t>
-            </a:r>
-          </a:p>
-          <a:p>
-            <a:pPr>
-              <a:defRPr sz="1400"/>
-            </a:pPr>
-            <a:r>
-              <a:t>Foot traffic decrease associated with rising temperature.</a:t>
-            </a:r>
-          </a:p>
-          <a:p>
-            <a:pPr>
-              <a:defRPr sz="1400"/>
-            </a:pPr>
-            <a:r>
-              <a:t>Conversion efficiency increased: revenue rising faster than impressions.</a:t>
-            </a:r>
-          </a:p>
-          <a:p>
-            <a:pPr>
-              <a:defRPr sz="1400"/>
-            </a:pPr>
-            <a:r>
-              <a:t>Conversion efficiency increased: revenue rising faster than impressions.</a:t>
-            </a:r>
-          </a:p>
-          <a:p>
-            <a:pPr>
-              <a:defRPr sz="1400"/>
-            </a:pPr>
-            <a:r>
-              <a:t>Conversion efficiency increased: revenue rising faster than impressions.</a:t>
-            </a:r>
-          </a:p>
-          <a:p>
-            <a:pPr>
-              <a:defRPr sz="1400"/>
-            </a:pPr>
-            <a:r>
-              <a:t>Foot traffic decrease associated with rising temperature.</a:t>
-            </a:r>
-          </a:p>
-          <a:p>
-            <a:pPr>
-              <a:defRPr sz="1400"/>
-            </a:pPr>
-            <a:r>
-              <a:t>Conversion efficiency increased: revenue rising faster than impressions.</a:t>
-            </a:r>
-          </a:p>
-          <a:p>
-            <a:pPr>
-              <a:defRPr sz="1400"/>
-            </a:pPr>
-            <a:r>
+              <a:rPr sz="1400" dirty="0"/>
+              <a:t>Conversion efficiency increased: revenue rising faster than impressions.</a:t>
+            </a:r>
+          </a:p>
+          <a:p>
+            <a:pPr>
+              <a:defRPr sz="1400"/>
+            </a:pPr>
+            <a:r>
+              <a:rPr sz="1400" dirty="0"/>
+              <a:t>Foot traffic decrease associated with rising temperature.</a:t>
+            </a:r>
+          </a:p>
+          <a:p>
+            <a:pPr>
+              <a:defRPr sz="1400"/>
+            </a:pPr>
+            <a:r>
+              <a:rPr sz="1400" dirty="0"/>
+              <a:t>Foot traffic decrease associated with rising temperature.</a:t>
+            </a:r>
+          </a:p>
+          <a:p>
+            <a:pPr>
+              <a:defRPr sz="1400"/>
+            </a:pPr>
+            <a:r>
+              <a:rPr sz="1400" dirty="0"/>
+              <a:t>Conversion efficiency increased: revenue rising faster than impressions.</a:t>
+            </a:r>
+          </a:p>
+          <a:p>
+            <a:pPr>
+              <a:defRPr sz="1400"/>
+            </a:pPr>
+            <a:r>
+              <a:rPr sz="1400" dirty="0"/>
+              <a:t>Conversion efficiency increased: revenue rising faster than impressions.</a:t>
+            </a:r>
+          </a:p>
+          <a:p>
+            <a:pPr>
+              <a:defRPr sz="1400"/>
+            </a:pPr>
+            <a:r>
+              <a:rPr sz="1400" dirty="0"/>
+              <a:t>Conversion efficiency increased: revenue rising faster than impressions.</a:t>
+            </a:r>
+          </a:p>
+          <a:p>
+            <a:pPr>
+              <a:defRPr sz="1400"/>
+            </a:pPr>
+            <a:r>
+              <a:rPr sz="1400" dirty="0"/>
+              <a:t>Foot traffic decrease associated with rising temperature.</a:t>
+            </a:r>
+          </a:p>
+          <a:p>
+            <a:pPr>
+              <a:defRPr sz="1400"/>
+            </a:pPr>
+            <a:r>
+              <a:rPr sz="1400" dirty="0"/>
+              <a:t>Conversion efficiency increased: revenue rising faster than impressions.</a:t>
+            </a:r>
+          </a:p>
+          <a:p>
+            <a:pPr>
+              <a:defRPr sz="1400"/>
+            </a:pPr>
+            <a:r>
+              <a:rPr sz="1400" dirty="0"/>
+              <a:t>Conversion efficiency increased: revenue rising faster than impressions.</a:t>
+            </a:r>
+          </a:p>
+          <a:p>
+            <a:pPr>
+              <a:defRPr sz="1400"/>
+            </a:pPr>
+            <a:r>
+              <a:rPr sz="1400" dirty="0"/>
+              <a:t>Conversion efficiency increased: revenue rising faster than impressions.</a:t>
+            </a:r>
+          </a:p>
+          <a:p>
+            <a:pPr>
+              <a:defRPr sz="1400"/>
+            </a:pPr>
+            <a:r>
+              <a:rPr sz="1400" dirty="0"/>
+              <a:t>Foot traffic decrease associated with rising temperature.</a:t>
+            </a:r>
+          </a:p>
+          <a:p>
+            <a:pPr>
+              <a:defRPr sz="1400"/>
+            </a:pPr>
+            <a:r>
+              <a:rPr sz="1400" dirty="0"/>
+              <a:t>Conversion efficiency increased: revenue rising faster than impressions.</a:t>
+            </a:r>
+          </a:p>
+          <a:p>
+            <a:pPr>
+              <a:defRPr sz="1400"/>
+            </a:pPr>
+            <a:r>
+              <a:rPr sz="1400" dirty="0"/>
               <a:t>Creative fatigue detected due to CTR drop while impressions remain stable.</a:t>
             </a:r>
           </a:p>
@@ -6602,54 +7081,61 @@
               <a:defRPr sz="1400"/>
             </a:pPr>
             <a:r>
-              <a:t>Foot traffic decrease associated with rising temperature.</a:t>
-            </a:r>
-          </a:p>
-          <a:p>
-            <a:pPr>
-              <a:defRPr sz="1400"/>
-            </a:pPr>
-            <a:r>
-              <a:t>Conversion efficiency increased: revenue rising faster than impressions.</a:t>
-            </a:r>
-          </a:p>
-          <a:p>
-            <a:pPr>
-              <a:defRPr sz="1400"/>
-            </a:pPr>
-            <a:r>
-              <a:t>Foot traffic decrease associated with rising temperature.</a:t>
-            </a:r>
-          </a:p>
-          <a:p>
-            <a:pPr>
-              <a:defRPr sz="1400"/>
-            </a:pPr>
-            <a:r>
-              <a:t>Foot traffic decrease associated with rising temperature.</a:t>
-            </a:r>
-          </a:p>
-          <a:p>
-            <a:pPr>
-              <a:defRPr sz="1400"/>
-            </a:pPr>
-            <a:r>
-              <a:t>Conversion efficiency increased: revenue rising faster than impressions.</a:t>
-            </a:r>
-          </a:p>
-          <a:p>
-            <a:pPr>
-              <a:defRPr sz="1400"/>
-            </a:pPr>
-            <a:r>
-              <a:t>Foot traffic decrease associated with rising temperature.</a:t>
-            </a:r>
-          </a:p>
-          <a:p>
-            <a:pPr>
-              <a:defRPr sz="1400"/>
-            </a:pPr>
-            <a:r>
+              <a:rPr sz="1400" dirty="0"/>
+              <a:t>Foot traffic decrease associated with rising temperature.</a:t>
+            </a:r>
+          </a:p>
+          <a:p>
+            <a:pPr>
+              <a:defRPr sz="1400"/>
+            </a:pPr>
+            <a:r>
+              <a:rPr sz="1400" dirty="0"/>
+              <a:t>Conversion efficiency increased: revenue rising faster than impressions.</a:t>
+            </a:r>
+          </a:p>
+          <a:p>
+            <a:pPr>
+              <a:defRPr sz="1400"/>
+            </a:pPr>
+            <a:r>
+              <a:rPr sz="1400" dirty="0"/>
+              <a:t>Foot traffic decrease associated with rising temperature.</a:t>
+            </a:r>
+          </a:p>
+          <a:p>
+            <a:pPr>
+              <a:defRPr sz="1400"/>
+            </a:pPr>
+            <a:r>
+              <a:rPr sz="1400" dirty="0"/>
+              <a:t>Foot traffic decrease associated with rising temperature.</a:t>
+            </a:r>
+          </a:p>
+          <a:p>
+            <a:pPr>
+              <a:defRPr sz="1400"/>
+            </a:pPr>
+            <a:r>
+              <a:rPr sz="1400" dirty="0"/>
+              <a:t>Conversion efficiency increased: revenue rising faster than impressions.</a:t>
+            </a:r>
+          </a:p>
+          <a:p>
+            <a:pPr>
+              <a:defRPr sz="1400"/>
+            </a:pPr>
+            <a:r>
+              <a:rPr sz="1400" dirty="0"/>
+              <a:t>Foot traffic decrease associated with rising temperature.</a:t>
+            </a:r>
+          </a:p>
+          <a:p>
+            <a:pPr>
+              <a:defRPr sz="1400"/>
+            </a:pPr>
+            <a:r>
+              <a:rPr sz="1400" dirty="0"/>
               <a:t>Creative fatigue detected due to CTR drop while impressions remain stable.</a:t>
             </a:r>
           </a:p>
@@ -6658,6 +7144,7 @@
               <a:defRPr sz="1400"/>
             </a:pPr>
             <a:r>
+              <a:rPr sz="1400" dirty="0"/>
               <a:t>Creative fatigue detected due to CTR drop while impressions remain stable.</a:t>
             </a:r>
           </a:p>
@@ -6666,14 +7153,16 @@
               <a:defRPr sz="1400"/>
             </a:pPr>
             <a:r>
-              <a:t>Conversion efficiency increased: revenue rising faster than impressions.</a:t>
-            </a:r>
-          </a:p>
-          <a:p>
-            <a:pPr>
-              <a:defRPr sz="1400"/>
-            </a:pPr>
-            <a:r>
+              <a:rPr sz="1400" dirty="0"/>
+              <a:t>Conversion efficiency increased: revenue rising faster than impressions.</a:t>
+            </a:r>
+          </a:p>
+          <a:p>
+            <a:pPr>
+              <a:defRPr sz="1400"/>
+            </a:pPr>
+            <a:r>
+              <a:rPr sz="1400" dirty="0"/>
               <a:t>Creative fatigue detected due to CTR drop while impressions remain stable.</a:t>
             </a:r>
           </a:p>
@@ -6682,54 +7171,61 @@
               <a:defRPr sz="1400"/>
             </a:pPr>
             <a:r>
-              <a:t>Foot traffic decrease associated with rising temperature.</a:t>
-            </a:r>
-          </a:p>
-          <a:p>
-            <a:pPr>
-              <a:defRPr sz="1400"/>
-            </a:pPr>
-            <a:r>
-              <a:t>Conversion efficiency increased: revenue rising faster than impressions.</a:t>
-            </a:r>
-          </a:p>
-          <a:p>
-            <a:pPr>
-              <a:defRPr sz="1400"/>
-            </a:pPr>
-            <a:r>
-              <a:t>Foot traffic decrease associated with rising temperature.</a:t>
-            </a:r>
-          </a:p>
-          <a:p>
-            <a:pPr>
-              <a:defRPr sz="1400"/>
-            </a:pPr>
-            <a:r>
-              <a:t>Foot traffic decrease associated with rising temperature.</a:t>
-            </a:r>
-          </a:p>
-          <a:p>
-            <a:pPr>
-              <a:defRPr sz="1400"/>
-            </a:pPr>
-            <a:r>
-              <a:t>Foot traffic decrease associated with rising temperature.</a:t>
-            </a:r>
-          </a:p>
-          <a:p>
-            <a:pPr>
-              <a:defRPr sz="1400"/>
-            </a:pPr>
-            <a:r>
-              <a:t>Foot traffic decrease associated with rising temperature.</a:t>
-            </a:r>
-          </a:p>
-          <a:p>
-            <a:pPr>
-              <a:defRPr sz="1400"/>
-            </a:pPr>
-            <a:r>
+              <a:rPr sz="1400" dirty="0"/>
+              <a:t>Foot traffic decrease associated with rising temperature.</a:t>
+            </a:r>
+          </a:p>
+          <a:p>
+            <a:pPr>
+              <a:defRPr sz="1400"/>
+            </a:pPr>
+            <a:r>
+              <a:rPr sz="1400" dirty="0"/>
+              <a:t>Conversion efficiency increased: revenue rising faster than impressions.</a:t>
+            </a:r>
+          </a:p>
+          <a:p>
+            <a:pPr>
+              <a:defRPr sz="1400"/>
+            </a:pPr>
+            <a:r>
+              <a:rPr sz="1400" dirty="0"/>
+              <a:t>Foot traffic decrease associated with rising temperature.</a:t>
+            </a:r>
+          </a:p>
+          <a:p>
+            <a:pPr>
+              <a:defRPr sz="1400"/>
+            </a:pPr>
+            <a:r>
+              <a:rPr sz="1400" dirty="0"/>
+              <a:t>Foot traffic decrease associated with rising temperature.</a:t>
+            </a:r>
+          </a:p>
+          <a:p>
+            <a:pPr>
+              <a:defRPr sz="1400"/>
+            </a:pPr>
+            <a:r>
+              <a:rPr sz="1400" dirty="0"/>
+              <a:t>Foot traffic decrease associated with rising temperature.</a:t>
+            </a:r>
+          </a:p>
+          <a:p>
+            <a:pPr>
+              <a:defRPr sz="1400"/>
+            </a:pPr>
+            <a:r>
+              <a:rPr sz="1400" dirty="0"/>
+              <a:t>Foot traffic decrease associated with rising temperature.</a:t>
+            </a:r>
+          </a:p>
+          <a:p>
+            <a:pPr>
+              <a:defRPr sz="1400"/>
+            </a:pPr>
+            <a:r>
+              <a:rPr sz="1400" dirty="0"/>
               <a:t>Creative fatigue detected due to CTR drop while impressions remain stable.</a:t>
             </a:r>
           </a:p>
@@ -6738,38 +7234,43 @@
               <a:defRPr sz="1400"/>
             </a:pPr>
             <a:r>
-              <a:t>Conversion efficiency increased: revenue rising faster than impressions.</a:t>
-            </a:r>
-          </a:p>
-          <a:p>
-            <a:pPr>
-              <a:defRPr sz="1400"/>
-            </a:pPr>
-            <a:r>
-              <a:t>Conversion efficiency increased: revenue rising faster than impressions.</a:t>
-            </a:r>
-          </a:p>
-          <a:p>
-            <a:pPr>
-              <a:defRPr sz="1400"/>
-            </a:pPr>
-            <a:r>
-              <a:t>Foot traffic decrease associated with rising temperature.</a:t>
-            </a:r>
-          </a:p>
-          <a:p>
-            <a:pPr>
-              <a:defRPr sz="1400"/>
-            </a:pPr>
-            <a:r>
-              <a:t>Foot traffic decrease associated with rising temperature.</a:t>
-            </a:r>
-          </a:p>
-          <a:p>
-            <a:pPr>
-              <a:defRPr sz="1400"/>
-            </a:pPr>
-            <a:r>
+              <a:rPr sz="1400" dirty="0"/>
+              <a:t>Conversion efficiency increased: revenue rising faster than impressions.</a:t>
+            </a:r>
+          </a:p>
+          <a:p>
+            <a:pPr>
+              <a:defRPr sz="1400"/>
+            </a:pPr>
+            <a:r>
+              <a:rPr sz="1400" dirty="0"/>
+              <a:t>Conversion efficiency increased: revenue rising faster than impressions.</a:t>
+            </a:r>
+          </a:p>
+          <a:p>
+            <a:pPr>
+              <a:defRPr sz="1400"/>
+            </a:pPr>
+            <a:r>
+              <a:rPr sz="1400" dirty="0"/>
+              <a:t>Foot traffic decrease associated with rising temperature.</a:t>
+            </a:r>
+          </a:p>
+          <a:p>
+            <a:pPr>
+              <a:defRPr sz="1400"/>
+            </a:pPr>
+            <a:r>
+              <a:rPr sz="1400" dirty="0"/>
+              <a:t>Foot traffic decrease associated with rising temperature.</a:t>
+            </a:r>
+          </a:p>
+          <a:p>
+            <a:pPr>
+              <a:defRPr sz="1400"/>
+            </a:pPr>
+            <a:r>
+              <a:rPr sz="1400" dirty="0"/>
               <a:t>Creative fatigue detected due to CTR drop while impressions remain stable.</a:t>
             </a:r>
           </a:p>
@@ -6778,22 +7279,25 @@
               <a:defRPr sz="1400"/>
             </a:pPr>
             <a:r>
-              <a:t>Conversion efficiency increased: revenue rising faster than impressions.</a:t>
-            </a:r>
-          </a:p>
-          <a:p>
-            <a:pPr>
-              <a:defRPr sz="1400"/>
-            </a:pPr>
-            <a:r>
-              <a:t>Foot traffic decrease associated with rising temperature.</a:t>
-            </a:r>
-          </a:p>
-          <a:p>
-            <a:pPr>
-              <a:defRPr sz="1400"/>
-            </a:pPr>
-            <a:r>
+              <a:rPr sz="1400" dirty="0"/>
+              <a:t>Conversion efficiency increased: revenue rising faster than impressions.</a:t>
+            </a:r>
+          </a:p>
+          <a:p>
+            <a:pPr>
+              <a:defRPr sz="1400"/>
+            </a:pPr>
+            <a:r>
+              <a:rPr sz="1400" dirty="0"/>
+              <a:t>Foot traffic decrease associated with rising temperature.</a:t>
+            </a:r>
+          </a:p>
+          <a:p>
+            <a:pPr>
+              <a:defRPr sz="1400"/>
+            </a:pPr>
+            <a:r>
+              <a:rPr sz="1400" dirty="0"/>
               <a:t>Creative fatigue detected due to CTR drop while impressions remain stable.</a:t>
             </a:r>
           </a:p>
@@ -6802,30 +7306,34 @@
               <a:defRPr sz="1400"/>
             </a:pPr>
             <a:r>
-              <a:t>Foot traffic decrease associated with rising temperature.</a:t>
-            </a:r>
-          </a:p>
-          <a:p>
-            <a:pPr>
-              <a:defRPr sz="1400"/>
-            </a:pPr>
-            <a:r>
-              <a:t>Conversion efficiency increased: revenue rising faster than impressions.</a:t>
-            </a:r>
-          </a:p>
-          <a:p>
-            <a:pPr>
-              <a:defRPr sz="1400"/>
-            </a:pPr>
-            <a:r>
-              <a:t>Conversion efficiency increased: revenue rising faster than impressions.</a:t>
-            </a:r>
-          </a:p>
-          <a:p>
-            <a:pPr>
-              <a:defRPr sz="1400"/>
-            </a:pPr>
-            <a:r>
+              <a:rPr sz="1400" dirty="0"/>
+              <a:t>Foot traffic decrease associated with rising temperature.</a:t>
+            </a:r>
+          </a:p>
+          <a:p>
+            <a:pPr>
+              <a:defRPr sz="1400"/>
+            </a:pPr>
+            <a:r>
+              <a:rPr sz="1400" dirty="0"/>
+              <a:t>Conversion efficiency increased: revenue rising faster than impressions.</a:t>
+            </a:r>
+          </a:p>
+          <a:p>
+            <a:pPr>
+              <a:defRPr sz="1400"/>
+            </a:pPr>
+            <a:r>
+              <a:rPr sz="1400" dirty="0"/>
+              <a:t>Conversion efficiency increased: revenue rising faster than impressions.</a:t>
+            </a:r>
+          </a:p>
+          <a:p>
+            <a:pPr>
+              <a:defRPr sz="1400"/>
+            </a:pPr>
+            <a:r>
+              <a:rPr sz="1400" dirty="0"/>
               <a:t>Creative fatigue detected due to CTR drop while impressions remain stable.</a:t>
             </a:r>
           </a:p>
@@ -6834,14 +7342,16 @@
               <a:defRPr sz="1400"/>
             </a:pPr>
             <a:r>
-              <a:t>Conversion efficiency increased: revenue rising faster than impressions.</a:t>
-            </a:r>
-          </a:p>
-          <a:p>
-            <a:pPr>
-              <a:defRPr sz="1400"/>
-            </a:pPr>
-            <a:r>
+              <a:rPr sz="1400" dirty="0"/>
+              <a:t>Conversion efficiency increased: revenue rising faster than impressions.</a:t>
+            </a:r>
+          </a:p>
+          <a:p>
+            <a:pPr>
+              <a:defRPr sz="1400"/>
+            </a:pPr>
+            <a:r>
+              <a:rPr sz="1400" dirty="0"/>
               <a:t>Creative fatigue detected due to CTR drop while impressions remain stable.</a:t>
             </a:r>
           </a:p>
@@ -6850,14 +7360,16 @@
               <a:defRPr sz="1400"/>
             </a:pPr>
             <a:r>
-              <a:t>Conversion efficiency increased: revenue rising faster than impressions.</a:t>
-            </a:r>
-          </a:p>
-          <a:p>
-            <a:pPr>
-              <a:defRPr sz="1400"/>
-            </a:pPr>
-            <a:r>
+              <a:rPr sz="1400" dirty="0"/>
+              <a:t>Conversion efficiency increased: revenue rising faster than impressions.</a:t>
+            </a:r>
+          </a:p>
+          <a:p>
+            <a:pPr>
+              <a:defRPr sz="1400"/>
+            </a:pPr>
+            <a:r>
+              <a:rPr sz="1400" dirty="0"/>
               <a:t>Creative fatigue detected due to CTR drop while impressions remain stable.</a:t>
             </a:r>
           </a:p>
@@ -6866,6 +7378,7 @@
               <a:defRPr sz="1400"/>
             </a:pPr>
             <a:r>
+              <a:rPr sz="1400" dirty="0"/>
               <a:t>Creative fatigue detected due to CTR drop while impressions remain stable.</a:t>
             </a:r>
           </a:p>
@@ -6874,14 +7387,16 @@
               <a:defRPr sz="1400"/>
             </a:pPr>
             <a:r>
-              <a:t>Conversion efficiency increased: revenue rising faster than impressions.</a:t>
-            </a:r>
-          </a:p>
-          <a:p>
-            <a:pPr>
-              <a:defRPr sz="1400"/>
-            </a:pPr>
-            <a:r>
+              <a:rPr sz="1400" dirty="0"/>
+              <a:t>Conversion efficiency increased: revenue rising faster than impressions.</a:t>
+            </a:r>
+          </a:p>
+          <a:p>
+            <a:pPr>
+              <a:defRPr sz="1400"/>
+            </a:pPr>
+            <a:r>
+              <a:rPr sz="1400" dirty="0"/>
               <a:t>Creative fatigue detected due to CTR drop while impressions remain stable.</a:t>
             </a:r>
           </a:p>
@@ -6890,22 +7405,25 @@
               <a:defRPr sz="1400"/>
             </a:pPr>
             <a:r>
-              <a:t>Foot traffic decrease associated with rising temperature.</a:t>
-            </a:r>
-          </a:p>
-          <a:p>
-            <a:pPr>
-              <a:defRPr sz="1400"/>
-            </a:pPr>
-            <a:r>
-              <a:t>Foot traffic decrease associated with rising temperature.</a:t>
-            </a:r>
-          </a:p>
-          <a:p>
-            <a:pPr>
-              <a:defRPr sz="1400"/>
-            </a:pPr>
-            <a:r>
+              <a:rPr sz="1400" dirty="0"/>
+              <a:t>Foot traffic decrease associated with rising temperature.</a:t>
+            </a:r>
+          </a:p>
+          <a:p>
+            <a:pPr>
+              <a:defRPr sz="1400"/>
+            </a:pPr>
+            <a:r>
+              <a:rPr sz="1400" dirty="0"/>
+              <a:t>Foot traffic decrease associated with rising temperature.</a:t>
+            </a:r>
+          </a:p>
+          <a:p>
+            <a:pPr>
+              <a:defRPr sz="1400"/>
+            </a:pPr>
+            <a:r>
+              <a:rPr sz="1400" dirty="0"/>
               <a:t>Creative fatigue detected due to CTR drop while impressions remain stable.</a:t>
             </a:r>
           </a:p>
@@ -6914,38 +7432,43 @@
               <a:defRPr sz="1400"/>
             </a:pPr>
             <a:r>
-              <a:t>Foot traffic decrease associated with rising temperature.</a:t>
-            </a:r>
-          </a:p>
-          <a:p>
-            <a:pPr>
-              <a:defRPr sz="1400"/>
-            </a:pPr>
-            <a:r>
-              <a:t>Foot traffic decrease associated with rising temperature.</a:t>
-            </a:r>
-          </a:p>
-          <a:p>
-            <a:pPr>
-              <a:defRPr sz="1400"/>
-            </a:pPr>
-            <a:r>
-              <a:t>Conversion efficiency increased: revenue rising faster than impressions.</a:t>
-            </a:r>
-          </a:p>
-          <a:p>
-            <a:pPr>
-              <a:defRPr sz="1400"/>
-            </a:pPr>
-            <a:r>
-              <a:t>Foot traffic decrease associated with rising temperature.</a:t>
-            </a:r>
-          </a:p>
-          <a:p>
-            <a:pPr>
-              <a:defRPr sz="1400"/>
-            </a:pPr>
-            <a:r>
+              <a:rPr sz="1400" dirty="0"/>
+              <a:t>Foot traffic decrease associated with rising temperature.</a:t>
+            </a:r>
+          </a:p>
+          <a:p>
+            <a:pPr>
+              <a:defRPr sz="1400"/>
+            </a:pPr>
+            <a:r>
+              <a:rPr sz="1400" dirty="0"/>
+              <a:t>Foot traffic decrease associated with rising temperature.</a:t>
+            </a:r>
+          </a:p>
+          <a:p>
+            <a:pPr>
+              <a:defRPr sz="1400"/>
+            </a:pPr>
+            <a:r>
+              <a:rPr sz="1400" dirty="0"/>
+              <a:t>Conversion efficiency increased: revenue rising faster than impressions.</a:t>
+            </a:r>
+          </a:p>
+          <a:p>
+            <a:pPr>
+              <a:defRPr sz="1400"/>
+            </a:pPr>
+            <a:r>
+              <a:rPr sz="1400" dirty="0"/>
+              <a:t>Foot traffic decrease associated with rising temperature.</a:t>
+            </a:r>
+          </a:p>
+          <a:p>
+            <a:pPr>
+              <a:defRPr sz="1400"/>
+            </a:pPr>
+            <a:r>
+              <a:rPr sz="1400" dirty="0"/>
               <a:t>Creative fatigue detected due to CTR drop while impressions remain stable.</a:t>
             </a:r>
           </a:p>
@@ -6954,46 +7477,52 @@
               <a:defRPr sz="1400"/>
             </a:pPr>
             <a:r>
-              <a:t>Foot traffic decrease associated with rising temperature.</a:t>
-            </a:r>
-          </a:p>
-          <a:p>
-            <a:pPr>
-              <a:defRPr sz="1400"/>
-            </a:pPr>
-            <a:r>
-              <a:t>Conversion efficiency increased: revenue rising faster than impressions.</a:t>
-            </a:r>
-          </a:p>
-          <a:p>
-            <a:pPr>
-              <a:defRPr sz="1400"/>
-            </a:pPr>
-            <a:r>
-              <a:t>Conversion efficiency increased: revenue rising faster than impressions.</a:t>
-            </a:r>
-          </a:p>
-          <a:p>
-            <a:pPr>
-              <a:defRPr sz="1400"/>
-            </a:pPr>
-            <a:r>
-              <a:t>Conversion efficiency increased: revenue rising faster than impressions.</a:t>
-            </a:r>
-          </a:p>
-          <a:p>
-            <a:pPr>
-              <a:defRPr sz="1400"/>
-            </a:pPr>
-            <a:r>
-              <a:t>Conversion efficiency increased: revenue rising faster than impressions.</a:t>
-            </a:r>
-          </a:p>
-          <a:p>
-            <a:pPr>
-              <a:defRPr sz="1400"/>
-            </a:pPr>
-            <a:r>
+              <a:rPr sz="1400" dirty="0"/>
+              <a:t>Foot traffic decrease associated with rising temperature.</a:t>
+            </a:r>
+          </a:p>
+          <a:p>
+            <a:pPr>
+              <a:defRPr sz="1400"/>
+            </a:pPr>
+            <a:r>
+              <a:rPr sz="1400" dirty="0"/>
+              <a:t>Conversion efficiency increased: revenue rising faster than impressions.</a:t>
+            </a:r>
+          </a:p>
+          <a:p>
+            <a:pPr>
+              <a:defRPr sz="1400"/>
+            </a:pPr>
+            <a:r>
+              <a:rPr sz="1400" dirty="0"/>
+              <a:t>Conversion efficiency increased: revenue rising faster than impressions.</a:t>
+            </a:r>
+          </a:p>
+          <a:p>
+            <a:pPr>
+              <a:defRPr sz="1400"/>
+            </a:pPr>
+            <a:r>
+              <a:rPr sz="1400" dirty="0"/>
+              <a:t>Conversion efficiency increased: revenue rising faster than impressions.</a:t>
+            </a:r>
+          </a:p>
+          <a:p>
+            <a:pPr>
+              <a:defRPr sz="1400"/>
+            </a:pPr>
+            <a:r>
+              <a:rPr sz="1400" dirty="0"/>
+              <a:t>Conversion efficiency increased: revenue rising faster than impressions.</a:t>
+            </a:r>
+          </a:p>
+          <a:p>
+            <a:pPr>
+              <a:defRPr sz="1400"/>
+            </a:pPr>
+            <a:r>
+              <a:rPr sz="1400" dirty="0"/>
               <a:t>Creative fatigue detected due to CTR drop while impressions remain stable.</a:t>
             </a:r>
           </a:p>
@@ -7002,14 +7531,16 @@
               <a:defRPr sz="1400"/>
             </a:pPr>
             <a:r>
-              <a:t>Conversion efficiency increased: revenue rising faster than impressions.</a:t>
-            </a:r>
-          </a:p>
-          <a:p>
-            <a:pPr>
-              <a:defRPr sz="1400"/>
-            </a:pPr>
-            <a:r>
+              <a:rPr sz="1400" dirty="0"/>
+              <a:t>Conversion efficiency increased: revenue rising faster than impressions.</a:t>
+            </a:r>
+          </a:p>
+          <a:p>
+            <a:pPr>
+              <a:defRPr sz="1400"/>
+            </a:pPr>
+            <a:r>
+              <a:rPr sz="1400" dirty="0"/>
               <a:t>Creative fatigue detected due to CTR drop while impressions remain stable.</a:t>
             </a:r>
           </a:p>
@@ -7018,22 +7549,25 @@
               <a:defRPr sz="1400"/>
             </a:pPr>
             <a:r>
-              <a:t>Foot traffic decrease associated with rising temperature.</a:t>
-            </a:r>
-          </a:p>
-          <a:p>
-            <a:pPr>
-              <a:defRPr sz="1400"/>
-            </a:pPr>
-            <a:r>
-              <a:t>Conversion efficiency increased: revenue rising faster than impressions.</a:t>
-            </a:r>
-          </a:p>
-          <a:p>
-            <a:pPr>
-              <a:defRPr sz="1400"/>
-            </a:pPr>
-            <a:r>
+              <a:rPr sz="1400" dirty="0"/>
+              <a:t>Foot traffic decrease associated with rising temperature.</a:t>
+            </a:r>
+          </a:p>
+          <a:p>
+            <a:pPr>
+              <a:defRPr sz="1400"/>
+            </a:pPr>
+            <a:r>
+              <a:rPr sz="1400" dirty="0"/>
+              <a:t>Conversion efficiency increased: revenue rising faster than impressions.</a:t>
+            </a:r>
+          </a:p>
+          <a:p>
+            <a:pPr>
+              <a:defRPr sz="1400"/>
+            </a:pPr>
+            <a:r>
+              <a:rPr sz="1400" dirty="0"/>
               <a:t>Creative fatigue detected due to CTR drop while impressions remain stable.</a:t>
             </a:r>
           </a:p>
@@ -7042,166 +7576,187 @@
               <a:defRPr sz="1400"/>
             </a:pPr>
             <a:r>
-              <a:t>Foot traffic decrease associated with rising temperature.</a:t>
-            </a:r>
-          </a:p>
-          <a:p>
-            <a:pPr>
-              <a:defRPr sz="1400"/>
-            </a:pPr>
-            <a:r>
-              <a:t>Conversion efficiency increased: revenue rising faster than impressions.</a:t>
-            </a:r>
-          </a:p>
-          <a:p>
-            <a:pPr>
-              <a:defRPr sz="1400"/>
-            </a:pPr>
-            <a:r>
-              <a:t>Foot traffic decrease associated with rising temperature.</a:t>
-            </a:r>
-          </a:p>
-          <a:p>
-            <a:pPr>
-              <a:defRPr sz="1400"/>
-            </a:pPr>
-            <a:r>
-              <a:t>Conversion efficiency increased: revenue rising faster than impressions.</a:t>
-            </a:r>
-          </a:p>
-          <a:p>
-            <a:pPr>
-              <a:defRPr sz="1400"/>
-            </a:pPr>
-            <a:r>
-              <a:t>Foot traffic decrease associated with rising temperature.</a:t>
-            </a:r>
-          </a:p>
-          <a:p>
-            <a:pPr>
-              <a:defRPr sz="1400"/>
-            </a:pPr>
-            <a:r>
-              <a:t>Conversion efficiency increased: revenue rising faster than impressions.</a:t>
-            </a:r>
-          </a:p>
-          <a:p>
-            <a:pPr>
-              <a:defRPr sz="1400"/>
-            </a:pPr>
-            <a:r>
-              <a:t>Conversion efficiency increased: revenue rising faster than impressions.</a:t>
-            </a:r>
-          </a:p>
-          <a:p>
-            <a:pPr>
-              <a:defRPr sz="1400"/>
-            </a:pPr>
-            <a:r>
-              <a:t>Conversion efficiency increased: revenue rising faster than impressions.</a:t>
-            </a:r>
-          </a:p>
-          <a:p>
-            <a:pPr>
-              <a:defRPr sz="1400"/>
-            </a:pPr>
-            <a:r>
-              <a:t>Foot traffic decrease associated with rising temperature.</a:t>
-            </a:r>
-          </a:p>
-          <a:p>
-            <a:pPr>
-              <a:defRPr sz="1400"/>
-            </a:pPr>
-            <a:r>
-              <a:t>Conversion efficiency increased: revenue rising faster than impressions.</a:t>
-            </a:r>
-          </a:p>
-          <a:p>
-            <a:pPr>
-              <a:defRPr sz="1400"/>
-            </a:pPr>
-            <a:r>
-              <a:t>Foot traffic decrease associated with rising temperature.</a:t>
-            </a:r>
-          </a:p>
-          <a:p>
-            <a:pPr>
-              <a:defRPr sz="1400"/>
-            </a:pPr>
-            <a:r>
-              <a:t>Conversion efficiency increased: revenue rising faster than impressions.</a:t>
-            </a:r>
-          </a:p>
-          <a:p>
-            <a:pPr>
-              <a:defRPr sz="1400"/>
-            </a:pPr>
-            <a:r>
-              <a:t>Foot traffic decrease associated with rising temperature.</a:t>
-            </a:r>
-          </a:p>
-          <a:p>
-            <a:pPr>
-              <a:defRPr sz="1400"/>
-            </a:pPr>
-            <a:r>
-              <a:t>Foot traffic decrease associated with rising temperature.</a:t>
-            </a:r>
-          </a:p>
-          <a:p>
-            <a:pPr>
-              <a:defRPr sz="1400"/>
-            </a:pPr>
-            <a:r>
-              <a:t>Conversion efficiency increased: revenue rising faster than impressions.</a:t>
-            </a:r>
-          </a:p>
-          <a:p>
-            <a:pPr>
-              <a:defRPr sz="1400"/>
-            </a:pPr>
-            <a:r>
-              <a:t>Foot traffic decrease associated with rising temperature.</a:t>
-            </a:r>
-          </a:p>
-          <a:p>
-            <a:pPr>
-              <a:defRPr sz="1400"/>
-            </a:pPr>
-            <a:r>
-              <a:t>Foot traffic decrease associated with rising temperature.</a:t>
-            </a:r>
-          </a:p>
-          <a:p>
-            <a:pPr>
-              <a:defRPr sz="1400"/>
-            </a:pPr>
-            <a:r>
-              <a:t>Conversion efficiency increased: revenue rising faster than impressions.</a:t>
-            </a:r>
-          </a:p>
-          <a:p>
-            <a:pPr>
-              <a:defRPr sz="1400"/>
-            </a:pPr>
-            <a:r>
-              <a:t>Foot traffic decrease associated with rising temperature.</a:t>
-            </a:r>
-          </a:p>
-          <a:p>
-            <a:pPr>
-              <a:defRPr sz="1400"/>
-            </a:pPr>
-            <a:r>
-              <a:t>Conversion efficiency increased: revenue rising faster than impressions.</a:t>
-            </a:r>
-          </a:p>
-          <a:p>
-            <a:pPr>
-              <a:defRPr sz="1400"/>
-            </a:pPr>
-            <a:r>
+              <a:rPr sz="1400" dirty="0"/>
+              <a:t>Foot traffic decrease associated with rising temperature.</a:t>
+            </a:r>
+          </a:p>
+          <a:p>
+            <a:pPr>
+              <a:defRPr sz="1400"/>
+            </a:pPr>
+            <a:r>
+              <a:rPr sz="1400" dirty="0"/>
+              <a:t>Conversion efficiency increased: revenue rising faster than impressions.</a:t>
+            </a:r>
+          </a:p>
+          <a:p>
+            <a:pPr>
+              <a:defRPr sz="1400"/>
+            </a:pPr>
+            <a:r>
+              <a:rPr sz="1400" dirty="0"/>
+              <a:t>Foot traffic decrease associated with rising temperature.</a:t>
+            </a:r>
+          </a:p>
+          <a:p>
+            <a:pPr>
+              <a:defRPr sz="1400"/>
+            </a:pPr>
+            <a:r>
+              <a:rPr sz="1400" dirty="0"/>
+              <a:t>Conversion efficiency increased: revenue rising faster than impressions.</a:t>
+            </a:r>
+          </a:p>
+          <a:p>
+            <a:pPr>
+              <a:defRPr sz="1400"/>
+            </a:pPr>
+            <a:r>
+              <a:rPr sz="1400" dirty="0"/>
+              <a:t>Foot traffic decrease associated with rising temperature.</a:t>
+            </a:r>
+          </a:p>
+          <a:p>
+            <a:pPr>
+              <a:defRPr sz="1400"/>
+            </a:pPr>
+            <a:r>
+              <a:rPr sz="1400" dirty="0"/>
+              <a:t>Conversion efficiency increased: revenue rising faster than impressions.</a:t>
+            </a:r>
+          </a:p>
+          <a:p>
+            <a:pPr>
+              <a:defRPr sz="1400"/>
+            </a:pPr>
+            <a:r>
+              <a:rPr sz="1400" dirty="0"/>
+              <a:t>Conversion efficiency increased: revenue rising faster than impressions.</a:t>
+            </a:r>
+          </a:p>
+          <a:p>
+            <a:pPr>
+              <a:defRPr sz="1400"/>
+            </a:pPr>
+            <a:r>
+              <a:rPr sz="1400" dirty="0"/>
+              <a:t>Conversion efficiency increased: revenue rising faster than impressions.</a:t>
+            </a:r>
+          </a:p>
+          <a:p>
+            <a:pPr>
+              <a:defRPr sz="1400"/>
+            </a:pPr>
+            <a:r>
+              <a:rPr sz="1400" dirty="0"/>
+              <a:t>Foot traffic decrease associated with rising temperature.</a:t>
+            </a:r>
+          </a:p>
+          <a:p>
+            <a:pPr>
+              <a:defRPr sz="1400"/>
+            </a:pPr>
+            <a:r>
+              <a:rPr sz="1400" dirty="0"/>
+              <a:t>Conversion efficiency increased: revenue rising faster than impressions.</a:t>
+            </a:r>
+          </a:p>
+          <a:p>
+            <a:pPr>
+              <a:defRPr sz="1400"/>
+            </a:pPr>
+            <a:r>
+              <a:rPr sz="1400" dirty="0"/>
+              <a:t>Foot traffic decrease associated with rising temperature.</a:t>
+            </a:r>
+          </a:p>
+          <a:p>
+            <a:pPr>
+              <a:defRPr sz="1400"/>
+            </a:pPr>
+            <a:r>
+              <a:rPr sz="1400" dirty="0"/>
+              <a:t>Conversion efficiency increased: revenue rising faster than impressions.</a:t>
+            </a:r>
+          </a:p>
+          <a:p>
+            <a:pPr>
+              <a:defRPr sz="1400"/>
+            </a:pPr>
+            <a:r>
+              <a:rPr sz="1400" dirty="0"/>
+              <a:t>Foot traffic decrease associated with rising temperature.</a:t>
+            </a:r>
+          </a:p>
+          <a:p>
+            <a:pPr>
+              <a:defRPr sz="1400"/>
+            </a:pPr>
+            <a:r>
+              <a:rPr sz="1400" dirty="0"/>
+              <a:t>Foot traffic decrease associated with rising temperature.</a:t>
+            </a:r>
+          </a:p>
+          <a:p>
+            <a:pPr>
+              <a:defRPr sz="1400"/>
+            </a:pPr>
+            <a:r>
+              <a:rPr sz="1400" dirty="0"/>
+              <a:t>Conversion efficiency increased: revenue rising faster than impressions.</a:t>
+            </a:r>
+          </a:p>
+          <a:p>
+            <a:pPr>
+              <a:defRPr sz="1400"/>
+            </a:pPr>
+            <a:r>
+              <a:rPr sz="1400" dirty="0"/>
+              <a:t>Foot traffic decrease associated with rising temperature.</a:t>
+            </a:r>
+          </a:p>
+          <a:p>
+            <a:pPr>
+              <a:defRPr sz="1400"/>
+            </a:pPr>
+            <a:r>
+              <a:rPr sz="1400" dirty="0"/>
+              <a:t>Foot traffic decrease associated with rising temperature.</a:t>
+            </a:r>
+          </a:p>
+          <a:p>
+            <a:pPr>
+              <a:defRPr sz="1400"/>
+            </a:pPr>
+            <a:r>
+              <a:rPr sz="1400" dirty="0"/>
+              <a:t>Conversion efficiency increased: revenue rising faster than impressions.</a:t>
+            </a:r>
+          </a:p>
+          <a:p>
+            <a:pPr>
+              <a:defRPr sz="1400"/>
+            </a:pPr>
+            <a:r>
+              <a:rPr sz="1400" dirty="0"/>
+              <a:t>Foot traffic decrease associated with rising temperature.</a:t>
+            </a:r>
+          </a:p>
+          <a:p>
+            <a:pPr>
+              <a:defRPr sz="1400"/>
+            </a:pPr>
+            <a:r>
+              <a:rPr sz="1400" dirty="0"/>
+              <a:t>Conversion efficiency increased: revenue rising faster than impressions.</a:t>
+            </a:r>
+          </a:p>
+          <a:p>
+            <a:pPr>
+              <a:defRPr sz="1400"/>
+            </a:pPr>
+            <a:r>
+              <a:rPr sz="1400" dirty="0"/>
               <a:t>Creative fatigue detected due to CTR drop while impressions remain stable.</a:t>
             </a:r>
           </a:p>
@@ -7210,30 +7765,34 @@
               <a:defRPr sz="1400"/>
             </a:pPr>
             <a:r>
-              <a:t>Conversion efficiency increased: revenue rising faster than impressions.</a:t>
-            </a:r>
-          </a:p>
-          <a:p>
-            <a:pPr>
-              <a:defRPr sz="1400"/>
-            </a:pPr>
-            <a:r>
-              <a:t>Conversion efficiency increased: revenue rising faster than impressions.</a:t>
-            </a:r>
-          </a:p>
-          <a:p>
-            <a:pPr>
-              <a:defRPr sz="1400"/>
-            </a:pPr>
-            <a:r>
-              <a:t>Foot traffic decrease associated with rising temperature.</a:t>
-            </a:r>
-          </a:p>
-          <a:p>
-            <a:pPr>
-              <a:defRPr sz="1400"/>
-            </a:pPr>
-            <a:r>
+              <a:rPr sz="1400" dirty="0"/>
+              <a:t>Conversion efficiency increased: revenue rising faster than impressions.</a:t>
+            </a:r>
+          </a:p>
+          <a:p>
+            <a:pPr>
+              <a:defRPr sz="1400"/>
+            </a:pPr>
+            <a:r>
+              <a:rPr sz="1400" dirty="0"/>
+              <a:t>Conversion efficiency increased: revenue rising faster than impressions.</a:t>
+            </a:r>
+          </a:p>
+          <a:p>
+            <a:pPr>
+              <a:defRPr sz="1400"/>
+            </a:pPr>
+            <a:r>
+              <a:rPr sz="1400" dirty="0"/>
+              <a:t>Foot traffic decrease associated with rising temperature.</a:t>
+            </a:r>
+          </a:p>
+          <a:p>
+            <a:pPr>
+              <a:defRPr sz="1400"/>
+            </a:pPr>
+            <a:r>
+              <a:rPr sz="1400" dirty="0"/>
               <a:t>Creative fatigue detected due to CTR drop while impressions remain stable.</a:t>
             </a:r>
           </a:p>
@@ -7242,62 +7801,70 @@
               <a:defRPr sz="1400"/>
             </a:pPr>
             <a:r>
-              <a:t>Conversion efficiency increased: revenue rising faster than impressions.</a:t>
-            </a:r>
-          </a:p>
-          <a:p>
-            <a:pPr>
-              <a:defRPr sz="1400"/>
-            </a:pPr>
-            <a:r>
-              <a:t>Foot traffic decrease associated with rising temperature.</a:t>
-            </a:r>
-          </a:p>
-          <a:p>
-            <a:pPr>
-              <a:defRPr sz="1400"/>
-            </a:pPr>
-            <a:r>
-              <a:t>Conversion efficiency increased: revenue rising faster than impressions.</a:t>
-            </a:r>
-          </a:p>
-          <a:p>
-            <a:pPr>
-              <a:defRPr sz="1400"/>
-            </a:pPr>
-            <a:r>
-              <a:t>Foot traffic decrease associated with rising temperature.</a:t>
-            </a:r>
-          </a:p>
-          <a:p>
-            <a:pPr>
-              <a:defRPr sz="1400"/>
-            </a:pPr>
-            <a:r>
-              <a:t>Conversion efficiency increased: revenue rising faster than impressions.</a:t>
-            </a:r>
-          </a:p>
-          <a:p>
-            <a:pPr>
-              <a:defRPr sz="1400"/>
-            </a:pPr>
-            <a:r>
-              <a:t>Foot traffic decrease associated with rising temperature.</a:t>
-            </a:r>
-          </a:p>
-          <a:p>
-            <a:pPr>
-              <a:defRPr sz="1400"/>
-            </a:pPr>
-            <a:r>
-              <a:t>Conversion efficiency increased: revenue rising faster than impressions.</a:t>
-            </a:r>
-          </a:p>
-          <a:p>
-            <a:pPr>
-              <a:defRPr sz="1400"/>
-            </a:pPr>
-            <a:r>
+              <a:rPr sz="1400" dirty="0"/>
+              <a:t>Conversion efficiency increased: revenue rising faster than impressions.</a:t>
+            </a:r>
+          </a:p>
+          <a:p>
+            <a:pPr>
+              <a:defRPr sz="1400"/>
+            </a:pPr>
+            <a:r>
+              <a:rPr sz="1400" dirty="0"/>
+              <a:t>Foot traffic decrease associated with rising temperature.</a:t>
+            </a:r>
+          </a:p>
+          <a:p>
+            <a:pPr>
+              <a:defRPr sz="1400"/>
+            </a:pPr>
+            <a:r>
+              <a:rPr sz="1400" dirty="0"/>
+              <a:t>Conversion efficiency increased: revenue rising faster than impressions.</a:t>
+            </a:r>
+          </a:p>
+          <a:p>
+            <a:pPr>
+              <a:defRPr sz="1400"/>
+            </a:pPr>
+            <a:r>
+              <a:rPr sz="1400" dirty="0"/>
+              <a:t>Foot traffic decrease associated with rising temperature.</a:t>
+            </a:r>
+          </a:p>
+          <a:p>
+            <a:pPr>
+              <a:defRPr sz="1400"/>
+            </a:pPr>
+            <a:r>
+              <a:rPr sz="1400" dirty="0"/>
+              <a:t>Conversion efficiency increased: revenue rising faster than impressions.</a:t>
+            </a:r>
+          </a:p>
+          <a:p>
+            <a:pPr>
+              <a:defRPr sz="1400"/>
+            </a:pPr>
+            <a:r>
+              <a:rPr sz="1400" dirty="0"/>
+              <a:t>Foot traffic decrease associated with rising temperature.</a:t>
+            </a:r>
+          </a:p>
+          <a:p>
+            <a:pPr>
+              <a:defRPr sz="1400"/>
+            </a:pPr>
+            <a:r>
+              <a:rPr sz="1400" dirty="0"/>
+              <a:t>Conversion efficiency increased: revenue rising faster than impressions.</a:t>
+            </a:r>
+          </a:p>
+          <a:p>
+            <a:pPr>
+              <a:defRPr sz="1400"/>
+            </a:pPr>
+            <a:r>
+              <a:rPr sz="1400" dirty="0"/>
               <a:t>Creative fatigue detected due to CTR drop while impressions remain stable.</a:t>
             </a:r>
           </a:p>
@@ -7306,46 +7873,52 @@
               <a:defRPr sz="1400"/>
             </a:pPr>
             <a:r>
-              <a:t>Foot traffic decrease associated with rising temperature.</a:t>
-            </a:r>
-          </a:p>
-          <a:p>
-            <a:pPr>
-              <a:defRPr sz="1400"/>
-            </a:pPr>
-            <a:r>
-              <a:t>Conversion efficiency increased: revenue rising faster than impressions.</a:t>
-            </a:r>
-          </a:p>
-          <a:p>
-            <a:pPr>
-              <a:defRPr sz="1400"/>
-            </a:pPr>
-            <a:r>
-              <a:t>Foot traffic decrease associated with rising temperature.</a:t>
-            </a:r>
-          </a:p>
-          <a:p>
-            <a:pPr>
-              <a:defRPr sz="1400"/>
-            </a:pPr>
-            <a:r>
-              <a:t>Conversion efficiency increased: revenue rising faster than impressions.</a:t>
-            </a:r>
-          </a:p>
-          <a:p>
-            <a:pPr>
-              <a:defRPr sz="1400"/>
-            </a:pPr>
-            <a:r>
-              <a:t>Foot traffic decrease associated with rising temperature.</a:t>
-            </a:r>
-          </a:p>
-          <a:p>
-            <a:pPr>
-              <a:defRPr sz="1400"/>
-            </a:pPr>
-            <a:r>
+              <a:rPr sz="1400" dirty="0"/>
+              <a:t>Foot traffic decrease associated with rising temperature.</a:t>
+            </a:r>
+          </a:p>
+          <a:p>
+            <a:pPr>
+              <a:defRPr sz="1400"/>
+            </a:pPr>
+            <a:r>
+              <a:rPr sz="1400" dirty="0"/>
+              <a:t>Conversion efficiency increased: revenue rising faster than impressions.</a:t>
+            </a:r>
+          </a:p>
+          <a:p>
+            <a:pPr>
+              <a:defRPr sz="1400"/>
+            </a:pPr>
+            <a:r>
+              <a:rPr sz="1400" dirty="0"/>
+              <a:t>Foot traffic decrease associated with rising temperature.</a:t>
+            </a:r>
+          </a:p>
+          <a:p>
+            <a:pPr>
+              <a:defRPr sz="1400"/>
+            </a:pPr>
+            <a:r>
+              <a:rPr sz="1400" dirty="0"/>
+              <a:t>Conversion efficiency increased: revenue rising faster than impressions.</a:t>
+            </a:r>
+          </a:p>
+          <a:p>
+            <a:pPr>
+              <a:defRPr sz="1400"/>
+            </a:pPr>
+            <a:r>
+              <a:rPr sz="1400" dirty="0"/>
+              <a:t>Foot traffic decrease associated with rising temperature.</a:t>
+            </a:r>
+          </a:p>
+          <a:p>
+            <a:pPr>
+              <a:defRPr sz="1400"/>
+            </a:pPr>
+            <a:r>
+              <a:rPr sz="1400" dirty="0"/>
               <a:t>Creative fatigue detected due to CTR drop while impressions remain stable.</a:t>
             </a:r>
           </a:p>
@@ -7354,46 +7927,52 @@
               <a:defRPr sz="1400"/>
             </a:pPr>
             <a:r>
-              <a:t>Conversion efficiency increased: revenue rising faster than impressions.</a:t>
-            </a:r>
-          </a:p>
-          <a:p>
-            <a:pPr>
-              <a:defRPr sz="1400"/>
-            </a:pPr>
-            <a:r>
-              <a:t>Foot traffic decrease associated with rising temperature.</a:t>
-            </a:r>
-          </a:p>
-          <a:p>
-            <a:pPr>
-              <a:defRPr sz="1400"/>
-            </a:pPr>
-            <a:r>
-              <a:t>Conversion efficiency increased: revenue rising faster than impressions.</a:t>
-            </a:r>
-          </a:p>
-          <a:p>
-            <a:pPr>
-              <a:defRPr sz="1400"/>
-            </a:pPr>
-            <a:r>
-              <a:t>Conversion efficiency increased: revenue rising faster than impressions.</a:t>
-            </a:r>
-          </a:p>
-          <a:p>
-            <a:pPr>
-              <a:defRPr sz="1400"/>
-            </a:pPr>
-            <a:r>
-              <a:t>Foot traffic decrease associated with rising temperature.</a:t>
-            </a:r>
-          </a:p>
-          <a:p>
-            <a:pPr>
-              <a:defRPr sz="1400"/>
-            </a:pPr>
-            <a:r>
+              <a:rPr sz="1400" dirty="0"/>
+              <a:t>Conversion efficiency increased: revenue rising faster than impressions.</a:t>
+            </a:r>
+          </a:p>
+          <a:p>
+            <a:pPr>
+              <a:defRPr sz="1400"/>
+            </a:pPr>
+            <a:r>
+              <a:rPr sz="1400" dirty="0"/>
+              <a:t>Foot traffic decrease associated with rising temperature.</a:t>
+            </a:r>
+          </a:p>
+          <a:p>
+            <a:pPr>
+              <a:defRPr sz="1400"/>
+            </a:pPr>
+            <a:r>
+              <a:rPr sz="1400" dirty="0"/>
+              <a:t>Conversion efficiency increased: revenue rising faster than impressions.</a:t>
+            </a:r>
+          </a:p>
+          <a:p>
+            <a:pPr>
+              <a:defRPr sz="1400"/>
+            </a:pPr>
+            <a:r>
+              <a:rPr sz="1400" dirty="0"/>
+              <a:t>Conversion efficiency increased: revenue rising faster than impressions.</a:t>
+            </a:r>
+          </a:p>
+          <a:p>
+            <a:pPr>
+              <a:defRPr sz="1400"/>
+            </a:pPr>
+            <a:r>
+              <a:rPr sz="1400" dirty="0"/>
+              <a:t>Foot traffic decrease associated with rising temperature.</a:t>
+            </a:r>
+          </a:p>
+          <a:p>
+            <a:pPr>
+              <a:defRPr sz="1400"/>
+            </a:pPr>
+            <a:r>
+              <a:rPr sz="1400" dirty="0"/>
               <a:t>Creative fatigue detected due to CTR drop while impressions remain stable.</a:t>
             </a:r>
           </a:p>
@@ -7402,14 +7981,16 @@
               <a:defRPr sz="1400"/>
             </a:pPr>
             <a:r>
-              <a:t>Conversion efficiency increased: revenue rising faster than impressions.</a:t>
-            </a:r>
-          </a:p>
-          <a:p>
-            <a:pPr>
-              <a:defRPr sz="1400"/>
-            </a:pPr>
-            <a:r>
+              <a:rPr sz="1400" dirty="0"/>
+              <a:t>Conversion efficiency increased: revenue rising faster than impressions.</a:t>
+            </a:r>
+          </a:p>
+          <a:p>
+            <a:pPr>
+              <a:defRPr sz="1400"/>
+            </a:pPr>
+            <a:r>
+              <a:rPr sz="1400" dirty="0"/>
               <a:t>Creative fatigue detected due to CTR drop while impressions remain stable.</a:t>
             </a:r>
           </a:p>
@@ -7418,30 +7999,34 @@
               <a:defRPr sz="1400"/>
             </a:pPr>
             <a:r>
-              <a:t>Conversion efficiency increased: revenue rising faster than impressions.</a:t>
-            </a:r>
-          </a:p>
-          <a:p>
-            <a:pPr>
-              <a:defRPr sz="1400"/>
-            </a:pPr>
-            <a:r>
-              <a:t>Foot traffic decrease associated with rising temperature.</a:t>
-            </a:r>
-          </a:p>
-          <a:p>
-            <a:pPr>
-              <a:defRPr sz="1400"/>
-            </a:pPr>
-            <a:r>
-              <a:t>Conversion efficiency increased: revenue rising faster than impressions.</a:t>
-            </a:r>
-          </a:p>
-          <a:p>
-            <a:pPr>
-              <a:defRPr sz="1400"/>
-            </a:pPr>
-            <a:r>
+              <a:rPr sz="1400" dirty="0"/>
+              <a:t>Conversion efficiency increased: revenue rising faster than impressions.</a:t>
+            </a:r>
+          </a:p>
+          <a:p>
+            <a:pPr>
+              <a:defRPr sz="1400"/>
+            </a:pPr>
+            <a:r>
+              <a:rPr sz="1400" dirty="0"/>
+              <a:t>Foot traffic decrease associated with rising temperature.</a:t>
+            </a:r>
+          </a:p>
+          <a:p>
+            <a:pPr>
+              <a:defRPr sz="1400"/>
+            </a:pPr>
+            <a:r>
+              <a:rPr sz="1400" dirty="0"/>
+              <a:t>Conversion efficiency increased: revenue rising faster than impressions.</a:t>
+            </a:r>
+          </a:p>
+          <a:p>
+            <a:pPr>
+              <a:defRPr sz="1400"/>
+            </a:pPr>
+            <a:r>
+              <a:rPr sz="1400" dirty="0"/>
               <a:t>Creative fatigue detected due to CTR drop while impressions remain stable.</a:t>
             </a:r>
           </a:p>
@@ -7450,22 +8035,25 @@
               <a:defRPr sz="1400"/>
             </a:pPr>
             <a:r>
-              <a:t>Foot traffic decrease associated with rising temperature.</a:t>
-            </a:r>
-          </a:p>
-          <a:p>
-            <a:pPr>
-              <a:defRPr sz="1400"/>
-            </a:pPr>
-            <a:r>
-              <a:t>Conversion efficiency increased: revenue rising faster than impressions.</a:t>
-            </a:r>
-          </a:p>
-          <a:p>
-            <a:pPr>
-              <a:defRPr sz="1400"/>
-            </a:pPr>
-            <a:r>
+              <a:rPr sz="1400" dirty="0"/>
+              <a:t>Foot traffic decrease associated with rising temperature.</a:t>
+            </a:r>
+          </a:p>
+          <a:p>
+            <a:pPr>
+              <a:defRPr sz="1400"/>
+            </a:pPr>
+            <a:r>
+              <a:rPr sz="1400" dirty="0"/>
+              <a:t>Conversion efficiency increased: revenue rising faster than impressions.</a:t>
+            </a:r>
+          </a:p>
+          <a:p>
+            <a:pPr>
+              <a:defRPr sz="1400"/>
+            </a:pPr>
+            <a:r>
+              <a:rPr sz="1400" dirty="0"/>
               <a:t>Creative fatigue detected due to CTR drop while impressions remain stable.</a:t>
             </a:r>
           </a:p>
@@ -7474,6 +8062,7 @@
               <a:defRPr sz="1400"/>
             </a:pPr>
             <a:r>
+              <a:rPr sz="1400" dirty="0"/>
               <a:t>Creative fatigue detected due to CTR drop while impressions remain stable.</a:t>
             </a:r>
           </a:p>
@@ -7482,14 +8071,16 @@
               <a:defRPr sz="1400"/>
             </a:pPr>
             <a:r>
-              <a:t>Foot traffic decrease associated with rising temperature.</a:t>
-            </a:r>
-          </a:p>
-          <a:p>
-            <a:pPr>
-              <a:defRPr sz="1400"/>
-            </a:pPr>
-            <a:r>
+              <a:rPr sz="1400" dirty="0"/>
+              <a:t>Foot traffic decrease associated with rising temperature.</a:t>
+            </a:r>
+          </a:p>
+          <a:p>
+            <a:pPr>
+              <a:defRPr sz="1400"/>
+            </a:pPr>
+            <a:r>
+              <a:rPr sz="1400" dirty="0"/>
               <a:t>Creative fatigue detected due to CTR drop while impressions remain stable.</a:t>
             </a:r>
           </a:p>
@@ -7498,70 +8089,79 @@
               <a:defRPr sz="1400"/>
             </a:pPr>
             <a:r>
-              <a:t>Foot traffic decrease associated with rising temperature.</a:t>
-            </a:r>
-          </a:p>
-          <a:p>
-            <a:pPr>
-              <a:defRPr sz="1400"/>
-            </a:pPr>
-            <a:r>
-              <a:t>Conversion efficiency increased: revenue rising faster than impressions.</a:t>
-            </a:r>
-          </a:p>
-          <a:p>
-            <a:pPr>
-              <a:defRPr sz="1400"/>
-            </a:pPr>
-            <a:r>
-              <a:t>Foot traffic decrease associated with rising temperature.</a:t>
-            </a:r>
-          </a:p>
-          <a:p>
-            <a:pPr>
-              <a:defRPr sz="1400"/>
-            </a:pPr>
-            <a:r>
-              <a:t>Conversion efficiency increased: revenue rising faster than impressions.</a:t>
-            </a:r>
-          </a:p>
-          <a:p>
-            <a:pPr>
-              <a:defRPr sz="1400"/>
-            </a:pPr>
-            <a:r>
-              <a:t>Foot traffic decrease associated with rising temperature.</a:t>
-            </a:r>
-          </a:p>
-          <a:p>
-            <a:pPr>
-              <a:defRPr sz="1400"/>
-            </a:pPr>
-            <a:r>
-              <a:t>Foot traffic decrease associated with rising temperature.</a:t>
-            </a:r>
-          </a:p>
-          <a:p>
-            <a:pPr>
-              <a:defRPr sz="1400"/>
-            </a:pPr>
-            <a:r>
-              <a:t>Conversion efficiency increased: revenue rising faster than impressions.</a:t>
-            </a:r>
-          </a:p>
-          <a:p>
-            <a:pPr>
-              <a:defRPr sz="1400"/>
-            </a:pPr>
-            <a:r>
-              <a:t>Conversion efficiency increased: revenue rising faster than impressions.</a:t>
-            </a:r>
-          </a:p>
-          <a:p>
-            <a:pPr>
-              <a:defRPr sz="1400"/>
-            </a:pPr>
-            <a:r>
+              <a:rPr sz="1400" dirty="0"/>
+              <a:t>Foot traffic decrease associated with rising temperature.</a:t>
+            </a:r>
+          </a:p>
+          <a:p>
+            <a:pPr>
+              <a:defRPr sz="1400"/>
+            </a:pPr>
+            <a:r>
+              <a:rPr sz="1400" dirty="0"/>
+              <a:t>Conversion efficiency increased: revenue rising faster than impressions.</a:t>
+            </a:r>
+          </a:p>
+          <a:p>
+            <a:pPr>
+              <a:defRPr sz="1400"/>
+            </a:pPr>
+            <a:r>
+              <a:rPr sz="1400" dirty="0"/>
+              <a:t>Foot traffic decrease associated with rising temperature.</a:t>
+            </a:r>
+          </a:p>
+          <a:p>
+            <a:pPr>
+              <a:defRPr sz="1400"/>
+            </a:pPr>
+            <a:r>
+              <a:rPr sz="1400" dirty="0"/>
+              <a:t>Conversion efficiency increased: revenue rising faster than impressions.</a:t>
+            </a:r>
+          </a:p>
+          <a:p>
+            <a:pPr>
+              <a:defRPr sz="1400"/>
+            </a:pPr>
+            <a:r>
+              <a:rPr sz="1400" dirty="0"/>
+              <a:t>Foot traffic decrease associated with rising temperature.</a:t>
+            </a:r>
+          </a:p>
+          <a:p>
+            <a:pPr>
+              <a:defRPr sz="1400"/>
+            </a:pPr>
+            <a:r>
+              <a:rPr sz="1400" dirty="0"/>
+              <a:t>Foot traffic decrease associated with rising temperature.</a:t>
+            </a:r>
+          </a:p>
+          <a:p>
+            <a:pPr>
+              <a:defRPr sz="1400"/>
+            </a:pPr>
+            <a:r>
+              <a:rPr sz="1400" dirty="0"/>
+              <a:t>Conversion efficiency increased: revenue rising faster than impressions.</a:t>
+            </a:r>
+          </a:p>
+          <a:p>
+            <a:pPr>
+              <a:defRPr sz="1400"/>
+            </a:pPr>
+            <a:r>
+              <a:rPr sz="1400" dirty="0"/>
+              <a:t>Conversion efficiency increased: revenue rising faster than impressions.</a:t>
+            </a:r>
+          </a:p>
+          <a:p>
+            <a:pPr>
+              <a:defRPr sz="1400"/>
+            </a:pPr>
+            <a:r>
+              <a:rPr sz="1400" dirty="0"/>
               <a:t>Creative fatigue detected due to CTR drop while impressions remain stable.</a:t>
             </a:r>
           </a:p>
@@ -7570,150 +8170,169 @@
               <a:defRPr sz="1400"/>
             </a:pPr>
             <a:r>
-              <a:t>Conversion efficiency increased: revenue rising faster than impressions.</a:t>
-            </a:r>
-          </a:p>
-          <a:p>
-            <a:pPr>
-              <a:defRPr sz="1400"/>
-            </a:pPr>
-            <a:r>
-              <a:t>Foot traffic decrease associated with rising temperature.</a:t>
-            </a:r>
-          </a:p>
-          <a:p>
-            <a:pPr>
-              <a:defRPr sz="1400"/>
-            </a:pPr>
-            <a:r>
-              <a:t>Foot traffic decrease associated with rising temperature.</a:t>
-            </a:r>
-          </a:p>
-          <a:p>
-            <a:pPr>
-              <a:defRPr sz="1400"/>
-            </a:pPr>
-            <a:r>
-              <a:t>Conversion efficiency increased: revenue rising faster than impressions.</a:t>
-            </a:r>
-          </a:p>
-          <a:p>
-            <a:pPr>
-              <a:defRPr sz="1400"/>
-            </a:pPr>
-            <a:r>
-              <a:t>Conversion efficiency increased: revenue rising faster than impressions.</a:t>
-            </a:r>
-          </a:p>
-          <a:p>
-            <a:pPr>
-              <a:defRPr sz="1400"/>
-            </a:pPr>
-            <a:r>
-              <a:t>Foot traffic decrease associated with rising temperature.</a:t>
-            </a:r>
-          </a:p>
-          <a:p>
-            <a:pPr>
-              <a:defRPr sz="1400"/>
-            </a:pPr>
-            <a:r>
-              <a:t>Conversion efficiency increased: revenue rising faster than impressions.</a:t>
-            </a:r>
-          </a:p>
-          <a:p>
-            <a:pPr>
-              <a:defRPr sz="1400"/>
-            </a:pPr>
-            <a:r>
-              <a:t>Foot traffic decrease associated with rising temperature.</a:t>
-            </a:r>
-          </a:p>
-          <a:p>
-            <a:pPr>
-              <a:defRPr sz="1400"/>
-            </a:pPr>
-            <a:r>
-              <a:t>Conversion efficiency increased: revenue rising faster than impressions.</a:t>
-            </a:r>
-          </a:p>
-          <a:p>
-            <a:pPr>
-              <a:defRPr sz="1400"/>
-            </a:pPr>
-            <a:r>
-              <a:t>Conversion efficiency increased: revenue rising faster than impressions.</a:t>
-            </a:r>
-          </a:p>
-          <a:p>
-            <a:pPr>
-              <a:defRPr sz="1400"/>
-            </a:pPr>
-            <a:r>
-              <a:t>Foot traffic decrease associated with rising temperature.</a:t>
-            </a:r>
-          </a:p>
-          <a:p>
-            <a:pPr>
-              <a:defRPr sz="1400"/>
-            </a:pPr>
-            <a:r>
-              <a:t>Conversion efficiency increased: revenue rising faster than impressions.</a:t>
-            </a:r>
-          </a:p>
-          <a:p>
-            <a:pPr>
-              <a:defRPr sz="1400"/>
-            </a:pPr>
-            <a:r>
-              <a:t>Conversion efficiency increased: revenue rising faster than impressions.</a:t>
-            </a:r>
-          </a:p>
-          <a:p>
-            <a:pPr>
-              <a:defRPr sz="1400"/>
-            </a:pPr>
-            <a:r>
-              <a:t>Foot traffic decrease associated with rising temperature.</a:t>
-            </a:r>
-          </a:p>
-          <a:p>
-            <a:pPr>
-              <a:defRPr sz="1400"/>
-            </a:pPr>
-            <a:r>
-              <a:t>Foot traffic decrease associated with rising temperature.</a:t>
-            </a:r>
-          </a:p>
-          <a:p>
-            <a:pPr>
-              <a:defRPr sz="1400"/>
-            </a:pPr>
-            <a:r>
-              <a:t>Conversion efficiency increased: revenue rising faster than impressions.</a:t>
-            </a:r>
-          </a:p>
-          <a:p>
-            <a:pPr>
-              <a:defRPr sz="1400"/>
-            </a:pPr>
-            <a:r>
-              <a:t>Foot traffic decrease associated with rising temperature.</a:t>
-            </a:r>
-          </a:p>
-          <a:p>
-            <a:pPr>
-              <a:defRPr sz="1400"/>
-            </a:pPr>
-            <a:r>
-              <a:t>Foot traffic decrease associated with rising temperature.</a:t>
-            </a:r>
-          </a:p>
-          <a:p>
-            <a:pPr>
-              <a:defRPr sz="1400"/>
-            </a:pPr>
-            <a:r>
+              <a:rPr sz="1400" dirty="0"/>
+              <a:t>Conversion efficiency increased: revenue rising faster than impressions.</a:t>
+            </a:r>
+          </a:p>
+          <a:p>
+            <a:pPr>
+              <a:defRPr sz="1400"/>
+            </a:pPr>
+            <a:r>
+              <a:rPr sz="1400" dirty="0"/>
+              <a:t>Foot traffic decrease associated with rising temperature.</a:t>
+            </a:r>
+          </a:p>
+          <a:p>
+            <a:pPr>
+              <a:defRPr sz="1400"/>
+            </a:pPr>
+            <a:r>
+              <a:rPr sz="1400" dirty="0"/>
+              <a:t>Foot traffic decrease associated with rising temperature.</a:t>
+            </a:r>
+          </a:p>
+          <a:p>
+            <a:pPr>
+              <a:defRPr sz="1400"/>
+            </a:pPr>
+            <a:r>
+              <a:rPr sz="1400" dirty="0"/>
+              <a:t>Conversion efficiency increased: revenue rising faster than impressions.</a:t>
+            </a:r>
+          </a:p>
+          <a:p>
+            <a:pPr>
+              <a:defRPr sz="1400"/>
+            </a:pPr>
+            <a:r>
+              <a:rPr sz="1400" dirty="0"/>
+              <a:t>Conversion efficiency increased: revenue rising faster than impressions.</a:t>
+            </a:r>
+          </a:p>
+          <a:p>
+            <a:pPr>
+              <a:defRPr sz="1400"/>
+            </a:pPr>
+            <a:r>
+              <a:rPr sz="1400" dirty="0"/>
+              <a:t>Foot traffic decrease associated with rising temperature.</a:t>
+            </a:r>
+          </a:p>
+          <a:p>
+            <a:pPr>
+              <a:defRPr sz="1400"/>
+            </a:pPr>
+            <a:r>
+              <a:rPr sz="1400" dirty="0"/>
+              <a:t>Conversion efficiency increased: revenue rising faster than impressions.</a:t>
+            </a:r>
+          </a:p>
+          <a:p>
+            <a:pPr>
+              <a:defRPr sz="1400"/>
+            </a:pPr>
+            <a:r>
+              <a:rPr sz="1400" dirty="0"/>
+              <a:t>Foot traffic decrease associated with rising temperature.</a:t>
+            </a:r>
+          </a:p>
+          <a:p>
+            <a:pPr>
+              <a:defRPr sz="1400"/>
+            </a:pPr>
+            <a:r>
+              <a:rPr sz="1400" dirty="0"/>
+              <a:t>Conversion efficiency increased: revenue rising faster than impressions.</a:t>
+            </a:r>
+          </a:p>
+          <a:p>
+            <a:pPr>
+              <a:defRPr sz="1400"/>
+            </a:pPr>
+            <a:r>
+              <a:rPr sz="1400" dirty="0"/>
+              <a:t>Conversion efficiency increased: revenue rising faster than impressions.</a:t>
+            </a:r>
+          </a:p>
+          <a:p>
+            <a:pPr>
+              <a:defRPr sz="1400"/>
+            </a:pPr>
+            <a:r>
+              <a:rPr sz="1400" dirty="0"/>
+              <a:t>Foot traffic decrease associated with rising temperature.</a:t>
+            </a:r>
+          </a:p>
+          <a:p>
+            <a:pPr>
+              <a:defRPr sz="1400"/>
+            </a:pPr>
+            <a:r>
+              <a:rPr sz="1400" dirty="0"/>
+              <a:t>Conversion efficiency increased: revenue rising faster than impressions.</a:t>
+            </a:r>
+          </a:p>
+          <a:p>
+            <a:pPr>
+              <a:defRPr sz="1400"/>
+            </a:pPr>
+            <a:r>
+              <a:rPr sz="1400" dirty="0"/>
+              <a:t>Conversion efficiency increased: revenue rising faster than impressions.</a:t>
+            </a:r>
+          </a:p>
+          <a:p>
+            <a:pPr>
+              <a:defRPr sz="1400"/>
+            </a:pPr>
+            <a:r>
+              <a:rPr sz="1400" dirty="0"/>
+              <a:t>Foot traffic decrease associated with rising temperature.</a:t>
+            </a:r>
+          </a:p>
+          <a:p>
+            <a:pPr>
+              <a:defRPr sz="1400"/>
+            </a:pPr>
+            <a:r>
+              <a:rPr sz="1400" dirty="0"/>
+              <a:t>Foot traffic decrease associated with rising temperature.</a:t>
+            </a:r>
+          </a:p>
+          <a:p>
+            <a:pPr>
+              <a:defRPr sz="1400"/>
+            </a:pPr>
+            <a:r>
+              <a:rPr sz="1400" dirty="0"/>
+              <a:t>Conversion efficiency increased: revenue rising faster than impressions.</a:t>
+            </a:r>
+          </a:p>
+          <a:p>
+            <a:pPr>
+              <a:defRPr sz="1400"/>
+            </a:pPr>
+            <a:r>
+              <a:rPr sz="1400" dirty="0"/>
+              <a:t>Foot traffic decrease associated with rising temperature.</a:t>
+            </a:r>
+          </a:p>
+          <a:p>
+            <a:pPr>
+              <a:defRPr sz="1400"/>
+            </a:pPr>
+            <a:r>
+              <a:rPr sz="1400" dirty="0"/>
+              <a:t>Foot traffic decrease associated with rising temperature.</a:t>
+            </a:r>
+          </a:p>
+          <a:p>
+            <a:pPr>
+              <a:defRPr sz="1400"/>
+            </a:pPr>
+            <a:r>
+              <a:rPr sz="1400" dirty="0"/>
               <a:t>Creative fatigue detected due to CTR drop while impressions remain stable.</a:t>
             </a:r>
           </a:p>
@@ -7722,46 +8341,52 @@
               <a:defRPr sz="1400"/>
             </a:pPr>
             <a:r>
-              <a:t>Conversion efficiency increased: revenue rising faster than impressions.</a:t>
-            </a:r>
-          </a:p>
-          <a:p>
-            <a:pPr>
-              <a:defRPr sz="1400"/>
-            </a:pPr>
-            <a:r>
-              <a:t>Foot traffic decrease associated with rising temperature.</a:t>
-            </a:r>
-          </a:p>
-          <a:p>
-            <a:pPr>
-              <a:defRPr sz="1400"/>
-            </a:pPr>
-            <a:r>
-              <a:t>Conversion efficiency increased: revenue rising faster than impressions.</a:t>
-            </a:r>
-          </a:p>
-          <a:p>
-            <a:pPr>
-              <a:defRPr sz="1400"/>
-            </a:pPr>
-            <a:r>
-              <a:t>Foot traffic decrease associated with rising temperature.</a:t>
-            </a:r>
-          </a:p>
-          <a:p>
-            <a:pPr>
-              <a:defRPr sz="1400"/>
-            </a:pPr>
-            <a:r>
-              <a:t>Conversion efficiency increased: revenue rising faster than impressions.</a:t>
-            </a:r>
-          </a:p>
-          <a:p>
-            <a:pPr>
-              <a:defRPr sz="1400"/>
-            </a:pPr>
-            <a:r>
+              <a:rPr sz="1400" dirty="0"/>
+              <a:t>Conversion efficiency increased: revenue rising faster than impressions.</a:t>
+            </a:r>
+          </a:p>
+          <a:p>
+            <a:pPr>
+              <a:defRPr sz="1400"/>
+            </a:pPr>
+            <a:r>
+              <a:rPr sz="1400" dirty="0"/>
+              <a:t>Foot traffic decrease associated with rising temperature.</a:t>
+            </a:r>
+          </a:p>
+          <a:p>
+            <a:pPr>
+              <a:defRPr sz="1400"/>
+            </a:pPr>
+            <a:r>
+              <a:rPr sz="1400" dirty="0"/>
+              <a:t>Conversion efficiency increased: revenue rising faster than impressions.</a:t>
+            </a:r>
+          </a:p>
+          <a:p>
+            <a:pPr>
+              <a:defRPr sz="1400"/>
+            </a:pPr>
+            <a:r>
+              <a:rPr sz="1400" dirty="0"/>
+              <a:t>Foot traffic decrease associated with rising temperature.</a:t>
+            </a:r>
+          </a:p>
+          <a:p>
+            <a:pPr>
+              <a:defRPr sz="1400"/>
+            </a:pPr>
+            <a:r>
+              <a:rPr sz="1400" dirty="0"/>
+              <a:t>Conversion efficiency increased: revenue rising faster than impressions.</a:t>
+            </a:r>
+          </a:p>
+          <a:p>
+            <a:pPr>
+              <a:defRPr sz="1400"/>
+            </a:pPr>
+            <a:r>
+              <a:rPr sz="1400" dirty="0"/>
               <a:t>Creative fatigue detected due to CTR drop while impressions remain stable.</a:t>
             </a:r>
           </a:p>
@@ -7770,30 +8395,34 @@
               <a:defRPr sz="1400"/>
             </a:pPr>
             <a:r>
-              <a:t>Foot traffic decrease associated with rising temperature.</a:t>
-            </a:r>
-          </a:p>
-          <a:p>
-            <a:pPr>
-              <a:defRPr sz="1400"/>
-            </a:pPr>
-            <a:r>
-              <a:t>Conversion efficiency increased: revenue rising faster than impressions.</a:t>
-            </a:r>
-          </a:p>
-          <a:p>
-            <a:pPr>
-              <a:defRPr sz="1400"/>
-            </a:pPr>
-            <a:r>
-              <a:t>Conversion efficiency increased: revenue rising faster than impressions.</a:t>
-            </a:r>
-          </a:p>
-          <a:p>
-            <a:pPr>
-              <a:defRPr sz="1400"/>
-            </a:pPr>
-            <a:r>
+              <a:rPr sz="1400" dirty="0"/>
+              <a:t>Foot traffic decrease associated with rising temperature.</a:t>
+            </a:r>
+          </a:p>
+          <a:p>
+            <a:pPr>
+              <a:defRPr sz="1400"/>
+            </a:pPr>
+            <a:r>
+              <a:rPr sz="1400" dirty="0"/>
+              <a:t>Conversion efficiency increased: revenue rising faster than impressions.</a:t>
+            </a:r>
+          </a:p>
+          <a:p>
+            <a:pPr>
+              <a:defRPr sz="1400"/>
+            </a:pPr>
+            <a:r>
+              <a:rPr sz="1400" dirty="0"/>
+              <a:t>Conversion efficiency increased: revenue rising faster than impressions.</a:t>
+            </a:r>
+          </a:p>
+          <a:p>
+            <a:pPr>
+              <a:defRPr sz="1400"/>
+            </a:pPr>
+            <a:r>
+              <a:rPr sz="1400" dirty="0"/>
               <a:t>Creative fatigue detected due to CTR drop while impressions remain stable.</a:t>
             </a:r>
           </a:p>
@@ -7802,94 +8431,106 @@
               <a:defRPr sz="1400"/>
             </a:pPr>
             <a:r>
-              <a:t>Conversion efficiency increased: revenue rising faster than impressions.</a:t>
-            </a:r>
-          </a:p>
-          <a:p>
-            <a:pPr>
-              <a:defRPr sz="1400"/>
-            </a:pPr>
-            <a:r>
-              <a:t>Conversion efficiency increased: revenue rising faster than impressions.</a:t>
-            </a:r>
-          </a:p>
-          <a:p>
-            <a:pPr>
-              <a:defRPr sz="1400"/>
-            </a:pPr>
-            <a:r>
-              <a:t>Foot traffic decrease associated with rising temperature.</a:t>
-            </a:r>
-          </a:p>
-          <a:p>
-            <a:pPr>
-              <a:defRPr sz="1400"/>
-            </a:pPr>
-            <a:r>
-              <a:t>Foot traffic decrease associated with rising temperature.</a:t>
-            </a:r>
-          </a:p>
-          <a:p>
-            <a:pPr>
-              <a:defRPr sz="1400"/>
-            </a:pPr>
-            <a:r>
-              <a:t>Foot traffic decrease associated with rising temperature.</a:t>
-            </a:r>
-          </a:p>
-          <a:p>
-            <a:pPr>
-              <a:defRPr sz="1400"/>
-            </a:pPr>
-            <a:r>
-              <a:t>Conversion efficiency increased: revenue rising faster than impressions.</a:t>
-            </a:r>
-          </a:p>
-          <a:p>
-            <a:pPr>
-              <a:defRPr sz="1400"/>
-            </a:pPr>
-            <a:r>
-              <a:t>Foot traffic decrease associated with rising temperature.</a:t>
-            </a:r>
-          </a:p>
-          <a:p>
-            <a:pPr>
-              <a:defRPr sz="1400"/>
-            </a:pPr>
-            <a:r>
-              <a:t>Foot traffic decrease associated with rising temperature.</a:t>
-            </a:r>
-          </a:p>
-          <a:p>
-            <a:pPr>
-              <a:defRPr sz="1400"/>
-            </a:pPr>
-            <a:r>
-              <a:t>Foot traffic decrease associated with rising temperature.</a:t>
-            </a:r>
-          </a:p>
-          <a:p>
-            <a:pPr>
-              <a:defRPr sz="1400"/>
-            </a:pPr>
-            <a:r>
-              <a:t>Conversion efficiency increased: revenue rising faster than impressions.</a:t>
-            </a:r>
-          </a:p>
-          <a:p>
-            <a:pPr>
-              <a:defRPr sz="1400"/>
-            </a:pPr>
-            <a:r>
-              <a:t>Conversion efficiency increased: revenue rising faster than impressions.</a:t>
-            </a:r>
-          </a:p>
-          <a:p>
-            <a:pPr>
-              <a:defRPr sz="1400"/>
-            </a:pPr>
-            <a:r>
+              <a:rPr sz="1400" dirty="0"/>
+              <a:t>Conversion efficiency increased: revenue rising faster than impressions.</a:t>
+            </a:r>
+          </a:p>
+          <a:p>
+            <a:pPr>
+              <a:defRPr sz="1400"/>
+            </a:pPr>
+            <a:r>
+              <a:rPr sz="1400" dirty="0"/>
+              <a:t>Conversion efficiency increased: revenue rising faster than impressions.</a:t>
+            </a:r>
+          </a:p>
+          <a:p>
+            <a:pPr>
+              <a:defRPr sz="1400"/>
+            </a:pPr>
+            <a:r>
+              <a:rPr sz="1400" dirty="0"/>
+              <a:t>Foot traffic decrease associated with rising temperature.</a:t>
+            </a:r>
+          </a:p>
+          <a:p>
+            <a:pPr>
+              <a:defRPr sz="1400"/>
+            </a:pPr>
+            <a:r>
+              <a:rPr sz="1400" dirty="0"/>
+              <a:t>Foot traffic decrease associated with rising temperature.</a:t>
+            </a:r>
+          </a:p>
+          <a:p>
+            <a:pPr>
+              <a:defRPr sz="1400"/>
+            </a:pPr>
+            <a:r>
+              <a:rPr sz="1400" dirty="0"/>
+              <a:t>Foot traffic decrease associated with rising temperature.</a:t>
+            </a:r>
+          </a:p>
+          <a:p>
+            <a:pPr>
+              <a:defRPr sz="1400"/>
+            </a:pPr>
+            <a:r>
+              <a:rPr sz="1400" dirty="0"/>
+              <a:t>Conversion efficiency increased: revenue rising faster than impressions.</a:t>
+            </a:r>
+          </a:p>
+          <a:p>
+            <a:pPr>
+              <a:defRPr sz="1400"/>
+            </a:pPr>
+            <a:r>
+              <a:rPr sz="1400" dirty="0"/>
+              <a:t>Foot traffic decrease associated with rising temperature.</a:t>
+            </a:r>
+          </a:p>
+          <a:p>
+            <a:pPr>
+              <a:defRPr sz="1400"/>
+            </a:pPr>
+            <a:r>
+              <a:rPr sz="1400" dirty="0"/>
+              <a:t>Foot traffic decrease associated with rising temperature.</a:t>
+            </a:r>
+          </a:p>
+          <a:p>
+            <a:pPr>
+              <a:defRPr sz="1400"/>
+            </a:pPr>
+            <a:r>
+              <a:rPr sz="1400" dirty="0"/>
+              <a:t>Foot traffic decrease associated with rising temperature.</a:t>
+            </a:r>
+          </a:p>
+          <a:p>
+            <a:pPr>
+              <a:defRPr sz="1400"/>
+            </a:pPr>
+            <a:r>
+              <a:rPr sz="1400" dirty="0"/>
+              <a:t>Conversion efficiency increased: revenue rising faster than impressions.</a:t>
+            </a:r>
+          </a:p>
+          <a:p>
+            <a:pPr>
+              <a:defRPr sz="1400"/>
+            </a:pPr>
+            <a:r>
+              <a:rPr sz="1400" dirty="0"/>
+              <a:t>Conversion efficiency increased: revenue rising faster than impressions.</a:t>
+            </a:r>
+          </a:p>
+          <a:p>
+            <a:pPr>
+              <a:defRPr sz="1400"/>
+            </a:pPr>
+            <a:r>
+              <a:rPr sz="1400" dirty="0"/>
               <a:t>Creative fatigue detected due to CTR drop while impressions remain stable.</a:t>
             </a:r>
           </a:p>
@@ -7898,38 +8539,43 @@
               <a:defRPr sz="1400"/>
             </a:pPr>
             <a:r>
-              <a:t>Conversion efficiency increased: revenue rising faster than impressions.</a:t>
-            </a:r>
-          </a:p>
-          <a:p>
-            <a:pPr>
-              <a:defRPr sz="1400"/>
-            </a:pPr>
-            <a:r>
-              <a:t>Conversion efficiency increased: revenue rising faster than impressions.</a:t>
-            </a:r>
-          </a:p>
-          <a:p>
-            <a:pPr>
-              <a:defRPr sz="1400"/>
-            </a:pPr>
-            <a:r>
-              <a:t>Conversion efficiency increased: revenue rising faster than impressions.</a:t>
-            </a:r>
-          </a:p>
-          <a:p>
-            <a:pPr>
-              <a:defRPr sz="1400"/>
-            </a:pPr>
-            <a:r>
-              <a:t>Foot traffic decrease associated with rising temperature.</a:t>
-            </a:r>
-          </a:p>
-          <a:p>
-            <a:pPr>
-              <a:defRPr sz="1400"/>
-            </a:pPr>
-            <a:r>
+              <a:rPr sz="1400" dirty="0"/>
+              <a:t>Conversion efficiency increased: revenue rising faster than impressions.</a:t>
+            </a:r>
+          </a:p>
+          <a:p>
+            <a:pPr>
+              <a:defRPr sz="1400"/>
+            </a:pPr>
+            <a:r>
+              <a:rPr sz="1400" dirty="0"/>
+              <a:t>Conversion efficiency increased: revenue rising faster than impressions.</a:t>
+            </a:r>
+          </a:p>
+          <a:p>
+            <a:pPr>
+              <a:defRPr sz="1400"/>
+            </a:pPr>
+            <a:r>
+              <a:rPr sz="1400" dirty="0"/>
+              <a:t>Conversion efficiency increased: revenue rising faster than impressions.</a:t>
+            </a:r>
+          </a:p>
+          <a:p>
+            <a:pPr>
+              <a:defRPr sz="1400"/>
+            </a:pPr>
+            <a:r>
+              <a:rPr sz="1400" dirty="0"/>
+              <a:t>Foot traffic decrease associated with rising temperature.</a:t>
+            </a:r>
+          </a:p>
+          <a:p>
+            <a:pPr>
+              <a:defRPr sz="1400"/>
+            </a:pPr>
+            <a:r>
+              <a:rPr sz="1400" dirty="0"/>
               <a:t>Creative fatigue detected due to CTR drop while impressions remain stable.</a:t>
             </a:r>
           </a:p>
@@ -7938,6 +8584,7 @@
               <a:defRPr sz="1400"/>
             </a:pPr>
             <a:r>
+              <a:rPr sz="1400" dirty="0"/>
               <a:t>Creative fatigue detected due to CTR drop while impressions remain stable.</a:t>
             </a:r>
           </a:p>
@@ -7946,62 +8593,70 @@
               <a:defRPr sz="1400"/>
             </a:pPr>
             <a:r>
-              <a:t>Foot traffic decrease associated with rising temperature.</a:t>
-            </a:r>
-          </a:p>
-          <a:p>
-            <a:pPr>
-              <a:defRPr sz="1400"/>
-            </a:pPr>
-            <a:r>
-              <a:t>Conversion efficiency increased: revenue rising faster than impressions.</a:t>
-            </a:r>
-          </a:p>
-          <a:p>
-            <a:pPr>
-              <a:defRPr sz="1400"/>
-            </a:pPr>
-            <a:r>
-              <a:t>Foot traffic decrease associated with rising temperature.</a:t>
-            </a:r>
-          </a:p>
-          <a:p>
-            <a:pPr>
-              <a:defRPr sz="1400"/>
-            </a:pPr>
-            <a:r>
-              <a:t>Foot traffic decrease associated with rising temperature.</a:t>
-            </a:r>
-          </a:p>
-          <a:p>
-            <a:pPr>
-              <a:defRPr sz="1400"/>
-            </a:pPr>
-            <a:r>
-              <a:t>Foot traffic decrease associated with rising temperature.</a:t>
-            </a:r>
-          </a:p>
-          <a:p>
-            <a:pPr>
-              <a:defRPr sz="1400"/>
-            </a:pPr>
-            <a:r>
-              <a:t>Conversion efficiency increased: revenue rising faster than impressions.</a:t>
-            </a:r>
-          </a:p>
-          <a:p>
-            <a:pPr>
-              <a:defRPr sz="1400"/>
-            </a:pPr>
-            <a:r>
-              <a:t>Conversion efficiency increased: revenue rising faster than impressions.</a:t>
-            </a:r>
-          </a:p>
-          <a:p>
-            <a:pPr>
-              <a:defRPr sz="1400"/>
-            </a:pPr>
-            <a:r>
+              <a:rPr sz="1400" dirty="0"/>
+              <a:t>Foot traffic decrease associated with rising temperature.</a:t>
+            </a:r>
+          </a:p>
+          <a:p>
+            <a:pPr>
+              <a:defRPr sz="1400"/>
+            </a:pPr>
+            <a:r>
+              <a:rPr sz="1400" dirty="0"/>
+              <a:t>Conversion efficiency increased: revenue rising faster than impressions.</a:t>
+            </a:r>
+          </a:p>
+          <a:p>
+            <a:pPr>
+              <a:defRPr sz="1400"/>
+            </a:pPr>
+            <a:r>
+              <a:rPr sz="1400" dirty="0"/>
+              <a:t>Foot traffic decrease associated with rising temperature.</a:t>
+            </a:r>
+          </a:p>
+          <a:p>
+            <a:pPr>
+              <a:defRPr sz="1400"/>
+            </a:pPr>
+            <a:r>
+              <a:rPr sz="1400" dirty="0"/>
+              <a:t>Foot traffic decrease associated with rising temperature.</a:t>
+            </a:r>
+          </a:p>
+          <a:p>
+            <a:pPr>
+              <a:defRPr sz="1400"/>
+            </a:pPr>
+            <a:r>
+              <a:rPr sz="1400" dirty="0"/>
+              <a:t>Foot traffic decrease associated with rising temperature.</a:t>
+            </a:r>
+          </a:p>
+          <a:p>
+            <a:pPr>
+              <a:defRPr sz="1400"/>
+            </a:pPr>
+            <a:r>
+              <a:rPr sz="1400" dirty="0"/>
+              <a:t>Conversion efficiency increased: revenue rising faster than impressions.</a:t>
+            </a:r>
+          </a:p>
+          <a:p>
+            <a:pPr>
+              <a:defRPr sz="1400"/>
+            </a:pPr>
+            <a:r>
+              <a:rPr sz="1400" dirty="0"/>
+              <a:t>Conversion efficiency increased: revenue rising faster than impressions.</a:t>
+            </a:r>
+          </a:p>
+          <a:p>
+            <a:pPr>
+              <a:defRPr sz="1400"/>
+            </a:pPr>
+            <a:r>
+              <a:rPr sz="1400" dirty="0"/>
               <a:t>Creative fatigue detected due to CTR drop while impressions remain stable.</a:t>
             </a:r>
           </a:p>
@@ -8010,14 +8665,16 @@
               <a:defRPr sz="1400"/>
             </a:pPr>
             <a:r>
-              <a:t>Foot traffic decrease associated with rising temperature.</a:t>
-            </a:r>
-          </a:p>
-          <a:p>
-            <a:pPr>
-              <a:defRPr sz="1400"/>
-            </a:pPr>
-            <a:r>
+              <a:rPr sz="1400" dirty="0"/>
+              <a:t>Foot traffic decrease associated with rising temperature.</a:t>
+            </a:r>
+          </a:p>
+          <a:p>
+            <a:pPr>
+              <a:defRPr sz="1400"/>
+            </a:pPr>
+            <a:r>
+              <a:rPr sz="1400" dirty="0"/>
               <a:t>Creative fatigue detected due to CTR drop while impressions remain stable.</a:t>
             </a:r>
           </a:p>
@@ -8026,38 +8683,43 @@
               <a:defRPr sz="1400"/>
             </a:pPr>
             <a:r>
-              <a:t>Conversion efficiency increased: revenue rising faster than impressions.</a:t>
-            </a:r>
-          </a:p>
-          <a:p>
-            <a:pPr>
-              <a:defRPr sz="1400"/>
-            </a:pPr>
-            <a:r>
-              <a:t>Foot traffic decrease associated with rising temperature.</a:t>
-            </a:r>
-          </a:p>
-          <a:p>
-            <a:pPr>
-              <a:defRPr sz="1400"/>
-            </a:pPr>
-            <a:r>
-              <a:t>Foot traffic decrease associated with rising temperature.</a:t>
-            </a:r>
-          </a:p>
-          <a:p>
-            <a:pPr>
-              <a:defRPr sz="1400"/>
-            </a:pPr>
-            <a:r>
-              <a:t>Foot traffic decrease associated with rising temperature.</a:t>
-            </a:r>
-          </a:p>
-          <a:p>
-            <a:pPr>
-              <a:defRPr sz="1400"/>
-            </a:pPr>
-            <a:r>
+              <a:rPr sz="1400" dirty="0"/>
+              <a:t>Conversion efficiency increased: revenue rising faster than impressions.</a:t>
+            </a:r>
+          </a:p>
+          <a:p>
+            <a:pPr>
+              <a:defRPr sz="1400"/>
+            </a:pPr>
+            <a:r>
+              <a:rPr sz="1400" dirty="0"/>
+              <a:t>Foot traffic decrease associated with rising temperature.</a:t>
+            </a:r>
+          </a:p>
+          <a:p>
+            <a:pPr>
+              <a:defRPr sz="1400"/>
+            </a:pPr>
+            <a:r>
+              <a:rPr sz="1400" dirty="0"/>
+              <a:t>Foot traffic decrease associated with rising temperature.</a:t>
+            </a:r>
+          </a:p>
+          <a:p>
+            <a:pPr>
+              <a:defRPr sz="1400"/>
+            </a:pPr>
+            <a:r>
+              <a:rPr sz="1400" dirty="0"/>
+              <a:t>Foot traffic decrease associated with rising temperature.</a:t>
+            </a:r>
+          </a:p>
+          <a:p>
+            <a:pPr>
+              <a:defRPr sz="1400"/>
+            </a:pPr>
+            <a:r>
+              <a:rPr sz="1400" dirty="0"/>
               <a:t>Creative fatigue detected due to CTR drop while impressions remain stable.</a:t>
             </a:r>
           </a:p>
@@ -8066,38 +8728,43 @@
               <a:defRPr sz="1400"/>
             </a:pPr>
             <a:r>
-              <a:t>Conversion efficiency increased: revenue rising faster than impressions.</a:t>
-            </a:r>
-          </a:p>
-          <a:p>
-            <a:pPr>
-              <a:defRPr sz="1400"/>
-            </a:pPr>
-            <a:r>
-              <a:t>Foot traffic decrease associated with rising temperature.</a:t>
-            </a:r>
-          </a:p>
-          <a:p>
-            <a:pPr>
-              <a:defRPr sz="1400"/>
-            </a:pPr>
-            <a:r>
-              <a:t>Conversion efficiency increased: revenue rising faster than impressions.</a:t>
-            </a:r>
-          </a:p>
-          <a:p>
-            <a:pPr>
-              <a:defRPr sz="1400"/>
-            </a:pPr>
-            <a:r>
-              <a:t>Foot traffic decrease associated with rising temperature.</a:t>
-            </a:r>
-          </a:p>
-          <a:p>
-            <a:pPr>
-              <a:defRPr sz="1400"/>
-            </a:pPr>
-            <a:r>
+              <a:rPr sz="1400" dirty="0"/>
+              <a:t>Conversion efficiency increased: revenue rising faster than impressions.</a:t>
+            </a:r>
+          </a:p>
+          <a:p>
+            <a:pPr>
+              <a:defRPr sz="1400"/>
+            </a:pPr>
+            <a:r>
+              <a:rPr sz="1400" dirty="0"/>
+              <a:t>Foot traffic decrease associated with rising temperature.</a:t>
+            </a:r>
+          </a:p>
+          <a:p>
+            <a:pPr>
+              <a:defRPr sz="1400"/>
+            </a:pPr>
+            <a:r>
+              <a:rPr sz="1400" dirty="0"/>
+              <a:t>Conversion efficiency increased: revenue rising faster than impressions.</a:t>
+            </a:r>
+          </a:p>
+          <a:p>
+            <a:pPr>
+              <a:defRPr sz="1400"/>
+            </a:pPr>
+            <a:r>
+              <a:rPr sz="1400" dirty="0"/>
+              <a:t>Foot traffic decrease associated with rising temperature.</a:t>
+            </a:r>
+          </a:p>
+          <a:p>
+            <a:pPr>
+              <a:defRPr sz="1400"/>
+            </a:pPr>
+            <a:r>
+              <a:rPr sz="1400" dirty="0"/>
               <a:t>Creative fatigue detected due to CTR drop while impressions remain stable.</a:t>
             </a:r>
           </a:p>
@@ -8106,62 +8773,70 @@
               <a:defRPr sz="1400"/>
             </a:pPr>
             <a:r>
-              <a:t>Foot traffic decrease associated with rising temperature.</a:t>
-            </a:r>
-          </a:p>
-          <a:p>
-            <a:pPr>
-              <a:defRPr sz="1400"/>
-            </a:pPr>
-            <a:r>
-              <a:t>Conversion efficiency increased: revenue rising faster than impressions.</a:t>
-            </a:r>
-          </a:p>
-          <a:p>
-            <a:pPr>
-              <a:defRPr sz="1400"/>
-            </a:pPr>
-            <a:r>
-              <a:t>Conversion efficiency increased: revenue rising faster than impressions.</a:t>
-            </a:r>
-          </a:p>
-          <a:p>
-            <a:pPr>
-              <a:defRPr sz="1400"/>
-            </a:pPr>
-            <a:r>
-              <a:t>Conversion efficiency increased: revenue rising faster than impressions.</a:t>
-            </a:r>
-          </a:p>
-          <a:p>
-            <a:pPr>
-              <a:defRPr sz="1400"/>
-            </a:pPr>
-            <a:r>
-              <a:t>Conversion efficiency increased: revenue rising faster than impressions.</a:t>
-            </a:r>
-          </a:p>
-          <a:p>
-            <a:pPr>
-              <a:defRPr sz="1400"/>
-            </a:pPr>
-            <a:r>
-              <a:t>Foot traffic decrease associated with rising temperature.</a:t>
-            </a:r>
-          </a:p>
-          <a:p>
-            <a:pPr>
-              <a:defRPr sz="1400"/>
-            </a:pPr>
-            <a:r>
-              <a:t>Foot traffic decrease associated with rising temperature.</a:t>
-            </a:r>
-          </a:p>
-          <a:p>
-            <a:pPr>
-              <a:defRPr sz="1400"/>
-            </a:pPr>
-            <a:r>
+              <a:rPr sz="1400" dirty="0"/>
+              <a:t>Foot traffic decrease associated with rising temperature.</a:t>
+            </a:r>
+          </a:p>
+          <a:p>
+            <a:pPr>
+              <a:defRPr sz="1400"/>
+            </a:pPr>
+            <a:r>
+              <a:rPr sz="1400" dirty="0"/>
+              <a:t>Conversion efficiency increased: revenue rising faster than impressions.</a:t>
+            </a:r>
+          </a:p>
+          <a:p>
+            <a:pPr>
+              <a:defRPr sz="1400"/>
+            </a:pPr>
+            <a:r>
+              <a:rPr sz="1400" dirty="0"/>
+              <a:t>Conversion efficiency increased: revenue rising faster than impressions.</a:t>
+            </a:r>
+          </a:p>
+          <a:p>
+            <a:pPr>
+              <a:defRPr sz="1400"/>
+            </a:pPr>
+            <a:r>
+              <a:rPr sz="1400" dirty="0"/>
+              <a:t>Conversion efficiency increased: revenue rising faster than impressions.</a:t>
+            </a:r>
+          </a:p>
+          <a:p>
+            <a:pPr>
+              <a:defRPr sz="1400"/>
+            </a:pPr>
+            <a:r>
+              <a:rPr sz="1400" dirty="0"/>
+              <a:t>Conversion efficiency increased: revenue rising faster than impressions.</a:t>
+            </a:r>
+          </a:p>
+          <a:p>
+            <a:pPr>
+              <a:defRPr sz="1400"/>
+            </a:pPr>
+            <a:r>
+              <a:rPr sz="1400" dirty="0"/>
+              <a:t>Foot traffic decrease associated with rising temperature.</a:t>
+            </a:r>
+          </a:p>
+          <a:p>
+            <a:pPr>
+              <a:defRPr sz="1400"/>
+            </a:pPr>
+            <a:r>
+              <a:rPr sz="1400" dirty="0"/>
+              <a:t>Foot traffic decrease associated with rising temperature.</a:t>
+            </a:r>
+          </a:p>
+          <a:p>
+            <a:pPr>
+              <a:defRPr sz="1400"/>
+            </a:pPr>
+            <a:r>
+              <a:rPr sz="1400" dirty="0"/>
               <a:t>Creative fatigue detected due to CTR drop while impressions remain stable.</a:t>
             </a:r>
           </a:p>
@@ -8170,6 +8845,7 @@
               <a:defRPr sz="1400"/>
             </a:pPr>
             <a:r>
+              <a:rPr sz="1400" dirty="0"/>
               <a:t>Offline Summary:</a:t>
             </a:r>
           </a:p>
@@ -8178,6 +8854,7 @@
               <a:defRPr sz="1400"/>
             </a:pPr>
             <a:r>
+              <a:rPr sz="1400" dirty="0"/>
               <a:t>- Total Impressions: 158777</a:t>
             </a:r>
           </a:p>
@@ -8186,6 +8863,7 @@
               <a:defRPr sz="1400"/>
             </a:pPr>
             <a:r>
+              <a:rPr sz="1400" dirty="0"/>
               <a:t>- CTR: 0.001335205980715091</a:t>
             </a:r>
           </a:p>
@@ -8194,6 +8872,7 @@
               <a:defRPr sz="1400"/>
             </a:pPr>
             <a:r>
+              <a:rPr sz="1400" dirty="0"/>
               <a:t>- Temperature shows correlation with foot-traffic.</a:t>
             </a:r>
           </a:p>
@@ -8202,6 +8881,7 @@
               <a:defRPr sz="1400"/>
             </a:pPr>
             <a:r>
+              <a:rPr sz="1400" dirty="0"/>
               <a:t>- Several anomalies detected in impressions/revenue.</a:t>
             </a:r>
           </a:p>
@@ -8210,6 +8890,7 @@
               <a:defRPr sz="1400"/>
             </a:pPr>
             <a:r>
+              <a:rPr sz="1400" dirty="0"/>
               <a:t>- Optimize timing and creatives based on visitor behavior.</a:t>
             </a:r>
           </a:p>
@@ -8217,6 +8898,7 @@
             <a:pPr>
               <a:defRPr sz="1400"/>
             </a:pPr>
+            <a:endParaRPr sz="1400" dirty="0"/>
           </a:p>
         </p:txBody>
       </p:sp>
